--- a/PRESENTACIONES/Presentacion de Proyecto_WUKY.pptx
+++ b/PRESENTACIONES/Presentacion de Proyecto_WUKY.pptx
@@ -117,6 +117,11 @@
       </a:defRPr>
     </a:lvl9pPr>
   </p:defaultTextStyle>
+  <p:extLst>
+    <p:ext uri="{EFAFB233-063F-42B5-8137-9DF3F51BA10A}">
+      <p15:sldGuideLst xmlns:p15="http://schemas.microsoft.com/office/powerpoint/2012/main"/>
+    </p:ext>
+  </p:extLst>
 </p:presentation>
 </file>
 
@@ -202,7 +207,7 @@
           <a:p>
             <a:fld id="{06CCE030-3650-4DF8-A94C-49E86708ABDD}" type="datetimeFigureOut">
               <a:rPr lang="es-CO" smtClean="0"/>
-              <a:t>20/09/2021</a:t>
+              <a:t>21/09/2021</a:t>
             </a:fld>
             <a:endParaRPr lang="es-CO"/>
           </a:p>
@@ -632,7 +637,7 @@
           <a:p>
             <a:fld id="{524C6359-9BB8-4148-8114-537E698DA205}" type="datetime1">
               <a:rPr lang="en-US" smtClean="0"/>
-              <a:t>9/20/2021</a:t>
+              <a:t>9/21/2021</a:t>
             </a:fld>
             <a:endParaRPr lang="en-US" dirty="0"/>
           </a:p>
@@ -1692,7 +1697,7 @@
           <a:p>
             <a:fld id="{A4649BD0-10DB-43E7-8F22-40B3D51B8FC3}" type="datetime1">
               <a:rPr lang="en-US" smtClean="0"/>
-              <a:t>9/20/2021</a:t>
+              <a:t>9/21/2021</a:t>
             </a:fld>
             <a:endParaRPr lang="en-US" dirty="0"/>
           </a:p>
@@ -2753,7 +2758,7 @@
           <a:p>
             <a:fld id="{0A16C79C-F566-427A-93F6-434A4E613134}" type="datetime1">
               <a:rPr lang="en-US" smtClean="0"/>
-              <a:t>9/20/2021</a:t>
+              <a:t>9/21/2021</a:t>
             </a:fld>
             <a:endParaRPr lang="en-US" dirty="0"/>
           </a:p>
@@ -3809,7 +3814,7 @@
           <a:p>
             <a:fld id="{9376191F-481E-48E9-BB9A-369A67A7362D}" type="datetime1">
               <a:rPr lang="en-US" smtClean="0"/>
-              <a:t>9/20/2021</a:t>
+              <a:t>9/21/2021</a:t>
             </a:fld>
             <a:endParaRPr lang="en-US" dirty="0"/>
           </a:p>
@@ -4938,7 +4943,7 @@
           <a:p>
             <a:fld id="{6C5677DE-DD04-48CC-9C18-7BE9FF2DEB6B}" type="datetime1">
               <a:rPr lang="en-US" smtClean="0"/>
-              <a:t>9/20/2021</a:t>
+              <a:t>9/21/2021</a:t>
             </a:fld>
             <a:endParaRPr lang="en-US" dirty="0"/>
           </a:p>
@@ -6057,7 +6062,7 @@
           <a:p>
             <a:fld id="{463255ED-7101-4D18-A8AE-3B5E4CB87EA5}" type="datetime1">
               <a:rPr lang="en-US" smtClean="0"/>
-              <a:t>9/20/2021</a:t>
+              <a:t>9/21/2021</a:t>
             </a:fld>
             <a:endParaRPr lang="en-US" dirty="0"/>
           </a:p>
@@ -7363,7 +7368,7 @@
           <a:p>
             <a:fld id="{CD52F23D-51F6-4C94-8CD5-B9ABBF67EE23}" type="datetime1">
               <a:rPr lang="en-US" smtClean="0"/>
-              <a:t>9/20/2021</a:t>
+              <a:t>9/21/2021</a:t>
             </a:fld>
             <a:endParaRPr lang="en-US" dirty="0"/>
           </a:p>
@@ -7510,7 +7515,7 @@
           <a:p>
             <a:fld id="{D51A702F-6367-4FD1-89A8-3744BE6BA9A2}" type="datetime1">
               <a:rPr lang="en-US" smtClean="0"/>
-              <a:t>9/20/2021</a:t>
+              <a:t>9/21/2021</a:t>
             </a:fld>
             <a:endParaRPr lang="en-US" dirty="0"/>
           </a:p>
@@ -8474,7 +8479,7 @@
           <a:p>
             <a:fld id="{4A6E99BD-4B4F-4460-B452-0E8146ACCF8F}" type="datetime1">
               <a:rPr lang="en-US" smtClean="0"/>
-              <a:t>9/20/2021</a:t>
+              <a:t>9/21/2021</a:t>
             </a:fld>
             <a:endParaRPr lang="en-US" dirty="0"/>
           </a:p>
@@ -8793,7 +8798,7 @@
           <a:p>
             <a:fld id="{EB6FD34C-1867-42A9-AC54-D15ADD8A65E7}" type="datetime1">
               <a:rPr lang="en-US" smtClean="0"/>
-              <a:t>9/20/2021</a:t>
+              <a:t>9/21/2021</a:t>
             </a:fld>
             <a:endParaRPr lang="en-US" dirty="0"/>
           </a:p>
@@ -9940,7 +9945,7 @@
           <a:p>
             <a:fld id="{336133E9-A654-4C17-8C3C-DDCAC83D6EBF}" type="datetime1">
               <a:rPr lang="en-US" smtClean="0"/>
-              <a:t>9/20/2021</a:t>
+              <a:t>9/21/2021</a:t>
             </a:fld>
             <a:endParaRPr lang="en-US" dirty="0"/>
           </a:p>
@@ -12350,7 +12355,7 @@
           <a:p>
             <a:fld id="{8769D389-4C4C-4FD7-9E6B-9F44477F0EB8}" type="datetime1">
               <a:rPr lang="en-US" smtClean="0"/>
-              <a:t>9/20/2021</a:t>
+              <a:t>9/21/2021</a:t>
             </a:fld>
             <a:endParaRPr lang="en-US" dirty="0"/>
           </a:p>
@@ -19810,6 +19815,16 @@
         </p:nvPicPr>
         <p:blipFill rotWithShape="1">
           <a:blip r:embed="rId2">
+            <a:clrChange>
+              <a:clrFrom>
+                <a:srgbClr val="FFFFFF"/>
+              </a:clrFrom>
+              <a:clrTo>
+                <a:srgbClr val="FFFFFF">
+                  <a:alpha val="0"/>
+                </a:srgbClr>
+              </a:clrTo>
+            </a:clrChange>
             <a:extLst>
               <a:ext uri="{28A0092B-C50C-407E-A947-70E740481C1C}">
                 <a14:useLocalDpi xmlns:a14="http://schemas.microsoft.com/office/drawing/2010/main" val="0"/>
@@ -19821,7 +19836,7 @@
         </p:blipFill>
         <p:spPr bwMode="auto">
           <a:xfrm>
-            <a:off x="559849" y="992290"/>
+            <a:off x="529809" y="1271963"/>
             <a:ext cx="11365002" cy="4926418"/>
           </a:xfrm>
           <a:prstGeom prst="rect">
@@ -19839,6 +19854,45 @@
           </a:extLst>
         </p:spPr>
       </p:pic>
+      <p:sp>
+        <p:nvSpPr>
+          <p:cNvPr id="39" name="CuadroTexto 38">
+            <a:extLst>
+              <a:ext uri="{FF2B5EF4-FFF2-40B4-BE49-F238E27FC236}">
+                <a16:creationId xmlns:a16="http://schemas.microsoft.com/office/drawing/2014/main" id="{DF46FD23-0D72-4B7D-AE5F-E663BB23169B}"/>
+              </a:ext>
+            </a:extLst>
+          </p:cNvPr>
+          <p:cNvSpPr txBox="1"/>
+          <p:nvPr/>
+        </p:nvSpPr>
+        <p:spPr>
+          <a:xfrm>
+            <a:off x="2338919" y="603574"/>
+            <a:ext cx="7514161" cy="707886"/>
+          </a:xfrm>
+          <a:prstGeom prst="rect">
+            <a:avLst/>
+          </a:prstGeom>
+          <a:noFill/>
+        </p:spPr>
+        <p:txBody>
+          <a:bodyPr wrap="square" rtlCol="0">
+            <a:spAutoFit/>
+          </a:bodyPr>
+          <a:lstStyle/>
+          <a:p>
+            <a:pPr algn="ctr"/>
+            <a:r>
+              <a:rPr lang="es-ES" sz="4000" i="1" dirty="0">
+                <a:latin typeface="Modern Love Caps" panose="04070805081001020A01" pitchFamily="82" charset="0"/>
+              </a:rPr>
+              <a:t>PROCESO DE VENTAS </a:t>
+            </a:r>
+            <a:endParaRPr lang="es-CO" sz="4000" i="1" dirty="0"/>
+          </a:p>
+        </p:txBody>
+      </p:sp>
     </p:spTree>
     <p:extLst>
       <p:ext uri="{BB962C8B-B14F-4D97-AF65-F5344CB8AC3E}">
@@ -24433,10 +24487,10 @@
       </p:sp>
       <p:pic>
         <p:nvPicPr>
-          <p:cNvPr id="5" name="Imagen 4">
+          <p:cNvPr id="6" name="Imagen 5">
             <a:extLst>
               <a:ext uri="{FF2B5EF4-FFF2-40B4-BE49-F238E27FC236}">
-                <a16:creationId xmlns:a16="http://schemas.microsoft.com/office/drawing/2014/main" id="{FEF12FF0-AD4D-4D27-A71D-7483F061DE19}"/>
+                <a16:creationId xmlns:a16="http://schemas.microsoft.com/office/drawing/2014/main" id="{F1430AF5-9CFB-4E78-828D-F90572E4AB38}"/>
               </a:ext>
             </a:extLst>
           </p:cNvPr>
@@ -24453,8 +24507,8 @@
         </p:blipFill>
         <p:spPr>
           <a:xfrm>
-            <a:off x="567268" y="2544748"/>
-            <a:ext cx="4854401" cy="3302210"/>
+            <a:off x="512706" y="2352409"/>
+            <a:ext cx="5104294" cy="3498869"/>
           </a:xfrm>
           <a:prstGeom prst="rect">
             <a:avLst/>
@@ -24463,32 +24517,57 @@
       </p:pic>
       <p:pic>
         <p:nvPicPr>
-          <p:cNvPr id="8" name="Imagen 7">
+          <p:cNvPr id="1026" name="Picture 2" descr="Trabajando con Git: fichero en el histórico de cambios. Vabadus">
             <a:extLst>
               <a:ext uri="{FF2B5EF4-FFF2-40B4-BE49-F238E27FC236}">
-                <a16:creationId xmlns:a16="http://schemas.microsoft.com/office/drawing/2014/main" id="{EC7B1E52-D35D-4A74-AF93-B6EAEAC9132B}"/>
+                <a16:creationId xmlns:a16="http://schemas.microsoft.com/office/drawing/2014/main" id="{A566023B-1FE9-48DB-8FC0-0219EF6DC645}"/>
               </a:ext>
             </a:extLst>
           </p:cNvPr>
           <p:cNvPicPr>
-            <a:picLocks noChangeAspect="1"/>
+            <a:picLocks noChangeAspect="1" noChangeArrowheads="1"/>
           </p:cNvPicPr>
           <p:nvPr/>
         </p:nvPicPr>
-        <p:blipFill>
-          <a:blip r:embed="rId5"/>
-          <a:stretch>
-            <a:fillRect/>
-          </a:stretch>
+        <p:blipFill rotWithShape="1">
+          <a:blip r:embed="rId5">
+            <a:clrChange>
+              <a:clrFrom>
+                <a:srgbClr val="FFFFFF"/>
+              </a:clrFrom>
+              <a:clrTo>
+                <a:srgbClr val="FFFFFF">
+                  <a:alpha val="0"/>
+                </a:srgbClr>
+              </a:clrTo>
+            </a:clrChange>
+            <a:extLst>
+              <a:ext uri="{28A0092B-C50C-407E-A947-70E740481C1C}">
+                <a14:useLocalDpi xmlns:a14="http://schemas.microsoft.com/office/drawing/2010/main" val="0"/>
+              </a:ext>
+            </a:extLst>
+          </a:blip>
+          <a:srcRect l="20085" t="27310" r="20171" b="29115"/>
+          <a:stretch/>
         </p:blipFill>
-        <p:spPr>
+        <p:spPr bwMode="auto">
           <a:xfrm>
-            <a:off x="6444689" y="2353386"/>
-            <a:ext cx="3349209" cy="3493572"/>
+            <a:off x="6143840" y="2983978"/>
+            <a:ext cx="4729691" cy="2232225"/>
           </a:xfrm>
           <a:prstGeom prst="rect">
             <a:avLst/>
           </a:prstGeom>
+          <a:noFill/>
+          <a:extLst>
+            <a:ext uri="{909E8E84-426E-40DD-AFC4-6F175D3DCCD1}">
+              <a14:hiddenFill xmlns:a14="http://schemas.microsoft.com/office/drawing/2010/main">
+                <a:solidFill>
+                  <a:srgbClr val="FFFFFF"/>
+                </a:solidFill>
+              </a14:hiddenFill>
+            </a:ext>
+          </a:extLst>
         </p:spPr>
       </p:pic>
     </p:spTree>
@@ -44667,7 +44746,7 @@
               <a:rPr lang="es-ES" sz="4000" i="1" dirty="0">
                 <a:latin typeface="Modern Love Caps" panose="04070805081001020A01" pitchFamily="82" charset="0"/>
               </a:rPr>
-              <a:t>DIAGRAMA DE PROCESOS </a:t>
+              <a:t>MAPA DE PROCESOS </a:t>
             </a:r>
             <a:endParaRPr lang="es-CO" sz="4000" i="1" dirty="0"/>
           </a:p>
@@ -44703,6 +44782,42 @@
           <a:xfrm>
             <a:off x="135924" y="67831"/>
             <a:ext cx="1453349" cy="1353975"/>
+          </a:xfrm>
+          <a:prstGeom prst="rect">
+            <a:avLst/>
+          </a:prstGeom>
+        </p:spPr>
+      </p:pic>
+      <p:pic>
+        <p:nvPicPr>
+          <p:cNvPr id="3" name="Imagen 2" descr="Diagrama, Gráfico radial&#10;&#10;Descripción generada automáticamente">
+            <a:extLst>
+              <a:ext uri="{FF2B5EF4-FFF2-40B4-BE49-F238E27FC236}">
+                <a16:creationId xmlns:a16="http://schemas.microsoft.com/office/drawing/2014/main" id="{D47060F8-ECD4-4D70-AD71-991D84F4F305}"/>
+              </a:ext>
+            </a:extLst>
+          </p:cNvPr>
+          <p:cNvPicPr>
+            <a:picLocks noChangeAspect="1"/>
+          </p:cNvPicPr>
+          <p:nvPr/>
+        </p:nvPicPr>
+        <p:blipFill>
+          <a:blip r:embed="rId3">
+            <a:extLst>
+              <a:ext uri="{28A0092B-C50C-407E-A947-70E740481C1C}">
+                <a14:useLocalDpi xmlns:a14="http://schemas.microsoft.com/office/drawing/2010/main" val="0"/>
+              </a:ext>
+            </a:extLst>
+          </a:blip>
+          <a:stretch>
+            <a:fillRect/>
+          </a:stretch>
+        </p:blipFill>
+        <p:spPr>
+          <a:xfrm>
+            <a:off x="755650" y="2171700"/>
+            <a:ext cx="10680700" cy="2514600"/>
           </a:xfrm>
           <a:prstGeom prst="rect">
             <a:avLst/>

--- a/PRESENTACIONES/Presentacion de Proyecto_WUKY.pptx
+++ b/PRESENTACIONES/Presentacion de Proyecto_WUKY.pptx
@@ -117,6 +117,11 @@
       </a:defRPr>
     </a:lvl9pPr>
   </p:defaultTextStyle>
+  <p:extLst>
+    <p:ext uri="{EFAFB233-063F-42B5-8137-9DF3F51BA10A}">
+      <p15:sldGuideLst xmlns:p15="http://schemas.microsoft.com/office/powerpoint/2012/main"/>
+    </p:ext>
+  </p:extLst>
 </p:presentation>
 </file>
 
@@ -202,7 +207,7 @@
           <a:p>
             <a:fld id="{06CCE030-3650-4DF8-A94C-49E86708ABDD}" type="datetimeFigureOut">
               <a:rPr lang="es-CO" smtClean="0"/>
-              <a:t>20/09/2021</a:t>
+              <a:t>21/09/2021</a:t>
             </a:fld>
             <a:endParaRPr lang="es-CO"/>
           </a:p>
@@ -632,7 +637,7 @@
           <a:p>
             <a:fld id="{524C6359-9BB8-4148-8114-537E698DA205}" type="datetime1">
               <a:rPr lang="en-US" smtClean="0"/>
-              <a:t>9/20/2021</a:t>
+              <a:t>9/21/2021</a:t>
             </a:fld>
             <a:endParaRPr lang="en-US" dirty="0"/>
           </a:p>
@@ -1692,7 +1697,7 @@
           <a:p>
             <a:fld id="{A4649BD0-10DB-43E7-8F22-40B3D51B8FC3}" type="datetime1">
               <a:rPr lang="en-US" smtClean="0"/>
-              <a:t>9/20/2021</a:t>
+              <a:t>9/21/2021</a:t>
             </a:fld>
             <a:endParaRPr lang="en-US" dirty="0"/>
           </a:p>
@@ -2753,7 +2758,7 @@
           <a:p>
             <a:fld id="{0A16C79C-F566-427A-93F6-434A4E613134}" type="datetime1">
               <a:rPr lang="en-US" smtClean="0"/>
-              <a:t>9/20/2021</a:t>
+              <a:t>9/21/2021</a:t>
             </a:fld>
             <a:endParaRPr lang="en-US" dirty="0"/>
           </a:p>
@@ -3809,7 +3814,7 @@
           <a:p>
             <a:fld id="{9376191F-481E-48E9-BB9A-369A67A7362D}" type="datetime1">
               <a:rPr lang="en-US" smtClean="0"/>
-              <a:t>9/20/2021</a:t>
+              <a:t>9/21/2021</a:t>
             </a:fld>
             <a:endParaRPr lang="en-US" dirty="0"/>
           </a:p>
@@ -4938,7 +4943,7 @@
           <a:p>
             <a:fld id="{6C5677DE-DD04-48CC-9C18-7BE9FF2DEB6B}" type="datetime1">
               <a:rPr lang="en-US" smtClean="0"/>
-              <a:t>9/20/2021</a:t>
+              <a:t>9/21/2021</a:t>
             </a:fld>
             <a:endParaRPr lang="en-US" dirty="0"/>
           </a:p>
@@ -6057,7 +6062,7 @@
           <a:p>
             <a:fld id="{463255ED-7101-4D18-A8AE-3B5E4CB87EA5}" type="datetime1">
               <a:rPr lang="en-US" smtClean="0"/>
-              <a:t>9/20/2021</a:t>
+              <a:t>9/21/2021</a:t>
             </a:fld>
             <a:endParaRPr lang="en-US" dirty="0"/>
           </a:p>
@@ -7363,7 +7368,7 @@
           <a:p>
             <a:fld id="{CD52F23D-51F6-4C94-8CD5-B9ABBF67EE23}" type="datetime1">
               <a:rPr lang="en-US" smtClean="0"/>
-              <a:t>9/20/2021</a:t>
+              <a:t>9/21/2021</a:t>
             </a:fld>
             <a:endParaRPr lang="en-US" dirty="0"/>
           </a:p>
@@ -7510,7 +7515,7 @@
           <a:p>
             <a:fld id="{D51A702F-6367-4FD1-89A8-3744BE6BA9A2}" type="datetime1">
               <a:rPr lang="en-US" smtClean="0"/>
-              <a:t>9/20/2021</a:t>
+              <a:t>9/21/2021</a:t>
             </a:fld>
             <a:endParaRPr lang="en-US" dirty="0"/>
           </a:p>
@@ -8474,7 +8479,7 @@
           <a:p>
             <a:fld id="{4A6E99BD-4B4F-4460-B452-0E8146ACCF8F}" type="datetime1">
               <a:rPr lang="en-US" smtClean="0"/>
-              <a:t>9/20/2021</a:t>
+              <a:t>9/21/2021</a:t>
             </a:fld>
             <a:endParaRPr lang="en-US" dirty="0"/>
           </a:p>
@@ -8793,7 +8798,7 @@
           <a:p>
             <a:fld id="{EB6FD34C-1867-42A9-AC54-D15ADD8A65E7}" type="datetime1">
               <a:rPr lang="en-US" smtClean="0"/>
-              <a:t>9/20/2021</a:t>
+              <a:t>9/21/2021</a:t>
             </a:fld>
             <a:endParaRPr lang="en-US" dirty="0"/>
           </a:p>
@@ -9940,7 +9945,7 @@
           <a:p>
             <a:fld id="{336133E9-A654-4C17-8C3C-DDCAC83D6EBF}" type="datetime1">
               <a:rPr lang="en-US" smtClean="0"/>
-              <a:t>9/20/2021</a:t>
+              <a:t>9/21/2021</a:t>
             </a:fld>
             <a:endParaRPr lang="en-US" dirty="0"/>
           </a:p>
@@ -12350,7 +12355,7 @@
           <a:p>
             <a:fld id="{8769D389-4C4C-4FD7-9E6B-9F44477F0EB8}" type="datetime1">
               <a:rPr lang="en-US" smtClean="0"/>
-              <a:t>9/20/2021</a:t>
+              <a:t>9/21/2021</a:t>
             </a:fld>
             <a:endParaRPr lang="en-US" dirty="0"/>
           </a:p>
@@ -24433,10 +24438,10 @@
       </p:sp>
       <p:pic>
         <p:nvPicPr>
-          <p:cNvPr id="5" name="Imagen 4">
+          <p:cNvPr id="6" name="Imagen 5">
             <a:extLst>
               <a:ext uri="{FF2B5EF4-FFF2-40B4-BE49-F238E27FC236}">
-                <a16:creationId xmlns:a16="http://schemas.microsoft.com/office/drawing/2014/main" id="{FEF12FF0-AD4D-4D27-A71D-7483F061DE19}"/>
+                <a16:creationId xmlns:a16="http://schemas.microsoft.com/office/drawing/2014/main" id="{FB4AAB0C-CECB-425E-A698-41381F5924F0}"/>
               </a:ext>
             </a:extLst>
           </p:cNvPr>
@@ -24453,38 +24458,8 @@
         </p:blipFill>
         <p:spPr>
           <a:xfrm>
-            <a:off x="567268" y="2544748"/>
-            <a:ext cx="4854401" cy="3302210"/>
-          </a:xfrm>
-          <a:prstGeom prst="rect">
-            <a:avLst/>
-          </a:prstGeom>
-        </p:spPr>
-      </p:pic>
-      <p:pic>
-        <p:nvPicPr>
-          <p:cNvPr id="8" name="Imagen 7">
-            <a:extLst>
-              <a:ext uri="{FF2B5EF4-FFF2-40B4-BE49-F238E27FC236}">
-                <a16:creationId xmlns:a16="http://schemas.microsoft.com/office/drawing/2014/main" id="{EC7B1E52-D35D-4A74-AF93-B6EAEAC9132B}"/>
-              </a:ext>
-            </a:extLst>
-          </p:cNvPr>
-          <p:cNvPicPr>
-            <a:picLocks noChangeAspect="1"/>
-          </p:cNvPicPr>
-          <p:nvPr/>
-        </p:nvPicPr>
-        <p:blipFill>
-          <a:blip r:embed="rId5"/>
-          <a:stretch>
-            <a:fillRect/>
-          </a:stretch>
-        </p:blipFill>
-        <p:spPr>
-          <a:xfrm>
-            <a:off x="6444689" y="2353386"/>
-            <a:ext cx="3349209" cy="3493572"/>
+            <a:off x="2294035" y="2055687"/>
+            <a:ext cx="8108423" cy="4620229"/>
           </a:xfrm>
           <a:prstGeom prst="rect">
             <a:avLst/>
@@ -44515,8 +44490,8 @@
         </p:nvSpPr>
         <p:spPr>
           <a:xfrm>
-            <a:off x="1882345" y="1906192"/>
-            <a:ext cx="8744465" cy="3416320"/>
+            <a:off x="2338918" y="1742905"/>
+            <a:ext cx="7514161" cy="4801314"/>
           </a:xfrm>
           <a:prstGeom prst="rect">
             <a:avLst/>
@@ -44538,20 +44513,107 @@
             </a:r>
           </a:p>
           <a:p>
+            <a:pPr algn="just"/>
+            <a:r>
+              <a:rPr lang="es-CO" sz="1800" dirty="0">
+                <a:solidFill>
+                  <a:srgbClr val="202124"/>
+                </a:solidFill>
+                <a:effectLst/>
+                <a:latin typeface="Arial" panose="020B0604020202020204" pitchFamily="34" charset="0"/>
+                <a:ea typeface="Times New Roman" panose="02020603050405020304" pitchFamily="18" charset="0"/>
+              </a:rPr>
+              <a:t>Iniciamos con la recopilación de las necesidades del cliente, iniciando por conocer e identificar los procesos de la empresa, identificar los requerimientos y presentar los resultados requeridos. </a:t>
+            </a:r>
+            <a:r>
+              <a:rPr lang="es-CO" dirty="0">
+                <a:latin typeface="Times New Roman" panose="02020603050405020304" pitchFamily="18" charset="0"/>
+                <a:ea typeface="Times New Roman" panose="02020603050405020304" pitchFamily="18" charset="0"/>
+              </a:rPr>
+              <a:t> </a:t>
+            </a:r>
+            <a:r>
+              <a:rPr lang="es-CO" sz="1800" dirty="0">
+                <a:solidFill>
+                  <a:srgbClr val="202124"/>
+                </a:solidFill>
+                <a:effectLst/>
+                <a:latin typeface="Arial" panose="020B0604020202020204" pitchFamily="34" charset="0"/>
+                <a:ea typeface="Times New Roman" panose="02020603050405020304" pitchFamily="18" charset="0"/>
+              </a:rPr>
+              <a:t>El análisis del proceso de la empresa iniciará con la entrevista a </a:t>
+            </a:r>
+            <a:r>
+              <a:rPr lang="es-CO" sz="1800" b="1" dirty="0">
+                <a:solidFill>
+                  <a:srgbClr val="202124"/>
+                </a:solidFill>
+                <a:effectLst/>
+                <a:latin typeface="Arial" panose="020B0604020202020204" pitchFamily="34" charset="0"/>
+                <a:ea typeface="Times New Roman" panose="02020603050405020304" pitchFamily="18" charset="0"/>
+              </a:rPr>
+              <a:t>los encargados de la empresa. </a:t>
+            </a:r>
+            <a:r>
+              <a:rPr lang="es-CO" sz="1800" dirty="0">
+                <a:solidFill>
+                  <a:srgbClr val="202124"/>
+                </a:solidFill>
+                <a:effectLst/>
+                <a:latin typeface="Arial" panose="020B0604020202020204" pitchFamily="34" charset="0"/>
+                <a:ea typeface="Times New Roman" panose="02020603050405020304" pitchFamily="18" charset="0"/>
+              </a:rPr>
+              <a:t>Seguiremos la entrevista a cada proceso de la empresa WUKY. </a:t>
+            </a:r>
+            <a:endParaRPr lang="es-CO" sz="1800" dirty="0">
+              <a:effectLst/>
+              <a:latin typeface="Times New Roman" panose="02020603050405020304" pitchFamily="18" charset="0"/>
+              <a:ea typeface="Times New Roman" panose="02020603050405020304" pitchFamily="18" charset="0"/>
+            </a:endParaRPr>
+          </a:p>
+          <a:p>
+            <a:r>
+              <a:rPr lang="es-CO" sz="1800" dirty="0">
+                <a:solidFill>
+                  <a:srgbClr val="202124"/>
+                </a:solidFill>
+                <a:effectLst/>
+                <a:latin typeface="Arial" panose="020B0604020202020204" pitchFamily="34" charset="0"/>
+                <a:ea typeface="Times New Roman" panose="02020603050405020304" pitchFamily="18" charset="0"/>
+              </a:rPr>
+              <a:t> </a:t>
+            </a:r>
+            <a:endParaRPr lang="es-CO" sz="1800" dirty="0">
+              <a:effectLst/>
+              <a:latin typeface="Times New Roman" panose="02020603050405020304" pitchFamily="18" charset="0"/>
+              <a:ea typeface="Times New Roman" panose="02020603050405020304" pitchFamily="18" charset="0"/>
+            </a:endParaRPr>
+          </a:p>
+          <a:p>
+            <a:pPr marL="457200"/>
+            <a:r>
+              <a:rPr lang="es-CO" sz="1800" dirty="0">
+                <a:solidFill>
+                  <a:srgbClr val="202124"/>
+                </a:solidFill>
+                <a:effectLst/>
+                <a:latin typeface="Arial" panose="020B0604020202020204" pitchFamily="34" charset="0"/>
+                <a:ea typeface="Times New Roman" panose="02020603050405020304" pitchFamily="18" charset="0"/>
+              </a:rPr>
+              <a:t> </a:t>
+            </a:r>
+            <a:endParaRPr lang="es-CO" sz="1800" dirty="0">
+              <a:effectLst/>
+              <a:latin typeface="Times New Roman" panose="02020603050405020304" pitchFamily="18" charset="0"/>
+              <a:ea typeface="Times New Roman" panose="02020603050405020304" pitchFamily="18" charset="0"/>
+            </a:endParaRPr>
+          </a:p>
+          <a:p>
+            <a:pPr algn="just"/>
             <a:endParaRPr lang="es-CO" dirty="0">
               <a:latin typeface="Segoe UI" panose="020B0502040204020203" pitchFamily="34" charset="0"/>
               <a:cs typeface="Segoe UI" panose="020B0502040204020203" pitchFamily="34" charset="0"/>
             </a:endParaRPr>
-          </a:p>
-          <a:p>
-            <a:pPr algn="just"/>
-            <a:r>
-              <a:rPr lang="es-CO" dirty="0">
-                <a:latin typeface="Segoe UI" panose="020B0502040204020203" pitchFamily="34" charset="0"/>
-                <a:cs typeface="Segoe UI" panose="020B0502040204020203" pitchFamily="34" charset="0"/>
-              </a:rPr>
-              <a:t>Mediante una conversación dirigida con un propósito específico y basándonos en un formato de preguntas recopilamos la información en cuanto a las necesidades del cliente, conociendo inicialmente el proceso de la empresa. </a:t>
-            </a:r>
           </a:p>
           <a:p>
             <a:pPr algn="just"/>
@@ -44703,6 +44765,42 @@
           <a:xfrm>
             <a:off x="135924" y="67831"/>
             <a:ext cx="1453349" cy="1353975"/>
+          </a:xfrm>
+          <a:prstGeom prst="rect">
+            <a:avLst/>
+          </a:prstGeom>
+        </p:spPr>
+      </p:pic>
+      <p:pic>
+        <p:nvPicPr>
+          <p:cNvPr id="3" name="Imagen 2" descr="Diagrama, Gráfico radial&#10;&#10;Descripción generada automáticamente">
+            <a:extLst>
+              <a:ext uri="{FF2B5EF4-FFF2-40B4-BE49-F238E27FC236}">
+                <a16:creationId xmlns:a16="http://schemas.microsoft.com/office/drawing/2014/main" id="{6F478837-D75F-4F40-9413-5712DBE8B2A3}"/>
+              </a:ext>
+            </a:extLst>
+          </p:cNvPr>
+          <p:cNvPicPr>
+            <a:picLocks noChangeAspect="1"/>
+          </p:cNvPicPr>
+          <p:nvPr/>
+        </p:nvPicPr>
+        <p:blipFill>
+          <a:blip r:embed="rId3">
+            <a:extLst>
+              <a:ext uri="{28A0092B-C50C-407E-A947-70E740481C1C}">
+                <a14:useLocalDpi xmlns:a14="http://schemas.microsoft.com/office/drawing/2010/main" val="0"/>
+              </a:ext>
+            </a:extLst>
+          </a:blip>
+          <a:stretch>
+            <a:fillRect/>
+          </a:stretch>
+        </p:blipFill>
+        <p:spPr>
+          <a:xfrm>
+            <a:off x="386536" y="2139397"/>
+            <a:ext cx="11418926" cy="2949437"/>
           </a:xfrm>
           <a:prstGeom prst="rect">
             <a:avLst/>

--- a/PRESENTACIONES/Presentacion de Proyecto_WUKY.pptx
+++ b/PRESENTACIONES/Presentacion de Proyecto_WUKY.pptx
@@ -24507,7 +24507,7 @@
         </p:blipFill>
         <p:spPr>
           <a:xfrm>
-            <a:off x="512706" y="2352409"/>
+            <a:off x="600070" y="2352409"/>
             <a:ext cx="5104294" cy="3498869"/>
           </a:xfrm>
           <a:prstGeom prst="rect">
@@ -24517,57 +24517,38 @@
       </p:pic>
       <p:pic>
         <p:nvPicPr>
-          <p:cNvPr id="1026" name="Picture 2" descr="Trabajando con Git: fichero en el histórico de cambios. Vabadus">
+          <p:cNvPr id="5" name="Imagen 4" descr="Texto&#10;&#10;Descripción generada automáticamente">
             <a:extLst>
               <a:ext uri="{FF2B5EF4-FFF2-40B4-BE49-F238E27FC236}">
-                <a16:creationId xmlns:a16="http://schemas.microsoft.com/office/drawing/2014/main" id="{A566023B-1FE9-48DB-8FC0-0219EF6DC645}"/>
+                <a16:creationId xmlns:a16="http://schemas.microsoft.com/office/drawing/2014/main" id="{06CF27A7-F58B-4090-87A7-826A83DFAFC6}"/>
               </a:ext>
             </a:extLst>
           </p:cNvPr>
           <p:cNvPicPr>
-            <a:picLocks noChangeAspect="1" noChangeArrowheads="1"/>
+            <a:picLocks noChangeAspect="1"/>
           </p:cNvPicPr>
           <p:nvPr/>
         </p:nvPicPr>
-        <p:blipFill rotWithShape="1">
+        <p:blipFill>
           <a:blip r:embed="rId5">
-            <a:clrChange>
-              <a:clrFrom>
-                <a:srgbClr val="FFFFFF"/>
-              </a:clrFrom>
-              <a:clrTo>
-                <a:srgbClr val="FFFFFF">
-                  <a:alpha val="0"/>
-                </a:srgbClr>
-              </a:clrTo>
-            </a:clrChange>
             <a:extLst>
               <a:ext uri="{28A0092B-C50C-407E-A947-70E740481C1C}">
                 <a14:useLocalDpi xmlns:a14="http://schemas.microsoft.com/office/drawing/2010/main" val="0"/>
               </a:ext>
             </a:extLst>
           </a:blip>
-          <a:srcRect l="20085" t="27310" r="20171" b="29115"/>
-          <a:stretch/>
+          <a:stretch>
+            <a:fillRect/>
+          </a:stretch>
         </p:blipFill>
-        <p:spPr bwMode="auto">
+        <p:spPr>
           <a:xfrm>
-            <a:off x="6143840" y="2983978"/>
-            <a:ext cx="4729691" cy="2232225"/>
+            <a:off x="5866363" y="2352409"/>
+            <a:ext cx="5456344" cy="3498869"/>
           </a:xfrm>
           <a:prstGeom prst="rect">
             <a:avLst/>
           </a:prstGeom>
-          <a:noFill/>
-          <a:extLst>
-            <a:ext uri="{909E8E84-426E-40DD-AFC4-6F175D3DCCD1}">
-              <a14:hiddenFill xmlns:a14="http://schemas.microsoft.com/office/drawing/2010/main">
-                <a:solidFill>
-                  <a:srgbClr val="FFFFFF"/>
-                </a:solidFill>
-              </a14:hiddenFill>
-            </a:ext>
-          </a:extLst>
         </p:spPr>
       </p:pic>
     </p:spTree>
@@ -44816,7 +44797,7 @@
         </p:blipFill>
         <p:spPr>
           <a:xfrm>
-            <a:off x="755650" y="2171700"/>
+            <a:off x="755650" y="2459083"/>
             <a:ext cx="10680700" cy="2514600"/>
           </a:xfrm>
           <a:prstGeom prst="rect">

--- a/PRESENTACIONES/Presentacion de Proyecto_WUKY.pptx
+++ b/PRESENTACIONES/Presentacion de Proyecto_WUKY.pptx
@@ -24551,6 +24551,42 @@
           </a:prstGeom>
         </p:spPr>
       </p:pic>
+      <p:sp>
+        <p:nvSpPr>
+          <p:cNvPr id="41" name="CuadroTexto 40">
+            <a:extLst>
+              <a:ext uri="{FF2B5EF4-FFF2-40B4-BE49-F238E27FC236}">
+                <a16:creationId xmlns:a16="http://schemas.microsoft.com/office/drawing/2014/main" id="{301523C9-2306-42CE-A5CE-73E53039C7C0}"/>
+              </a:ext>
+            </a:extLst>
+          </p:cNvPr>
+          <p:cNvSpPr txBox="1"/>
+          <p:nvPr/>
+        </p:nvSpPr>
+        <p:spPr>
+          <a:xfrm>
+            <a:off x="2049100" y="6183873"/>
+            <a:ext cx="8341077" cy="369332"/>
+          </a:xfrm>
+          <a:prstGeom prst="rect">
+            <a:avLst/>
+          </a:prstGeom>
+          <a:noFill/>
+        </p:spPr>
+        <p:txBody>
+          <a:bodyPr wrap="square" rtlCol="0">
+            <a:spAutoFit/>
+          </a:bodyPr>
+          <a:lstStyle/>
+          <a:p>
+            <a:pPr algn="ctr"/>
+            <a:r>
+              <a:rPr lang="es-CO" dirty="0"/>
+              <a:t>https://github.com/huertas-santiago/WebWuky</a:t>
+            </a:r>
+          </a:p>
+        </p:txBody>
+      </p:sp>
     </p:spTree>
     <p:extLst>
       <p:ext uri="{BB962C8B-B14F-4D97-AF65-F5344CB8AC3E}">

--- a/PRESENTACIONES/Presentacion de Proyecto_WUKY.pptx
+++ b/PRESENTACIONES/Presentacion de Proyecto_WUKY.pptx
@@ -15,10 +15,10 @@
     <p:sldId id="261" r:id="rId6"/>
     <p:sldId id="262" r:id="rId7"/>
     <p:sldId id="268" r:id="rId8"/>
-    <p:sldId id="270" r:id="rId9"/>
-    <p:sldId id="271" r:id="rId10"/>
-    <p:sldId id="269" r:id="rId11"/>
-    <p:sldId id="273" r:id="rId12"/>
+    <p:sldId id="271" r:id="rId9"/>
+    <p:sldId id="269" r:id="rId10"/>
+    <p:sldId id="273" r:id="rId11"/>
+    <p:sldId id="270" r:id="rId12"/>
   </p:sldIdLst>
   <p:sldSz cx="12192000" cy="6858000"/>
   <p:notesSz cx="6858000" cy="9144000"/>
@@ -207,7 +207,7 @@
           <a:p>
             <a:fld id="{06CCE030-3650-4DF8-A94C-49E86708ABDD}" type="datetimeFigureOut">
               <a:rPr lang="es-CO" smtClean="0"/>
-              <a:t>21/09/2021</a:t>
+              <a:t>27/09/2021</a:t>
             </a:fld>
             <a:endParaRPr lang="es-CO"/>
           </a:p>
@@ -637,7 +637,7 @@
           <a:p>
             <a:fld id="{524C6359-9BB8-4148-8114-537E698DA205}" type="datetime1">
               <a:rPr lang="en-US" smtClean="0"/>
-              <a:t>9/21/2021</a:t>
+              <a:t>9/27/2021</a:t>
             </a:fld>
             <a:endParaRPr lang="en-US" dirty="0"/>
           </a:p>
@@ -1697,7 +1697,7 @@
           <a:p>
             <a:fld id="{A4649BD0-10DB-43E7-8F22-40B3D51B8FC3}" type="datetime1">
               <a:rPr lang="en-US" smtClean="0"/>
-              <a:t>9/21/2021</a:t>
+              <a:t>9/27/2021</a:t>
             </a:fld>
             <a:endParaRPr lang="en-US" dirty="0"/>
           </a:p>
@@ -2758,7 +2758,7 @@
           <a:p>
             <a:fld id="{0A16C79C-F566-427A-93F6-434A4E613134}" type="datetime1">
               <a:rPr lang="en-US" smtClean="0"/>
-              <a:t>9/21/2021</a:t>
+              <a:t>9/27/2021</a:t>
             </a:fld>
             <a:endParaRPr lang="en-US" dirty="0"/>
           </a:p>
@@ -3814,7 +3814,7 @@
           <a:p>
             <a:fld id="{9376191F-481E-48E9-BB9A-369A67A7362D}" type="datetime1">
               <a:rPr lang="en-US" smtClean="0"/>
-              <a:t>9/21/2021</a:t>
+              <a:t>9/27/2021</a:t>
             </a:fld>
             <a:endParaRPr lang="en-US" dirty="0"/>
           </a:p>
@@ -4943,7 +4943,7 @@
           <a:p>
             <a:fld id="{6C5677DE-DD04-48CC-9C18-7BE9FF2DEB6B}" type="datetime1">
               <a:rPr lang="en-US" smtClean="0"/>
-              <a:t>9/21/2021</a:t>
+              <a:t>9/27/2021</a:t>
             </a:fld>
             <a:endParaRPr lang="en-US" dirty="0"/>
           </a:p>
@@ -6062,7 +6062,7 @@
           <a:p>
             <a:fld id="{463255ED-7101-4D18-A8AE-3B5E4CB87EA5}" type="datetime1">
               <a:rPr lang="en-US" smtClean="0"/>
-              <a:t>9/21/2021</a:t>
+              <a:t>9/27/2021</a:t>
             </a:fld>
             <a:endParaRPr lang="en-US" dirty="0"/>
           </a:p>
@@ -7368,7 +7368,7 @@
           <a:p>
             <a:fld id="{CD52F23D-51F6-4C94-8CD5-B9ABBF67EE23}" type="datetime1">
               <a:rPr lang="en-US" smtClean="0"/>
-              <a:t>9/21/2021</a:t>
+              <a:t>9/27/2021</a:t>
             </a:fld>
             <a:endParaRPr lang="en-US" dirty="0"/>
           </a:p>
@@ -7515,7 +7515,7 @@
           <a:p>
             <a:fld id="{D51A702F-6367-4FD1-89A8-3744BE6BA9A2}" type="datetime1">
               <a:rPr lang="en-US" smtClean="0"/>
-              <a:t>9/21/2021</a:t>
+              <a:t>9/27/2021</a:t>
             </a:fld>
             <a:endParaRPr lang="en-US" dirty="0"/>
           </a:p>
@@ -8479,7 +8479,7 @@
           <a:p>
             <a:fld id="{4A6E99BD-4B4F-4460-B452-0E8146ACCF8F}" type="datetime1">
               <a:rPr lang="en-US" smtClean="0"/>
-              <a:t>9/21/2021</a:t>
+              <a:t>9/27/2021</a:t>
             </a:fld>
             <a:endParaRPr lang="en-US" dirty="0"/>
           </a:p>
@@ -8798,7 +8798,7 @@
           <a:p>
             <a:fld id="{EB6FD34C-1867-42A9-AC54-D15ADD8A65E7}" type="datetime1">
               <a:rPr lang="en-US" smtClean="0"/>
-              <a:t>9/21/2021</a:t>
+              <a:t>9/27/2021</a:t>
             </a:fld>
             <a:endParaRPr lang="en-US" dirty="0"/>
           </a:p>
@@ -9945,7 +9945,7 @@
           <a:p>
             <a:fld id="{336133E9-A654-4C17-8C3C-DDCAC83D6EBF}" type="datetime1">
               <a:rPr lang="en-US" smtClean="0"/>
-              <a:t>9/21/2021</a:t>
+              <a:t>9/27/2021</a:t>
             </a:fld>
             <a:endParaRPr lang="en-US" dirty="0"/>
           </a:p>
@@ -12355,7 +12355,7 @@
           <a:p>
             <a:fld id="{8769D389-4C4C-4FD7-9E6B-9F44477F0EB8}" type="datetime1">
               <a:rPr lang="en-US" smtClean="0"/>
-              <a:t>9/21/2021</a:t>
+              <a:t>9/27/2021</a:t>
             </a:fld>
             <a:endParaRPr lang="en-US" dirty="0"/>
           </a:p>
@@ -18859,4550 +18859,6 @@
           </a:p>
         </p:txBody>
       </p:sp>
-      <p:sp>
-        <p:nvSpPr>
-          <p:cNvPr id="42" name="Freeform: Shape 41">
-            <a:extLst>
-              <a:ext uri="{FF2B5EF4-FFF2-40B4-BE49-F238E27FC236}">
-                <a16:creationId xmlns:a16="http://schemas.microsoft.com/office/drawing/2014/main" id="{82AA7049-B18D-49D6-AD7D-DBB9E19FBB78}"/>
-              </a:ext>
-              <a:ext uri="{C183D7F6-B498-43B3-948B-1728B52AA6E4}">
-                <adec:decorative xmlns:adec="http://schemas.microsoft.com/office/drawing/2017/decorative" val="1"/>
-              </a:ext>
-            </a:extLst>
-          </p:cNvPr>
-          <p:cNvSpPr>
-            <a:spLocks noGrp="1" noRot="1" noChangeAspect="1" noMove="1" noResize="1" noEditPoints="1" noAdjustHandles="1" noChangeArrowheads="1" noChangeShapeType="1" noTextEdit="1"/>
-          </p:cNvSpPr>
-          <p:nvPr>
-            <p:extLst>
-              <p:ext uri="{386F3935-93C4-4BCD-93E2-E3B085C9AB24}">
-                <p16:designElem xmlns:p16="http://schemas.microsoft.com/office/powerpoint/2015/main" val="1"/>
-              </p:ext>
-            </p:extLst>
-          </p:nvPr>
-        </p:nvSpPr>
-        <p:spPr>
-          <a:xfrm rot="16200000" flipH="1">
-            <a:off x="10713190" y="-534982"/>
-            <a:ext cx="943826" cy="2013794"/>
-          </a:xfrm>
-          <a:custGeom>
-            <a:avLst/>
-            <a:gdLst>
-              <a:gd name="connsiteX0" fmla="*/ 0 w 1085312"/>
-              <a:gd name="connsiteY0" fmla="*/ 2315675 h 2315675"/>
-              <a:gd name="connsiteX1" fmla="*/ 0 w 1085312"/>
-              <a:gd name="connsiteY1" fmla="*/ 0 h 2315675"/>
-              <a:gd name="connsiteX2" fmla="*/ 53089 w 1085312"/>
-              <a:gd name="connsiteY2" fmla="*/ 4542 h 2315675"/>
-              <a:gd name="connsiteX3" fmla="*/ 790077 w 1085312"/>
-              <a:gd name="connsiteY3" fmla="*/ 872756 h 2315675"/>
-              <a:gd name="connsiteX4" fmla="*/ 1085252 w 1085312"/>
-              <a:gd name="connsiteY4" fmla="*/ 1943649 h 2315675"/>
-              <a:gd name="connsiteX5" fmla="*/ 1064832 w 1085312"/>
-              <a:gd name="connsiteY5" fmla="*/ 2198094 h 2315675"/>
-              <a:gd name="connsiteX6" fmla="*/ 1043734 w 1085312"/>
-              <a:gd name="connsiteY6" fmla="*/ 2315675 h 2315675"/>
-              <a:gd name="connsiteX7" fmla="*/ 0 w 1085312"/>
-              <a:gd name="connsiteY7" fmla="*/ 2315675 h 2315675"/>
-            </a:gdLst>
-            <a:ahLst/>
-            <a:cxnLst>
-              <a:cxn ang="0">
-                <a:pos x="connsiteX0" y="connsiteY0"/>
-              </a:cxn>
-              <a:cxn ang="0">
-                <a:pos x="connsiteX1" y="connsiteY1"/>
-              </a:cxn>
-              <a:cxn ang="0">
-                <a:pos x="connsiteX2" y="connsiteY2"/>
-              </a:cxn>
-              <a:cxn ang="0">
-                <a:pos x="connsiteX3" y="connsiteY3"/>
-              </a:cxn>
-              <a:cxn ang="0">
-                <a:pos x="connsiteX4" y="connsiteY4"/>
-              </a:cxn>
-              <a:cxn ang="0">
-                <a:pos x="connsiteX5" y="connsiteY5"/>
-              </a:cxn>
-              <a:cxn ang="0">
-                <a:pos x="connsiteX6" y="connsiteY6"/>
-              </a:cxn>
-              <a:cxn ang="0">
-                <a:pos x="connsiteX7" y="connsiteY7"/>
-              </a:cxn>
-            </a:cxnLst>
-            <a:rect l="l" t="t" r="r" b="b"/>
-            <a:pathLst>
-              <a:path w="1085312" h="2315675">
-                <a:moveTo>
-                  <a:pt x="0" y="2315675"/>
-                </a:moveTo>
-                <a:lnTo>
-                  <a:pt x="0" y="0"/>
-                </a:lnTo>
-                <a:lnTo>
-                  <a:pt x="53089" y="4542"/>
-                </a:lnTo>
-                <a:cubicBezTo>
-                  <a:pt x="405263" y="73503"/>
-                  <a:pt x="612623" y="486635"/>
-                  <a:pt x="790077" y="872756"/>
-                </a:cubicBezTo>
-                <a:cubicBezTo>
-                  <a:pt x="937425" y="1193596"/>
-                  <a:pt x="1088787" y="1533232"/>
-                  <a:pt x="1085252" y="1943649"/>
-                </a:cubicBezTo>
-                <a:cubicBezTo>
-                  <a:pt x="1084528" y="2029058"/>
-                  <a:pt x="1077341" y="2113833"/>
-                  <a:pt x="1064832" y="2198094"/>
-                </a:cubicBezTo>
-                <a:lnTo>
-                  <a:pt x="1043734" y="2315675"/>
-                </a:lnTo>
-                <a:lnTo>
-                  <a:pt x="0" y="2315675"/>
-                </a:lnTo>
-                <a:close/>
-              </a:path>
-            </a:pathLst>
-          </a:custGeom>
-          <a:solidFill>
-            <a:schemeClr val="accent6">
-              <a:lumMod val="20000"/>
-              <a:lumOff val="80000"/>
-            </a:schemeClr>
-          </a:solidFill>
-          <a:ln>
-            <a:noFill/>
-          </a:ln>
-        </p:spPr>
-        <p:style>
-          <a:lnRef idx="2">
-            <a:schemeClr val="accent1">
-              <a:shade val="50000"/>
-            </a:schemeClr>
-          </a:lnRef>
-          <a:fillRef idx="1">
-            <a:schemeClr val="accent1"/>
-          </a:fillRef>
-          <a:effectRef idx="0">
-            <a:schemeClr val="accent1"/>
-          </a:effectRef>
-          <a:fontRef idx="minor">
-            <a:schemeClr val="lt1"/>
-          </a:fontRef>
-        </p:style>
-        <p:txBody>
-          <a:bodyPr wrap="square" rtlCol="0" anchor="ctr">
-            <a:noAutofit/>
-          </a:bodyPr>
-          <a:lstStyle/>
-          <a:p>
-            <a:pPr algn="ctr"/>
-            <a:endParaRPr lang="en-US"/>
-          </a:p>
-        </p:txBody>
-      </p:sp>
-      <p:grpSp>
-        <p:nvGrpSpPr>
-          <p:cNvPr id="44" name="Group 43">
-            <a:extLst>
-              <a:ext uri="{FF2B5EF4-FFF2-40B4-BE49-F238E27FC236}">
-                <a16:creationId xmlns:a16="http://schemas.microsoft.com/office/drawing/2014/main" id="{3850DB66-16D1-4953-A6E3-FCA3DC5F276F}"/>
-              </a:ext>
-              <a:ext uri="{C183D7F6-B498-43B3-948B-1728B52AA6E4}">
-                <adec:decorative xmlns:adec="http://schemas.microsoft.com/office/drawing/2017/decorative" val="1"/>
-              </a:ext>
-            </a:extLst>
-          </p:cNvPr>
-          <p:cNvGrpSpPr>
-            <a:grpSpLocks noGrp="1" noUngrp="1" noRot="1" noChangeAspect="1" noMove="1" noResize="1"/>
-          </p:cNvGrpSpPr>
-          <p:nvPr>
-            <p:extLst>
-              <p:ext uri="{386F3935-93C4-4BCD-93E2-E3B085C9AB24}">
-                <p16:designElem xmlns:p16="http://schemas.microsoft.com/office/powerpoint/2015/main" val="1"/>
-              </p:ext>
-            </p:extLst>
-          </p:nvPr>
-        </p:nvGrpSpPr>
-        <p:grpSpPr>
-          <a:xfrm>
-            <a:off x="10635690" y="349252"/>
-            <a:ext cx="886142" cy="693398"/>
-            <a:chOff x="10948005" y="3379098"/>
-            <a:chExt cx="868640" cy="679702"/>
-          </a:xfrm>
-          <a:solidFill>
-            <a:schemeClr val="accent6"/>
-          </a:solidFill>
-        </p:grpSpPr>
-        <p:sp>
-          <p:nvSpPr>
-            <p:cNvPr id="45" name="Freeform: Shape 44">
-              <a:extLst>
-                <a:ext uri="{FF2B5EF4-FFF2-40B4-BE49-F238E27FC236}">
-                  <a16:creationId xmlns:a16="http://schemas.microsoft.com/office/drawing/2014/main" id="{D698AB2F-1D17-4249-81CB-9A41D46B8E38}"/>
-                </a:ext>
-                <a:ext uri="{C183D7F6-B498-43B3-948B-1728B52AA6E4}">
-                  <adec:decorative xmlns:adec="http://schemas.microsoft.com/office/drawing/2017/decorative" val="1"/>
-                </a:ext>
-              </a:extLst>
-            </p:cNvPr>
-            <p:cNvSpPr/>
-            <p:nvPr>
-              <p:extLst>
-                <p:ext uri="{386F3935-93C4-4BCD-93E2-E3B085C9AB24}">
-                  <p16:designElem xmlns:p16="http://schemas.microsoft.com/office/powerpoint/2015/main" val="1"/>
-                </p:ext>
-              </p:extLst>
-            </p:nvPr>
-          </p:nvSpPr>
-          <p:spPr>
-            <a:xfrm>
-              <a:off x="11194317" y="3944888"/>
-              <a:ext cx="128449" cy="113912"/>
-            </a:xfrm>
-            <a:custGeom>
-              <a:avLst/>
-              <a:gdLst>
-                <a:gd name="connsiteX0" fmla="*/ 237621 w 453152"/>
-                <a:gd name="connsiteY0" fmla="*/ 965 h 401867"/>
-                <a:gd name="connsiteX1" fmla="*/ 370246 w 453152"/>
-                <a:gd name="connsiteY1" fmla="*/ 23666 h 401867"/>
-                <a:gd name="connsiteX2" fmla="*/ 437392 w 453152"/>
-                <a:gd name="connsiteY2" fmla="*/ 198545 h 401867"/>
-                <a:gd name="connsiteX3" fmla="*/ 67745 w 453152"/>
-                <a:gd name="connsiteY3" fmla="*/ 392003 h 401867"/>
-                <a:gd name="connsiteX4" fmla="*/ 911 w 453152"/>
-                <a:gd name="connsiteY4" fmla="*/ 254095 h 401867"/>
-                <a:gd name="connsiteX5" fmla="*/ 115564 w 453152"/>
-                <a:gd name="connsiteY5" fmla="*/ 51160 h 401867"/>
-                <a:gd name="connsiteX6" fmla="*/ 237621 w 453152"/>
-                <a:gd name="connsiteY6" fmla="*/ 965 h 401867"/>
-              </a:gdLst>
-              <a:ahLst/>
-              <a:cxnLst>
-                <a:cxn ang="0">
-                  <a:pos x="connsiteX0" y="connsiteY0"/>
-                </a:cxn>
-                <a:cxn ang="0">
-                  <a:pos x="connsiteX1" y="connsiteY1"/>
-                </a:cxn>
-                <a:cxn ang="0">
-                  <a:pos x="connsiteX2" y="connsiteY2"/>
-                </a:cxn>
-                <a:cxn ang="0">
-                  <a:pos x="connsiteX3" y="connsiteY3"/>
-                </a:cxn>
-                <a:cxn ang="0">
-                  <a:pos x="connsiteX4" y="connsiteY4"/>
-                </a:cxn>
-                <a:cxn ang="0">
-                  <a:pos x="connsiteX5" y="connsiteY5"/>
-                </a:cxn>
-                <a:cxn ang="0">
-                  <a:pos x="connsiteX6" y="connsiteY6"/>
-                </a:cxn>
-              </a:cxnLst>
-              <a:rect l="l" t="t" r="r" b="b"/>
-              <a:pathLst>
-                <a:path w="453152" h="401867">
-                  <a:moveTo>
-                    <a:pt x="237621" y="965"/>
-                  </a:moveTo>
-                  <a:cubicBezTo>
-                    <a:pt x="283632" y="-2971"/>
-                    <a:pt x="331405" y="5243"/>
-                    <a:pt x="370246" y="23666"/>
-                  </a:cubicBezTo>
-                  <a:cubicBezTo>
-                    <a:pt x="436830" y="55275"/>
-                    <a:pt x="477168" y="116810"/>
-                    <a:pt x="437392" y="198545"/>
-                  </a:cubicBezTo>
-                  <a:cubicBezTo>
-                    <a:pt x="391568" y="292624"/>
-                    <a:pt x="176850" y="441630"/>
-                    <a:pt x="67745" y="392003"/>
-                  </a:cubicBezTo>
-                  <a:cubicBezTo>
-                    <a:pt x="18056" y="369372"/>
-                    <a:pt x="-5012" y="308398"/>
-                    <a:pt x="911" y="254095"/>
-                  </a:cubicBezTo>
-                  <a:cubicBezTo>
-                    <a:pt x="9203" y="178033"/>
-                    <a:pt x="61012" y="103094"/>
-                    <a:pt x="115564" y="51160"/>
-                  </a:cubicBezTo>
-                  <a:cubicBezTo>
-                    <a:pt x="147361" y="20985"/>
-                    <a:pt x="191610" y="4900"/>
-                    <a:pt x="237621" y="965"/>
-                  </a:cubicBezTo>
-                  <a:close/>
-                </a:path>
-              </a:pathLst>
-            </a:custGeom>
-            <a:grpFill/>
-            <a:ln>
-              <a:noFill/>
-            </a:ln>
-          </p:spPr>
-          <p:style>
-            <a:lnRef idx="2">
-              <a:schemeClr val="accent1">
-                <a:shade val="50000"/>
-              </a:schemeClr>
-            </a:lnRef>
-            <a:fillRef idx="1">
-              <a:schemeClr val="accent1"/>
-            </a:fillRef>
-            <a:effectRef idx="0">
-              <a:schemeClr val="accent1"/>
-            </a:effectRef>
-            <a:fontRef idx="minor">
-              <a:schemeClr val="lt1"/>
-            </a:fontRef>
-          </p:style>
-          <p:txBody>
-            <a:bodyPr rtlCol="0" anchor="ctr"/>
-            <a:lstStyle/>
-            <a:p>
-              <a:pPr marL="0" marR="0" lvl="0" indent="0" algn="ctr" defTabSz="914400" rtl="0" eaLnBrk="1" fontAlgn="auto" latinLnBrk="0" hangingPunct="1">
-                <a:lnSpc>
-                  <a:spcPct val="100000"/>
-                </a:lnSpc>
-                <a:spcBef>
-                  <a:spcPts val="0"/>
-                </a:spcBef>
-                <a:spcAft>
-                  <a:spcPts val="0"/>
-                </a:spcAft>
-                <a:buClrTx/>
-                <a:buSzTx/>
-                <a:buFontTx/>
-                <a:buNone/>
-                <a:tabLst/>
-                <a:defRPr/>
-              </a:pPr>
-              <a:endParaRPr kumimoji="0" lang="en-US" sz="1800" b="0" i="0" u="none" strike="noStrike" kern="1200" cap="none" spc="0" normalizeH="0" baseline="0" noProof="0">
-                <a:ln>
-                  <a:noFill/>
-                </a:ln>
-                <a:solidFill>
-                  <a:prstClr val="white"/>
-                </a:solidFill>
-                <a:effectLst/>
-                <a:uLnTx/>
-                <a:uFillTx/>
-                <a:latin typeface="Avenir Next LT Pro Light"/>
-                <a:ea typeface="+mn-ea"/>
-                <a:cs typeface="+mn-cs"/>
-              </a:endParaRPr>
-            </a:p>
-          </p:txBody>
-        </p:sp>
-        <p:sp>
-          <p:nvSpPr>
-            <p:cNvPr id="46" name="Freeform: Shape 45">
-              <a:extLst>
-                <a:ext uri="{FF2B5EF4-FFF2-40B4-BE49-F238E27FC236}">
-                  <a16:creationId xmlns:a16="http://schemas.microsoft.com/office/drawing/2014/main" id="{F5301961-8687-4ADB-8043-4065F4707647}"/>
-                </a:ext>
-                <a:ext uri="{C183D7F6-B498-43B3-948B-1728B52AA6E4}">
-                  <adec:decorative xmlns:adec="http://schemas.microsoft.com/office/drawing/2017/decorative" val="1"/>
-                </a:ext>
-              </a:extLst>
-            </p:cNvPr>
-            <p:cNvSpPr/>
-            <p:nvPr>
-              <p:extLst>
-                <p:ext uri="{386F3935-93C4-4BCD-93E2-E3B085C9AB24}">
-                  <p16:designElem xmlns:p16="http://schemas.microsoft.com/office/powerpoint/2015/main" val="1"/>
-                </p:ext>
-              </p:extLst>
-            </p:nvPr>
-          </p:nvSpPr>
-          <p:spPr>
-            <a:xfrm>
-              <a:off x="11684524" y="3907536"/>
-              <a:ext cx="132121" cy="93006"/>
-            </a:xfrm>
-            <a:custGeom>
-              <a:avLst/>
-              <a:gdLst>
-                <a:gd name="connsiteX0" fmla="*/ 252822 w 466107"/>
-                <a:gd name="connsiteY0" fmla="*/ 1539 h 328114"/>
-                <a:gd name="connsiteX1" fmla="*/ 451641 w 466107"/>
-                <a:gd name="connsiteY1" fmla="*/ 122177 h 328114"/>
-                <a:gd name="connsiteX2" fmla="*/ 391790 w 466107"/>
-                <a:gd name="connsiteY2" fmla="*/ 297430 h 328114"/>
-                <a:gd name="connsiteX3" fmla="*/ 8614 w 466107"/>
-                <a:gd name="connsiteY3" fmla="*/ 243252 h 328114"/>
-                <a:gd name="connsiteX4" fmla="*/ 45897 w 466107"/>
-                <a:gd name="connsiteY4" fmla="*/ 97302 h 328114"/>
-                <a:gd name="connsiteX5" fmla="*/ 252822 w 466107"/>
-                <a:gd name="connsiteY5" fmla="*/ 1539 h 328114"/>
-              </a:gdLst>
-              <a:ahLst/>
-              <a:cxnLst>
-                <a:cxn ang="0">
-                  <a:pos x="connsiteX0" y="connsiteY0"/>
-                </a:cxn>
-                <a:cxn ang="0">
-                  <a:pos x="connsiteX1" y="connsiteY1"/>
-                </a:cxn>
-                <a:cxn ang="0">
-                  <a:pos x="connsiteX2" y="connsiteY2"/>
-                </a:cxn>
-                <a:cxn ang="0">
-                  <a:pos x="connsiteX3" y="connsiteY3"/>
-                </a:cxn>
-                <a:cxn ang="0">
-                  <a:pos x="connsiteX4" y="connsiteY4"/>
-                </a:cxn>
-                <a:cxn ang="0">
-                  <a:pos x="connsiteX5" y="connsiteY5"/>
-                </a:cxn>
-              </a:cxnLst>
-              <a:rect l="l" t="t" r="r" b="b"/>
-              <a:pathLst>
-                <a:path w="466107" h="328114">
-                  <a:moveTo>
-                    <a:pt x="252822" y="1539"/>
-                  </a:moveTo>
-                  <a:cubicBezTo>
-                    <a:pt x="335429" y="-10494"/>
-                    <a:pt x="418848" y="49794"/>
-                    <a:pt x="451641" y="122177"/>
-                  </a:cubicBezTo>
-                  <a:cubicBezTo>
-                    <a:pt x="479697" y="184273"/>
-                    <a:pt x="470594" y="255285"/>
-                    <a:pt x="391790" y="297430"/>
-                  </a:cubicBezTo>
-                  <a:cubicBezTo>
-                    <a:pt x="301077" y="345935"/>
-                    <a:pt x="55935" y="343254"/>
-                    <a:pt x="8614" y="243252"/>
-                  </a:cubicBezTo>
-                  <a:cubicBezTo>
-                    <a:pt x="-12895" y="197678"/>
-                    <a:pt x="8240" y="136766"/>
-                    <a:pt x="45897" y="97302"/>
-                  </a:cubicBezTo>
-                  <a:cubicBezTo>
-                    <a:pt x="98704" y="42064"/>
-                    <a:pt x="181872" y="11950"/>
-                    <a:pt x="252822" y="1539"/>
-                  </a:cubicBezTo>
-                  <a:close/>
-                </a:path>
-              </a:pathLst>
-            </a:custGeom>
-            <a:grpFill/>
-            <a:ln>
-              <a:noFill/>
-            </a:ln>
-          </p:spPr>
-          <p:style>
-            <a:lnRef idx="2">
-              <a:schemeClr val="accent1">
-                <a:shade val="50000"/>
-              </a:schemeClr>
-            </a:lnRef>
-            <a:fillRef idx="1">
-              <a:schemeClr val="accent1"/>
-            </a:fillRef>
-            <a:effectRef idx="0">
-              <a:schemeClr val="accent1"/>
-            </a:effectRef>
-            <a:fontRef idx="minor">
-              <a:schemeClr val="lt1"/>
-            </a:fontRef>
-          </p:style>
-          <p:txBody>
-            <a:bodyPr rtlCol="0" anchor="ctr"/>
-            <a:lstStyle/>
-            <a:p>
-              <a:pPr marL="0" marR="0" lvl="0" indent="0" algn="ctr" defTabSz="914400" rtl="0" eaLnBrk="1" fontAlgn="auto" latinLnBrk="0" hangingPunct="1">
-                <a:lnSpc>
-                  <a:spcPct val="100000"/>
-                </a:lnSpc>
-                <a:spcBef>
-                  <a:spcPts val="0"/>
-                </a:spcBef>
-                <a:spcAft>
-                  <a:spcPts val="0"/>
-                </a:spcAft>
-                <a:buClrTx/>
-                <a:buSzTx/>
-                <a:buFontTx/>
-                <a:buNone/>
-                <a:tabLst/>
-                <a:defRPr/>
-              </a:pPr>
-              <a:endParaRPr kumimoji="0" lang="en-US" sz="1800" b="0" i="0" u="none" strike="noStrike" kern="1200" cap="none" spc="0" normalizeH="0" baseline="0" noProof="0">
-                <a:ln>
-                  <a:noFill/>
-                </a:ln>
-                <a:solidFill>
-                  <a:prstClr val="white"/>
-                </a:solidFill>
-                <a:effectLst/>
-                <a:uLnTx/>
-                <a:uFillTx/>
-                <a:latin typeface="Avenir Next LT Pro Light"/>
-                <a:ea typeface="+mn-ea"/>
-                <a:cs typeface="+mn-cs"/>
-              </a:endParaRPr>
-            </a:p>
-          </p:txBody>
-        </p:sp>
-        <p:sp>
-          <p:nvSpPr>
-            <p:cNvPr id="47" name="Graphic 15">
-              <a:extLst>
-                <a:ext uri="{FF2B5EF4-FFF2-40B4-BE49-F238E27FC236}">
-                  <a16:creationId xmlns:a16="http://schemas.microsoft.com/office/drawing/2014/main" id="{9DC20816-893A-4201-AA91-22F71E46F941}"/>
-                </a:ext>
-                <a:ext uri="{C183D7F6-B498-43B3-948B-1728B52AA6E4}">
-                  <adec:decorative xmlns:adec="http://schemas.microsoft.com/office/drawing/2017/decorative" val="1"/>
-                </a:ext>
-              </a:extLst>
-            </p:cNvPr>
-            <p:cNvSpPr/>
-            <p:nvPr>
-              <p:extLst>
-                <p:ext uri="{386F3935-93C4-4BCD-93E2-E3B085C9AB24}">
-                  <p16:designElem xmlns:p16="http://schemas.microsoft.com/office/powerpoint/2015/main" val="1"/>
-                </p:ext>
-              </p:extLst>
-            </p:nvPr>
-          </p:nvSpPr>
-          <p:spPr>
-            <a:xfrm>
-              <a:off x="11602136" y="3379098"/>
-              <a:ext cx="82388" cy="75292"/>
-            </a:xfrm>
-            <a:custGeom>
-              <a:avLst/>
-              <a:gdLst>
-                <a:gd name="connsiteX0" fmla="*/ 17664 w 5240764"/>
-                <a:gd name="connsiteY0" fmla="*/ 2947947 h 4789394"/>
-                <a:gd name="connsiteX1" fmla="*/ 903489 w 5240764"/>
-                <a:gd name="connsiteY1" fmla="*/ 195222 h 4789394"/>
-                <a:gd name="connsiteX2" fmla="*/ 3560964 w 5240764"/>
-                <a:gd name="connsiteY2" fmla="*/ 357147 h 4789394"/>
-                <a:gd name="connsiteX3" fmla="*/ 5240602 w 5240764"/>
-                <a:gd name="connsiteY3" fmla="*/ 2076409 h 4789394"/>
-                <a:gd name="connsiteX4" fmla="*/ 4568328 w 5240764"/>
-                <a:gd name="connsiteY4" fmla="*/ 3879397 h 4789394"/>
-                <a:gd name="connsiteX5" fmla="*/ 3284739 w 5240764"/>
-                <a:gd name="connsiteY5" fmla="*/ 4605297 h 4789394"/>
-                <a:gd name="connsiteX6" fmla="*/ 1074939 w 5240764"/>
-                <a:gd name="connsiteY6" fmla="*/ 4357647 h 4789394"/>
-                <a:gd name="connsiteX7" fmla="*/ 15187 w 5240764"/>
-                <a:gd name="connsiteY7" fmla="*/ 2830313 h 4789394"/>
-              </a:gdLst>
-              <a:ahLst/>
-              <a:cxnLst>
-                <a:cxn ang="0">
-                  <a:pos x="connsiteX0" y="connsiteY0"/>
-                </a:cxn>
-                <a:cxn ang="0">
-                  <a:pos x="connsiteX1" y="connsiteY1"/>
-                </a:cxn>
-                <a:cxn ang="0">
-                  <a:pos x="connsiteX2" y="connsiteY2"/>
-                </a:cxn>
-                <a:cxn ang="0">
-                  <a:pos x="connsiteX3" y="connsiteY3"/>
-                </a:cxn>
-                <a:cxn ang="0">
-                  <a:pos x="connsiteX4" y="connsiteY4"/>
-                </a:cxn>
-                <a:cxn ang="0">
-                  <a:pos x="connsiteX5" y="connsiteY5"/>
-                </a:cxn>
-                <a:cxn ang="0">
-                  <a:pos x="connsiteX6" y="connsiteY6"/>
-                </a:cxn>
-                <a:cxn ang="0">
-                  <a:pos x="connsiteX7" y="connsiteY7"/>
-                </a:cxn>
-              </a:cxnLst>
-              <a:rect l="l" t="t" r="r" b="b"/>
-              <a:pathLst>
-                <a:path w="5240764" h="4789394">
-                  <a:moveTo>
-                    <a:pt x="17664" y="2947947"/>
-                  </a:moveTo>
-                  <a:cubicBezTo>
-                    <a:pt x="17664" y="2900322"/>
-                    <a:pt x="-201411" y="490497"/>
-                    <a:pt x="903489" y="195222"/>
-                  </a:cubicBezTo>
-                  <a:cubicBezTo>
-                    <a:pt x="2008389" y="-100053"/>
-                    <a:pt x="2598939" y="-71478"/>
-                    <a:pt x="3560964" y="357147"/>
-                  </a:cubicBezTo>
-                  <a:cubicBezTo>
-                    <a:pt x="4522989" y="785772"/>
-                    <a:pt x="5253271" y="1338222"/>
-                    <a:pt x="5240602" y="2076409"/>
-                  </a:cubicBezTo>
-                  <a:cubicBezTo>
-                    <a:pt x="5227934" y="2814597"/>
-                    <a:pt x="4842267" y="3677276"/>
-                    <a:pt x="4568328" y="3879397"/>
-                  </a:cubicBezTo>
-                  <a:cubicBezTo>
-                    <a:pt x="4294389" y="4081422"/>
-                    <a:pt x="4065789" y="4548147"/>
-                    <a:pt x="3284739" y="4605297"/>
-                  </a:cubicBezTo>
-                  <a:cubicBezTo>
-                    <a:pt x="2503689" y="4662447"/>
-                    <a:pt x="1579764" y="5110122"/>
-                    <a:pt x="1074939" y="4357647"/>
-                  </a:cubicBezTo>
-                  <a:cubicBezTo>
-                    <a:pt x="570114" y="3605172"/>
-                    <a:pt x="12615" y="3617554"/>
-                    <a:pt x="15187" y="2830313"/>
-                  </a:cubicBezTo>
-                </a:path>
-              </a:pathLst>
-            </a:custGeom>
-            <a:grpFill/>
-            <a:ln w="9525" cap="flat">
-              <a:noFill/>
-              <a:prstDash val="solid"/>
-              <a:miter/>
-            </a:ln>
-          </p:spPr>
-          <p:txBody>
-            <a:bodyPr rtlCol="0" anchor="ctr"/>
-            <a:lstStyle/>
-            <a:p>
-              <a:endParaRPr lang="en-US"/>
-            </a:p>
-          </p:txBody>
-        </p:sp>
-        <p:sp>
-          <p:nvSpPr>
-            <p:cNvPr id="48" name="Graphic 15">
-              <a:extLst>
-                <a:ext uri="{FF2B5EF4-FFF2-40B4-BE49-F238E27FC236}">
-                  <a16:creationId xmlns:a16="http://schemas.microsoft.com/office/drawing/2014/main" id="{866D1F4E-BA21-44F3-A97A-E979C5FE781A}"/>
-                </a:ext>
-                <a:ext uri="{C183D7F6-B498-43B3-948B-1728B52AA6E4}">
-                  <adec:decorative xmlns:adec="http://schemas.microsoft.com/office/drawing/2017/decorative" val="1"/>
-                </a:ext>
-              </a:extLst>
-            </p:cNvPr>
-            <p:cNvSpPr/>
-            <p:nvPr>
-              <p:extLst>
-                <p:ext uri="{386F3935-93C4-4BCD-93E2-E3B085C9AB24}">
-                  <p16:designElem xmlns:p16="http://schemas.microsoft.com/office/powerpoint/2015/main" val="1"/>
-                </p:ext>
-              </p:extLst>
-            </p:nvPr>
-          </p:nvSpPr>
-          <p:spPr>
-            <a:xfrm>
-              <a:off x="10948005" y="3504095"/>
-              <a:ext cx="82388" cy="75292"/>
-            </a:xfrm>
-            <a:custGeom>
-              <a:avLst/>
-              <a:gdLst>
-                <a:gd name="connsiteX0" fmla="*/ 17664 w 5240764"/>
-                <a:gd name="connsiteY0" fmla="*/ 2947947 h 4789394"/>
-                <a:gd name="connsiteX1" fmla="*/ 903489 w 5240764"/>
-                <a:gd name="connsiteY1" fmla="*/ 195222 h 4789394"/>
-                <a:gd name="connsiteX2" fmla="*/ 3560964 w 5240764"/>
-                <a:gd name="connsiteY2" fmla="*/ 357147 h 4789394"/>
-                <a:gd name="connsiteX3" fmla="*/ 5240602 w 5240764"/>
-                <a:gd name="connsiteY3" fmla="*/ 2076409 h 4789394"/>
-                <a:gd name="connsiteX4" fmla="*/ 4568328 w 5240764"/>
-                <a:gd name="connsiteY4" fmla="*/ 3879397 h 4789394"/>
-                <a:gd name="connsiteX5" fmla="*/ 3284739 w 5240764"/>
-                <a:gd name="connsiteY5" fmla="*/ 4605297 h 4789394"/>
-                <a:gd name="connsiteX6" fmla="*/ 1074939 w 5240764"/>
-                <a:gd name="connsiteY6" fmla="*/ 4357647 h 4789394"/>
-                <a:gd name="connsiteX7" fmla="*/ 15187 w 5240764"/>
-                <a:gd name="connsiteY7" fmla="*/ 2830313 h 4789394"/>
-              </a:gdLst>
-              <a:ahLst/>
-              <a:cxnLst>
-                <a:cxn ang="0">
-                  <a:pos x="connsiteX0" y="connsiteY0"/>
-                </a:cxn>
-                <a:cxn ang="0">
-                  <a:pos x="connsiteX1" y="connsiteY1"/>
-                </a:cxn>
-                <a:cxn ang="0">
-                  <a:pos x="connsiteX2" y="connsiteY2"/>
-                </a:cxn>
-                <a:cxn ang="0">
-                  <a:pos x="connsiteX3" y="connsiteY3"/>
-                </a:cxn>
-                <a:cxn ang="0">
-                  <a:pos x="connsiteX4" y="connsiteY4"/>
-                </a:cxn>
-                <a:cxn ang="0">
-                  <a:pos x="connsiteX5" y="connsiteY5"/>
-                </a:cxn>
-                <a:cxn ang="0">
-                  <a:pos x="connsiteX6" y="connsiteY6"/>
-                </a:cxn>
-                <a:cxn ang="0">
-                  <a:pos x="connsiteX7" y="connsiteY7"/>
-                </a:cxn>
-              </a:cxnLst>
-              <a:rect l="l" t="t" r="r" b="b"/>
-              <a:pathLst>
-                <a:path w="5240764" h="4789394">
-                  <a:moveTo>
-                    <a:pt x="17664" y="2947947"/>
-                  </a:moveTo>
-                  <a:cubicBezTo>
-                    <a:pt x="17664" y="2900322"/>
-                    <a:pt x="-201411" y="490497"/>
-                    <a:pt x="903489" y="195222"/>
-                  </a:cubicBezTo>
-                  <a:cubicBezTo>
-                    <a:pt x="2008389" y="-100053"/>
-                    <a:pt x="2598939" y="-71478"/>
-                    <a:pt x="3560964" y="357147"/>
-                  </a:cubicBezTo>
-                  <a:cubicBezTo>
-                    <a:pt x="4522989" y="785772"/>
-                    <a:pt x="5253271" y="1338222"/>
-                    <a:pt x="5240602" y="2076409"/>
-                  </a:cubicBezTo>
-                  <a:cubicBezTo>
-                    <a:pt x="5227934" y="2814597"/>
-                    <a:pt x="4842267" y="3677276"/>
-                    <a:pt x="4568328" y="3879397"/>
-                  </a:cubicBezTo>
-                  <a:cubicBezTo>
-                    <a:pt x="4294389" y="4081422"/>
-                    <a:pt x="4065789" y="4548147"/>
-                    <a:pt x="3284739" y="4605297"/>
-                  </a:cubicBezTo>
-                  <a:cubicBezTo>
-                    <a:pt x="2503689" y="4662447"/>
-                    <a:pt x="1579764" y="5110122"/>
-                    <a:pt x="1074939" y="4357647"/>
-                  </a:cubicBezTo>
-                  <a:cubicBezTo>
-                    <a:pt x="570114" y="3605172"/>
-                    <a:pt x="12615" y="3617554"/>
-                    <a:pt x="15187" y="2830313"/>
-                  </a:cubicBezTo>
-                </a:path>
-              </a:pathLst>
-            </a:custGeom>
-            <a:grpFill/>
-            <a:ln w="9525" cap="flat">
-              <a:noFill/>
-              <a:prstDash val="solid"/>
-              <a:miter/>
-            </a:ln>
-          </p:spPr>
-          <p:txBody>
-            <a:bodyPr rtlCol="0" anchor="ctr"/>
-            <a:lstStyle/>
-            <a:p>
-              <a:endParaRPr lang="en-US"/>
-            </a:p>
-          </p:txBody>
-        </p:sp>
-        <p:sp>
-          <p:nvSpPr>
-            <p:cNvPr id="49" name="Freeform: Shape 48">
-              <a:extLst>
-                <a:ext uri="{FF2B5EF4-FFF2-40B4-BE49-F238E27FC236}">
-                  <a16:creationId xmlns:a16="http://schemas.microsoft.com/office/drawing/2014/main" id="{B35EADCB-1DB5-4B69-892B-14567F5280EF}"/>
-                </a:ext>
-                <a:ext uri="{C183D7F6-B498-43B3-948B-1728B52AA6E4}">
-                  <adec:decorative xmlns:adec="http://schemas.microsoft.com/office/drawing/2017/decorative" val="1"/>
-                </a:ext>
-              </a:extLst>
-            </p:cNvPr>
-            <p:cNvSpPr/>
-            <p:nvPr>
-              <p:extLst>
-                <p:ext uri="{386F3935-93C4-4BCD-93E2-E3B085C9AB24}">
-                  <p16:designElem xmlns:p16="http://schemas.microsoft.com/office/powerpoint/2015/main" val="1"/>
-                </p:ext>
-              </p:extLst>
-            </p:nvPr>
-          </p:nvSpPr>
-          <p:spPr>
-            <a:xfrm>
-              <a:off x="11343727" y="3666564"/>
-              <a:ext cx="173527" cy="138496"/>
-            </a:xfrm>
-            <a:custGeom>
-              <a:avLst/>
-              <a:gdLst>
-                <a:gd name="connsiteX0" fmla="*/ 237392 w 789043"/>
-                <a:gd name="connsiteY0" fmla="*/ 81 h 629754"/>
-                <a:gd name="connsiteX1" fmla="*/ 758692 w 789043"/>
-                <a:gd name="connsiteY1" fmla="*/ 233550 h 629754"/>
-                <a:gd name="connsiteX2" fmla="*/ 650647 w 789043"/>
-                <a:gd name="connsiteY2" fmla="*/ 335111 h 629754"/>
-                <a:gd name="connsiteX3" fmla="*/ 315041 w 789043"/>
-                <a:gd name="connsiteY3" fmla="*/ 584992 h 629754"/>
-                <a:gd name="connsiteX4" fmla="*/ 192159 w 789043"/>
-                <a:gd name="connsiteY4" fmla="*/ 625953 h 629754"/>
-                <a:gd name="connsiteX5" fmla="*/ 124264 w 789043"/>
-                <a:gd name="connsiteY5" fmla="*/ 552260 h 629754"/>
-                <a:gd name="connsiteX6" fmla="*/ 1631 w 789043"/>
-                <a:gd name="connsiteY6" fmla="*/ 133735 h 629754"/>
-                <a:gd name="connsiteX7" fmla="*/ 35422 w 789043"/>
-                <a:gd name="connsiteY7" fmla="*/ 14157 h 629754"/>
-                <a:gd name="connsiteX8" fmla="*/ 113728 w 789043"/>
-                <a:gd name="connsiteY8" fmla="*/ 378 h 629754"/>
-                <a:gd name="connsiteX9" fmla="*/ 237392 w 789043"/>
-                <a:gd name="connsiteY9" fmla="*/ 81 h 629754"/>
-              </a:gdLst>
-              <a:ahLst/>
-              <a:cxnLst>
-                <a:cxn ang="0">
-                  <a:pos x="connsiteX0" y="connsiteY0"/>
-                </a:cxn>
-                <a:cxn ang="0">
-                  <a:pos x="connsiteX1" y="connsiteY1"/>
-                </a:cxn>
-                <a:cxn ang="0">
-                  <a:pos x="connsiteX2" y="connsiteY2"/>
-                </a:cxn>
-                <a:cxn ang="0">
-                  <a:pos x="connsiteX3" y="connsiteY3"/>
-                </a:cxn>
-                <a:cxn ang="0">
-                  <a:pos x="connsiteX4" y="connsiteY4"/>
-                </a:cxn>
-                <a:cxn ang="0">
-                  <a:pos x="connsiteX5" y="connsiteY5"/>
-                </a:cxn>
-                <a:cxn ang="0">
-                  <a:pos x="connsiteX6" y="connsiteY6"/>
-                </a:cxn>
-                <a:cxn ang="0">
-                  <a:pos x="connsiteX7" y="connsiteY7"/>
-                </a:cxn>
-                <a:cxn ang="0">
-                  <a:pos x="connsiteX8" y="connsiteY8"/>
-                </a:cxn>
-                <a:cxn ang="0">
-                  <a:pos x="connsiteX9" y="connsiteY9"/>
-                </a:cxn>
-              </a:cxnLst>
-              <a:rect l="l" t="t" r="r" b="b"/>
-              <a:pathLst>
-                <a:path w="789043" h="629754">
-                  <a:moveTo>
-                    <a:pt x="237392" y="81"/>
-                  </a:moveTo>
-                  <a:cubicBezTo>
-                    <a:pt x="474795" y="-992"/>
-                    <a:pt x="907215" y="10463"/>
-                    <a:pt x="758692" y="233550"/>
-                  </a:cubicBezTo>
-                  <a:cubicBezTo>
-                    <a:pt x="731135" y="274948"/>
-                    <a:pt x="690486" y="305435"/>
-                    <a:pt x="650647" y="335111"/>
-                  </a:cubicBezTo>
-                  <a:cubicBezTo>
-                    <a:pt x="538737" y="418405"/>
-                    <a:pt x="426889" y="501698"/>
-                    <a:pt x="315041" y="584992"/>
-                  </a:cubicBezTo>
-                  <a:cubicBezTo>
-                    <a:pt x="278943" y="611863"/>
-                    <a:pt x="234865" y="640167"/>
-                    <a:pt x="192159" y="625953"/>
-                  </a:cubicBezTo>
-                  <a:cubicBezTo>
-                    <a:pt x="159614" y="615105"/>
-                    <a:pt x="139851" y="582810"/>
-                    <a:pt x="124264" y="552260"/>
-                  </a:cubicBezTo>
-                  <a:cubicBezTo>
-                    <a:pt x="57742" y="422021"/>
-                    <a:pt x="15908" y="279250"/>
-                    <a:pt x="1631" y="133735"/>
-                  </a:cubicBezTo>
-                  <a:cubicBezTo>
-                    <a:pt x="-2671" y="90343"/>
-                    <a:pt x="-676" y="38596"/>
-                    <a:pt x="35422" y="14157"/>
-                  </a:cubicBezTo>
-                  <a:cubicBezTo>
-                    <a:pt x="57804" y="-931"/>
-                    <a:pt x="86795" y="-557"/>
-                    <a:pt x="113728" y="378"/>
-                  </a:cubicBezTo>
-                  <a:cubicBezTo>
-                    <a:pt x="138207" y="1243"/>
-                    <a:pt x="182606" y="328"/>
-                    <a:pt x="237392" y="81"/>
-                  </a:cubicBezTo>
-                  <a:close/>
-                </a:path>
-              </a:pathLst>
-            </a:custGeom>
-            <a:grpFill/>
-            <a:ln>
-              <a:noFill/>
-            </a:ln>
-          </p:spPr>
-          <p:style>
-            <a:lnRef idx="2">
-              <a:schemeClr val="accent1">
-                <a:shade val="50000"/>
-              </a:schemeClr>
-            </a:lnRef>
-            <a:fillRef idx="1">
-              <a:schemeClr val="accent1"/>
-            </a:fillRef>
-            <a:effectRef idx="0">
-              <a:schemeClr val="accent1"/>
-            </a:effectRef>
-            <a:fontRef idx="minor">
-              <a:schemeClr val="lt1"/>
-            </a:fontRef>
-          </p:style>
-          <p:txBody>
-            <a:bodyPr rtlCol="0" anchor="ctr"/>
-            <a:lstStyle/>
-            <a:p>
-              <a:pPr algn="ctr"/>
-              <a:endParaRPr lang="en-US" dirty="0"/>
-            </a:p>
-          </p:txBody>
-        </p:sp>
-      </p:grpSp>
-      <p:pic>
-        <p:nvPicPr>
-          <p:cNvPr id="1028" name="Picture 4">
-            <a:extLst>
-              <a:ext uri="{FF2B5EF4-FFF2-40B4-BE49-F238E27FC236}">
-                <a16:creationId xmlns:a16="http://schemas.microsoft.com/office/drawing/2014/main" id="{5AA68EBD-14F5-4B84-B51B-B7F90691F4B0}"/>
-              </a:ext>
-            </a:extLst>
-          </p:cNvPr>
-          <p:cNvPicPr>
-            <a:picLocks noChangeAspect="1" noChangeArrowheads="1"/>
-          </p:cNvPicPr>
-          <p:nvPr/>
-        </p:nvPicPr>
-        <p:blipFill rotWithShape="1">
-          <a:blip r:embed="rId2">
-            <a:clrChange>
-              <a:clrFrom>
-                <a:srgbClr val="FFFFFF"/>
-              </a:clrFrom>
-              <a:clrTo>
-                <a:srgbClr val="FFFFFF">
-                  <a:alpha val="0"/>
-                </a:srgbClr>
-              </a:clrTo>
-            </a:clrChange>
-            <a:extLst>
-              <a:ext uri="{28A0092B-C50C-407E-A947-70E740481C1C}">
-                <a14:useLocalDpi xmlns:a14="http://schemas.microsoft.com/office/drawing/2010/main" val="0"/>
-              </a:ext>
-            </a:extLst>
-          </a:blip>
-          <a:srcRect b="18253"/>
-          <a:stretch/>
-        </p:blipFill>
-        <p:spPr bwMode="auto">
-          <a:xfrm>
-            <a:off x="529809" y="1271963"/>
-            <a:ext cx="11365002" cy="4926418"/>
-          </a:xfrm>
-          <a:prstGeom prst="rect">
-            <a:avLst/>
-          </a:prstGeom>
-          <a:noFill/>
-          <a:extLst>
-            <a:ext uri="{909E8E84-426E-40DD-AFC4-6F175D3DCCD1}">
-              <a14:hiddenFill xmlns:a14="http://schemas.microsoft.com/office/drawing/2010/main">
-                <a:solidFill>
-                  <a:srgbClr val="FFFFFF"/>
-                </a:solidFill>
-              </a14:hiddenFill>
-            </a:ext>
-          </a:extLst>
-        </p:spPr>
-      </p:pic>
-      <p:sp>
-        <p:nvSpPr>
-          <p:cNvPr id="39" name="CuadroTexto 38">
-            <a:extLst>
-              <a:ext uri="{FF2B5EF4-FFF2-40B4-BE49-F238E27FC236}">
-                <a16:creationId xmlns:a16="http://schemas.microsoft.com/office/drawing/2014/main" id="{DF46FD23-0D72-4B7D-AE5F-E663BB23169B}"/>
-              </a:ext>
-            </a:extLst>
-          </p:cNvPr>
-          <p:cNvSpPr txBox="1"/>
-          <p:nvPr/>
-        </p:nvSpPr>
-        <p:spPr>
-          <a:xfrm>
-            <a:off x="2338919" y="603574"/>
-            <a:ext cx="7514161" cy="707886"/>
-          </a:xfrm>
-          <a:prstGeom prst="rect">
-            <a:avLst/>
-          </a:prstGeom>
-          <a:noFill/>
-        </p:spPr>
-        <p:txBody>
-          <a:bodyPr wrap="square" rtlCol="0">
-            <a:spAutoFit/>
-          </a:bodyPr>
-          <a:lstStyle/>
-          <a:p>
-            <a:pPr algn="ctr"/>
-            <a:r>
-              <a:rPr lang="es-ES" sz="4000" i="1" dirty="0">
-                <a:latin typeface="Modern Love Caps" panose="04070805081001020A01" pitchFamily="82" charset="0"/>
-              </a:rPr>
-              <a:t>PROCESO DE VENTAS </a:t>
-            </a:r>
-            <a:endParaRPr lang="es-CO" sz="4000" i="1" dirty="0"/>
-          </a:p>
-        </p:txBody>
-      </p:sp>
-    </p:spTree>
-    <p:extLst>
-      <p:ext uri="{BB962C8B-B14F-4D97-AF65-F5344CB8AC3E}">
-        <p14:creationId xmlns:p14="http://schemas.microsoft.com/office/powerpoint/2010/main" val="2560347935"/>
-      </p:ext>
-    </p:extLst>
-  </p:cSld>
-  <p:clrMapOvr>
-    <a:masterClrMapping/>
-  </p:clrMapOvr>
-</p:sld>
-</file>
-
-<file path=ppt/slides/slide11.xml><?xml version="1.0" encoding="utf-8"?>
-<p:sld xmlns:a="http://schemas.openxmlformats.org/drawingml/2006/main" xmlns:r="http://schemas.openxmlformats.org/officeDocument/2006/relationships" xmlns:p="http://schemas.openxmlformats.org/presentationml/2006/main">
-  <p:cSld>
-    <p:bg>
-      <p:bgPr>
-        <a:solidFill>
-          <a:schemeClr val="bg2"/>
-        </a:solidFill>
-        <a:effectLst/>
-      </p:bgPr>
-    </p:bg>
-    <p:spTree>
-      <p:nvGrpSpPr>
-        <p:cNvPr id="1" name=""/>
-        <p:cNvGrpSpPr/>
-        <p:nvPr/>
-      </p:nvGrpSpPr>
-      <p:grpSpPr>
-        <a:xfrm>
-          <a:off x="0" y="0"/>
-          <a:ext cx="0" cy="0"/>
-          <a:chOff x="0" y="0"/>
-          <a:chExt cx="0" cy="0"/>
-        </a:xfrm>
-      </p:grpSpPr>
-      <p:sp>
-        <p:nvSpPr>
-          <p:cNvPr id="9" name="Freeform: Shape 8">
-            <a:extLst>
-              <a:ext uri="{FF2B5EF4-FFF2-40B4-BE49-F238E27FC236}">
-                <a16:creationId xmlns:a16="http://schemas.microsoft.com/office/drawing/2014/main" id="{435959F4-53DA-47FF-BC24-1E5B75C69876}"/>
-              </a:ext>
-              <a:ext uri="{C183D7F6-B498-43B3-948B-1728B52AA6E4}">
-                <adec:decorative xmlns:adec="http://schemas.microsoft.com/office/drawing/2017/decorative" val="1"/>
-              </a:ext>
-            </a:extLst>
-          </p:cNvPr>
-          <p:cNvSpPr>
-            <a:spLocks noGrp="1" noRot="1" noChangeAspect="1" noMove="1" noResize="1" noEditPoints="1" noAdjustHandles="1" noChangeArrowheads="1" noChangeShapeType="1" noTextEdit="1"/>
-          </p:cNvSpPr>
-          <p:nvPr>
-            <p:extLst>
-              <p:ext uri="{386F3935-93C4-4BCD-93E2-E3B085C9AB24}">
-                <p16:designElem xmlns:p16="http://schemas.microsoft.com/office/powerpoint/2015/main" val="1"/>
-              </p:ext>
-            </p:extLst>
-          </p:nvPr>
-        </p:nvSpPr>
-        <p:spPr>
-          <a:xfrm>
-            <a:off x="9753030" y="5516668"/>
-            <a:ext cx="2438970" cy="1341332"/>
-          </a:xfrm>
-          <a:custGeom>
-            <a:avLst/>
-            <a:gdLst>
-              <a:gd name="connsiteX0" fmla="*/ 2025355 w 2438970"/>
-              <a:gd name="connsiteY0" fmla="*/ 235 h 1341332"/>
-              <a:gd name="connsiteX1" fmla="*/ 2381960 w 2438970"/>
-              <a:gd name="connsiteY1" fmla="*/ 44517 h 1341332"/>
-              <a:gd name="connsiteX2" fmla="*/ 2438970 w 2438970"/>
-              <a:gd name="connsiteY2" fmla="*/ 58872 h 1341332"/>
-              <a:gd name="connsiteX3" fmla="*/ 2438970 w 2438970"/>
-              <a:gd name="connsiteY3" fmla="*/ 1341332 h 1341332"/>
-              <a:gd name="connsiteX4" fmla="*/ 0 w 2438970"/>
-              <a:gd name="connsiteY4" fmla="*/ 1341332 h 1341332"/>
-              <a:gd name="connsiteX5" fmla="*/ 13333 w 2438970"/>
-              <a:gd name="connsiteY5" fmla="*/ 1328018 h 1341332"/>
-              <a:gd name="connsiteX6" fmla="*/ 936262 w 2438970"/>
-              <a:gd name="connsiteY6" fmla="*/ 459947 h 1341332"/>
-              <a:gd name="connsiteX7" fmla="*/ 1554028 w 2438970"/>
-              <a:gd name="connsiteY7" fmla="*/ 71153 h 1341332"/>
-              <a:gd name="connsiteX8" fmla="*/ 2025355 w 2438970"/>
-              <a:gd name="connsiteY8" fmla="*/ 235 h 1341332"/>
-            </a:gdLst>
-            <a:ahLst/>
-            <a:cxnLst>
-              <a:cxn ang="0">
-                <a:pos x="connsiteX0" y="connsiteY0"/>
-              </a:cxn>
-              <a:cxn ang="0">
-                <a:pos x="connsiteX1" y="connsiteY1"/>
-              </a:cxn>
-              <a:cxn ang="0">
-                <a:pos x="connsiteX2" y="connsiteY2"/>
-              </a:cxn>
-              <a:cxn ang="0">
-                <a:pos x="connsiteX3" y="connsiteY3"/>
-              </a:cxn>
-              <a:cxn ang="0">
-                <a:pos x="connsiteX4" y="connsiteY4"/>
-              </a:cxn>
-              <a:cxn ang="0">
-                <a:pos x="connsiteX5" y="connsiteY5"/>
-              </a:cxn>
-              <a:cxn ang="0">
-                <a:pos x="connsiteX6" y="connsiteY6"/>
-              </a:cxn>
-              <a:cxn ang="0">
-                <a:pos x="connsiteX7" y="connsiteY7"/>
-              </a:cxn>
-              <a:cxn ang="0">
-                <a:pos x="connsiteX8" y="connsiteY8"/>
-              </a:cxn>
-            </a:cxnLst>
-            <a:rect l="l" t="t" r="r" b="b"/>
-            <a:pathLst>
-              <a:path w="2438970" h="1341332">
-                <a:moveTo>
-                  <a:pt x="2025355" y="235"/>
-                </a:moveTo>
-                <a:cubicBezTo>
-                  <a:pt x="2143847" y="2306"/>
-                  <a:pt x="2262766" y="17993"/>
-                  <a:pt x="2381960" y="44517"/>
-                </a:cubicBezTo>
-                <a:lnTo>
-                  <a:pt x="2438970" y="58872"/>
-                </a:lnTo>
-                <a:lnTo>
-                  <a:pt x="2438970" y="1341332"/>
-                </a:lnTo>
-                <a:lnTo>
-                  <a:pt x="0" y="1341332"/>
-                </a:lnTo>
-                <a:lnTo>
-                  <a:pt x="13333" y="1328018"/>
-                </a:lnTo>
-                <a:cubicBezTo>
-                  <a:pt x="324723" y="1028950"/>
-                  <a:pt x="645390" y="738459"/>
-                  <a:pt x="936262" y="459947"/>
-                </a:cubicBezTo>
-                <a:cubicBezTo>
-                  <a:pt x="1139660" y="265152"/>
-                  <a:pt x="1345794" y="140817"/>
-                  <a:pt x="1554028" y="71153"/>
-                </a:cubicBezTo>
-                <a:cubicBezTo>
-                  <a:pt x="1710136" y="18918"/>
-                  <a:pt x="1867365" y="-2526"/>
-                  <a:pt x="2025355" y="235"/>
-                </a:cubicBezTo>
-                <a:close/>
-              </a:path>
-            </a:pathLst>
-          </a:custGeom>
-          <a:solidFill>
-            <a:schemeClr val="accent2">
-              <a:lumMod val="60000"/>
-              <a:lumOff val="40000"/>
-              <a:alpha val="50000"/>
-            </a:schemeClr>
-          </a:solidFill>
-          <a:ln>
-            <a:noFill/>
-          </a:ln>
-        </p:spPr>
-        <p:style>
-          <a:lnRef idx="2">
-            <a:schemeClr val="accent1">
-              <a:shade val="50000"/>
-            </a:schemeClr>
-          </a:lnRef>
-          <a:fillRef idx="1">
-            <a:schemeClr val="accent1"/>
-          </a:fillRef>
-          <a:effectRef idx="0">
-            <a:schemeClr val="accent1"/>
-          </a:effectRef>
-          <a:fontRef idx="minor">
-            <a:schemeClr val="lt1"/>
-          </a:fontRef>
-        </p:style>
-        <p:txBody>
-          <a:bodyPr wrap="square" rtlCol="0" anchor="ctr">
-            <a:noAutofit/>
-          </a:bodyPr>
-          <a:lstStyle/>
-          <a:p>
-            <a:pPr algn="ctr"/>
-            <a:endParaRPr lang="en-US" dirty="0"/>
-          </a:p>
-        </p:txBody>
-      </p:sp>
-      <p:grpSp>
-        <p:nvGrpSpPr>
-          <p:cNvPr id="11" name="Group 10">
-            <a:extLst>
-              <a:ext uri="{FF2B5EF4-FFF2-40B4-BE49-F238E27FC236}">
-                <a16:creationId xmlns:a16="http://schemas.microsoft.com/office/drawing/2014/main" id="{A7CF83E8-F6F0-41E3-B580-7412A04DDFB5}"/>
-              </a:ext>
-              <a:ext uri="{C183D7F6-B498-43B3-948B-1728B52AA6E4}">
-                <adec:decorative xmlns:adec="http://schemas.microsoft.com/office/drawing/2017/decorative" val="1"/>
-              </a:ext>
-            </a:extLst>
-          </p:cNvPr>
-          <p:cNvGrpSpPr>
-            <a:grpSpLocks noGrp="1" noUngrp="1" noRot="1" noChangeAspect="1" noMove="1" noResize="1"/>
-          </p:cNvGrpSpPr>
-          <p:nvPr>
-            <p:extLst>
-              <p:ext uri="{386F3935-93C4-4BCD-93E2-E3B085C9AB24}">
-                <p16:designElem xmlns:p16="http://schemas.microsoft.com/office/powerpoint/2015/main" val="1"/>
-              </p:ext>
-            </p:extLst>
-          </p:nvPr>
-        </p:nvGrpSpPr>
-        <p:grpSpPr>
-          <a:xfrm>
-            <a:off x="10776050" y="5204025"/>
-            <a:ext cx="886141" cy="802496"/>
-            <a:chOff x="10948005" y="3272152"/>
-            <a:chExt cx="868640" cy="786648"/>
-          </a:xfrm>
-          <a:solidFill>
-            <a:schemeClr val="accent1"/>
-          </a:solidFill>
-        </p:grpSpPr>
-        <p:sp>
-          <p:nvSpPr>
-            <p:cNvPr id="12" name="Freeform: Shape 11">
-              <a:extLst>
-                <a:ext uri="{FF2B5EF4-FFF2-40B4-BE49-F238E27FC236}">
-                  <a16:creationId xmlns:a16="http://schemas.microsoft.com/office/drawing/2014/main" id="{1A0B6DBB-705D-48D0-842C-F9DFA7684D19}"/>
-                </a:ext>
-                <a:ext uri="{C183D7F6-B498-43B3-948B-1728B52AA6E4}">
-                  <adec:decorative xmlns:adec="http://schemas.microsoft.com/office/drawing/2017/decorative" val="1"/>
-                </a:ext>
-              </a:extLst>
-            </p:cNvPr>
-            <p:cNvSpPr/>
-            <p:nvPr>
-              <p:extLst>
-                <p:ext uri="{386F3935-93C4-4BCD-93E2-E3B085C9AB24}">
-                  <p16:designElem xmlns:p16="http://schemas.microsoft.com/office/powerpoint/2015/main" val="1"/>
-                </p:ext>
-              </p:extLst>
-            </p:nvPr>
-          </p:nvSpPr>
-          <p:spPr>
-            <a:xfrm>
-              <a:off x="11194317" y="3944888"/>
-              <a:ext cx="128449" cy="113912"/>
-            </a:xfrm>
-            <a:custGeom>
-              <a:avLst/>
-              <a:gdLst>
-                <a:gd name="connsiteX0" fmla="*/ 237621 w 453152"/>
-                <a:gd name="connsiteY0" fmla="*/ 965 h 401867"/>
-                <a:gd name="connsiteX1" fmla="*/ 370246 w 453152"/>
-                <a:gd name="connsiteY1" fmla="*/ 23666 h 401867"/>
-                <a:gd name="connsiteX2" fmla="*/ 437392 w 453152"/>
-                <a:gd name="connsiteY2" fmla="*/ 198545 h 401867"/>
-                <a:gd name="connsiteX3" fmla="*/ 67745 w 453152"/>
-                <a:gd name="connsiteY3" fmla="*/ 392003 h 401867"/>
-                <a:gd name="connsiteX4" fmla="*/ 911 w 453152"/>
-                <a:gd name="connsiteY4" fmla="*/ 254095 h 401867"/>
-                <a:gd name="connsiteX5" fmla="*/ 115564 w 453152"/>
-                <a:gd name="connsiteY5" fmla="*/ 51160 h 401867"/>
-                <a:gd name="connsiteX6" fmla="*/ 237621 w 453152"/>
-                <a:gd name="connsiteY6" fmla="*/ 965 h 401867"/>
-              </a:gdLst>
-              <a:ahLst/>
-              <a:cxnLst>
-                <a:cxn ang="0">
-                  <a:pos x="connsiteX0" y="connsiteY0"/>
-                </a:cxn>
-                <a:cxn ang="0">
-                  <a:pos x="connsiteX1" y="connsiteY1"/>
-                </a:cxn>
-                <a:cxn ang="0">
-                  <a:pos x="connsiteX2" y="connsiteY2"/>
-                </a:cxn>
-                <a:cxn ang="0">
-                  <a:pos x="connsiteX3" y="connsiteY3"/>
-                </a:cxn>
-                <a:cxn ang="0">
-                  <a:pos x="connsiteX4" y="connsiteY4"/>
-                </a:cxn>
-                <a:cxn ang="0">
-                  <a:pos x="connsiteX5" y="connsiteY5"/>
-                </a:cxn>
-                <a:cxn ang="0">
-                  <a:pos x="connsiteX6" y="connsiteY6"/>
-                </a:cxn>
-              </a:cxnLst>
-              <a:rect l="l" t="t" r="r" b="b"/>
-              <a:pathLst>
-                <a:path w="453152" h="401867">
-                  <a:moveTo>
-                    <a:pt x="237621" y="965"/>
-                  </a:moveTo>
-                  <a:cubicBezTo>
-                    <a:pt x="283632" y="-2971"/>
-                    <a:pt x="331405" y="5243"/>
-                    <a:pt x="370246" y="23666"/>
-                  </a:cubicBezTo>
-                  <a:cubicBezTo>
-                    <a:pt x="436830" y="55275"/>
-                    <a:pt x="477168" y="116810"/>
-                    <a:pt x="437392" y="198545"/>
-                  </a:cubicBezTo>
-                  <a:cubicBezTo>
-                    <a:pt x="391568" y="292624"/>
-                    <a:pt x="176850" y="441630"/>
-                    <a:pt x="67745" y="392003"/>
-                  </a:cubicBezTo>
-                  <a:cubicBezTo>
-                    <a:pt x="18056" y="369372"/>
-                    <a:pt x="-5012" y="308398"/>
-                    <a:pt x="911" y="254095"/>
-                  </a:cubicBezTo>
-                  <a:cubicBezTo>
-                    <a:pt x="9203" y="178033"/>
-                    <a:pt x="61012" y="103094"/>
-                    <a:pt x="115564" y="51160"/>
-                  </a:cubicBezTo>
-                  <a:cubicBezTo>
-                    <a:pt x="147361" y="20985"/>
-                    <a:pt x="191610" y="4900"/>
-                    <a:pt x="237621" y="965"/>
-                  </a:cubicBezTo>
-                  <a:close/>
-                </a:path>
-              </a:pathLst>
-            </a:custGeom>
-            <a:grpFill/>
-            <a:ln>
-              <a:noFill/>
-            </a:ln>
-          </p:spPr>
-          <p:style>
-            <a:lnRef idx="2">
-              <a:schemeClr val="accent1">
-                <a:shade val="50000"/>
-              </a:schemeClr>
-            </a:lnRef>
-            <a:fillRef idx="1">
-              <a:schemeClr val="accent1"/>
-            </a:fillRef>
-            <a:effectRef idx="0">
-              <a:schemeClr val="accent1"/>
-            </a:effectRef>
-            <a:fontRef idx="minor">
-              <a:schemeClr val="lt1"/>
-            </a:fontRef>
-          </p:style>
-          <p:txBody>
-            <a:bodyPr rtlCol="0" anchor="ctr"/>
-            <a:lstStyle/>
-            <a:p>
-              <a:pPr marL="0" marR="0" lvl="0" indent="0" algn="ctr" defTabSz="914400" rtl="0" eaLnBrk="1" fontAlgn="auto" latinLnBrk="0" hangingPunct="1">
-                <a:lnSpc>
-                  <a:spcPct val="100000"/>
-                </a:lnSpc>
-                <a:spcBef>
-                  <a:spcPts val="0"/>
-                </a:spcBef>
-                <a:spcAft>
-                  <a:spcPts val="0"/>
-                </a:spcAft>
-                <a:buClrTx/>
-                <a:buSzTx/>
-                <a:buFontTx/>
-                <a:buNone/>
-                <a:tabLst/>
-                <a:defRPr/>
-              </a:pPr>
-              <a:endParaRPr kumimoji="0" lang="en-US" sz="1800" b="0" i="0" u="none" strike="noStrike" kern="1200" cap="none" spc="0" normalizeH="0" baseline="0" noProof="0">
-                <a:ln>
-                  <a:noFill/>
-                </a:ln>
-                <a:solidFill>
-                  <a:prstClr val="white"/>
-                </a:solidFill>
-                <a:effectLst/>
-                <a:uLnTx/>
-                <a:uFillTx/>
-                <a:latin typeface="Avenir Next LT Pro Light"/>
-                <a:ea typeface="+mn-ea"/>
-                <a:cs typeface="+mn-cs"/>
-              </a:endParaRPr>
-            </a:p>
-          </p:txBody>
-        </p:sp>
-        <p:sp>
-          <p:nvSpPr>
-            <p:cNvPr id="13" name="Freeform: Shape 12">
-              <a:extLst>
-                <a:ext uri="{FF2B5EF4-FFF2-40B4-BE49-F238E27FC236}">
-                  <a16:creationId xmlns:a16="http://schemas.microsoft.com/office/drawing/2014/main" id="{C194A764-16E1-4D0D-9357-76F80E6086C0}"/>
-                </a:ext>
-                <a:ext uri="{C183D7F6-B498-43B3-948B-1728B52AA6E4}">
-                  <adec:decorative xmlns:adec="http://schemas.microsoft.com/office/drawing/2017/decorative" val="1"/>
-                </a:ext>
-              </a:extLst>
-            </p:cNvPr>
-            <p:cNvSpPr/>
-            <p:nvPr>
-              <p:extLst>
-                <p:ext uri="{386F3935-93C4-4BCD-93E2-E3B085C9AB24}">
-                  <p16:designElem xmlns:p16="http://schemas.microsoft.com/office/powerpoint/2015/main" val="1"/>
-                </p:ext>
-              </p:extLst>
-            </p:nvPr>
-          </p:nvSpPr>
-          <p:spPr>
-            <a:xfrm>
-              <a:off x="10953045" y="3808430"/>
-              <a:ext cx="144912" cy="193414"/>
-            </a:xfrm>
-            <a:custGeom>
-              <a:avLst/>
-              <a:gdLst>
-                <a:gd name="connsiteX0" fmla="*/ 390625 w 511232"/>
-                <a:gd name="connsiteY0" fmla="*/ 1621 h 682341"/>
-                <a:gd name="connsiteX1" fmla="*/ 508142 w 511232"/>
-                <a:gd name="connsiteY1" fmla="*/ 64038 h 682341"/>
-                <a:gd name="connsiteX2" fmla="*/ 508453 w 511232"/>
-                <a:gd name="connsiteY2" fmla="*/ 121832 h 682341"/>
-                <a:gd name="connsiteX3" fmla="*/ 316492 w 511232"/>
-                <a:gd name="connsiteY3" fmla="*/ 567602 h 682341"/>
-                <a:gd name="connsiteX4" fmla="*/ 80265 w 511232"/>
-                <a:gd name="connsiteY4" fmla="*/ 640359 h 682341"/>
-                <a:gd name="connsiteX5" fmla="*/ 13306 w 511232"/>
-                <a:gd name="connsiteY5" fmla="*/ 274828 h 682341"/>
-                <a:gd name="connsiteX6" fmla="*/ 140989 w 511232"/>
-                <a:gd name="connsiteY6" fmla="*/ 107181 h 682341"/>
-                <a:gd name="connsiteX7" fmla="*/ 390625 w 511232"/>
-                <a:gd name="connsiteY7" fmla="*/ 1621 h 682341"/>
-              </a:gdLst>
-              <a:ahLst/>
-              <a:cxnLst>
-                <a:cxn ang="0">
-                  <a:pos x="connsiteX0" y="connsiteY0"/>
-                </a:cxn>
-                <a:cxn ang="0">
-                  <a:pos x="connsiteX1" y="connsiteY1"/>
-                </a:cxn>
-                <a:cxn ang="0">
-                  <a:pos x="connsiteX2" y="connsiteY2"/>
-                </a:cxn>
-                <a:cxn ang="0">
-                  <a:pos x="connsiteX3" y="connsiteY3"/>
-                </a:cxn>
-                <a:cxn ang="0">
-                  <a:pos x="connsiteX4" y="connsiteY4"/>
-                </a:cxn>
-                <a:cxn ang="0">
-                  <a:pos x="connsiteX5" y="connsiteY5"/>
-                </a:cxn>
-                <a:cxn ang="0">
-                  <a:pos x="connsiteX6" y="connsiteY6"/>
-                </a:cxn>
-                <a:cxn ang="0">
-                  <a:pos x="connsiteX7" y="connsiteY7"/>
-                </a:cxn>
-              </a:cxnLst>
-              <a:rect l="l" t="t" r="r" b="b"/>
-              <a:pathLst>
-                <a:path w="511232" h="682341">
-                  <a:moveTo>
-                    <a:pt x="390625" y="1621"/>
-                  </a:moveTo>
-                  <a:cubicBezTo>
-                    <a:pt x="446543" y="-5212"/>
-                    <a:pt x="493343" y="8441"/>
-                    <a:pt x="508142" y="64038"/>
-                  </a:cubicBezTo>
-                  <a:cubicBezTo>
-                    <a:pt x="513192" y="82866"/>
-                    <a:pt x="511134" y="102754"/>
-                    <a:pt x="508453" y="121832"/>
-                  </a:cubicBezTo>
-                  <a:cubicBezTo>
-                    <a:pt x="485324" y="287796"/>
-                    <a:pt x="417242" y="443971"/>
-                    <a:pt x="316492" y="567602"/>
-                  </a:cubicBezTo>
-                  <a:cubicBezTo>
-                    <a:pt x="253024" y="645534"/>
-                    <a:pt x="165055" y="737743"/>
-                    <a:pt x="80265" y="640359"/>
-                  </a:cubicBezTo>
-                  <a:cubicBezTo>
-                    <a:pt x="5014" y="553948"/>
-                    <a:pt x="-17368" y="383621"/>
-                    <a:pt x="13306" y="274828"/>
-                  </a:cubicBezTo>
-                  <a:cubicBezTo>
-                    <a:pt x="33443" y="203318"/>
-                    <a:pt x="83382" y="146521"/>
-                    <a:pt x="140989" y="107181"/>
-                  </a:cubicBezTo>
-                  <a:cubicBezTo>
-                    <a:pt x="178904" y="81308"/>
-                    <a:pt x="297428" y="13010"/>
-                    <a:pt x="390625" y="1621"/>
-                  </a:cubicBezTo>
-                  <a:close/>
-                </a:path>
-              </a:pathLst>
-            </a:custGeom>
-            <a:grpFill/>
-            <a:ln>
-              <a:noFill/>
-            </a:ln>
-          </p:spPr>
-          <p:style>
-            <a:lnRef idx="2">
-              <a:schemeClr val="accent1">
-                <a:shade val="50000"/>
-              </a:schemeClr>
-            </a:lnRef>
-            <a:fillRef idx="1">
-              <a:schemeClr val="accent1"/>
-            </a:fillRef>
-            <a:effectRef idx="0">
-              <a:schemeClr val="accent1"/>
-            </a:effectRef>
-            <a:fontRef idx="minor">
-              <a:schemeClr val="lt1"/>
-            </a:fontRef>
-          </p:style>
-          <p:txBody>
-            <a:bodyPr rtlCol="0" anchor="ctr"/>
-            <a:lstStyle/>
-            <a:p>
-              <a:pPr marL="0" marR="0" lvl="0" indent="0" algn="ctr" defTabSz="914400" rtl="0" eaLnBrk="1" fontAlgn="auto" latinLnBrk="0" hangingPunct="1">
-                <a:lnSpc>
-                  <a:spcPct val="100000"/>
-                </a:lnSpc>
-                <a:spcBef>
-                  <a:spcPts val="0"/>
-                </a:spcBef>
-                <a:spcAft>
-                  <a:spcPts val="0"/>
-                </a:spcAft>
-                <a:buClrTx/>
-                <a:buSzTx/>
-                <a:buFontTx/>
-                <a:buNone/>
-                <a:tabLst/>
-                <a:defRPr/>
-              </a:pPr>
-              <a:endParaRPr kumimoji="0" lang="en-US" sz="1800" b="0" i="0" u="none" strike="noStrike" kern="1200" cap="none" spc="0" normalizeH="0" baseline="0" noProof="0">
-                <a:ln>
-                  <a:noFill/>
-                </a:ln>
-                <a:solidFill>
-                  <a:prstClr val="white"/>
-                </a:solidFill>
-                <a:effectLst/>
-                <a:uLnTx/>
-                <a:uFillTx/>
-                <a:latin typeface="Avenir Next LT Pro Light"/>
-                <a:ea typeface="+mn-ea"/>
-                <a:cs typeface="+mn-cs"/>
-              </a:endParaRPr>
-            </a:p>
-          </p:txBody>
-        </p:sp>
-        <p:sp>
-          <p:nvSpPr>
-            <p:cNvPr id="14" name="Freeform: Shape 13">
-              <a:extLst>
-                <a:ext uri="{FF2B5EF4-FFF2-40B4-BE49-F238E27FC236}">
-                  <a16:creationId xmlns:a16="http://schemas.microsoft.com/office/drawing/2014/main" id="{115B7F3F-A40D-4F24-8536-E2420B433211}"/>
-                </a:ext>
-                <a:ext uri="{C183D7F6-B498-43B3-948B-1728B52AA6E4}">
-                  <adec:decorative xmlns:adec="http://schemas.microsoft.com/office/drawing/2017/decorative" val="1"/>
-                </a:ext>
-              </a:extLst>
-            </p:cNvPr>
-            <p:cNvSpPr/>
-            <p:nvPr>
-              <p:extLst>
-                <p:ext uri="{386F3935-93C4-4BCD-93E2-E3B085C9AB24}">
-                  <p16:designElem xmlns:p16="http://schemas.microsoft.com/office/powerpoint/2015/main" val="1"/>
-                </p:ext>
-              </p:extLst>
-            </p:nvPr>
-          </p:nvSpPr>
-          <p:spPr>
-            <a:xfrm>
-              <a:off x="11684524" y="3907536"/>
-              <a:ext cx="132121" cy="93006"/>
-            </a:xfrm>
-            <a:custGeom>
-              <a:avLst/>
-              <a:gdLst>
-                <a:gd name="connsiteX0" fmla="*/ 252822 w 466107"/>
-                <a:gd name="connsiteY0" fmla="*/ 1539 h 328114"/>
-                <a:gd name="connsiteX1" fmla="*/ 451641 w 466107"/>
-                <a:gd name="connsiteY1" fmla="*/ 122177 h 328114"/>
-                <a:gd name="connsiteX2" fmla="*/ 391790 w 466107"/>
-                <a:gd name="connsiteY2" fmla="*/ 297430 h 328114"/>
-                <a:gd name="connsiteX3" fmla="*/ 8614 w 466107"/>
-                <a:gd name="connsiteY3" fmla="*/ 243252 h 328114"/>
-                <a:gd name="connsiteX4" fmla="*/ 45897 w 466107"/>
-                <a:gd name="connsiteY4" fmla="*/ 97302 h 328114"/>
-                <a:gd name="connsiteX5" fmla="*/ 252822 w 466107"/>
-                <a:gd name="connsiteY5" fmla="*/ 1539 h 328114"/>
-              </a:gdLst>
-              <a:ahLst/>
-              <a:cxnLst>
-                <a:cxn ang="0">
-                  <a:pos x="connsiteX0" y="connsiteY0"/>
-                </a:cxn>
-                <a:cxn ang="0">
-                  <a:pos x="connsiteX1" y="connsiteY1"/>
-                </a:cxn>
-                <a:cxn ang="0">
-                  <a:pos x="connsiteX2" y="connsiteY2"/>
-                </a:cxn>
-                <a:cxn ang="0">
-                  <a:pos x="connsiteX3" y="connsiteY3"/>
-                </a:cxn>
-                <a:cxn ang="0">
-                  <a:pos x="connsiteX4" y="connsiteY4"/>
-                </a:cxn>
-                <a:cxn ang="0">
-                  <a:pos x="connsiteX5" y="connsiteY5"/>
-                </a:cxn>
-              </a:cxnLst>
-              <a:rect l="l" t="t" r="r" b="b"/>
-              <a:pathLst>
-                <a:path w="466107" h="328114">
-                  <a:moveTo>
-                    <a:pt x="252822" y="1539"/>
-                  </a:moveTo>
-                  <a:cubicBezTo>
-                    <a:pt x="335429" y="-10494"/>
-                    <a:pt x="418848" y="49794"/>
-                    <a:pt x="451641" y="122177"/>
-                  </a:cubicBezTo>
-                  <a:cubicBezTo>
-                    <a:pt x="479697" y="184273"/>
-                    <a:pt x="470594" y="255285"/>
-                    <a:pt x="391790" y="297430"/>
-                  </a:cubicBezTo>
-                  <a:cubicBezTo>
-                    <a:pt x="301077" y="345935"/>
-                    <a:pt x="55935" y="343254"/>
-                    <a:pt x="8614" y="243252"/>
-                  </a:cubicBezTo>
-                  <a:cubicBezTo>
-                    <a:pt x="-12895" y="197678"/>
-                    <a:pt x="8240" y="136766"/>
-                    <a:pt x="45897" y="97302"/>
-                  </a:cubicBezTo>
-                  <a:cubicBezTo>
-                    <a:pt x="98704" y="42064"/>
-                    <a:pt x="181872" y="11950"/>
-                    <a:pt x="252822" y="1539"/>
-                  </a:cubicBezTo>
-                  <a:close/>
-                </a:path>
-              </a:pathLst>
-            </a:custGeom>
-            <a:grpFill/>
-            <a:ln>
-              <a:noFill/>
-            </a:ln>
-          </p:spPr>
-          <p:style>
-            <a:lnRef idx="2">
-              <a:schemeClr val="accent1">
-                <a:shade val="50000"/>
-              </a:schemeClr>
-            </a:lnRef>
-            <a:fillRef idx="1">
-              <a:schemeClr val="accent1"/>
-            </a:fillRef>
-            <a:effectRef idx="0">
-              <a:schemeClr val="accent1"/>
-            </a:effectRef>
-            <a:fontRef idx="minor">
-              <a:schemeClr val="lt1"/>
-            </a:fontRef>
-          </p:style>
-          <p:txBody>
-            <a:bodyPr rtlCol="0" anchor="ctr"/>
-            <a:lstStyle/>
-            <a:p>
-              <a:pPr marL="0" marR="0" lvl="0" indent="0" algn="ctr" defTabSz="914400" rtl="0" eaLnBrk="1" fontAlgn="auto" latinLnBrk="0" hangingPunct="1">
-                <a:lnSpc>
-                  <a:spcPct val="100000"/>
-                </a:lnSpc>
-                <a:spcBef>
-                  <a:spcPts val="0"/>
-                </a:spcBef>
-                <a:spcAft>
-                  <a:spcPts val="0"/>
-                </a:spcAft>
-                <a:buClrTx/>
-                <a:buSzTx/>
-                <a:buFontTx/>
-                <a:buNone/>
-                <a:tabLst/>
-                <a:defRPr/>
-              </a:pPr>
-              <a:endParaRPr kumimoji="0" lang="en-US" sz="1800" b="0" i="0" u="none" strike="noStrike" kern="1200" cap="none" spc="0" normalizeH="0" baseline="0" noProof="0">
-                <a:ln>
-                  <a:noFill/>
-                </a:ln>
-                <a:solidFill>
-                  <a:prstClr val="white"/>
-                </a:solidFill>
-                <a:effectLst/>
-                <a:uLnTx/>
-                <a:uFillTx/>
-                <a:latin typeface="Avenir Next LT Pro Light"/>
-                <a:ea typeface="+mn-ea"/>
-                <a:cs typeface="+mn-cs"/>
-              </a:endParaRPr>
-            </a:p>
-          </p:txBody>
-        </p:sp>
-        <p:sp>
-          <p:nvSpPr>
-            <p:cNvPr id="15" name="Graphic 12">
-              <a:extLst>
-                <a:ext uri="{FF2B5EF4-FFF2-40B4-BE49-F238E27FC236}">
-                  <a16:creationId xmlns:a16="http://schemas.microsoft.com/office/drawing/2014/main" id="{CEF42844-A829-4ED2-A360-63BB2A7C45EE}"/>
-                </a:ext>
-                <a:ext uri="{C183D7F6-B498-43B3-948B-1728B52AA6E4}">
-                  <adec:decorative xmlns:adec="http://schemas.microsoft.com/office/drawing/2017/decorative" val="1"/>
-                </a:ext>
-              </a:extLst>
-            </p:cNvPr>
-            <p:cNvSpPr/>
-            <p:nvPr>
-              <p:extLst>
-                <p:ext uri="{386F3935-93C4-4BCD-93E2-E3B085C9AB24}">
-                  <p16:designElem xmlns:p16="http://schemas.microsoft.com/office/powerpoint/2015/main" val="1"/>
-                </p:ext>
-              </p:extLst>
-            </p:nvPr>
-          </p:nvSpPr>
-          <p:spPr>
-            <a:xfrm>
-              <a:off x="11142141" y="3272152"/>
-              <a:ext cx="180625" cy="158824"/>
-            </a:xfrm>
-            <a:custGeom>
-              <a:avLst/>
-              <a:gdLst>
-                <a:gd name="connsiteX0" fmla="*/ 63289 w 3341477"/>
-                <a:gd name="connsiteY0" fmla="*/ 1933384 h 2938167"/>
-                <a:gd name="connsiteX1" fmla="*/ 263314 w 3341477"/>
-                <a:gd name="connsiteY1" fmla="*/ 514159 h 2938167"/>
-                <a:gd name="connsiteX2" fmla="*/ 1098276 w 3341477"/>
-                <a:gd name="connsiteY2" fmla="*/ 952 h 2938167"/>
-                <a:gd name="connsiteX3" fmla="*/ 2654089 w 3341477"/>
-                <a:gd name="connsiteY3" fmla="*/ 371284 h 2938167"/>
-                <a:gd name="connsiteX4" fmla="*/ 3219398 w 3341477"/>
-                <a:gd name="connsiteY4" fmla="*/ 2080926 h 2938167"/>
-                <a:gd name="connsiteX5" fmla="*/ 2044489 w 3341477"/>
-                <a:gd name="connsiteY5" fmla="*/ 2933509 h 2938167"/>
-                <a:gd name="connsiteX6" fmla="*/ 453814 w 3341477"/>
-                <a:gd name="connsiteY6" fmla="*/ 2495359 h 2938167"/>
-                <a:gd name="connsiteX7" fmla="*/ 63289 w 3341477"/>
-                <a:gd name="connsiteY7" fmla="*/ 1933384 h 2938167"/>
-              </a:gdLst>
-              <a:ahLst/>
-              <a:cxnLst>
-                <a:cxn ang="0">
-                  <a:pos x="connsiteX0" y="connsiteY0"/>
-                </a:cxn>
-                <a:cxn ang="0">
-                  <a:pos x="connsiteX1" y="connsiteY1"/>
-                </a:cxn>
-                <a:cxn ang="0">
-                  <a:pos x="connsiteX2" y="connsiteY2"/>
-                </a:cxn>
-                <a:cxn ang="0">
-                  <a:pos x="connsiteX3" y="connsiteY3"/>
-                </a:cxn>
-                <a:cxn ang="0">
-                  <a:pos x="connsiteX4" y="connsiteY4"/>
-                </a:cxn>
-                <a:cxn ang="0">
-                  <a:pos x="connsiteX5" y="connsiteY5"/>
-                </a:cxn>
-                <a:cxn ang="0">
-                  <a:pos x="connsiteX6" y="connsiteY6"/>
-                </a:cxn>
-                <a:cxn ang="0">
-                  <a:pos x="connsiteX7" y="connsiteY7"/>
-                </a:cxn>
-              </a:cxnLst>
-              <a:rect l="l" t="t" r="r" b="b"/>
-              <a:pathLst>
-                <a:path w="3341477" h="2938167">
-                  <a:moveTo>
-                    <a:pt x="63289" y="1933384"/>
-                  </a:moveTo>
-                  <a:cubicBezTo>
-                    <a:pt x="56717" y="1895856"/>
-                    <a:pt x="-165311" y="914209"/>
-                    <a:pt x="263314" y="514159"/>
-                  </a:cubicBezTo>
-                  <a:cubicBezTo>
-                    <a:pt x="691939" y="114109"/>
-                    <a:pt x="609262" y="11620"/>
-                    <a:pt x="1098276" y="952"/>
-                  </a:cubicBezTo>
-                  <a:cubicBezTo>
-                    <a:pt x="1587289" y="-9716"/>
-                    <a:pt x="2320714" y="66484"/>
-                    <a:pt x="2654089" y="371284"/>
-                  </a:cubicBezTo>
-                  <a:cubicBezTo>
-                    <a:pt x="2987464" y="676084"/>
-                    <a:pt x="3603732" y="1514094"/>
-                    <a:pt x="3219398" y="2080926"/>
-                  </a:cubicBezTo>
-                  <a:cubicBezTo>
-                    <a:pt x="2835064" y="2647759"/>
-                    <a:pt x="2558839" y="2895409"/>
-                    <a:pt x="2044489" y="2933509"/>
-                  </a:cubicBezTo>
-                  <a:cubicBezTo>
-                    <a:pt x="1530139" y="2971609"/>
-                    <a:pt x="701464" y="2771584"/>
-                    <a:pt x="453814" y="2495359"/>
-                  </a:cubicBezTo>
-                  <a:cubicBezTo>
-                    <a:pt x="206164" y="2219134"/>
-                    <a:pt x="101389" y="2152459"/>
-                    <a:pt x="63289" y="1933384"/>
-                  </a:cubicBezTo>
-                  <a:close/>
-                </a:path>
-              </a:pathLst>
-            </a:custGeom>
-            <a:grpFill/>
-            <a:ln w="9525" cap="flat">
-              <a:noFill/>
-              <a:prstDash val="solid"/>
-              <a:miter/>
-            </a:ln>
-          </p:spPr>
-          <p:txBody>
-            <a:bodyPr rtlCol="0" anchor="ctr"/>
-            <a:lstStyle/>
-            <a:p>
-              <a:endParaRPr lang="en-US"/>
-            </a:p>
-          </p:txBody>
-        </p:sp>
-        <p:sp>
-          <p:nvSpPr>
-            <p:cNvPr id="16" name="Graphic 15">
-              <a:extLst>
-                <a:ext uri="{FF2B5EF4-FFF2-40B4-BE49-F238E27FC236}">
-                  <a16:creationId xmlns:a16="http://schemas.microsoft.com/office/drawing/2014/main" id="{57B23B52-A1C3-44EF-BC11-9094A0DA11AB}"/>
-                </a:ext>
-                <a:ext uri="{C183D7F6-B498-43B3-948B-1728B52AA6E4}">
-                  <adec:decorative xmlns:adec="http://schemas.microsoft.com/office/drawing/2017/decorative" val="1"/>
-                </a:ext>
-              </a:extLst>
-            </p:cNvPr>
-            <p:cNvSpPr/>
-            <p:nvPr>
-              <p:extLst>
-                <p:ext uri="{386F3935-93C4-4BCD-93E2-E3B085C9AB24}">
-                  <p16:designElem xmlns:p16="http://schemas.microsoft.com/office/powerpoint/2015/main" val="1"/>
-                </p:ext>
-              </p:extLst>
-            </p:nvPr>
-          </p:nvSpPr>
-          <p:spPr>
-            <a:xfrm>
-              <a:off x="11602136" y="3379098"/>
-              <a:ext cx="82388" cy="75292"/>
-            </a:xfrm>
-            <a:custGeom>
-              <a:avLst/>
-              <a:gdLst>
-                <a:gd name="connsiteX0" fmla="*/ 17664 w 5240764"/>
-                <a:gd name="connsiteY0" fmla="*/ 2947947 h 4789394"/>
-                <a:gd name="connsiteX1" fmla="*/ 903489 w 5240764"/>
-                <a:gd name="connsiteY1" fmla="*/ 195222 h 4789394"/>
-                <a:gd name="connsiteX2" fmla="*/ 3560964 w 5240764"/>
-                <a:gd name="connsiteY2" fmla="*/ 357147 h 4789394"/>
-                <a:gd name="connsiteX3" fmla="*/ 5240602 w 5240764"/>
-                <a:gd name="connsiteY3" fmla="*/ 2076409 h 4789394"/>
-                <a:gd name="connsiteX4" fmla="*/ 4568328 w 5240764"/>
-                <a:gd name="connsiteY4" fmla="*/ 3879397 h 4789394"/>
-                <a:gd name="connsiteX5" fmla="*/ 3284739 w 5240764"/>
-                <a:gd name="connsiteY5" fmla="*/ 4605297 h 4789394"/>
-                <a:gd name="connsiteX6" fmla="*/ 1074939 w 5240764"/>
-                <a:gd name="connsiteY6" fmla="*/ 4357647 h 4789394"/>
-                <a:gd name="connsiteX7" fmla="*/ 15187 w 5240764"/>
-                <a:gd name="connsiteY7" fmla="*/ 2830313 h 4789394"/>
-              </a:gdLst>
-              <a:ahLst/>
-              <a:cxnLst>
-                <a:cxn ang="0">
-                  <a:pos x="connsiteX0" y="connsiteY0"/>
-                </a:cxn>
-                <a:cxn ang="0">
-                  <a:pos x="connsiteX1" y="connsiteY1"/>
-                </a:cxn>
-                <a:cxn ang="0">
-                  <a:pos x="connsiteX2" y="connsiteY2"/>
-                </a:cxn>
-                <a:cxn ang="0">
-                  <a:pos x="connsiteX3" y="connsiteY3"/>
-                </a:cxn>
-                <a:cxn ang="0">
-                  <a:pos x="connsiteX4" y="connsiteY4"/>
-                </a:cxn>
-                <a:cxn ang="0">
-                  <a:pos x="connsiteX5" y="connsiteY5"/>
-                </a:cxn>
-                <a:cxn ang="0">
-                  <a:pos x="connsiteX6" y="connsiteY6"/>
-                </a:cxn>
-                <a:cxn ang="0">
-                  <a:pos x="connsiteX7" y="connsiteY7"/>
-                </a:cxn>
-              </a:cxnLst>
-              <a:rect l="l" t="t" r="r" b="b"/>
-              <a:pathLst>
-                <a:path w="5240764" h="4789394">
-                  <a:moveTo>
-                    <a:pt x="17664" y="2947947"/>
-                  </a:moveTo>
-                  <a:cubicBezTo>
-                    <a:pt x="17664" y="2900322"/>
-                    <a:pt x="-201411" y="490497"/>
-                    <a:pt x="903489" y="195222"/>
-                  </a:cubicBezTo>
-                  <a:cubicBezTo>
-                    <a:pt x="2008389" y="-100053"/>
-                    <a:pt x="2598939" y="-71478"/>
-                    <a:pt x="3560964" y="357147"/>
-                  </a:cubicBezTo>
-                  <a:cubicBezTo>
-                    <a:pt x="4522989" y="785772"/>
-                    <a:pt x="5253271" y="1338222"/>
-                    <a:pt x="5240602" y="2076409"/>
-                  </a:cubicBezTo>
-                  <a:cubicBezTo>
-                    <a:pt x="5227934" y="2814597"/>
-                    <a:pt x="4842267" y="3677276"/>
-                    <a:pt x="4568328" y="3879397"/>
-                  </a:cubicBezTo>
-                  <a:cubicBezTo>
-                    <a:pt x="4294389" y="4081422"/>
-                    <a:pt x="4065789" y="4548147"/>
-                    <a:pt x="3284739" y="4605297"/>
-                  </a:cubicBezTo>
-                  <a:cubicBezTo>
-                    <a:pt x="2503689" y="4662447"/>
-                    <a:pt x="1579764" y="5110122"/>
-                    <a:pt x="1074939" y="4357647"/>
-                  </a:cubicBezTo>
-                  <a:cubicBezTo>
-                    <a:pt x="570114" y="3605172"/>
-                    <a:pt x="12615" y="3617554"/>
-                    <a:pt x="15187" y="2830313"/>
-                  </a:cubicBezTo>
-                </a:path>
-              </a:pathLst>
-            </a:custGeom>
-            <a:grpFill/>
-            <a:ln w="9525" cap="flat">
-              <a:noFill/>
-              <a:prstDash val="solid"/>
-              <a:miter/>
-            </a:ln>
-          </p:spPr>
-          <p:txBody>
-            <a:bodyPr rtlCol="0" anchor="ctr"/>
-            <a:lstStyle/>
-            <a:p>
-              <a:endParaRPr lang="en-US"/>
-            </a:p>
-          </p:txBody>
-        </p:sp>
-        <p:sp>
-          <p:nvSpPr>
-            <p:cNvPr id="17" name="Graphic 15">
-              <a:extLst>
-                <a:ext uri="{FF2B5EF4-FFF2-40B4-BE49-F238E27FC236}">
-                  <a16:creationId xmlns:a16="http://schemas.microsoft.com/office/drawing/2014/main" id="{064E08E5-DA92-4CF2-A0BF-E341800227B2}"/>
-                </a:ext>
-                <a:ext uri="{C183D7F6-B498-43B3-948B-1728B52AA6E4}">
-                  <adec:decorative xmlns:adec="http://schemas.microsoft.com/office/drawing/2017/decorative" val="1"/>
-                </a:ext>
-              </a:extLst>
-            </p:cNvPr>
-            <p:cNvSpPr/>
-            <p:nvPr>
-              <p:extLst>
-                <p:ext uri="{386F3935-93C4-4BCD-93E2-E3B085C9AB24}">
-                  <p16:designElem xmlns:p16="http://schemas.microsoft.com/office/powerpoint/2015/main" val="1"/>
-                </p:ext>
-              </p:extLst>
-            </p:nvPr>
-          </p:nvSpPr>
-          <p:spPr>
-            <a:xfrm>
-              <a:off x="10948005" y="3504095"/>
-              <a:ext cx="82388" cy="75292"/>
-            </a:xfrm>
-            <a:custGeom>
-              <a:avLst/>
-              <a:gdLst>
-                <a:gd name="connsiteX0" fmla="*/ 17664 w 5240764"/>
-                <a:gd name="connsiteY0" fmla="*/ 2947947 h 4789394"/>
-                <a:gd name="connsiteX1" fmla="*/ 903489 w 5240764"/>
-                <a:gd name="connsiteY1" fmla="*/ 195222 h 4789394"/>
-                <a:gd name="connsiteX2" fmla="*/ 3560964 w 5240764"/>
-                <a:gd name="connsiteY2" fmla="*/ 357147 h 4789394"/>
-                <a:gd name="connsiteX3" fmla="*/ 5240602 w 5240764"/>
-                <a:gd name="connsiteY3" fmla="*/ 2076409 h 4789394"/>
-                <a:gd name="connsiteX4" fmla="*/ 4568328 w 5240764"/>
-                <a:gd name="connsiteY4" fmla="*/ 3879397 h 4789394"/>
-                <a:gd name="connsiteX5" fmla="*/ 3284739 w 5240764"/>
-                <a:gd name="connsiteY5" fmla="*/ 4605297 h 4789394"/>
-                <a:gd name="connsiteX6" fmla="*/ 1074939 w 5240764"/>
-                <a:gd name="connsiteY6" fmla="*/ 4357647 h 4789394"/>
-                <a:gd name="connsiteX7" fmla="*/ 15187 w 5240764"/>
-                <a:gd name="connsiteY7" fmla="*/ 2830313 h 4789394"/>
-              </a:gdLst>
-              <a:ahLst/>
-              <a:cxnLst>
-                <a:cxn ang="0">
-                  <a:pos x="connsiteX0" y="connsiteY0"/>
-                </a:cxn>
-                <a:cxn ang="0">
-                  <a:pos x="connsiteX1" y="connsiteY1"/>
-                </a:cxn>
-                <a:cxn ang="0">
-                  <a:pos x="connsiteX2" y="connsiteY2"/>
-                </a:cxn>
-                <a:cxn ang="0">
-                  <a:pos x="connsiteX3" y="connsiteY3"/>
-                </a:cxn>
-                <a:cxn ang="0">
-                  <a:pos x="connsiteX4" y="connsiteY4"/>
-                </a:cxn>
-                <a:cxn ang="0">
-                  <a:pos x="connsiteX5" y="connsiteY5"/>
-                </a:cxn>
-                <a:cxn ang="0">
-                  <a:pos x="connsiteX6" y="connsiteY6"/>
-                </a:cxn>
-                <a:cxn ang="0">
-                  <a:pos x="connsiteX7" y="connsiteY7"/>
-                </a:cxn>
-              </a:cxnLst>
-              <a:rect l="l" t="t" r="r" b="b"/>
-              <a:pathLst>
-                <a:path w="5240764" h="4789394">
-                  <a:moveTo>
-                    <a:pt x="17664" y="2947947"/>
-                  </a:moveTo>
-                  <a:cubicBezTo>
-                    <a:pt x="17664" y="2900322"/>
-                    <a:pt x="-201411" y="490497"/>
-                    <a:pt x="903489" y="195222"/>
-                  </a:cubicBezTo>
-                  <a:cubicBezTo>
-                    <a:pt x="2008389" y="-100053"/>
-                    <a:pt x="2598939" y="-71478"/>
-                    <a:pt x="3560964" y="357147"/>
-                  </a:cubicBezTo>
-                  <a:cubicBezTo>
-                    <a:pt x="4522989" y="785772"/>
-                    <a:pt x="5253271" y="1338222"/>
-                    <a:pt x="5240602" y="2076409"/>
-                  </a:cubicBezTo>
-                  <a:cubicBezTo>
-                    <a:pt x="5227934" y="2814597"/>
-                    <a:pt x="4842267" y="3677276"/>
-                    <a:pt x="4568328" y="3879397"/>
-                  </a:cubicBezTo>
-                  <a:cubicBezTo>
-                    <a:pt x="4294389" y="4081422"/>
-                    <a:pt x="4065789" y="4548147"/>
-                    <a:pt x="3284739" y="4605297"/>
-                  </a:cubicBezTo>
-                  <a:cubicBezTo>
-                    <a:pt x="2503689" y="4662447"/>
-                    <a:pt x="1579764" y="5110122"/>
-                    <a:pt x="1074939" y="4357647"/>
-                  </a:cubicBezTo>
-                  <a:cubicBezTo>
-                    <a:pt x="570114" y="3605172"/>
-                    <a:pt x="12615" y="3617554"/>
-                    <a:pt x="15187" y="2830313"/>
-                  </a:cubicBezTo>
-                </a:path>
-              </a:pathLst>
-            </a:custGeom>
-            <a:grpFill/>
-            <a:ln w="9525" cap="flat">
-              <a:noFill/>
-              <a:prstDash val="solid"/>
-              <a:miter/>
-            </a:ln>
-          </p:spPr>
-          <p:txBody>
-            <a:bodyPr rtlCol="0" anchor="ctr"/>
-            <a:lstStyle/>
-            <a:p>
-              <a:endParaRPr lang="en-US"/>
-            </a:p>
-          </p:txBody>
-        </p:sp>
-        <p:sp>
-          <p:nvSpPr>
-            <p:cNvPr id="18" name="Freeform: Shape 17">
-              <a:extLst>
-                <a:ext uri="{FF2B5EF4-FFF2-40B4-BE49-F238E27FC236}">
-                  <a16:creationId xmlns:a16="http://schemas.microsoft.com/office/drawing/2014/main" id="{7A222560-E657-4CAE-B667-7BE9E224B244}"/>
-                </a:ext>
-                <a:ext uri="{C183D7F6-B498-43B3-948B-1728B52AA6E4}">
-                  <adec:decorative xmlns:adec="http://schemas.microsoft.com/office/drawing/2017/decorative" val="1"/>
-                </a:ext>
-              </a:extLst>
-            </p:cNvPr>
-            <p:cNvSpPr/>
-            <p:nvPr>
-              <p:extLst>
-                <p:ext uri="{386F3935-93C4-4BCD-93E2-E3B085C9AB24}">
-                  <p16:designElem xmlns:p16="http://schemas.microsoft.com/office/powerpoint/2015/main" val="1"/>
-                </p:ext>
-              </p:extLst>
-            </p:nvPr>
-          </p:nvSpPr>
-          <p:spPr>
-            <a:xfrm>
-              <a:off x="11343727" y="3666564"/>
-              <a:ext cx="173527" cy="138496"/>
-            </a:xfrm>
-            <a:custGeom>
-              <a:avLst/>
-              <a:gdLst>
-                <a:gd name="connsiteX0" fmla="*/ 237392 w 789043"/>
-                <a:gd name="connsiteY0" fmla="*/ 81 h 629754"/>
-                <a:gd name="connsiteX1" fmla="*/ 758692 w 789043"/>
-                <a:gd name="connsiteY1" fmla="*/ 233550 h 629754"/>
-                <a:gd name="connsiteX2" fmla="*/ 650647 w 789043"/>
-                <a:gd name="connsiteY2" fmla="*/ 335111 h 629754"/>
-                <a:gd name="connsiteX3" fmla="*/ 315041 w 789043"/>
-                <a:gd name="connsiteY3" fmla="*/ 584992 h 629754"/>
-                <a:gd name="connsiteX4" fmla="*/ 192159 w 789043"/>
-                <a:gd name="connsiteY4" fmla="*/ 625953 h 629754"/>
-                <a:gd name="connsiteX5" fmla="*/ 124264 w 789043"/>
-                <a:gd name="connsiteY5" fmla="*/ 552260 h 629754"/>
-                <a:gd name="connsiteX6" fmla="*/ 1631 w 789043"/>
-                <a:gd name="connsiteY6" fmla="*/ 133735 h 629754"/>
-                <a:gd name="connsiteX7" fmla="*/ 35422 w 789043"/>
-                <a:gd name="connsiteY7" fmla="*/ 14157 h 629754"/>
-                <a:gd name="connsiteX8" fmla="*/ 113728 w 789043"/>
-                <a:gd name="connsiteY8" fmla="*/ 378 h 629754"/>
-                <a:gd name="connsiteX9" fmla="*/ 237392 w 789043"/>
-                <a:gd name="connsiteY9" fmla="*/ 81 h 629754"/>
-              </a:gdLst>
-              <a:ahLst/>
-              <a:cxnLst>
-                <a:cxn ang="0">
-                  <a:pos x="connsiteX0" y="connsiteY0"/>
-                </a:cxn>
-                <a:cxn ang="0">
-                  <a:pos x="connsiteX1" y="connsiteY1"/>
-                </a:cxn>
-                <a:cxn ang="0">
-                  <a:pos x="connsiteX2" y="connsiteY2"/>
-                </a:cxn>
-                <a:cxn ang="0">
-                  <a:pos x="connsiteX3" y="connsiteY3"/>
-                </a:cxn>
-                <a:cxn ang="0">
-                  <a:pos x="connsiteX4" y="connsiteY4"/>
-                </a:cxn>
-                <a:cxn ang="0">
-                  <a:pos x="connsiteX5" y="connsiteY5"/>
-                </a:cxn>
-                <a:cxn ang="0">
-                  <a:pos x="connsiteX6" y="connsiteY6"/>
-                </a:cxn>
-                <a:cxn ang="0">
-                  <a:pos x="connsiteX7" y="connsiteY7"/>
-                </a:cxn>
-                <a:cxn ang="0">
-                  <a:pos x="connsiteX8" y="connsiteY8"/>
-                </a:cxn>
-                <a:cxn ang="0">
-                  <a:pos x="connsiteX9" y="connsiteY9"/>
-                </a:cxn>
-              </a:cxnLst>
-              <a:rect l="l" t="t" r="r" b="b"/>
-              <a:pathLst>
-                <a:path w="789043" h="629754">
-                  <a:moveTo>
-                    <a:pt x="237392" y="81"/>
-                  </a:moveTo>
-                  <a:cubicBezTo>
-                    <a:pt x="474795" y="-992"/>
-                    <a:pt x="907215" y="10463"/>
-                    <a:pt x="758692" y="233550"/>
-                  </a:cubicBezTo>
-                  <a:cubicBezTo>
-                    <a:pt x="731135" y="274948"/>
-                    <a:pt x="690486" y="305435"/>
-                    <a:pt x="650647" y="335111"/>
-                  </a:cubicBezTo>
-                  <a:cubicBezTo>
-                    <a:pt x="538737" y="418405"/>
-                    <a:pt x="426889" y="501698"/>
-                    <a:pt x="315041" y="584992"/>
-                  </a:cubicBezTo>
-                  <a:cubicBezTo>
-                    <a:pt x="278943" y="611863"/>
-                    <a:pt x="234865" y="640167"/>
-                    <a:pt x="192159" y="625953"/>
-                  </a:cubicBezTo>
-                  <a:cubicBezTo>
-                    <a:pt x="159614" y="615105"/>
-                    <a:pt x="139851" y="582810"/>
-                    <a:pt x="124264" y="552260"/>
-                  </a:cubicBezTo>
-                  <a:cubicBezTo>
-                    <a:pt x="57742" y="422021"/>
-                    <a:pt x="15908" y="279250"/>
-                    <a:pt x="1631" y="133735"/>
-                  </a:cubicBezTo>
-                  <a:cubicBezTo>
-                    <a:pt x="-2671" y="90343"/>
-                    <a:pt x="-676" y="38596"/>
-                    <a:pt x="35422" y="14157"/>
-                  </a:cubicBezTo>
-                  <a:cubicBezTo>
-                    <a:pt x="57804" y="-931"/>
-                    <a:pt x="86795" y="-557"/>
-                    <a:pt x="113728" y="378"/>
-                  </a:cubicBezTo>
-                  <a:cubicBezTo>
-                    <a:pt x="138207" y="1243"/>
-                    <a:pt x="182606" y="328"/>
-                    <a:pt x="237392" y="81"/>
-                  </a:cubicBezTo>
-                  <a:close/>
-                </a:path>
-              </a:pathLst>
-            </a:custGeom>
-            <a:grpFill/>
-            <a:ln>
-              <a:noFill/>
-            </a:ln>
-          </p:spPr>
-          <p:style>
-            <a:lnRef idx="2">
-              <a:schemeClr val="accent1">
-                <a:shade val="50000"/>
-              </a:schemeClr>
-            </a:lnRef>
-            <a:fillRef idx="1">
-              <a:schemeClr val="accent1"/>
-            </a:fillRef>
-            <a:effectRef idx="0">
-              <a:schemeClr val="accent1"/>
-            </a:effectRef>
-            <a:fontRef idx="minor">
-              <a:schemeClr val="lt1"/>
-            </a:fontRef>
-          </p:style>
-          <p:txBody>
-            <a:bodyPr rtlCol="0" anchor="ctr"/>
-            <a:lstStyle/>
-            <a:p>
-              <a:pPr algn="ctr"/>
-              <a:endParaRPr lang="en-US" dirty="0"/>
-            </a:p>
-          </p:txBody>
-        </p:sp>
-      </p:grpSp>
-      <p:sp>
-        <p:nvSpPr>
-          <p:cNvPr id="20" name="Freeform: Shape 19">
-            <a:extLst>
-              <a:ext uri="{FF2B5EF4-FFF2-40B4-BE49-F238E27FC236}">
-                <a16:creationId xmlns:a16="http://schemas.microsoft.com/office/drawing/2014/main" id="{59226104-0061-4319-8237-9C001BF85D49}"/>
-              </a:ext>
-              <a:ext uri="{C183D7F6-B498-43B3-948B-1728B52AA6E4}">
-                <adec:decorative xmlns:adec="http://schemas.microsoft.com/office/drawing/2017/decorative" val="1"/>
-              </a:ext>
-            </a:extLst>
-          </p:cNvPr>
-          <p:cNvSpPr>
-            <a:spLocks noGrp="1" noRot="1" noChangeAspect="1" noMove="1" noResize="1" noEditPoints="1" noAdjustHandles="1" noChangeArrowheads="1" noChangeShapeType="1" noTextEdit="1"/>
-          </p:cNvSpPr>
-          <p:nvPr>
-            <p:extLst>
-              <p:ext uri="{386F3935-93C4-4BCD-93E2-E3B085C9AB24}">
-                <p16:designElem xmlns:p16="http://schemas.microsoft.com/office/powerpoint/2015/main" val="1"/>
-              </p:ext>
-            </p:extLst>
-          </p:nvPr>
-        </p:nvSpPr>
-        <p:spPr>
-          <a:xfrm rot="5400000">
-            <a:off x="615181" y="-615181"/>
-            <a:ext cx="1085312" cy="2315675"/>
-          </a:xfrm>
-          <a:custGeom>
-            <a:avLst/>
-            <a:gdLst>
-              <a:gd name="connsiteX0" fmla="*/ 0 w 1085312"/>
-              <a:gd name="connsiteY0" fmla="*/ 2315675 h 2315675"/>
-              <a:gd name="connsiteX1" fmla="*/ 0 w 1085312"/>
-              <a:gd name="connsiteY1" fmla="*/ 0 h 2315675"/>
-              <a:gd name="connsiteX2" fmla="*/ 53089 w 1085312"/>
-              <a:gd name="connsiteY2" fmla="*/ 4542 h 2315675"/>
-              <a:gd name="connsiteX3" fmla="*/ 790077 w 1085312"/>
-              <a:gd name="connsiteY3" fmla="*/ 872756 h 2315675"/>
-              <a:gd name="connsiteX4" fmla="*/ 1085252 w 1085312"/>
-              <a:gd name="connsiteY4" fmla="*/ 1943649 h 2315675"/>
-              <a:gd name="connsiteX5" fmla="*/ 1064832 w 1085312"/>
-              <a:gd name="connsiteY5" fmla="*/ 2198094 h 2315675"/>
-              <a:gd name="connsiteX6" fmla="*/ 1043734 w 1085312"/>
-              <a:gd name="connsiteY6" fmla="*/ 2315675 h 2315675"/>
-              <a:gd name="connsiteX7" fmla="*/ 0 w 1085312"/>
-              <a:gd name="connsiteY7" fmla="*/ 2315675 h 2315675"/>
-            </a:gdLst>
-            <a:ahLst/>
-            <a:cxnLst>
-              <a:cxn ang="0">
-                <a:pos x="connsiteX0" y="connsiteY0"/>
-              </a:cxn>
-              <a:cxn ang="0">
-                <a:pos x="connsiteX1" y="connsiteY1"/>
-              </a:cxn>
-              <a:cxn ang="0">
-                <a:pos x="connsiteX2" y="connsiteY2"/>
-              </a:cxn>
-              <a:cxn ang="0">
-                <a:pos x="connsiteX3" y="connsiteY3"/>
-              </a:cxn>
-              <a:cxn ang="0">
-                <a:pos x="connsiteX4" y="connsiteY4"/>
-              </a:cxn>
-              <a:cxn ang="0">
-                <a:pos x="connsiteX5" y="connsiteY5"/>
-              </a:cxn>
-              <a:cxn ang="0">
-                <a:pos x="connsiteX6" y="connsiteY6"/>
-              </a:cxn>
-              <a:cxn ang="0">
-                <a:pos x="connsiteX7" y="connsiteY7"/>
-              </a:cxn>
-            </a:cxnLst>
-            <a:rect l="l" t="t" r="r" b="b"/>
-            <a:pathLst>
-              <a:path w="1085312" h="2315675">
-                <a:moveTo>
-                  <a:pt x="0" y="2315675"/>
-                </a:moveTo>
-                <a:lnTo>
-                  <a:pt x="0" y="0"/>
-                </a:lnTo>
-                <a:lnTo>
-                  <a:pt x="53089" y="4542"/>
-                </a:lnTo>
-                <a:cubicBezTo>
-                  <a:pt x="405263" y="73503"/>
-                  <a:pt x="612623" y="486635"/>
-                  <a:pt x="790077" y="872756"/>
-                </a:cubicBezTo>
-                <a:cubicBezTo>
-                  <a:pt x="937425" y="1193596"/>
-                  <a:pt x="1088787" y="1533232"/>
-                  <a:pt x="1085252" y="1943649"/>
-                </a:cubicBezTo>
-                <a:cubicBezTo>
-                  <a:pt x="1084528" y="2029058"/>
-                  <a:pt x="1077341" y="2113833"/>
-                  <a:pt x="1064832" y="2198094"/>
-                </a:cubicBezTo>
-                <a:lnTo>
-                  <a:pt x="1043734" y="2315675"/>
-                </a:lnTo>
-                <a:lnTo>
-                  <a:pt x="0" y="2315675"/>
-                </a:lnTo>
-                <a:close/>
-              </a:path>
-            </a:pathLst>
-          </a:custGeom>
-          <a:solidFill>
-            <a:schemeClr val="accent5">
-              <a:lumMod val="40000"/>
-              <a:lumOff val="60000"/>
-              <a:alpha val="50000"/>
-            </a:schemeClr>
-          </a:solidFill>
-          <a:ln>
-            <a:noFill/>
-          </a:ln>
-        </p:spPr>
-        <p:style>
-          <a:lnRef idx="2">
-            <a:schemeClr val="accent1">
-              <a:shade val="50000"/>
-            </a:schemeClr>
-          </a:lnRef>
-          <a:fillRef idx="1">
-            <a:schemeClr val="accent1"/>
-          </a:fillRef>
-          <a:effectRef idx="0">
-            <a:schemeClr val="accent1"/>
-          </a:effectRef>
-          <a:fontRef idx="minor">
-            <a:schemeClr val="lt1"/>
-          </a:fontRef>
-        </p:style>
-        <p:txBody>
-          <a:bodyPr wrap="square" rtlCol="0" anchor="ctr">
-            <a:noAutofit/>
-          </a:bodyPr>
-          <a:lstStyle/>
-          <a:p>
-            <a:pPr algn="ctr"/>
-            <a:endParaRPr lang="en-US"/>
-          </a:p>
-        </p:txBody>
-      </p:sp>
-      <p:grpSp>
-        <p:nvGrpSpPr>
-          <p:cNvPr id="22" name="Graphic 78">
-            <a:extLst>
-              <a:ext uri="{FF2B5EF4-FFF2-40B4-BE49-F238E27FC236}">
-                <a16:creationId xmlns:a16="http://schemas.microsoft.com/office/drawing/2014/main" id="{51B01909-73B8-4486-A749-C643B1D7E361}"/>
-              </a:ext>
-              <a:ext uri="{C183D7F6-B498-43B3-948B-1728B52AA6E4}">
-                <adec:decorative xmlns:adec="http://schemas.microsoft.com/office/drawing/2017/decorative" val="1"/>
-              </a:ext>
-            </a:extLst>
-          </p:cNvPr>
-          <p:cNvGrpSpPr>
-            <a:grpSpLocks noGrp="1" noUngrp="1" noRot="1" noChangeAspect="1" noMove="1" noResize="1"/>
-          </p:cNvGrpSpPr>
-          <p:nvPr>
-            <p:extLst>
-              <p:ext uri="{386F3935-93C4-4BCD-93E2-E3B085C9AB24}">
-                <p16:designElem xmlns:p16="http://schemas.microsoft.com/office/powerpoint/2015/main" val="1"/>
-              </p:ext>
-            </p:extLst>
-          </p:nvPr>
-        </p:nvGrpSpPr>
-        <p:grpSpPr>
-          <a:xfrm>
-            <a:off x="530225" y="3267662"/>
-            <a:ext cx="972241" cy="45718"/>
-            <a:chOff x="4886325" y="3371754"/>
-            <a:chExt cx="2418492" cy="113728"/>
-          </a:xfrm>
-          <a:solidFill>
-            <a:schemeClr val="accent1"/>
-          </a:solidFill>
-        </p:grpSpPr>
-        <p:sp>
-          <p:nvSpPr>
-            <p:cNvPr id="23" name="Graphic 78">
-              <a:extLst>
-                <a:ext uri="{FF2B5EF4-FFF2-40B4-BE49-F238E27FC236}">
-                  <a16:creationId xmlns:a16="http://schemas.microsoft.com/office/drawing/2014/main" id="{5E279D86-4533-45F1-B0AA-D237399A5ED5}"/>
-                </a:ext>
-                <a:ext uri="{C183D7F6-B498-43B3-948B-1728B52AA6E4}">
-                  <adec:decorative xmlns:adec="http://schemas.microsoft.com/office/drawing/2017/decorative" val="1"/>
-                </a:ext>
-              </a:extLst>
-            </p:cNvPr>
-            <p:cNvSpPr/>
-            <p:nvPr>
-              <p:extLst>
-                <p:ext uri="{386F3935-93C4-4BCD-93E2-E3B085C9AB24}">
-                  <p16:designElem xmlns:p16="http://schemas.microsoft.com/office/powerpoint/2015/main" val="1"/>
-                </p:ext>
-              </p:extLst>
-            </p:nvPr>
-          </p:nvSpPr>
-          <p:spPr>
-            <a:xfrm>
-              <a:off x="4886325" y="3428428"/>
-              <a:ext cx="2418302" cy="9525"/>
-            </a:xfrm>
-            <a:custGeom>
-              <a:avLst/>
-              <a:gdLst>
-                <a:gd name="connsiteX0" fmla="*/ 0 w 2418302"/>
-                <a:gd name="connsiteY0" fmla="*/ 0 h 9525"/>
-                <a:gd name="connsiteX1" fmla="*/ 2418302 w 2418302"/>
-                <a:gd name="connsiteY1" fmla="*/ 0 h 9525"/>
-              </a:gdLst>
-              <a:ahLst/>
-              <a:cxnLst>
-                <a:cxn ang="0">
-                  <a:pos x="connsiteX0" y="connsiteY0"/>
-                </a:cxn>
-                <a:cxn ang="0">
-                  <a:pos x="connsiteX1" y="connsiteY1"/>
-                </a:cxn>
-              </a:cxnLst>
-              <a:rect l="l" t="t" r="r" b="b"/>
-              <a:pathLst>
-                <a:path w="2418302" h="9525">
-                  <a:moveTo>
-                    <a:pt x="0" y="0"/>
-                  </a:moveTo>
-                  <a:lnTo>
-                    <a:pt x="2418302" y="0"/>
-                  </a:lnTo>
-                </a:path>
-              </a:pathLst>
-            </a:custGeom>
-            <a:grpFill/>
-            <a:ln w="9525" cap="flat">
-              <a:noFill/>
-              <a:prstDash val="solid"/>
-              <a:miter/>
-            </a:ln>
-          </p:spPr>
-          <p:txBody>
-            <a:bodyPr rtlCol="0" anchor="ctr"/>
-            <a:lstStyle/>
-            <a:p>
-              <a:pPr algn="ctr"/>
-              <a:endParaRPr lang="en-US"/>
-            </a:p>
-          </p:txBody>
-        </p:sp>
-        <p:grpSp>
-          <p:nvGrpSpPr>
-            <p:cNvPr id="24" name="Graphic 78">
-              <a:extLst>
-                <a:ext uri="{FF2B5EF4-FFF2-40B4-BE49-F238E27FC236}">
-                  <a16:creationId xmlns:a16="http://schemas.microsoft.com/office/drawing/2014/main" id="{764FD722-CB31-4326-ADD8-CBA52FD1FF59}"/>
-                </a:ext>
-                <a:ext uri="{C183D7F6-B498-43B3-948B-1728B52AA6E4}">
-                  <adec:decorative xmlns:adec="http://schemas.microsoft.com/office/drawing/2017/decorative" val="1"/>
-                </a:ext>
-              </a:extLst>
-            </p:cNvPr>
-            <p:cNvGrpSpPr/>
-            <p:nvPr>
-              <p:extLst>
-                <p:ext uri="{386F3935-93C4-4BCD-93E2-E3B085C9AB24}">
-                  <p16:designElem xmlns:p16="http://schemas.microsoft.com/office/powerpoint/2015/main" val="1"/>
-                </p:ext>
-              </p:extLst>
-            </p:nvPr>
-          </p:nvGrpSpPr>
-          <p:grpSpPr>
-            <a:xfrm>
-              <a:off x="4886709" y="3371754"/>
-              <a:ext cx="2418108" cy="113728"/>
-              <a:chOff x="4886709" y="3371754"/>
-              <a:chExt cx="2418108" cy="113728"/>
-            </a:xfrm>
-            <a:grpFill/>
-          </p:grpSpPr>
-          <p:sp>
-            <p:nvSpPr>
-              <p:cNvPr id="25" name="Graphic 78">
-                <a:extLst>
-                  <a:ext uri="{FF2B5EF4-FFF2-40B4-BE49-F238E27FC236}">
-                    <a16:creationId xmlns:a16="http://schemas.microsoft.com/office/drawing/2014/main" id="{24E4BCEC-8B0A-444E-8509-1B3BB0449E5B}"/>
-                  </a:ext>
-                  <a:ext uri="{C183D7F6-B498-43B3-948B-1728B52AA6E4}">
-                    <adec:decorative xmlns:adec="http://schemas.microsoft.com/office/drawing/2017/decorative" val="1"/>
-                  </a:ext>
-                </a:extLst>
-              </p:cNvPr>
-              <p:cNvSpPr/>
-              <p:nvPr>
-                <p:extLst>
-                  <p:ext uri="{386F3935-93C4-4BCD-93E2-E3B085C9AB24}">
-                    <p16:designElem xmlns:p16="http://schemas.microsoft.com/office/powerpoint/2015/main" val="1"/>
-                  </p:ext>
-                </p:extLst>
-              </p:nvPr>
-            </p:nvSpPr>
-            <p:spPr>
-              <a:xfrm>
-                <a:off x="4895088" y="3474384"/>
-                <a:ext cx="32575" cy="2906"/>
-              </a:xfrm>
-              <a:custGeom>
-                <a:avLst/>
-                <a:gdLst>
-                  <a:gd name="connsiteX0" fmla="*/ 0 w 32575"/>
-                  <a:gd name="connsiteY0" fmla="*/ 49 h 2906"/>
-                  <a:gd name="connsiteX1" fmla="*/ 32576 w 32575"/>
-                  <a:gd name="connsiteY1" fmla="*/ 2907 h 2906"/>
-                  <a:gd name="connsiteX2" fmla="*/ 0 w 32575"/>
-                  <a:gd name="connsiteY2" fmla="*/ 49 h 2906"/>
-                </a:gdLst>
-                <a:ahLst/>
-                <a:cxnLst>
-                  <a:cxn ang="0">
-                    <a:pos x="connsiteX0" y="connsiteY0"/>
-                  </a:cxn>
-                  <a:cxn ang="0">
-                    <a:pos x="connsiteX1" y="connsiteY1"/>
-                  </a:cxn>
-                  <a:cxn ang="0">
-                    <a:pos x="connsiteX2" y="connsiteY2"/>
-                  </a:cxn>
-                </a:cxnLst>
-                <a:rect l="l" t="t" r="r" b="b"/>
-                <a:pathLst>
-                  <a:path w="32575" h="2906">
-                    <a:moveTo>
-                      <a:pt x="0" y="49"/>
-                    </a:moveTo>
-                    <a:cubicBezTo>
-                      <a:pt x="7430" y="2335"/>
-                      <a:pt x="20384" y="2526"/>
-                      <a:pt x="32576" y="2907"/>
-                    </a:cubicBezTo>
-                    <a:cubicBezTo>
-                      <a:pt x="23146" y="716"/>
-                      <a:pt x="13240" y="-236"/>
-                      <a:pt x="0" y="49"/>
-                    </a:cubicBezTo>
-                    <a:close/>
-                  </a:path>
-                </a:pathLst>
-              </a:custGeom>
-              <a:grpFill/>
-              <a:ln w="9525" cap="flat">
-                <a:noFill/>
-                <a:prstDash val="solid"/>
-                <a:miter/>
-              </a:ln>
-            </p:spPr>
-            <p:txBody>
-              <a:bodyPr rtlCol="0" anchor="ctr"/>
-              <a:lstStyle/>
-              <a:p>
-                <a:pPr algn="ctr"/>
-                <a:endParaRPr lang="en-US"/>
-              </a:p>
-            </p:txBody>
-          </p:sp>
-          <p:sp>
-            <p:nvSpPr>
-              <p:cNvPr id="26" name="Graphic 78">
-                <a:extLst>
-                  <a:ext uri="{FF2B5EF4-FFF2-40B4-BE49-F238E27FC236}">
-                    <a16:creationId xmlns:a16="http://schemas.microsoft.com/office/drawing/2014/main" id="{9DB36622-1DC7-4B17-8984-588BA8999FF6}"/>
-                  </a:ext>
-                  <a:ext uri="{C183D7F6-B498-43B3-948B-1728B52AA6E4}">
-                    <adec:decorative xmlns:adec="http://schemas.microsoft.com/office/drawing/2017/decorative" val="1"/>
-                  </a:ext>
-                </a:extLst>
-              </p:cNvPr>
-              <p:cNvSpPr/>
-              <p:nvPr>
-                <p:extLst>
-                  <p:ext uri="{386F3935-93C4-4BCD-93E2-E3B085C9AB24}">
-                    <p16:designElem xmlns:p16="http://schemas.microsoft.com/office/powerpoint/2015/main" val="1"/>
-                  </p:ext>
-                </p:extLst>
-              </p:nvPr>
-            </p:nvSpPr>
-            <p:spPr>
-              <a:xfrm>
-                <a:off x="4927758" y="3477344"/>
-                <a:ext cx="380" cy="42"/>
-              </a:xfrm>
-              <a:custGeom>
-                <a:avLst/>
-                <a:gdLst>
-                  <a:gd name="connsiteX0" fmla="*/ 190 w 380"/>
-                  <a:gd name="connsiteY0" fmla="*/ 42 h 42"/>
-                  <a:gd name="connsiteX1" fmla="*/ 381 w 380"/>
-                  <a:gd name="connsiteY1" fmla="*/ 42 h 42"/>
-                  <a:gd name="connsiteX2" fmla="*/ 0 w 380"/>
-                  <a:gd name="connsiteY2" fmla="*/ 42 h 42"/>
-                  <a:gd name="connsiteX3" fmla="*/ 190 w 380"/>
-                  <a:gd name="connsiteY3" fmla="*/ 42 h 42"/>
-                </a:gdLst>
-                <a:ahLst/>
-                <a:cxnLst>
-                  <a:cxn ang="0">
-                    <a:pos x="connsiteX0" y="connsiteY0"/>
-                  </a:cxn>
-                  <a:cxn ang="0">
-                    <a:pos x="connsiteX1" y="connsiteY1"/>
-                  </a:cxn>
-                  <a:cxn ang="0">
-                    <a:pos x="connsiteX2" y="connsiteY2"/>
-                  </a:cxn>
-                  <a:cxn ang="0">
-                    <a:pos x="connsiteX3" y="connsiteY3"/>
-                  </a:cxn>
-                </a:cxnLst>
-                <a:rect l="l" t="t" r="r" b="b"/>
-                <a:pathLst>
-                  <a:path w="380" h="42">
-                    <a:moveTo>
-                      <a:pt x="190" y="42"/>
-                    </a:moveTo>
-                    <a:cubicBezTo>
-                      <a:pt x="190" y="42"/>
-                      <a:pt x="286" y="42"/>
-                      <a:pt x="381" y="42"/>
-                    </a:cubicBezTo>
-                    <a:cubicBezTo>
-                      <a:pt x="190" y="42"/>
-                      <a:pt x="95" y="42"/>
-                      <a:pt x="0" y="42"/>
-                    </a:cubicBezTo>
-                    <a:cubicBezTo>
-                      <a:pt x="0" y="-53"/>
-                      <a:pt x="95" y="42"/>
-                      <a:pt x="190" y="42"/>
-                    </a:cubicBezTo>
-                    <a:close/>
-                  </a:path>
-                </a:pathLst>
-              </a:custGeom>
-              <a:grpFill/>
-              <a:ln w="9525" cap="flat">
-                <a:noFill/>
-                <a:prstDash val="solid"/>
-                <a:miter/>
-              </a:ln>
-            </p:spPr>
-            <p:txBody>
-              <a:bodyPr rtlCol="0" anchor="ctr"/>
-              <a:lstStyle/>
-              <a:p>
-                <a:pPr algn="ctr"/>
-                <a:endParaRPr lang="en-US"/>
-              </a:p>
-            </p:txBody>
-          </p:sp>
-          <p:sp>
-            <p:nvSpPr>
-              <p:cNvPr id="27" name="Graphic 78">
-                <a:extLst>
-                  <a:ext uri="{FF2B5EF4-FFF2-40B4-BE49-F238E27FC236}">
-                    <a16:creationId xmlns:a16="http://schemas.microsoft.com/office/drawing/2014/main" id="{51B97AF0-1974-42B9-B5FC-A332C52E8272}"/>
-                  </a:ext>
-                  <a:ext uri="{C183D7F6-B498-43B3-948B-1728B52AA6E4}">
-                    <adec:decorative xmlns:adec="http://schemas.microsoft.com/office/drawing/2017/decorative" val="1"/>
-                  </a:ext>
-                </a:extLst>
-              </p:cNvPr>
-              <p:cNvSpPr/>
-              <p:nvPr>
-                <p:extLst>
-                  <p:ext uri="{386F3935-93C4-4BCD-93E2-E3B085C9AB24}">
-                    <p16:designElem xmlns:p16="http://schemas.microsoft.com/office/powerpoint/2015/main" val="1"/>
-                  </p:ext>
-                </p:extLst>
-              </p:nvPr>
-            </p:nvSpPr>
-            <p:spPr>
-              <a:xfrm>
-                <a:off x="7285577" y="3374517"/>
-                <a:ext cx="10001" cy="190"/>
-              </a:xfrm>
-              <a:custGeom>
-                <a:avLst/>
-                <a:gdLst>
-                  <a:gd name="connsiteX0" fmla="*/ 10001 w 10001"/>
-                  <a:gd name="connsiteY0" fmla="*/ 0 h 190"/>
-                  <a:gd name="connsiteX1" fmla="*/ 0 w 10001"/>
-                  <a:gd name="connsiteY1" fmla="*/ 191 h 190"/>
-                  <a:gd name="connsiteX2" fmla="*/ 10001 w 10001"/>
-                  <a:gd name="connsiteY2" fmla="*/ 0 h 190"/>
-                </a:gdLst>
-                <a:ahLst/>
-                <a:cxnLst>
-                  <a:cxn ang="0">
-                    <a:pos x="connsiteX0" y="connsiteY0"/>
-                  </a:cxn>
-                  <a:cxn ang="0">
-                    <a:pos x="connsiteX1" y="connsiteY1"/>
-                  </a:cxn>
-                  <a:cxn ang="0">
-                    <a:pos x="connsiteX2" y="connsiteY2"/>
-                  </a:cxn>
-                </a:cxnLst>
-                <a:rect l="l" t="t" r="r" b="b"/>
-                <a:pathLst>
-                  <a:path w="10001" h="190">
-                    <a:moveTo>
-                      <a:pt x="10001" y="0"/>
-                    </a:moveTo>
-                    <a:cubicBezTo>
-                      <a:pt x="6953" y="0"/>
-                      <a:pt x="3524" y="95"/>
-                      <a:pt x="0" y="191"/>
-                    </a:cubicBezTo>
-                    <a:cubicBezTo>
-                      <a:pt x="3334" y="191"/>
-                      <a:pt x="6763" y="191"/>
-                      <a:pt x="10001" y="0"/>
-                    </a:cubicBezTo>
-                    <a:close/>
-                  </a:path>
-                </a:pathLst>
-              </a:custGeom>
-              <a:grpFill/>
-              <a:ln w="9525" cap="flat">
-                <a:noFill/>
-                <a:prstDash val="solid"/>
-                <a:miter/>
-              </a:ln>
-            </p:spPr>
-            <p:txBody>
-              <a:bodyPr rtlCol="0" anchor="ctr"/>
-              <a:lstStyle/>
-              <a:p>
-                <a:pPr algn="ctr"/>
-                <a:endParaRPr lang="en-US"/>
-              </a:p>
-            </p:txBody>
-          </p:sp>
-          <p:sp>
-            <p:nvSpPr>
-              <p:cNvPr id="28" name="Graphic 78">
-                <a:extLst>
-                  <a:ext uri="{FF2B5EF4-FFF2-40B4-BE49-F238E27FC236}">
-                    <a16:creationId xmlns:a16="http://schemas.microsoft.com/office/drawing/2014/main" id="{95A298AD-BE5D-4BE1-8CDF-DBFB42D63FEB}"/>
-                  </a:ext>
-                  <a:ext uri="{C183D7F6-B498-43B3-948B-1728B52AA6E4}">
-                    <adec:decorative xmlns:adec="http://schemas.microsoft.com/office/drawing/2017/decorative" val="1"/>
-                  </a:ext>
-                </a:extLst>
-              </p:cNvPr>
-              <p:cNvSpPr/>
-              <p:nvPr>
-                <p:extLst>
-                  <p:ext uri="{386F3935-93C4-4BCD-93E2-E3B085C9AB24}">
-                    <p16:designElem xmlns:p16="http://schemas.microsoft.com/office/powerpoint/2015/main" val="1"/>
-                  </p:ext>
-                </p:extLst>
-              </p:nvPr>
-            </p:nvSpPr>
-            <p:spPr>
-              <a:xfrm>
-                <a:off x="4886709" y="3371754"/>
-                <a:ext cx="2418108" cy="113728"/>
-              </a:xfrm>
-              <a:custGeom>
-                <a:avLst/>
-                <a:gdLst>
-                  <a:gd name="connsiteX0" fmla="*/ 632266 w 2418108"/>
-                  <a:gd name="connsiteY0" fmla="*/ 112205 h 113728"/>
-                  <a:gd name="connsiteX1" fmla="*/ 723039 w 2418108"/>
-                  <a:gd name="connsiteY1" fmla="*/ 109538 h 113728"/>
-                  <a:gd name="connsiteX2" fmla="*/ 735136 w 2418108"/>
-                  <a:gd name="connsiteY2" fmla="*/ 111823 h 113728"/>
-                  <a:gd name="connsiteX3" fmla="*/ 752471 w 2418108"/>
-                  <a:gd name="connsiteY3" fmla="*/ 108680 h 113728"/>
-                  <a:gd name="connsiteX4" fmla="*/ 772569 w 2418108"/>
-                  <a:gd name="connsiteY4" fmla="*/ 110585 h 113728"/>
-                  <a:gd name="connsiteX5" fmla="*/ 1112993 w 2418108"/>
-                  <a:gd name="connsiteY5" fmla="*/ 112967 h 113728"/>
-                  <a:gd name="connsiteX6" fmla="*/ 1083465 w 2418108"/>
-                  <a:gd name="connsiteY6" fmla="*/ 108776 h 113728"/>
-                  <a:gd name="connsiteX7" fmla="*/ 1296825 w 2418108"/>
-                  <a:gd name="connsiteY7" fmla="*/ 108966 h 113728"/>
-                  <a:gd name="connsiteX8" fmla="*/ 1346736 w 2418108"/>
-                  <a:gd name="connsiteY8" fmla="*/ 103632 h 113728"/>
-                  <a:gd name="connsiteX9" fmla="*/ 1360643 w 2418108"/>
-                  <a:gd name="connsiteY9" fmla="*/ 107633 h 113728"/>
-                  <a:gd name="connsiteX10" fmla="*/ 1381788 w 2418108"/>
-                  <a:gd name="connsiteY10" fmla="*/ 107442 h 113728"/>
-                  <a:gd name="connsiteX11" fmla="*/ 1371692 w 2418108"/>
-                  <a:gd name="connsiteY11" fmla="*/ 106490 h 113728"/>
-                  <a:gd name="connsiteX12" fmla="*/ 1430080 w 2418108"/>
-                  <a:gd name="connsiteY12" fmla="*/ 105537 h 113728"/>
-                  <a:gd name="connsiteX13" fmla="*/ 1420269 w 2418108"/>
-                  <a:gd name="connsiteY13" fmla="*/ 104108 h 113728"/>
-                  <a:gd name="connsiteX14" fmla="*/ 1455702 w 2418108"/>
-                  <a:gd name="connsiteY14" fmla="*/ 107061 h 113728"/>
-                  <a:gd name="connsiteX15" fmla="*/ 1439414 w 2418108"/>
-                  <a:gd name="connsiteY15" fmla="*/ 108109 h 113728"/>
-                  <a:gd name="connsiteX16" fmla="*/ 1503613 w 2418108"/>
-                  <a:gd name="connsiteY16" fmla="*/ 105918 h 113728"/>
-                  <a:gd name="connsiteX17" fmla="*/ 1495802 w 2418108"/>
-                  <a:gd name="connsiteY17" fmla="*/ 105823 h 113728"/>
-                  <a:gd name="connsiteX18" fmla="*/ 1695923 w 2418108"/>
-                  <a:gd name="connsiteY18" fmla="*/ 95155 h 113728"/>
-                  <a:gd name="connsiteX19" fmla="*/ 1684016 w 2418108"/>
-                  <a:gd name="connsiteY19" fmla="*/ 92488 h 113728"/>
-                  <a:gd name="connsiteX20" fmla="*/ 1706210 w 2418108"/>
-                  <a:gd name="connsiteY20" fmla="*/ 90202 h 113728"/>
-                  <a:gd name="connsiteX21" fmla="*/ 1693351 w 2418108"/>
-                  <a:gd name="connsiteY21" fmla="*/ 98108 h 113728"/>
-                  <a:gd name="connsiteX22" fmla="*/ 2058539 w 2418108"/>
-                  <a:gd name="connsiteY22" fmla="*/ 102203 h 113728"/>
-                  <a:gd name="connsiteX23" fmla="*/ 2064540 w 2418108"/>
-                  <a:gd name="connsiteY23" fmla="*/ 95060 h 113728"/>
-                  <a:gd name="connsiteX24" fmla="*/ 2227132 w 2418108"/>
-                  <a:gd name="connsiteY24" fmla="*/ 96203 h 113728"/>
-                  <a:gd name="connsiteX25" fmla="*/ 2245229 w 2418108"/>
-                  <a:gd name="connsiteY25" fmla="*/ 96869 h 113728"/>
-                  <a:gd name="connsiteX26" fmla="*/ 2254278 w 2418108"/>
-                  <a:gd name="connsiteY26" fmla="*/ 94393 h 113728"/>
-                  <a:gd name="connsiteX27" fmla="*/ 2418108 w 2418108"/>
-                  <a:gd name="connsiteY27" fmla="*/ 5810 h 113728"/>
-                  <a:gd name="connsiteX28" fmla="*/ 2399058 w 2418108"/>
-                  <a:gd name="connsiteY28" fmla="*/ 2858 h 113728"/>
-                  <a:gd name="connsiteX29" fmla="*/ 2241039 w 2418108"/>
-                  <a:gd name="connsiteY29" fmla="*/ 1905 h 113728"/>
-                  <a:gd name="connsiteX30" fmla="*/ 2243991 w 2418108"/>
-                  <a:gd name="connsiteY30" fmla="*/ 1048 h 113728"/>
-                  <a:gd name="connsiteX31" fmla="*/ 2197128 w 2418108"/>
-                  <a:gd name="connsiteY31" fmla="*/ 0 h 113728"/>
-                  <a:gd name="connsiteX32" fmla="*/ 1710591 w 2418108"/>
-                  <a:gd name="connsiteY32" fmla="*/ 6287 h 113728"/>
-                  <a:gd name="connsiteX33" fmla="*/ 1713353 w 2418108"/>
-                  <a:gd name="connsiteY33" fmla="*/ 5906 h 113728"/>
-                  <a:gd name="connsiteX34" fmla="*/ 1210814 w 2418108"/>
-                  <a:gd name="connsiteY34" fmla="*/ 7715 h 113728"/>
-                  <a:gd name="connsiteX35" fmla="*/ 684463 w 2418108"/>
-                  <a:gd name="connsiteY35" fmla="*/ 13716 h 113728"/>
-                  <a:gd name="connsiteX36" fmla="*/ 687511 w 2418108"/>
-                  <a:gd name="connsiteY36" fmla="*/ 12859 h 113728"/>
-                  <a:gd name="connsiteX37" fmla="*/ 435670 w 2418108"/>
-                  <a:gd name="connsiteY37" fmla="*/ 12192 h 113728"/>
-                  <a:gd name="connsiteX38" fmla="*/ 440718 w 2418108"/>
-                  <a:gd name="connsiteY38" fmla="*/ 12668 h 113728"/>
-                  <a:gd name="connsiteX39" fmla="*/ 386807 w 2418108"/>
-                  <a:gd name="connsiteY39" fmla="*/ 9906 h 113728"/>
-                  <a:gd name="connsiteX40" fmla="*/ 16856 w 2418108"/>
-                  <a:gd name="connsiteY40" fmla="*/ 12192 h 113728"/>
-                  <a:gd name="connsiteX41" fmla="*/ 63528 w 2418108"/>
-                  <a:gd name="connsiteY41" fmla="*/ 102870 h 113728"/>
-                  <a:gd name="connsiteX42" fmla="*/ 42668 w 2418108"/>
-                  <a:gd name="connsiteY42" fmla="*/ 102584 h 113728"/>
-                  <a:gd name="connsiteX43" fmla="*/ 41430 w 2418108"/>
-                  <a:gd name="connsiteY43" fmla="*/ 105537 h 113728"/>
-                  <a:gd name="connsiteX44" fmla="*/ 54575 w 2418108"/>
-                  <a:gd name="connsiteY44" fmla="*/ 105347 h 113728"/>
-                  <a:gd name="connsiteX45" fmla="*/ 388140 w 2418108"/>
-                  <a:gd name="connsiteY45" fmla="*/ 112109 h 113728"/>
-                  <a:gd name="connsiteX46" fmla="*/ 482152 w 2418108"/>
-                  <a:gd name="connsiteY46" fmla="*/ 113729 h 113728"/>
-                  <a:gd name="connsiteX47" fmla="*/ 632266 w 2418108"/>
-                  <a:gd name="connsiteY47" fmla="*/ 112205 h 113728"/>
-                </a:gdLst>
-                <a:ahLst/>
-                <a:cxnLst>
-                  <a:cxn ang="0">
-                    <a:pos x="connsiteX0" y="connsiteY0"/>
-                  </a:cxn>
-                  <a:cxn ang="0">
-                    <a:pos x="connsiteX1" y="connsiteY1"/>
-                  </a:cxn>
-                  <a:cxn ang="0">
-                    <a:pos x="connsiteX2" y="connsiteY2"/>
-                  </a:cxn>
-                  <a:cxn ang="0">
-                    <a:pos x="connsiteX3" y="connsiteY3"/>
-                  </a:cxn>
-                  <a:cxn ang="0">
-                    <a:pos x="connsiteX4" y="connsiteY4"/>
-                  </a:cxn>
-                  <a:cxn ang="0">
-                    <a:pos x="connsiteX5" y="connsiteY5"/>
-                  </a:cxn>
-                  <a:cxn ang="0">
-                    <a:pos x="connsiteX6" y="connsiteY6"/>
-                  </a:cxn>
-                  <a:cxn ang="0">
-                    <a:pos x="connsiteX7" y="connsiteY7"/>
-                  </a:cxn>
-                  <a:cxn ang="0">
-                    <a:pos x="connsiteX8" y="connsiteY8"/>
-                  </a:cxn>
-                  <a:cxn ang="0">
-                    <a:pos x="connsiteX9" y="connsiteY9"/>
-                  </a:cxn>
-                  <a:cxn ang="0">
-                    <a:pos x="connsiteX10" y="connsiteY10"/>
-                  </a:cxn>
-                  <a:cxn ang="0">
-                    <a:pos x="connsiteX11" y="connsiteY11"/>
-                  </a:cxn>
-                  <a:cxn ang="0">
-                    <a:pos x="connsiteX12" y="connsiteY12"/>
-                  </a:cxn>
-                  <a:cxn ang="0">
-                    <a:pos x="connsiteX13" y="connsiteY13"/>
-                  </a:cxn>
-                  <a:cxn ang="0">
-                    <a:pos x="connsiteX14" y="connsiteY14"/>
-                  </a:cxn>
-                  <a:cxn ang="0">
-                    <a:pos x="connsiteX15" y="connsiteY15"/>
-                  </a:cxn>
-                  <a:cxn ang="0">
-                    <a:pos x="connsiteX16" y="connsiteY16"/>
-                  </a:cxn>
-                  <a:cxn ang="0">
-                    <a:pos x="connsiteX17" y="connsiteY17"/>
-                  </a:cxn>
-                  <a:cxn ang="0">
-                    <a:pos x="connsiteX18" y="connsiteY18"/>
-                  </a:cxn>
-                  <a:cxn ang="0">
-                    <a:pos x="connsiteX19" y="connsiteY19"/>
-                  </a:cxn>
-                  <a:cxn ang="0">
-                    <a:pos x="connsiteX20" y="connsiteY20"/>
-                  </a:cxn>
-                  <a:cxn ang="0">
-                    <a:pos x="connsiteX21" y="connsiteY21"/>
-                  </a:cxn>
-                  <a:cxn ang="0">
-                    <a:pos x="connsiteX22" y="connsiteY22"/>
-                  </a:cxn>
-                  <a:cxn ang="0">
-                    <a:pos x="connsiteX23" y="connsiteY23"/>
-                  </a:cxn>
-                  <a:cxn ang="0">
-                    <a:pos x="connsiteX24" y="connsiteY24"/>
-                  </a:cxn>
-                  <a:cxn ang="0">
-                    <a:pos x="connsiteX25" y="connsiteY25"/>
-                  </a:cxn>
-                  <a:cxn ang="0">
-                    <a:pos x="connsiteX26" y="connsiteY26"/>
-                  </a:cxn>
-                  <a:cxn ang="0">
-                    <a:pos x="connsiteX27" y="connsiteY27"/>
-                  </a:cxn>
-                  <a:cxn ang="0">
-                    <a:pos x="connsiteX28" y="connsiteY28"/>
-                  </a:cxn>
-                  <a:cxn ang="0">
-                    <a:pos x="connsiteX29" y="connsiteY29"/>
-                  </a:cxn>
-                  <a:cxn ang="0">
-                    <a:pos x="connsiteX30" y="connsiteY30"/>
-                  </a:cxn>
-                  <a:cxn ang="0">
-                    <a:pos x="connsiteX31" y="connsiteY31"/>
-                  </a:cxn>
-                  <a:cxn ang="0">
-                    <a:pos x="connsiteX32" y="connsiteY32"/>
-                  </a:cxn>
-                  <a:cxn ang="0">
-                    <a:pos x="connsiteX33" y="connsiteY33"/>
-                  </a:cxn>
-                  <a:cxn ang="0">
-                    <a:pos x="connsiteX34" y="connsiteY34"/>
-                  </a:cxn>
-                  <a:cxn ang="0">
-                    <a:pos x="connsiteX35" y="connsiteY35"/>
-                  </a:cxn>
-                  <a:cxn ang="0">
-                    <a:pos x="connsiteX36" y="connsiteY36"/>
-                  </a:cxn>
-                  <a:cxn ang="0">
-                    <a:pos x="connsiteX37" y="connsiteY37"/>
-                  </a:cxn>
-                  <a:cxn ang="0">
-                    <a:pos x="connsiteX38" y="connsiteY38"/>
-                  </a:cxn>
-                  <a:cxn ang="0">
-                    <a:pos x="connsiteX39" y="connsiteY39"/>
-                  </a:cxn>
-                  <a:cxn ang="0">
-                    <a:pos x="connsiteX40" y="connsiteY40"/>
-                  </a:cxn>
-                  <a:cxn ang="0">
-                    <a:pos x="connsiteX41" y="connsiteY41"/>
-                  </a:cxn>
-                  <a:cxn ang="0">
-                    <a:pos x="connsiteX42" y="connsiteY42"/>
-                  </a:cxn>
-                  <a:cxn ang="0">
-                    <a:pos x="connsiteX43" y="connsiteY43"/>
-                  </a:cxn>
-                  <a:cxn ang="0">
-                    <a:pos x="connsiteX44" y="connsiteY44"/>
-                  </a:cxn>
-                  <a:cxn ang="0">
-                    <a:pos x="connsiteX45" y="connsiteY45"/>
-                  </a:cxn>
-                  <a:cxn ang="0">
-                    <a:pos x="connsiteX46" y="connsiteY46"/>
-                  </a:cxn>
-                  <a:cxn ang="0">
-                    <a:pos x="connsiteX47" y="connsiteY47"/>
-                  </a:cxn>
-                </a:cxnLst>
-                <a:rect l="l" t="t" r="r" b="b"/>
-                <a:pathLst>
-                  <a:path w="2418108" h="113728">
-                    <a:moveTo>
-                      <a:pt x="632266" y="112205"/>
-                    </a:moveTo>
-                    <a:cubicBezTo>
-                      <a:pt x="656364" y="104680"/>
-                      <a:pt x="694940" y="114110"/>
-                      <a:pt x="723039" y="109538"/>
-                    </a:cubicBezTo>
-                    <a:cubicBezTo>
-                      <a:pt x="722849" y="109919"/>
-                      <a:pt x="735898" y="110109"/>
-                      <a:pt x="735136" y="111823"/>
-                    </a:cubicBezTo>
-                    <a:cubicBezTo>
-                      <a:pt x="735041" y="108776"/>
-                      <a:pt x="767616" y="112300"/>
-                      <a:pt x="752471" y="108680"/>
-                    </a:cubicBezTo>
-                    <a:cubicBezTo>
-                      <a:pt x="754757" y="107633"/>
-                      <a:pt x="790571" y="107633"/>
-                      <a:pt x="772569" y="110585"/>
-                    </a:cubicBezTo>
-                    <a:cubicBezTo>
-                      <a:pt x="822099" y="111633"/>
-                      <a:pt x="1059653" y="114395"/>
-                      <a:pt x="1112993" y="112967"/>
-                    </a:cubicBezTo>
-                    <a:cubicBezTo>
-                      <a:pt x="1106135" y="110776"/>
-                      <a:pt x="1089656" y="112205"/>
-                      <a:pt x="1083465" y="108776"/>
-                    </a:cubicBezTo>
-                    <a:cubicBezTo>
-                      <a:pt x="1153950" y="111728"/>
-                      <a:pt x="1230626" y="113157"/>
-                      <a:pt x="1296825" y="108966"/>
-                    </a:cubicBezTo>
-                    <a:cubicBezTo>
-                      <a:pt x="1277680" y="103251"/>
-                      <a:pt x="1356071" y="110966"/>
-                      <a:pt x="1346736" y="103632"/>
-                    </a:cubicBezTo>
-                    <a:cubicBezTo>
-                      <a:pt x="1351213" y="105347"/>
-                      <a:pt x="1374454" y="106109"/>
-                      <a:pt x="1360643" y="107633"/>
-                    </a:cubicBezTo>
-                    <a:cubicBezTo>
-                      <a:pt x="1368548" y="107728"/>
-                      <a:pt x="1376168" y="108299"/>
-                      <a:pt x="1381788" y="107442"/>
-                    </a:cubicBezTo>
-                    <a:lnTo>
-                      <a:pt x="1371692" y="106490"/>
-                    </a:lnTo>
-                    <a:cubicBezTo>
-                      <a:pt x="1398266" y="106013"/>
-                      <a:pt x="1412744" y="108680"/>
-                      <a:pt x="1430080" y="105537"/>
-                    </a:cubicBezTo>
-                    <a:lnTo>
-                      <a:pt x="1420269" y="104108"/>
-                    </a:lnTo>
-                    <a:cubicBezTo>
-                      <a:pt x="1436176" y="103918"/>
-                      <a:pt x="1449416" y="103632"/>
-                      <a:pt x="1455702" y="107061"/>
-                    </a:cubicBezTo>
-                    <a:lnTo>
-                      <a:pt x="1439414" y="108109"/>
-                    </a:lnTo>
-                    <a:cubicBezTo>
-                      <a:pt x="1465799" y="108014"/>
-                      <a:pt x="1481610" y="107823"/>
-                      <a:pt x="1503613" y="105918"/>
-                    </a:cubicBezTo>
-                    <a:lnTo>
-                      <a:pt x="1495802" y="105823"/>
-                    </a:lnTo>
-                    <a:cubicBezTo>
-                      <a:pt x="1523806" y="102394"/>
-                      <a:pt x="1670110" y="99441"/>
-                      <a:pt x="1695923" y="95155"/>
-                    </a:cubicBezTo>
-                    <a:lnTo>
-                      <a:pt x="1684016" y="92488"/>
-                    </a:lnTo>
-                    <a:lnTo>
-                      <a:pt x="1706210" y="90202"/>
-                    </a:lnTo>
-                    <a:cubicBezTo>
-                      <a:pt x="1703543" y="90202"/>
-                      <a:pt x="1695542" y="98965"/>
-                      <a:pt x="1693351" y="98108"/>
-                    </a:cubicBezTo>
-                    <a:cubicBezTo>
-                      <a:pt x="1757549" y="99441"/>
-                      <a:pt x="2045109" y="91345"/>
-                      <a:pt x="2058539" y="102203"/>
-                    </a:cubicBezTo>
-                    <a:cubicBezTo>
-                      <a:pt x="2079780" y="101917"/>
-                      <a:pt x="2071303" y="103918"/>
-                      <a:pt x="2064540" y="95060"/>
-                    </a:cubicBezTo>
-                    <a:cubicBezTo>
-                      <a:pt x="2086638" y="95441"/>
-                      <a:pt x="2259707" y="88773"/>
-                      <a:pt x="2227132" y="96203"/>
-                    </a:cubicBezTo>
-                    <a:cubicBezTo>
-                      <a:pt x="2232371" y="96298"/>
-                      <a:pt x="2240372" y="95917"/>
-                      <a:pt x="2245229" y="96869"/>
-                    </a:cubicBezTo>
-                    <a:cubicBezTo>
-                      <a:pt x="2235704" y="94583"/>
-                      <a:pt x="2261708" y="95345"/>
-                      <a:pt x="2254278" y="94393"/>
-                    </a:cubicBezTo>
-                    <a:cubicBezTo>
-                      <a:pt x="2395724" y="108776"/>
-                      <a:pt x="2341527" y="36576"/>
-                      <a:pt x="2418108" y="5810"/>
-                    </a:cubicBezTo>
-                    <a:cubicBezTo>
-                      <a:pt x="2398772" y="4763"/>
-                      <a:pt x="2335717" y="7239"/>
-                      <a:pt x="2399058" y="2858"/>
-                    </a:cubicBezTo>
-                    <a:cubicBezTo>
-                      <a:pt x="2343527" y="-572"/>
-                      <a:pt x="2296283" y="1238"/>
-                      <a:pt x="2241039" y="1905"/>
-                    </a:cubicBezTo>
-                    <a:lnTo>
-                      <a:pt x="2243991" y="1048"/>
-                    </a:lnTo>
-                    <a:cubicBezTo>
-                      <a:pt x="2234181" y="-381"/>
-                      <a:pt x="2214845" y="1524"/>
-                      <a:pt x="2197128" y="0"/>
-                    </a:cubicBezTo>
-                    <a:cubicBezTo>
-                      <a:pt x="2115880" y="6096"/>
-                      <a:pt x="1816128" y="3524"/>
-                      <a:pt x="1710591" y="6287"/>
-                    </a:cubicBezTo>
-                    <a:lnTo>
-                      <a:pt x="1713353" y="5906"/>
-                    </a:lnTo>
-                    <a:cubicBezTo>
-                      <a:pt x="1577146" y="5429"/>
-                      <a:pt x="1349308" y="11240"/>
-                      <a:pt x="1210814" y="7715"/>
-                    </a:cubicBezTo>
-                    <a:cubicBezTo>
-                      <a:pt x="1095848" y="23717"/>
-                      <a:pt x="819051" y="5429"/>
-                      <a:pt x="684463" y="13716"/>
-                    </a:cubicBezTo>
-                    <a:lnTo>
-                      <a:pt x="687511" y="12859"/>
-                    </a:lnTo>
-                    <a:cubicBezTo>
-                      <a:pt x="655316" y="14192"/>
-                      <a:pt x="473008" y="10954"/>
-                      <a:pt x="435670" y="12192"/>
-                    </a:cubicBezTo>
-                    <a:lnTo>
-                      <a:pt x="440718" y="12668"/>
-                    </a:lnTo>
-                    <a:cubicBezTo>
-                      <a:pt x="408047" y="14764"/>
-                      <a:pt x="412524" y="11049"/>
-                      <a:pt x="386807" y="9906"/>
-                    </a:cubicBezTo>
-                    <a:cubicBezTo>
-                      <a:pt x="275174" y="28004"/>
-                      <a:pt x="142395" y="18764"/>
-                      <a:pt x="16856" y="12192"/>
-                    </a:cubicBezTo>
-                    <a:cubicBezTo>
-                      <a:pt x="-6195" y="35528"/>
-                      <a:pt x="-17434" y="114395"/>
-                      <a:pt x="63528" y="102870"/>
-                    </a:cubicBezTo>
-                    <a:cubicBezTo>
-                      <a:pt x="63528" y="102870"/>
-                      <a:pt x="42668" y="102584"/>
-                      <a:pt x="42668" y="102584"/>
-                    </a:cubicBezTo>
-                    <a:cubicBezTo>
-                      <a:pt x="58004" y="103156"/>
-                      <a:pt x="47336" y="104299"/>
-                      <a:pt x="41430" y="105537"/>
-                    </a:cubicBezTo>
-                    <a:cubicBezTo>
-                      <a:pt x="46764" y="105537"/>
-                      <a:pt x="68386" y="107442"/>
-                      <a:pt x="54575" y="105347"/>
-                    </a:cubicBezTo>
-                    <a:cubicBezTo>
-                      <a:pt x="158588" y="108109"/>
-                      <a:pt x="297462" y="110109"/>
-                      <a:pt x="388140" y="112109"/>
-                    </a:cubicBezTo>
-                    <a:cubicBezTo>
-                      <a:pt x="420525" y="113348"/>
-                      <a:pt x="453577" y="106680"/>
-                      <a:pt x="482152" y="113729"/>
-                    </a:cubicBezTo>
-                    <a:cubicBezTo>
-                      <a:pt x="477580" y="111919"/>
-                      <a:pt x="629885" y="111728"/>
-                      <a:pt x="632266" y="112205"/>
-                    </a:cubicBezTo>
-                    <a:close/>
-                  </a:path>
-                </a:pathLst>
-              </a:custGeom>
-              <a:grpFill/>
-              <a:ln w="9525" cap="flat">
-                <a:noFill/>
-                <a:prstDash val="solid"/>
-                <a:miter/>
-              </a:ln>
-            </p:spPr>
-            <p:txBody>
-              <a:bodyPr rtlCol="0" anchor="ctr"/>
-              <a:lstStyle/>
-              <a:p>
-                <a:pPr algn="ctr"/>
-                <a:endParaRPr lang="en-US"/>
-              </a:p>
-            </p:txBody>
-          </p:sp>
-        </p:grpSp>
-      </p:grpSp>
-      <p:sp useBgFill="1">
-        <p:nvSpPr>
-          <p:cNvPr id="30" name="Rectangle 29">
-            <a:extLst>
-              <a:ext uri="{FF2B5EF4-FFF2-40B4-BE49-F238E27FC236}">
-                <a16:creationId xmlns:a16="http://schemas.microsoft.com/office/drawing/2014/main" id="{A5D0B0D3-D735-4619-AA45-B57B791E1744}"/>
-              </a:ext>
-              <a:ext uri="{C183D7F6-B498-43B3-948B-1728B52AA6E4}">
-                <adec:decorative xmlns:adec="http://schemas.microsoft.com/office/drawing/2017/decorative" val="1"/>
-              </a:ext>
-            </a:extLst>
-          </p:cNvPr>
-          <p:cNvSpPr>
-            <a:spLocks noGrp="1" noRot="1" noChangeAspect="1" noMove="1" noResize="1" noEditPoints="1" noAdjustHandles="1" noChangeArrowheads="1" noChangeShapeType="1" noTextEdit="1"/>
-          </p:cNvSpPr>
-          <p:nvPr>
-            <p:extLst>
-              <p:ext uri="{386F3935-93C4-4BCD-93E2-E3B085C9AB24}">
-                <p16:designElem xmlns:p16="http://schemas.microsoft.com/office/powerpoint/2015/main" val="1"/>
-              </p:ext>
-            </p:extLst>
-          </p:nvPr>
-        </p:nvSpPr>
-        <p:spPr>
-          <a:xfrm>
-            <a:off x="0" y="0"/>
-            <a:ext cx="12192000" cy="6858000"/>
-          </a:xfrm>
-          <a:prstGeom prst="rect">
-            <a:avLst/>
-          </a:prstGeom>
-          <a:ln w="12700" cap="flat" cmpd="sng" algn="ctr">
-            <a:noFill/>
-            <a:prstDash val="solid"/>
-            <a:miter lim="800000"/>
-          </a:ln>
-          <a:effectLst/>
-          <a:extLst>
-            <a:ext uri="{91240B29-F687-4F45-9708-019B960494DF}">
-              <a14:hiddenLine xmlns:a14="http://schemas.microsoft.com/office/drawing/2010/main" w="12700" cap="flat" cmpd="sng" algn="ctr">
-                <a:solidFill>
-                  <a:schemeClr val="accent1">
-                    <a:shade val="50000"/>
-                  </a:schemeClr>
-                </a:solidFill>
-                <a:prstDash val="solid"/>
-                <a:miter lim="800000"/>
-              </a14:hiddenLine>
-            </a:ext>
-          </a:extLst>
-        </p:spPr>
-        <p:style>
-          <a:lnRef idx="2">
-            <a:schemeClr val="accent1">
-              <a:shade val="50000"/>
-            </a:schemeClr>
-          </a:lnRef>
-          <a:fillRef idx="1">
-            <a:schemeClr val="accent1"/>
-          </a:fillRef>
-          <a:effectRef idx="0">
-            <a:schemeClr val="accent1"/>
-          </a:effectRef>
-          <a:fontRef idx="minor">
-            <a:schemeClr val="lt1"/>
-          </a:fontRef>
-        </p:style>
-        <p:txBody>
-          <a:bodyPr rtlCol="0" anchor="ctr"/>
-          <a:lstStyle/>
-          <a:p>
-            <a:endParaRPr lang="en-US" dirty="0"/>
-          </a:p>
-        </p:txBody>
-      </p:sp>
-      <p:grpSp>
-        <p:nvGrpSpPr>
-          <p:cNvPr id="32" name="Graphic 78">
-            <a:extLst>
-              <a:ext uri="{FF2B5EF4-FFF2-40B4-BE49-F238E27FC236}">
-                <a16:creationId xmlns:a16="http://schemas.microsoft.com/office/drawing/2014/main" id="{06B4C967-D337-479B-87CA-7587B7FCFF5E}"/>
-              </a:ext>
-              <a:ext uri="{C183D7F6-B498-43B3-948B-1728B52AA6E4}">
-                <adec:decorative xmlns:adec="http://schemas.microsoft.com/office/drawing/2017/decorative" val="1"/>
-              </a:ext>
-            </a:extLst>
-          </p:cNvPr>
-          <p:cNvGrpSpPr>
-            <a:grpSpLocks noGrp="1" noUngrp="1" noRot="1" noChangeAspect="1" noMove="1" noResize="1"/>
-          </p:cNvGrpSpPr>
-          <p:nvPr>
-            <p:extLst>
-              <p:ext uri="{386F3935-93C4-4BCD-93E2-E3B085C9AB24}">
-                <p16:designElem xmlns:p16="http://schemas.microsoft.com/office/powerpoint/2015/main" val="1"/>
-              </p:ext>
-            </p:extLst>
-          </p:nvPr>
-        </p:nvGrpSpPr>
-        <p:grpSpPr>
-          <a:xfrm>
-            <a:off x="530352" y="3267662"/>
-            <a:ext cx="972241" cy="45718"/>
-            <a:chOff x="4886325" y="3371754"/>
-            <a:chExt cx="2418492" cy="113728"/>
-          </a:xfrm>
-          <a:solidFill>
-            <a:schemeClr val="accent1"/>
-          </a:solidFill>
-        </p:grpSpPr>
-        <p:sp>
-          <p:nvSpPr>
-            <p:cNvPr id="33" name="Graphic 78">
-              <a:extLst>
-                <a:ext uri="{FF2B5EF4-FFF2-40B4-BE49-F238E27FC236}">
-                  <a16:creationId xmlns:a16="http://schemas.microsoft.com/office/drawing/2014/main" id="{6EF1A9DB-7052-4254-8534-9AAED6F6B652}"/>
-                </a:ext>
-                <a:ext uri="{C183D7F6-B498-43B3-948B-1728B52AA6E4}">
-                  <adec:decorative xmlns:adec="http://schemas.microsoft.com/office/drawing/2017/decorative" val="1"/>
-                </a:ext>
-              </a:extLst>
-            </p:cNvPr>
-            <p:cNvSpPr/>
-            <p:nvPr>
-              <p:extLst>
-                <p:ext uri="{386F3935-93C4-4BCD-93E2-E3B085C9AB24}">
-                  <p16:designElem xmlns:p16="http://schemas.microsoft.com/office/powerpoint/2015/main" val="1"/>
-                </p:ext>
-              </p:extLst>
-            </p:nvPr>
-          </p:nvSpPr>
-          <p:spPr>
-            <a:xfrm>
-              <a:off x="4886325" y="3428428"/>
-              <a:ext cx="2418302" cy="9525"/>
-            </a:xfrm>
-            <a:custGeom>
-              <a:avLst/>
-              <a:gdLst>
-                <a:gd name="connsiteX0" fmla="*/ 0 w 2418302"/>
-                <a:gd name="connsiteY0" fmla="*/ 0 h 9525"/>
-                <a:gd name="connsiteX1" fmla="*/ 2418302 w 2418302"/>
-                <a:gd name="connsiteY1" fmla="*/ 0 h 9525"/>
-              </a:gdLst>
-              <a:ahLst/>
-              <a:cxnLst>
-                <a:cxn ang="0">
-                  <a:pos x="connsiteX0" y="connsiteY0"/>
-                </a:cxn>
-                <a:cxn ang="0">
-                  <a:pos x="connsiteX1" y="connsiteY1"/>
-                </a:cxn>
-              </a:cxnLst>
-              <a:rect l="l" t="t" r="r" b="b"/>
-              <a:pathLst>
-                <a:path w="2418302" h="9525">
-                  <a:moveTo>
-                    <a:pt x="0" y="0"/>
-                  </a:moveTo>
-                  <a:lnTo>
-                    <a:pt x="2418302" y="0"/>
-                  </a:lnTo>
-                </a:path>
-              </a:pathLst>
-            </a:custGeom>
-            <a:grpFill/>
-            <a:ln w="9525" cap="flat">
-              <a:noFill/>
-              <a:prstDash val="solid"/>
-              <a:miter/>
-            </a:ln>
-          </p:spPr>
-          <p:txBody>
-            <a:bodyPr rtlCol="0" anchor="ctr"/>
-            <a:lstStyle/>
-            <a:p>
-              <a:pPr algn="ctr"/>
-              <a:endParaRPr lang="en-US"/>
-            </a:p>
-          </p:txBody>
-        </p:sp>
-        <p:grpSp>
-          <p:nvGrpSpPr>
-            <p:cNvPr id="34" name="Graphic 78">
-              <a:extLst>
-                <a:ext uri="{FF2B5EF4-FFF2-40B4-BE49-F238E27FC236}">
-                  <a16:creationId xmlns:a16="http://schemas.microsoft.com/office/drawing/2014/main" id="{55D44775-F9E3-4142-8CDB-277AEF2F3880}"/>
-                </a:ext>
-                <a:ext uri="{C183D7F6-B498-43B3-948B-1728B52AA6E4}">
-                  <adec:decorative xmlns:adec="http://schemas.microsoft.com/office/drawing/2017/decorative" val="1"/>
-                </a:ext>
-              </a:extLst>
-            </p:cNvPr>
-            <p:cNvGrpSpPr/>
-            <p:nvPr>
-              <p:extLst>
-                <p:ext uri="{386F3935-93C4-4BCD-93E2-E3B085C9AB24}">
-                  <p16:designElem xmlns:p16="http://schemas.microsoft.com/office/powerpoint/2015/main" val="1"/>
-                </p:ext>
-              </p:extLst>
-            </p:nvPr>
-          </p:nvGrpSpPr>
-          <p:grpSpPr>
-            <a:xfrm>
-              <a:off x="4886709" y="3371754"/>
-              <a:ext cx="2418108" cy="113728"/>
-              <a:chOff x="4886709" y="3371754"/>
-              <a:chExt cx="2418108" cy="113728"/>
-            </a:xfrm>
-            <a:grpFill/>
-          </p:grpSpPr>
-          <p:sp>
-            <p:nvSpPr>
-              <p:cNvPr id="35" name="Graphic 78">
-                <a:extLst>
-                  <a:ext uri="{FF2B5EF4-FFF2-40B4-BE49-F238E27FC236}">
-                    <a16:creationId xmlns:a16="http://schemas.microsoft.com/office/drawing/2014/main" id="{93BB9C83-6DC3-450C-BFAD-0CB5EAD294F1}"/>
-                  </a:ext>
-                  <a:ext uri="{C183D7F6-B498-43B3-948B-1728B52AA6E4}">
-                    <adec:decorative xmlns:adec="http://schemas.microsoft.com/office/drawing/2017/decorative" val="1"/>
-                  </a:ext>
-                </a:extLst>
-              </p:cNvPr>
-              <p:cNvSpPr/>
-              <p:nvPr>
-                <p:extLst>
-                  <p:ext uri="{386F3935-93C4-4BCD-93E2-E3B085C9AB24}">
-                    <p16:designElem xmlns:p16="http://schemas.microsoft.com/office/powerpoint/2015/main" val="1"/>
-                  </p:ext>
-                </p:extLst>
-              </p:nvPr>
-            </p:nvSpPr>
-            <p:spPr>
-              <a:xfrm>
-                <a:off x="4895088" y="3474384"/>
-                <a:ext cx="32575" cy="2906"/>
-              </a:xfrm>
-              <a:custGeom>
-                <a:avLst/>
-                <a:gdLst>
-                  <a:gd name="connsiteX0" fmla="*/ 0 w 32575"/>
-                  <a:gd name="connsiteY0" fmla="*/ 49 h 2906"/>
-                  <a:gd name="connsiteX1" fmla="*/ 32576 w 32575"/>
-                  <a:gd name="connsiteY1" fmla="*/ 2907 h 2906"/>
-                  <a:gd name="connsiteX2" fmla="*/ 0 w 32575"/>
-                  <a:gd name="connsiteY2" fmla="*/ 49 h 2906"/>
-                </a:gdLst>
-                <a:ahLst/>
-                <a:cxnLst>
-                  <a:cxn ang="0">
-                    <a:pos x="connsiteX0" y="connsiteY0"/>
-                  </a:cxn>
-                  <a:cxn ang="0">
-                    <a:pos x="connsiteX1" y="connsiteY1"/>
-                  </a:cxn>
-                  <a:cxn ang="0">
-                    <a:pos x="connsiteX2" y="connsiteY2"/>
-                  </a:cxn>
-                </a:cxnLst>
-                <a:rect l="l" t="t" r="r" b="b"/>
-                <a:pathLst>
-                  <a:path w="32575" h="2906">
-                    <a:moveTo>
-                      <a:pt x="0" y="49"/>
-                    </a:moveTo>
-                    <a:cubicBezTo>
-                      <a:pt x="7430" y="2335"/>
-                      <a:pt x="20384" y="2526"/>
-                      <a:pt x="32576" y="2907"/>
-                    </a:cubicBezTo>
-                    <a:cubicBezTo>
-                      <a:pt x="23146" y="716"/>
-                      <a:pt x="13240" y="-236"/>
-                      <a:pt x="0" y="49"/>
-                    </a:cubicBezTo>
-                    <a:close/>
-                  </a:path>
-                </a:pathLst>
-              </a:custGeom>
-              <a:grpFill/>
-              <a:ln w="9525" cap="flat">
-                <a:noFill/>
-                <a:prstDash val="solid"/>
-                <a:miter/>
-              </a:ln>
-            </p:spPr>
-            <p:txBody>
-              <a:bodyPr rtlCol="0" anchor="ctr"/>
-              <a:lstStyle/>
-              <a:p>
-                <a:pPr algn="ctr"/>
-                <a:endParaRPr lang="en-US"/>
-              </a:p>
-            </p:txBody>
-          </p:sp>
-          <p:sp>
-            <p:nvSpPr>
-              <p:cNvPr id="36" name="Graphic 78">
-                <a:extLst>
-                  <a:ext uri="{FF2B5EF4-FFF2-40B4-BE49-F238E27FC236}">
-                    <a16:creationId xmlns:a16="http://schemas.microsoft.com/office/drawing/2014/main" id="{4E01AF91-A65B-4AE1-96C9-4168BD8F900A}"/>
-                  </a:ext>
-                  <a:ext uri="{C183D7F6-B498-43B3-948B-1728B52AA6E4}">
-                    <adec:decorative xmlns:adec="http://schemas.microsoft.com/office/drawing/2017/decorative" val="1"/>
-                  </a:ext>
-                </a:extLst>
-              </p:cNvPr>
-              <p:cNvSpPr/>
-              <p:nvPr>
-                <p:extLst>
-                  <p:ext uri="{386F3935-93C4-4BCD-93E2-E3B085C9AB24}">
-                    <p16:designElem xmlns:p16="http://schemas.microsoft.com/office/powerpoint/2015/main" val="1"/>
-                  </p:ext>
-                </p:extLst>
-              </p:nvPr>
-            </p:nvSpPr>
-            <p:spPr>
-              <a:xfrm>
-                <a:off x="4927758" y="3477344"/>
-                <a:ext cx="380" cy="42"/>
-              </a:xfrm>
-              <a:custGeom>
-                <a:avLst/>
-                <a:gdLst>
-                  <a:gd name="connsiteX0" fmla="*/ 190 w 380"/>
-                  <a:gd name="connsiteY0" fmla="*/ 42 h 42"/>
-                  <a:gd name="connsiteX1" fmla="*/ 381 w 380"/>
-                  <a:gd name="connsiteY1" fmla="*/ 42 h 42"/>
-                  <a:gd name="connsiteX2" fmla="*/ 0 w 380"/>
-                  <a:gd name="connsiteY2" fmla="*/ 42 h 42"/>
-                  <a:gd name="connsiteX3" fmla="*/ 190 w 380"/>
-                  <a:gd name="connsiteY3" fmla="*/ 42 h 42"/>
-                </a:gdLst>
-                <a:ahLst/>
-                <a:cxnLst>
-                  <a:cxn ang="0">
-                    <a:pos x="connsiteX0" y="connsiteY0"/>
-                  </a:cxn>
-                  <a:cxn ang="0">
-                    <a:pos x="connsiteX1" y="connsiteY1"/>
-                  </a:cxn>
-                  <a:cxn ang="0">
-                    <a:pos x="connsiteX2" y="connsiteY2"/>
-                  </a:cxn>
-                  <a:cxn ang="0">
-                    <a:pos x="connsiteX3" y="connsiteY3"/>
-                  </a:cxn>
-                </a:cxnLst>
-                <a:rect l="l" t="t" r="r" b="b"/>
-                <a:pathLst>
-                  <a:path w="380" h="42">
-                    <a:moveTo>
-                      <a:pt x="190" y="42"/>
-                    </a:moveTo>
-                    <a:cubicBezTo>
-                      <a:pt x="190" y="42"/>
-                      <a:pt x="286" y="42"/>
-                      <a:pt x="381" y="42"/>
-                    </a:cubicBezTo>
-                    <a:cubicBezTo>
-                      <a:pt x="190" y="42"/>
-                      <a:pt x="95" y="42"/>
-                      <a:pt x="0" y="42"/>
-                    </a:cubicBezTo>
-                    <a:cubicBezTo>
-                      <a:pt x="0" y="-53"/>
-                      <a:pt x="95" y="42"/>
-                      <a:pt x="190" y="42"/>
-                    </a:cubicBezTo>
-                    <a:close/>
-                  </a:path>
-                </a:pathLst>
-              </a:custGeom>
-              <a:grpFill/>
-              <a:ln w="9525" cap="flat">
-                <a:noFill/>
-                <a:prstDash val="solid"/>
-                <a:miter/>
-              </a:ln>
-            </p:spPr>
-            <p:txBody>
-              <a:bodyPr rtlCol="0" anchor="ctr"/>
-              <a:lstStyle/>
-              <a:p>
-                <a:pPr algn="ctr"/>
-                <a:endParaRPr lang="en-US"/>
-              </a:p>
-            </p:txBody>
-          </p:sp>
-          <p:sp>
-            <p:nvSpPr>
-              <p:cNvPr id="37" name="Graphic 78">
-                <a:extLst>
-                  <a:ext uri="{FF2B5EF4-FFF2-40B4-BE49-F238E27FC236}">
-                    <a16:creationId xmlns:a16="http://schemas.microsoft.com/office/drawing/2014/main" id="{0AD45C08-DFB9-441F-A901-BCB9B03058D7}"/>
-                  </a:ext>
-                  <a:ext uri="{C183D7F6-B498-43B3-948B-1728B52AA6E4}">
-                    <adec:decorative xmlns:adec="http://schemas.microsoft.com/office/drawing/2017/decorative" val="1"/>
-                  </a:ext>
-                </a:extLst>
-              </p:cNvPr>
-              <p:cNvSpPr/>
-              <p:nvPr>
-                <p:extLst>
-                  <p:ext uri="{386F3935-93C4-4BCD-93E2-E3B085C9AB24}">
-                    <p16:designElem xmlns:p16="http://schemas.microsoft.com/office/powerpoint/2015/main" val="1"/>
-                  </p:ext>
-                </p:extLst>
-              </p:nvPr>
-            </p:nvSpPr>
-            <p:spPr>
-              <a:xfrm>
-                <a:off x="7285577" y="3374517"/>
-                <a:ext cx="10001" cy="190"/>
-              </a:xfrm>
-              <a:custGeom>
-                <a:avLst/>
-                <a:gdLst>
-                  <a:gd name="connsiteX0" fmla="*/ 10001 w 10001"/>
-                  <a:gd name="connsiteY0" fmla="*/ 0 h 190"/>
-                  <a:gd name="connsiteX1" fmla="*/ 0 w 10001"/>
-                  <a:gd name="connsiteY1" fmla="*/ 191 h 190"/>
-                  <a:gd name="connsiteX2" fmla="*/ 10001 w 10001"/>
-                  <a:gd name="connsiteY2" fmla="*/ 0 h 190"/>
-                </a:gdLst>
-                <a:ahLst/>
-                <a:cxnLst>
-                  <a:cxn ang="0">
-                    <a:pos x="connsiteX0" y="connsiteY0"/>
-                  </a:cxn>
-                  <a:cxn ang="0">
-                    <a:pos x="connsiteX1" y="connsiteY1"/>
-                  </a:cxn>
-                  <a:cxn ang="0">
-                    <a:pos x="connsiteX2" y="connsiteY2"/>
-                  </a:cxn>
-                </a:cxnLst>
-                <a:rect l="l" t="t" r="r" b="b"/>
-                <a:pathLst>
-                  <a:path w="10001" h="190">
-                    <a:moveTo>
-                      <a:pt x="10001" y="0"/>
-                    </a:moveTo>
-                    <a:cubicBezTo>
-                      <a:pt x="6953" y="0"/>
-                      <a:pt x="3524" y="95"/>
-                      <a:pt x="0" y="191"/>
-                    </a:cubicBezTo>
-                    <a:cubicBezTo>
-                      <a:pt x="3334" y="191"/>
-                      <a:pt x="6763" y="191"/>
-                      <a:pt x="10001" y="0"/>
-                    </a:cubicBezTo>
-                    <a:close/>
-                  </a:path>
-                </a:pathLst>
-              </a:custGeom>
-              <a:grpFill/>
-              <a:ln w="9525" cap="flat">
-                <a:noFill/>
-                <a:prstDash val="solid"/>
-                <a:miter/>
-              </a:ln>
-            </p:spPr>
-            <p:txBody>
-              <a:bodyPr rtlCol="0" anchor="ctr"/>
-              <a:lstStyle/>
-              <a:p>
-                <a:pPr algn="ctr"/>
-                <a:endParaRPr lang="en-US"/>
-              </a:p>
-            </p:txBody>
-          </p:sp>
-          <p:sp>
-            <p:nvSpPr>
-              <p:cNvPr id="38" name="Graphic 78">
-                <a:extLst>
-                  <a:ext uri="{FF2B5EF4-FFF2-40B4-BE49-F238E27FC236}">
-                    <a16:creationId xmlns:a16="http://schemas.microsoft.com/office/drawing/2014/main" id="{E05BEC0E-4EE4-42C4-BF0B-15F9AC518157}"/>
-                  </a:ext>
-                  <a:ext uri="{C183D7F6-B498-43B3-948B-1728B52AA6E4}">
-                    <adec:decorative xmlns:adec="http://schemas.microsoft.com/office/drawing/2017/decorative" val="1"/>
-                  </a:ext>
-                </a:extLst>
-              </p:cNvPr>
-              <p:cNvSpPr/>
-              <p:nvPr>
-                <p:extLst>
-                  <p:ext uri="{386F3935-93C4-4BCD-93E2-E3B085C9AB24}">
-                    <p16:designElem xmlns:p16="http://schemas.microsoft.com/office/powerpoint/2015/main" val="1"/>
-                  </p:ext>
-                </p:extLst>
-              </p:nvPr>
-            </p:nvSpPr>
-            <p:spPr>
-              <a:xfrm>
-                <a:off x="4886709" y="3371754"/>
-                <a:ext cx="2418108" cy="113728"/>
-              </a:xfrm>
-              <a:custGeom>
-                <a:avLst/>
-                <a:gdLst>
-                  <a:gd name="connsiteX0" fmla="*/ 632266 w 2418108"/>
-                  <a:gd name="connsiteY0" fmla="*/ 112205 h 113728"/>
-                  <a:gd name="connsiteX1" fmla="*/ 723039 w 2418108"/>
-                  <a:gd name="connsiteY1" fmla="*/ 109538 h 113728"/>
-                  <a:gd name="connsiteX2" fmla="*/ 735136 w 2418108"/>
-                  <a:gd name="connsiteY2" fmla="*/ 111823 h 113728"/>
-                  <a:gd name="connsiteX3" fmla="*/ 752471 w 2418108"/>
-                  <a:gd name="connsiteY3" fmla="*/ 108680 h 113728"/>
-                  <a:gd name="connsiteX4" fmla="*/ 772569 w 2418108"/>
-                  <a:gd name="connsiteY4" fmla="*/ 110585 h 113728"/>
-                  <a:gd name="connsiteX5" fmla="*/ 1112993 w 2418108"/>
-                  <a:gd name="connsiteY5" fmla="*/ 112967 h 113728"/>
-                  <a:gd name="connsiteX6" fmla="*/ 1083465 w 2418108"/>
-                  <a:gd name="connsiteY6" fmla="*/ 108776 h 113728"/>
-                  <a:gd name="connsiteX7" fmla="*/ 1296825 w 2418108"/>
-                  <a:gd name="connsiteY7" fmla="*/ 108966 h 113728"/>
-                  <a:gd name="connsiteX8" fmla="*/ 1346736 w 2418108"/>
-                  <a:gd name="connsiteY8" fmla="*/ 103632 h 113728"/>
-                  <a:gd name="connsiteX9" fmla="*/ 1360643 w 2418108"/>
-                  <a:gd name="connsiteY9" fmla="*/ 107633 h 113728"/>
-                  <a:gd name="connsiteX10" fmla="*/ 1381788 w 2418108"/>
-                  <a:gd name="connsiteY10" fmla="*/ 107442 h 113728"/>
-                  <a:gd name="connsiteX11" fmla="*/ 1371692 w 2418108"/>
-                  <a:gd name="connsiteY11" fmla="*/ 106490 h 113728"/>
-                  <a:gd name="connsiteX12" fmla="*/ 1430080 w 2418108"/>
-                  <a:gd name="connsiteY12" fmla="*/ 105537 h 113728"/>
-                  <a:gd name="connsiteX13" fmla="*/ 1420269 w 2418108"/>
-                  <a:gd name="connsiteY13" fmla="*/ 104108 h 113728"/>
-                  <a:gd name="connsiteX14" fmla="*/ 1455702 w 2418108"/>
-                  <a:gd name="connsiteY14" fmla="*/ 107061 h 113728"/>
-                  <a:gd name="connsiteX15" fmla="*/ 1439414 w 2418108"/>
-                  <a:gd name="connsiteY15" fmla="*/ 108109 h 113728"/>
-                  <a:gd name="connsiteX16" fmla="*/ 1503613 w 2418108"/>
-                  <a:gd name="connsiteY16" fmla="*/ 105918 h 113728"/>
-                  <a:gd name="connsiteX17" fmla="*/ 1495802 w 2418108"/>
-                  <a:gd name="connsiteY17" fmla="*/ 105823 h 113728"/>
-                  <a:gd name="connsiteX18" fmla="*/ 1695923 w 2418108"/>
-                  <a:gd name="connsiteY18" fmla="*/ 95155 h 113728"/>
-                  <a:gd name="connsiteX19" fmla="*/ 1684016 w 2418108"/>
-                  <a:gd name="connsiteY19" fmla="*/ 92488 h 113728"/>
-                  <a:gd name="connsiteX20" fmla="*/ 1706210 w 2418108"/>
-                  <a:gd name="connsiteY20" fmla="*/ 90202 h 113728"/>
-                  <a:gd name="connsiteX21" fmla="*/ 1693351 w 2418108"/>
-                  <a:gd name="connsiteY21" fmla="*/ 98108 h 113728"/>
-                  <a:gd name="connsiteX22" fmla="*/ 2058539 w 2418108"/>
-                  <a:gd name="connsiteY22" fmla="*/ 102203 h 113728"/>
-                  <a:gd name="connsiteX23" fmla="*/ 2064540 w 2418108"/>
-                  <a:gd name="connsiteY23" fmla="*/ 95060 h 113728"/>
-                  <a:gd name="connsiteX24" fmla="*/ 2227132 w 2418108"/>
-                  <a:gd name="connsiteY24" fmla="*/ 96203 h 113728"/>
-                  <a:gd name="connsiteX25" fmla="*/ 2245229 w 2418108"/>
-                  <a:gd name="connsiteY25" fmla="*/ 96869 h 113728"/>
-                  <a:gd name="connsiteX26" fmla="*/ 2254278 w 2418108"/>
-                  <a:gd name="connsiteY26" fmla="*/ 94393 h 113728"/>
-                  <a:gd name="connsiteX27" fmla="*/ 2418108 w 2418108"/>
-                  <a:gd name="connsiteY27" fmla="*/ 5810 h 113728"/>
-                  <a:gd name="connsiteX28" fmla="*/ 2399058 w 2418108"/>
-                  <a:gd name="connsiteY28" fmla="*/ 2858 h 113728"/>
-                  <a:gd name="connsiteX29" fmla="*/ 2241039 w 2418108"/>
-                  <a:gd name="connsiteY29" fmla="*/ 1905 h 113728"/>
-                  <a:gd name="connsiteX30" fmla="*/ 2243991 w 2418108"/>
-                  <a:gd name="connsiteY30" fmla="*/ 1048 h 113728"/>
-                  <a:gd name="connsiteX31" fmla="*/ 2197128 w 2418108"/>
-                  <a:gd name="connsiteY31" fmla="*/ 0 h 113728"/>
-                  <a:gd name="connsiteX32" fmla="*/ 1710591 w 2418108"/>
-                  <a:gd name="connsiteY32" fmla="*/ 6287 h 113728"/>
-                  <a:gd name="connsiteX33" fmla="*/ 1713353 w 2418108"/>
-                  <a:gd name="connsiteY33" fmla="*/ 5906 h 113728"/>
-                  <a:gd name="connsiteX34" fmla="*/ 1210814 w 2418108"/>
-                  <a:gd name="connsiteY34" fmla="*/ 7715 h 113728"/>
-                  <a:gd name="connsiteX35" fmla="*/ 684463 w 2418108"/>
-                  <a:gd name="connsiteY35" fmla="*/ 13716 h 113728"/>
-                  <a:gd name="connsiteX36" fmla="*/ 687511 w 2418108"/>
-                  <a:gd name="connsiteY36" fmla="*/ 12859 h 113728"/>
-                  <a:gd name="connsiteX37" fmla="*/ 435670 w 2418108"/>
-                  <a:gd name="connsiteY37" fmla="*/ 12192 h 113728"/>
-                  <a:gd name="connsiteX38" fmla="*/ 440718 w 2418108"/>
-                  <a:gd name="connsiteY38" fmla="*/ 12668 h 113728"/>
-                  <a:gd name="connsiteX39" fmla="*/ 386807 w 2418108"/>
-                  <a:gd name="connsiteY39" fmla="*/ 9906 h 113728"/>
-                  <a:gd name="connsiteX40" fmla="*/ 16856 w 2418108"/>
-                  <a:gd name="connsiteY40" fmla="*/ 12192 h 113728"/>
-                  <a:gd name="connsiteX41" fmla="*/ 63528 w 2418108"/>
-                  <a:gd name="connsiteY41" fmla="*/ 102870 h 113728"/>
-                  <a:gd name="connsiteX42" fmla="*/ 42668 w 2418108"/>
-                  <a:gd name="connsiteY42" fmla="*/ 102584 h 113728"/>
-                  <a:gd name="connsiteX43" fmla="*/ 41430 w 2418108"/>
-                  <a:gd name="connsiteY43" fmla="*/ 105537 h 113728"/>
-                  <a:gd name="connsiteX44" fmla="*/ 54575 w 2418108"/>
-                  <a:gd name="connsiteY44" fmla="*/ 105347 h 113728"/>
-                  <a:gd name="connsiteX45" fmla="*/ 388140 w 2418108"/>
-                  <a:gd name="connsiteY45" fmla="*/ 112109 h 113728"/>
-                  <a:gd name="connsiteX46" fmla="*/ 482152 w 2418108"/>
-                  <a:gd name="connsiteY46" fmla="*/ 113729 h 113728"/>
-                  <a:gd name="connsiteX47" fmla="*/ 632266 w 2418108"/>
-                  <a:gd name="connsiteY47" fmla="*/ 112205 h 113728"/>
-                </a:gdLst>
-                <a:ahLst/>
-                <a:cxnLst>
-                  <a:cxn ang="0">
-                    <a:pos x="connsiteX0" y="connsiteY0"/>
-                  </a:cxn>
-                  <a:cxn ang="0">
-                    <a:pos x="connsiteX1" y="connsiteY1"/>
-                  </a:cxn>
-                  <a:cxn ang="0">
-                    <a:pos x="connsiteX2" y="connsiteY2"/>
-                  </a:cxn>
-                  <a:cxn ang="0">
-                    <a:pos x="connsiteX3" y="connsiteY3"/>
-                  </a:cxn>
-                  <a:cxn ang="0">
-                    <a:pos x="connsiteX4" y="connsiteY4"/>
-                  </a:cxn>
-                  <a:cxn ang="0">
-                    <a:pos x="connsiteX5" y="connsiteY5"/>
-                  </a:cxn>
-                  <a:cxn ang="0">
-                    <a:pos x="connsiteX6" y="connsiteY6"/>
-                  </a:cxn>
-                  <a:cxn ang="0">
-                    <a:pos x="connsiteX7" y="connsiteY7"/>
-                  </a:cxn>
-                  <a:cxn ang="0">
-                    <a:pos x="connsiteX8" y="connsiteY8"/>
-                  </a:cxn>
-                  <a:cxn ang="0">
-                    <a:pos x="connsiteX9" y="connsiteY9"/>
-                  </a:cxn>
-                  <a:cxn ang="0">
-                    <a:pos x="connsiteX10" y="connsiteY10"/>
-                  </a:cxn>
-                  <a:cxn ang="0">
-                    <a:pos x="connsiteX11" y="connsiteY11"/>
-                  </a:cxn>
-                  <a:cxn ang="0">
-                    <a:pos x="connsiteX12" y="connsiteY12"/>
-                  </a:cxn>
-                  <a:cxn ang="0">
-                    <a:pos x="connsiteX13" y="connsiteY13"/>
-                  </a:cxn>
-                  <a:cxn ang="0">
-                    <a:pos x="connsiteX14" y="connsiteY14"/>
-                  </a:cxn>
-                  <a:cxn ang="0">
-                    <a:pos x="connsiteX15" y="connsiteY15"/>
-                  </a:cxn>
-                  <a:cxn ang="0">
-                    <a:pos x="connsiteX16" y="connsiteY16"/>
-                  </a:cxn>
-                  <a:cxn ang="0">
-                    <a:pos x="connsiteX17" y="connsiteY17"/>
-                  </a:cxn>
-                  <a:cxn ang="0">
-                    <a:pos x="connsiteX18" y="connsiteY18"/>
-                  </a:cxn>
-                  <a:cxn ang="0">
-                    <a:pos x="connsiteX19" y="connsiteY19"/>
-                  </a:cxn>
-                  <a:cxn ang="0">
-                    <a:pos x="connsiteX20" y="connsiteY20"/>
-                  </a:cxn>
-                  <a:cxn ang="0">
-                    <a:pos x="connsiteX21" y="connsiteY21"/>
-                  </a:cxn>
-                  <a:cxn ang="0">
-                    <a:pos x="connsiteX22" y="connsiteY22"/>
-                  </a:cxn>
-                  <a:cxn ang="0">
-                    <a:pos x="connsiteX23" y="connsiteY23"/>
-                  </a:cxn>
-                  <a:cxn ang="0">
-                    <a:pos x="connsiteX24" y="connsiteY24"/>
-                  </a:cxn>
-                  <a:cxn ang="0">
-                    <a:pos x="connsiteX25" y="connsiteY25"/>
-                  </a:cxn>
-                  <a:cxn ang="0">
-                    <a:pos x="connsiteX26" y="connsiteY26"/>
-                  </a:cxn>
-                  <a:cxn ang="0">
-                    <a:pos x="connsiteX27" y="connsiteY27"/>
-                  </a:cxn>
-                  <a:cxn ang="0">
-                    <a:pos x="connsiteX28" y="connsiteY28"/>
-                  </a:cxn>
-                  <a:cxn ang="0">
-                    <a:pos x="connsiteX29" y="connsiteY29"/>
-                  </a:cxn>
-                  <a:cxn ang="0">
-                    <a:pos x="connsiteX30" y="connsiteY30"/>
-                  </a:cxn>
-                  <a:cxn ang="0">
-                    <a:pos x="connsiteX31" y="connsiteY31"/>
-                  </a:cxn>
-                  <a:cxn ang="0">
-                    <a:pos x="connsiteX32" y="connsiteY32"/>
-                  </a:cxn>
-                  <a:cxn ang="0">
-                    <a:pos x="connsiteX33" y="connsiteY33"/>
-                  </a:cxn>
-                  <a:cxn ang="0">
-                    <a:pos x="connsiteX34" y="connsiteY34"/>
-                  </a:cxn>
-                  <a:cxn ang="0">
-                    <a:pos x="connsiteX35" y="connsiteY35"/>
-                  </a:cxn>
-                  <a:cxn ang="0">
-                    <a:pos x="connsiteX36" y="connsiteY36"/>
-                  </a:cxn>
-                  <a:cxn ang="0">
-                    <a:pos x="connsiteX37" y="connsiteY37"/>
-                  </a:cxn>
-                  <a:cxn ang="0">
-                    <a:pos x="connsiteX38" y="connsiteY38"/>
-                  </a:cxn>
-                  <a:cxn ang="0">
-                    <a:pos x="connsiteX39" y="connsiteY39"/>
-                  </a:cxn>
-                  <a:cxn ang="0">
-                    <a:pos x="connsiteX40" y="connsiteY40"/>
-                  </a:cxn>
-                  <a:cxn ang="0">
-                    <a:pos x="connsiteX41" y="connsiteY41"/>
-                  </a:cxn>
-                  <a:cxn ang="0">
-                    <a:pos x="connsiteX42" y="connsiteY42"/>
-                  </a:cxn>
-                  <a:cxn ang="0">
-                    <a:pos x="connsiteX43" y="connsiteY43"/>
-                  </a:cxn>
-                  <a:cxn ang="0">
-                    <a:pos x="connsiteX44" y="connsiteY44"/>
-                  </a:cxn>
-                  <a:cxn ang="0">
-                    <a:pos x="connsiteX45" y="connsiteY45"/>
-                  </a:cxn>
-                  <a:cxn ang="0">
-                    <a:pos x="connsiteX46" y="connsiteY46"/>
-                  </a:cxn>
-                  <a:cxn ang="0">
-                    <a:pos x="connsiteX47" y="connsiteY47"/>
-                  </a:cxn>
-                </a:cxnLst>
-                <a:rect l="l" t="t" r="r" b="b"/>
-                <a:pathLst>
-                  <a:path w="2418108" h="113728">
-                    <a:moveTo>
-                      <a:pt x="632266" y="112205"/>
-                    </a:moveTo>
-                    <a:cubicBezTo>
-                      <a:pt x="656364" y="104680"/>
-                      <a:pt x="694940" y="114110"/>
-                      <a:pt x="723039" y="109538"/>
-                    </a:cubicBezTo>
-                    <a:cubicBezTo>
-                      <a:pt x="722849" y="109919"/>
-                      <a:pt x="735898" y="110109"/>
-                      <a:pt x="735136" y="111823"/>
-                    </a:cubicBezTo>
-                    <a:cubicBezTo>
-                      <a:pt x="735041" y="108776"/>
-                      <a:pt x="767616" y="112300"/>
-                      <a:pt x="752471" y="108680"/>
-                    </a:cubicBezTo>
-                    <a:cubicBezTo>
-                      <a:pt x="754757" y="107633"/>
-                      <a:pt x="790571" y="107633"/>
-                      <a:pt x="772569" y="110585"/>
-                    </a:cubicBezTo>
-                    <a:cubicBezTo>
-                      <a:pt x="822099" y="111633"/>
-                      <a:pt x="1059653" y="114395"/>
-                      <a:pt x="1112993" y="112967"/>
-                    </a:cubicBezTo>
-                    <a:cubicBezTo>
-                      <a:pt x="1106135" y="110776"/>
-                      <a:pt x="1089656" y="112205"/>
-                      <a:pt x="1083465" y="108776"/>
-                    </a:cubicBezTo>
-                    <a:cubicBezTo>
-                      <a:pt x="1153950" y="111728"/>
-                      <a:pt x="1230626" y="113157"/>
-                      <a:pt x="1296825" y="108966"/>
-                    </a:cubicBezTo>
-                    <a:cubicBezTo>
-                      <a:pt x="1277680" y="103251"/>
-                      <a:pt x="1356071" y="110966"/>
-                      <a:pt x="1346736" y="103632"/>
-                    </a:cubicBezTo>
-                    <a:cubicBezTo>
-                      <a:pt x="1351213" y="105347"/>
-                      <a:pt x="1374454" y="106109"/>
-                      <a:pt x="1360643" y="107633"/>
-                    </a:cubicBezTo>
-                    <a:cubicBezTo>
-                      <a:pt x="1368548" y="107728"/>
-                      <a:pt x="1376168" y="108299"/>
-                      <a:pt x="1381788" y="107442"/>
-                    </a:cubicBezTo>
-                    <a:lnTo>
-                      <a:pt x="1371692" y="106490"/>
-                    </a:lnTo>
-                    <a:cubicBezTo>
-                      <a:pt x="1398266" y="106013"/>
-                      <a:pt x="1412744" y="108680"/>
-                      <a:pt x="1430080" y="105537"/>
-                    </a:cubicBezTo>
-                    <a:lnTo>
-                      <a:pt x="1420269" y="104108"/>
-                    </a:lnTo>
-                    <a:cubicBezTo>
-                      <a:pt x="1436176" y="103918"/>
-                      <a:pt x="1449416" y="103632"/>
-                      <a:pt x="1455702" y="107061"/>
-                    </a:cubicBezTo>
-                    <a:lnTo>
-                      <a:pt x="1439414" y="108109"/>
-                    </a:lnTo>
-                    <a:cubicBezTo>
-                      <a:pt x="1465799" y="108014"/>
-                      <a:pt x="1481610" y="107823"/>
-                      <a:pt x="1503613" y="105918"/>
-                    </a:cubicBezTo>
-                    <a:lnTo>
-                      <a:pt x="1495802" y="105823"/>
-                    </a:lnTo>
-                    <a:cubicBezTo>
-                      <a:pt x="1523806" y="102394"/>
-                      <a:pt x="1670110" y="99441"/>
-                      <a:pt x="1695923" y="95155"/>
-                    </a:cubicBezTo>
-                    <a:lnTo>
-                      <a:pt x="1684016" y="92488"/>
-                    </a:lnTo>
-                    <a:lnTo>
-                      <a:pt x="1706210" y="90202"/>
-                    </a:lnTo>
-                    <a:cubicBezTo>
-                      <a:pt x="1703543" y="90202"/>
-                      <a:pt x="1695542" y="98965"/>
-                      <a:pt x="1693351" y="98108"/>
-                    </a:cubicBezTo>
-                    <a:cubicBezTo>
-                      <a:pt x="1757549" y="99441"/>
-                      <a:pt x="2045109" y="91345"/>
-                      <a:pt x="2058539" y="102203"/>
-                    </a:cubicBezTo>
-                    <a:cubicBezTo>
-                      <a:pt x="2079780" y="101917"/>
-                      <a:pt x="2071303" y="103918"/>
-                      <a:pt x="2064540" y="95060"/>
-                    </a:cubicBezTo>
-                    <a:cubicBezTo>
-                      <a:pt x="2086638" y="95441"/>
-                      <a:pt x="2259707" y="88773"/>
-                      <a:pt x="2227132" y="96203"/>
-                    </a:cubicBezTo>
-                    <a:cubicBezTo>
-                      <a:pt x="2232371" y="96298"/>
-                      <a:pt x="2240372" y="95917"/>
-                      <a:pt x="2245229" y="96869"/>
-                    </a:cubicBezTo>
-                    <a:cubicBezTo>
-                      <a:pt x="2235704" y="94583"/>
-                      <a:pt x="2261708" y="95345"/>
-                      <a:pt x="2254278" y="94393"/>
-                    </a:cubicBezTo>
-                    <a:cubicBezTo>
-                      <a:pt x="2395724" y="108776"/>
-                      <a:pt x="2341527" y="36576"/>
-                      <a:pt x="2418108" y="5810"/>
-                    </a:cubicBezTo>
-                    <a:cubicBezTo>
-                      <a:pt x="2398772" y="4763"/>
-                      <a:pt x="2335717" y="7239"/>
-                      <a:pt x="2399058" y="2858"/>
-                    </a:cubicBezTo>
-                    <a:cubicBezTo>
-                      <a:pt x="2343527" y="-572"/>
-                      <a:pt x="2296283" y="1238"/>
-                      <a:pt x="2241039" y="1905"/>
-                    </a:cubicBezTo>
-                    <a:lnTo>
-                      <a:pt x="2243991" y="1048"/>
-                    </a:lnTo>
-                    <a:cubicBezTo>
-                      <a:pt x="2234181" y="-381"/>
-                      <a:pt x="2214845" y="1524"/>
-                      <a:pt x="2197128" y="0"/>
-                    </a:cubicBezTo>
-                    <a:cubicBezTo>
-                      <a:pt x="2115880" y="6096"/>
-                      <a:pt x="1816128" y="3524"/>
-                      <a:pt x="1710591" y="6287"/>
-                    </a:cubicBezTo>
-                    <a:lnTo>
-                      <a:pt x="1713353" y="5906"/>
-                    </a:lnTo>
-                    <a:cubicBezTo>
-                      <a:pt x="1577146" y="5429"/>
-                      <a:pt x="1349308" y="11240"/>
-                      <a:pt x="1210814" y="7715"/>
-                    </a:cubicBezTo>
-                    <a:cubicBezTo>
-                      <a:pt x="1095848" y="23717"/>
-                      <a:pt x="819051" y="5429"/>
-                      <a:pt x="684463" y="13716"/>
-                    </a:cubicBezTo>
-                    <a:lnTo>
-                      <a:pt x="687511" y="12859"/>
-                    </a:lnTo>
-                    <a:cubicBezTo>
-                      <a:pt x="655316" y="14192"/>
-                      <a:pt x="473008" y="10954"/>
-                      <a:pt x="435670" y="12192"/>
-                    </a:cubicBezTo>
-                    <a:lnTo>
-                      <a:pt x="440718" y="12668"/>
-                    </a:lnTo>
-                    <a:cubicBezTo>
-                      <a:pt x="408047" y="14764"/>
-                      <a:pt x="412524" y="11049"/>
-                      <a:pt x="386807" y="9906"/>
-                    </a:cubicBezTo>
-                    <a:cubicBezTo>
-                      <a:pt x="275174" y="28004"/>
-                      <a:pt x="142395" y="18764"/>
-                      <a:pt x="16856" y="12192"/>
-                    </a:cubicBezTo>
-                    <a:cubicBezTo>
-                      <a:pt x="-6195" y="35528"/>
-                      <a:pt x="-17434" y="114395"/>
-                      <a:pt x="63528" y="102870"/>
-                    </a:cubicBezTo>
-                    <a:cubicBezTo>
-                      <a:pt x="63528" y="102870"/>
-                      <a:pt x="42668" y="102584"/>
-                      <a:pt x="42668" y="102584"/>
-                    </a:cubicBezTo>
-                    <a:cubicBezTo>
-                      <a:pt x="58004" y="103156"/>
-                      <a:pt x="47336" y="104299"/>
-                      <a:pt x="41430" y="105537"/>
-                    </a:cubicBezTo>
-                    <a:cubicBezTo>
-                      <a:pt x="46764" y="105537"/>
-                      <a:pt x="68386" y="107442"/>
-                      <a:pt x="54575" y="105347"/>
-                    </a:cubicBezTo>
-                    <a:cubicBezTo>
-                      <a:pt x="158588" y="108109"/>
-                      <a:pt x="297462" y="110109"/>
-                      <a:pt x="388140" y="112109"/>
-                    </a:cubicBezTo>
-                    <a:cubicBezTo>
-                      <a:pt x="420525" y="113348"/>
-                      <a:pt x="453577" y="106680"/>
-                      <a:pt x="482152" y="113729"/>
-                    </a:cubicBezTo>
-                    <a:cubicBezTo>
-                      <a:pt x="477580" y="111919"/>
-                      <a:pt x="629885" y="111728"/>
-                      <a:pt x="632266" y="112205"/>
-                    </a:cubicBezTo>
-                    <a:close/>
-                  </a:path>
-                </a:pathLst>
-              </a:custGeom>
-              <a:grpFill/>
-              <a:ln w="9525" cap="flat">
-                <a:noFill/>
-                <a:prstDash val="solid"/>
-                <a:miter/>
-              </a:ln>
-            </p:spPr>
-            <p:txBody>
-              <a:bodyPr rtlCol="0" anchor="ctr"/>
-              <a:lstStyle/>
-              <a:p>
-                <a:pPr algn="ctr"/>
-                <a:endParaRPr lang="en-US"/>
-              </a:p>
-            </p:txBody>
-          </p:sp>
-        </p:grpSp>
-      </p:grpSp>
-      <p:sp>
-        <p:nvSpPr>
-          <p:cNvPr id="40" name="Freeform: Shape 39">
-            <a:extLst>
-              <a:ext uri="{FF2B5EF4-FFF2-40B4-BE49-F238E27FC236}">
-                <a16:creationId xmlns:a16="http://schemas.microsoft.com/office/drawing/2014/main" id="{752C2BA4-3BBE-4D22-A0D9-8D2A7B8F1C71}"/>
-              </a:ext>
-              <a:ext uri="{C183D7F6-B498-43B3-948B-1728B52AA6E4}">
-                <adec:decorative xmlns:adec="http://schemas.microsoft.com/office/drawing/2017/decorative" val="1"/>
-              </a:ext>
-            </a:extLst>
-          </p:cNvPr>
-          <p:cNvSpPr>
-            <a:spLocks noGrp="1" noRot="1" noChangeAspect="1" noMove="1" noResize="1" noEditPoints="1" noAdjustHandles="1" noChangeArrowheads="1" noChangeShapeType="1" noTextEdit="1"/>
-          </p:cNvSpPr>
-          <p:nvPr>
-            <p:extLst>
-              <p:ext uri="{386F3935-93C4-4BCD-93E2-E3B085C9AB24}">
-                <p16:designElem xmlns:p16="http://schemas.microsoft.com/office/powerpoint/2015/main" val="1"/>
-              </p:ext>
-            </p:extLst>
-          </p:nvPr>
-        </p:nvSpPr>
-        <p:spPr>
-          <a:xfrm flipH="1">
-            <a:off x="-2" y="5918708"/>
-            <a:ext cx="4187283" cy="939292"/>
-          </a:xfrm>
-          <a:custGeom>
-            <a:avLst/>
-            <a:gdLst>
-              <a:gd name="connsiteX0" fmla="*/ 2025355 w 2438970"/>
-              <a:gd name="connsiteY0" fmla="*/ 235 h 1341332"/>
-              <a:gd name="connsiteX1" fmla="*/ 2381960 w 2438970"/>
-              <a:gd name="connsiteY1" fmla="*/ 44517 h 1341332"/>
-              <a:gd name="connsiteX2" fmla="*/ 2438970 w 2438970"/>
-              <a:gd name="connsiteY2" fmla="*/ 58872 h 1341332"/>
-              <a:gd name="connsiteX3" fmla="*/ 2438970 w 2438970"/>
-              <a:gd name="connsiteY3" fmla="*/ 1341332 h 1341332"/>
-              <a:gd name="connsiteX4" fmla="*/ 0 w 2438970"/>
-              <a:gd name="connsiteY4" fmla="*/ 1341332 h 1341332"/>
-              <a:gd name="connsiteX5" fmla="*/ 13333 w 2438970"/>
-              <a:gd name="connsiteY5" fmla="*/ 1328018 h 1341332"/>
-              <a:gd name="connsiteX6" fmla="*/ 936262 w 2438970"/>
-              <a:gd name="connsiteY6" fmla="*/ 459947 h 1341332"/>
-              <a:gd name="connsiteX7" fmla="*/ 1554028 w 2438970"/>
-              <a:gd name="connsiteY7" fmla="*/ 71153 h 1341332"/>
-              <a:gd name="connsiteX8" fmla="*/ 2025355 w 2438970"/>
-              <a:gd name="connsiteY8" fmla="*/ 235 h 1341332"/>
-            </a:gdLst>
-            <a:ahLst/>
-            <a:cxnLst>
-              <a:cxn ang="0">
-                <a:pos x="connsiteX0" y="connsiteY0"/>
-              </a:cxn>
-              <a:cxn ang="0">
-                <a:pos x="connsiteX1" y="connsiteY1"/>
-              </a:cxn>
-              <a:cxn ang="0">
-                <a:pos x="connsiteX2" y="connsiteY2"/>
-              </a:cxn>
-              <a:cxn ang="0">
-                <a:pos x="connsiteX3" y="connsiteY3"/>
-              </a:cxn>
-              <a:cxn ang="0">
-                <a:pos x="connsiteX4" y="connsiteY4"/>
-              </a:cxn>
-              <a:cxn ang="0">
-                <a:pos x="connsiteX5" y="connsiteY5"/>
-              </a:cxn>
-              <a:cxn ang="0">
-                <a:pos x="connsiteX6" y="connsiteY6"/>
-              </a:cxn>
-              <a:cxn ang="0">
-                <a:pos x="connsiteX7" y="connsiteY7"/>
-              </a:cxn>
-              <a:cxn ang="0">
-                <a:pos x="connsiteX8" y="connsiteY8"/>
-              </a:cxn>
-            </a:cxnLst>
-            <a:rect l="l" t="t" r="r" b="b"/>
-            <a:pathLst>
-              <a:path w="2438970" h="1341332">
-                <a:moveTo>
-                  <a:pt x="2025355" y="235"/>
-                </a:moveTo>
-                <a:cubicBezTo>
-                  <a:pt x="2143847" y="2306"/>
-                  <a:pt x="2262766" y="17993"/>
-                  <a:pt x="2381960" y="44517"/>
-                </a:cubicBezTo>
-                <a:lnTo>
-                  <a:pt x="2438970" y="58872"/>
-                </a:lnTo>
-                <a:lnTo>
-                  <a:pt x="2438970" y="1341332"/>
-                </a:lnTo>
-                <a:lnTo>
-                  <a:pt x="0" y="1341332"/>
-                </a:lnTo>
-                <a:lnTo>
-                  <a:pt x="13333" y="1328018"/>
-                </a:lnTo>
-                <a:cubicBezTo>
-                  <a:pt x="324723" y="1028950"/>
-                  <a:pt x="645390" y="738459"/>
-                  <a:pt x="936262" y="459947"/>
-                </a:cubicBezTo>
-                <a:cubicBezTo>
-                  <a:pt x="1139660" y="265152"/>
-                  <a:pt x="1345794" y="140817"/>
-                  <a:pt x="1554028" y="71153"/>
-                </a:cubicBezTo>
-                <a:cubicBezTo>
-                  <a:pt x="1710136" y="18918"/>
-                  <a:pt x="1867365" y="-2526"/>
-                  <a:pt x="2025355" y="235"/>
-                </a:cubicBezTo>
-                <a:close/>
-              </a:path>
-            </a:pathLst>
-          </a:custGeom>
-          <a:solidFill>
-            <a:schemeClr val="accent2">
-              <a:lumMod val="60000"/>
-              <a:lumOff val="40000"/>
-              <a:alpha val="50000"/>
-            </a:schemeClr>
-          </a:solidFill>
-          <a:ln>
-            <a:noFill/>
-          </a:ln>
-        </p:spPr>
-        <p:style>
-          <a:lnRef idx="2">
-            <a:schemeClr val="accent1">
-              <a:shade val="50000"/>
-            </a:schemeClr>
-          </a:lnRef>
-          <a:fillRef idx="1">
-            <a:schemeClr val="accent1"/>
-          </a:fillRef>
-          <a:effectRef idx="0">
-            <a:schemeClr val="accent1"/>
-          </a:effectRef>
-          <a:fontRef idx="minor">
-            <a:schemeClr val="lt1"/>
-          </a:fontRef>
-        </p:style>
-        <p:txBody>
-          <a:bodyPr wrap="square" rtlCol="0" anchor="ctr">
-            <a:noAutofit/>
-          </a:bodyPr>
-          <a:lstStyle/>
-          <a:p>
-            <a:pPr algn="ctr"/>
-            <a:endParaRPr lang="en-US" dirty="0"/>
-          </a:p>
-        </p:txBody>
-      </p:sp>
       <p:pic>
         <p:nvPicPr>
           <p:cNvPr id="4" name="Picture 1">
@@ -24508,7 +19964,7 @@
         <p:spPr>
           <a:xfrm>
             <a:off x="600070" y="2352409"/>
-            <a:ext cx="5104294" cy="3498869"/>
+            <a:ext cx="4981294" cy="3498869"/>
           </a:xfrm>
           <a:prstGeom prst="rect">
             <a:avLst/>
@@ -24544,7 +20000,7 @@
         <p:spPr>
           <a:xfrm>
             <a:off x="5866363" y="2352409"/>
-            <a:ext cx="5456344" cy="3498869"/>
+            <a:ext cx="5062661" cy="3498869"/>
           </a:xfrm>
           <a:prstGeom prst="rect">
             <a:avLst/>
@@ -24591,6 +20047,214 @@
     <p:extLst>
       <p:ext uri="{BB962C8B-B14F-4D97-AF65-F5344CB8AC3E}">
         <p14:creationId xmlns:p14="http://schemas.microsoft.com/office/powerpoint/2010/main" val="1898373242"/>
+      </p:ext>
+    </p:extLst>
+  </p:cSld>
+  <p:clrMapOvr>
+    <a:masterClrMapping/>
+  </p:clrMapOvr>
+</p:sld>
+</file>
+
+<file path=ppt/slides/slide11.xml><?xml version="1.0" encoding="utf-8"?>
+<p:sld xmlns:a="http://schemas.openxmlformats.org/drawingml/2006/main" xmlns:r="http://schemas.openxmlformats.org/officeDocument/2006/relationships" xmlns:p="http://schemas.openxmlformats.org/presentationml/2006/main">
+  <p:cSld>
+    <p:spTree>
+      <p:nvGrpSpPr>
+        <p:cNvPr id="1" name=""/>
+        <p:cNvGrpSpPr/>
+        <p:nvPr/>
+      </p:nvGrpSpPr>
+      <p:grpSpPr>
+        <a:xfrm>
+          <a:off x="0" y="0"/>
+          <a:ext cx="0" cy="0"/>
+          <a:chOff x="0" y="0"/>
+          <a:chExt cx="0" cy="0"/>
+        </a:xfrm>
+      </p:grpSpPr>
+      <p:sp>
+        <p:nvSpPr>
+          <p:cNvPr id="4" name="CuadroTexto 3">
+            <a:extLst>
+              <a:ext uri="{FF2B5EF4-FFF2-40B4-BE49-F238E27FC236}">
+                <a16:creationId xmlns:a16="http://schemas.microsoft.com/office/drawing/2014/main" id="{D5D82764-B081-4ACB-8392-1DCA2A620622}"/>
+              </a:ext>
+            </a:extLst>
+          </p:cNvPr>
+          <p:cNvSpPr txBox="1"/>
+          <p:nvPr/>
+        </p:nvSpPr>
+        <p:spPr>
+          <a:xfrm>
+            <a:off x="2338919" y="640645"/>
+            <a:ext cx="7514161" cy="707886"/>
+          </a:xfrm>
+          <a:prstGeom prst="rect">
+            <a:avLst/>
+          </a:prstGeom>
+          <a:noFill/>
+        </p:spPr>
+        <p:txBody>
+          <a:bodyPr wrap="square" rtlCol="0">
+            <a:spAutoFit/>
+          </a:bodyPr>
+          <a:lstStyle/>
+          <a:p>
+            <a:pPr algn="ctr"/>
+            <a:r>
+              <a:rPr lang="es-ES" sz="4000" i="1" dirty="0">
+                <a:latin typeface="Modern Love Caps" panose="04070805081001020A01" pitchFamily="82" charset="0"/>
+              </a:rPr>
+              <a:t>LEVANTAMIENTO DE INFORMACIÓN</a:t>
+            </a:r>
+            <a:endParaRPr lang="es-CO" sz="4000" i="1" dirty="0"/>
+          </a:p>
+        </p:txBody>
+      </p:sp>
+      <p:pic>
+        <p:nvPicPr>
+          <p:cNvPr id="5" name="Imagen 4">
+            <a:extLst>
+              <a:ext uri="{FF2B5EF4-FFF2-40B4-BE49-F238E27FC236}">
+                <a16:creationId xmlns:a16="http://schemas.microsoft.com/office/drawing/2014/main" id="{8AA59EDE-8DC6-4D79-95C9-0EAE795C4A5A}"/>
+              </a:ext>
+            </a:extLst>
+          </p:cNvPr>
+          <p:cNvPicPr>
+            <a:picLocks noChangeAspect="1"/>
+          </p:cNvPicPr>
+          <p:nvPr/>
+        </p:nvPicPr>
+        <p:blipFill>
+          <a:blip r:embed="rId2">
+            <a:extLst>
+              <a:ext uri="{28A0092B-C50C-407E-A947-70E740481C1C}">
+                <a14:useLocalDpi xmlns:a14="http://schemas.microsoft.com/office/drawing/2010/main" val="0"/>
+              </a:ext>
+            </a:extLst>
+          </a:blip>
+          <a:stretch>
+            <a:fillRect/>
+          </a:stretch>
+        </p:blipFill>
+        <p:spPr>
+          <a:xfrm>
+            <a:off x="111210" y="130481"/>
+            <a:ext cx="1453349" cy="1353975"/>
+          </a:xfrm>
+          <a:prstGeom prst="rect">
+            <a:avLst/>
+          </a:prstGeom>
+        </p:spPr>
+      </p:pic>
+      <p:sp>
+        <p:nvSpPr>
+          <p:cNvPr id="6" name="CuadroTexto 5">
+            <a:extLst>
+              <a:ext uri="{FF2B5EF4-FFF2-40B4-BE49-F238E27FC236}">
+                <a16:creationId xmlns:a16="http://schemas.microsoft.com/office/drawing/2014/main" id="{27F53ED4-9047-4155-9577-5D9F6F60424E}"/>
+              </a:ext>
+            </a:extLst>
+          </p:cNvPr>
+          <p:cNvSpPr txBox="1"/>
+          <p:nvPr/>
+        </p:nvSpPr>
+        <p:spPr>
+          <a:xfrm>
+            <a:off x="1869093" y="2635061"/>
+            <a:ext cx="8744465" cy="3416320"/>
+          </a:xfrm>
+          <a:prstGeom prst="rect">
+            <a:avLst/>
+          </a:prstGeom>
+          <a:noFill/>
+        </p:spPr>
+        <p:txBody>
+          <a:bodyPr wrap="square" rtlCol="0">
+            <a:spAutoFit/>
+          </a:bodyPr>
+          <a:lstStyle/>
+          <a:p>
+            <a:r>
+              <a:rPr lang="es-CO" b="1" dirty="0">
+                <a:latin typeface="Segoe UI" panose="020B0502040204020203" pitchFamily="34" charset="0"/>
+                <a:cs typeface="Segoe UI" panose="020B0502040204020203" pitchFamily="34" charset="0"/>
+              </a:rPr>
+              <a:t>ENTREVISTA: </a:t>
+            </a:r>
+          </a:p>
+          <a:p>
+            <a:endParaRPr lang="es-CO" dirty="0">
+              <a:latin typeface="Segoe UI" panose="020B0502040204020203" pitchFamily="34" charset="0"/>
+              <a:cs typeface="Segoe UI" panose="020B0502040204020203" pitchFamily="34" charset="0"/>
+            </a:endParaRPr>
+          </a:p>
+          <a:p>
+            <a:pPr algn="just"/>
+            <a:r>
+              <a:rPr lang="es-CO" dirty="0">
+                <a:latin typeface="Segoe UI" panose="020B0502040204020203" pitchFamily="34" charset="0"/>
+                <a:cs typeface="Segoe UI" panose="020B0502040204020203" pitchFamily="34" charset="0"/>
+              </a:rPr>
+              <a:t>Mediante una conversación dirigida con un propósito específico y basándonos en un formato de preguntas recopilamos la información en cuanto a las necesidades del cliente, conociendo inicialmente el proceso de la empresa. </a:t>
+            </a:r>
+          </a:p>
+          <a:p>
+            <a:pPr algn="just"/>
+            <a:endParaRPr lang="es-CO" dirty="0">
+              <a:latin typeface="Segoe UI" panose="020B0502040204020203" pitchFamily="34" charset="0"/>
+              <a:cs typeface="Segoe UI" panose="020B0502040204020203" pitchFamily="34" charset="0"/>
+            </a:endParaRPr>
+          </a:p>
+          <a:p>
+            <a:pPr algn="just"/>
+            <a:endParaRPr lang="es-CO" dirty="0">
+              <a:latin typeface="Segoe UI" panose="020B0502040204020203" pitchFamily="34" charset="0"/>
+              <a:cs typeface="Segoe UI" panose="020B0502040204020203" pitchFamily="34" charset="0"/>
+            </a:endParaRPr>
+          </a:p>
+          <a:p>
+            <a:pPr algn="just"/>
+            <a:endParaRPr lang="es-CO" dirty="0">
+              <a:latin typeface="Segoe UI" panose="020B0502040204020203" pitchFamily="34" charset="0"/>
+              <a:cs typeface="Segoe UI" panose="020B0502040204020203" pitchFamily="34" charset="0"/>
+            </a:endParaRPr>
+          </a:p>
+          <a:p>
+            <a:pPr algn="just"/>
+            <a:endParaRPr lang="es-CO" dirty="0">
+              <a:latin typeface="Segoe UI" panose="020B0502040204020203" pitchFamily="34" charset="0"/>
+              <a:cs typeface="Segoe UI" panose="020B0502040204020203" pitchFamily="34" charset="0"/>
+            </a:endParaRPr>
+          </a:p>
+          <a:p>
+            <a:pPr algn="just"/>
+            <a:endParaRPr lang="es-CO" dirty="0">
+              <a:latin typeface="Segoe UI" panose="020B0502040204020203" pitchFamily="34" charset="0"/>
+              <a:cs typeface="Segoe UI" panose="020B0502040204020203" pitchFamily="34" charset="0"/>
+            </a:endParaRPr>
+          </a:p>
+          <a:p>
+            <a:pPr algn="just"/>
+            <a:endParaRPr lang="es-CO" dirty="0">
+              <a:latin typeface="Segoe UI" panose="020B0502040204020203" pitchFamily="34" charset="0"/>
+              <a:cs typeface="Segoe UI" panose="020B0502040204020203" pitchFamily="34" charset="0"/>
+            </a:endParaRPr>
+          </a:p>
+          <a:p>
+            <a:pPr algn="just"/>
+            <a:endParaRPr lang="es-CO" dirty="0">
+              <a:latin typeface="Segoe UI" panose="020B0502040204020203" pitchFamily="34" charset="0"/>
+              <a:cs typeface="Segoe UI" panose="020B0502040204020203" pitchFamily="34" charset="0"/>
+            </a:endParaRPr>
+          </a:p>
+        </p:txBody>
+      </p:sp>
+    </p:spTree>
+    <p:extLst>
+      <p:ext uri="{BB962C8B-B14F-4D97-AF65-F5344CB8AC3E}">
+        <p14:creationId xmlns:p14="http://schemas.microsoft.com/office/powerpoint/2010/main" val="499652934"/>
       </p:ext>
     </p:extLst>
   </p:cSld>
@@ -44527,214 +40191,6 @@
           <p:cNvPr id="4" name="CuadroTexto 3">
             <a:extLst>
               <a:ext uri="{FF2B5EF4-FFF2-40B4-BE49-F238E27FC236}">
-                <a16:creationId xmlns:a16="http://schemas.microsoft.com/office/drawing/2014/main" id="{D5D82764-B081-4ACB-8392-1DCA2A620622}"/>
-              </a:ext>
-            </a:extLst>
-          </p:cNvPr>
-          <p:cNvSpPr txBox="1"/>
-          <p:nvPr/>
-        </p:nvSpPr>
-        <p:spPr>
-          <a:xfrm>
-            <a:off x="2338919" y="640645"/>
-            <a:ext cx="7514161" cy="707886"/>
-          </a:xfrm>
-          <a:prstGeom prst="rect">
-            <a:avLst/>
-          </a:prstGeom>
-          <a:noFill/>
-        </p:spPr>
-        <p:txBody>
-          <a:bodyPr wrap="square" rtlCol="0">
-            <a:spAutoFit/>
-          </a:bodyPr>
-          <a:lstStyle/>
-          <a:p>
-            <a:pPr algn="ctr"/>
-            <a:r>
-              <a:rPr lang="es-ES" sz="4000" i="1" dirty="0">
-                <a:latin typeface="Modern Love Caps" panose="04070805081001020A01" pitchFamily="82" charset="0"/>
-              </a:rPr>
-              <a:t>LEVANTAMIENTO DE INFORMACIÓN</a:t>
-            </a:r>
-            <a:endParaRPr lang="es-CO" sz="4000" i="1" dirty="0"/>
-          </a:p>
-        </p:txBody>
-      </p:sp>
-      <p:pic>
-        <p:nvPicPr>
-          <p:cNvPr id="5" name="Imagen 4">
-            <a:extLst>
-              <a:ext uri="{FF2B5EF4-FFF2-40B4-BE49-F238E27FC236}">
-                <a16:creationId xmlns:a16="http://schemas.microsoft.com/office/drawing/2014/main" id="{8AA59EDE-8DC6-4D79-95C9-0EAE795C4A5A}"/>
-              </a:ext>
-            </a:extLst>
-          </p:cNvPr>
-          <p:cNvPicPr>
-            <a:picLocks noChangeAspect="1"/>
-          </p:cNvPicPr>
-          <p:nvPr/>
-        </p:nvPicPr>
-        <p:blipFill>
-          <a:blip r:embed="rId2">
-            <a:extLst>
-              <a:ext uri="{28A0092B-C50C-407E-A947-70E740481C1C}">
-                <a14:useLocalDpi xmlns:a14="http://schemas.microsoft.com/office/drawing/2010/main" val="0"/>
-              </a:ext>
-            </a:extLst>
-          </a:blip>
-          <a:stretch>
-            <a:fillRect/>
-          </a:stretch>
-        </p:blipFill>
-        <p:spPr>
-          <a:xfrm>
-            <a:off x="111210" y="130481"/>
-            <a:ext cx="1453349" cy="1353975"/>
-          </a:xfrm>
-          <a:prstGeom prst="rect">
-            <a:avLst/>
-          </a:prstGeom>
-        </p:spPr>
-      </p:pic>
-      <p:sp>
-        <p:nvSpPr>
-          <p:cNvPr id="6" name="CuadroTexto 5">
-            <a:extLst>
-              <a:ext uri="{FF2B5EF4-FFF2-40B4-BE49-F238E27FC236}">
-                <a16:creationId xmlns:a16="http://schemas.microsoft.com/office/drawing/2014/main" id="{27F53ED4-9047-4155-9577-5D9F6F60424E}"/>
-              </a:ext>
-            </a:extLst>
-          </p:cNvPr>
-          <p:cNvSpPr txBox="1"/>
-          <p:nvPr/>
-        </p:nvSpPr>
-        <p:spPr>
-          <a:xfrm>
-            <a:off x="1882345" y="1906192"/>
-            <a:ext cx="8744465" cy="3416320"/>
-          </a:xfrm>
-          <a:prstGeom prst="rect">
-            <a:avLst/>
-          </a:prstGeom>
-          <a:noFill/>
-        </p:spPr>
-        <p:txBody>
-          <a:bodyPr wrap="square" rtlCol="0">
-            <a:spAutoFit/>
-          </a:bodyPr>
-          <a:lstStyle/>
-          <a:p>
-            <a:r>
-              <a:rPr lang="es-CO" b="1" dirty="0">
-                <a:latin typeface="Segoe UI" panose="020B0502040204020203" pitchFamily="34" charset="0"/>
-                <a:cs typeface="Segoe UI" panose="020B0502040204020203" pitchFamily="34" charset="0"/>
-              </a:rPr>
-              <a:t>ENTREVISTA: </a:t>
-            </a:r>
-          </a:p>
-          <a:p>
-            <a:endParaRPr lang="es-CO" dirty="0">
-              <a:latin typeface="Segoe UI" panose="020B0502040204020203" pitchFamily="34" charset="0"/>
-              <a:cs typeface="Segoe UI" panose="020B0502040204020203" pitchFamily="34" charset="0"/>
-            </a:endParaRPr>
-          </a:p>
-          <a:p>
-            <a:pPr algn="just"/>
-            <a:r>
-              <a:rPr lang="es-CO" dirty="0">
-                <a:latin typeface="Segoe UI" panose="020B0502040204020203" pitchFamily="34" charset="0"/>
-                <a:cs typeface="Segoe UI" panose="020B0502040204020203" pitchFamily="34" charset="0"/>
-              </a:rPr>
-              <a:t>Mediante una conversación dirigida con un propósito específico y basándonos en un formato de preguntas recopilamos la información en cuanto a las necesidades del cliente, conociendo inicialmente el proceso de la empresa. </a:t>
-            </a:r>
-          </a:p>
-          <a:p>
-            <a:pPr algn="just"/>
-            <a:endParaRPr lang="es-CO" dirty="0">
-              <a:latin typeface="Segoe UI" panose="020B0502040204020203" pitchFamily="34" charset="0"/>
-              <a:cs typeface="Segoe UI" panose="020B0502040204020203" pitchFamily="34" charset="0"/>
-            </a:endParaRPr>
-          </a:p>
-          <a:p>
-            <a:pPr algn="just"/>
-            <a:endParaRPr lang="es-CO" dirty="0">
-              <a:latin typeface="Segoe UI" panose="020B0502040204020203" pitchFamily="34" charset="0"/>
-              <a:cs typeface="Segoe UI" panose="020B0502040204020203" pitchFamily="34" charset="0"/>
-            </a:endParaRPr>
-          </a:p>
-          <a:p>
-            <a:pPr algn="just"/>
-            <a:endParaRPr lang="es-CO" dirty="0">
-              <a:latin typeface="Segoe UI" panose="020B0502040204020203" pitchFamily="34" charset="0"/>
-              <a:cs typeface="Segoe UI" panose="020B0502040204020203" pitchFamily="34" charset="0"/>
-            </a:endParaRPr>
-          </a:p>
-          <a:p>
-            <a:pPr algn="just"/>
-            <a:endParaRPr lang="es-CO" dirty="0">
-              <a:latin typeface="Segoe UI" panose="020B0502040204020203" pitchFamily="34" charset="0"/>
-              <a:cs typeface="Segoe UI" panose="020B0502040204020203" pitchFamily="34" charset="0"/>
-            </a:endParaRPr>
-          </a:p>
-          <a:p>
-            <a:pPr algn="just"/>
-            <a:endParaRPr lang="es-CO" dirty="0">
-              <a:latin typeface="Segoe UI" panose="020B0502040204020203" pitchFamily="34" charset="0"/>
-              <a:cs typeface="Segoe UI" panose="020B0502040204020203" pitchFamily="34" charset="0"/>
-            </a:endParaRPr>
-          </a:p>
-          <a:p>
-            <a:pPr algn="just"/>
-            <a:endParaRPr lang="es-CO" dirty="0">
-              <a:latin typeface="Segoe UI" panose="020B0502040204020203" pitchFamily="34" charset="0"/>
-              <a:cs typeface="Segoe UI" panose="020B0502040204020203" pitchFamily="34" charset="0"/>
-            </a:endParaRPr>
-          </a:p>
-          <a:p>
-            <a:pPr algn="just"/>
-            <a:endParaRPr lang="es-CO" dirty="0">
-              <a:latin typeface="Segoe UI" panose="020B0502040204020203" pitchFamily="34" charset="0"/>
-              <a:cs typeface="Segoe UI" panose="020B0502040204020203" pitchFamily="34" charset="0"/>
-            </a:endParaRPr>
-          </a:p>
-        </p:txBody>
-      </p:sp>
-    </p:spTree>
-    <p:extLst>
-      <p:ext uri="{BB962C8B-B14F-4D97-AF65-F5344CB8AC3E}">
-        <p14:creationId xmlns:p14="http://schemas.microsoft.com/office/powerpoint/2010/main" val="499652934"/>
-      </p:ext>
-    </p:extLst>
-  </p:cSld>
-  <p:clrMapOvr>
-    <a:masterClrMapping/>
-  </p:clrMapOvr>
-</p:sld>
-</file>
-
-<file path=ppt/slides/slide9.xml><?xml version="1.0" encoding="utf-8"?>
-<p:sld xmlns:a="http://schemas.openxmlformats.org/drawingml/2006/main" xmlns:r="http://schemas.openxmlformats.org/officeDocument/2006/relationships" xmlns:p="http://schemas.openxmlformats.org/presentationml/2006/main">
-  <p:cSld>
-    <p:spTree>
-      <p:nvGrpSpPr>
-        <p:cNvPr id="1" name=""/>
-        <p:cNvGrpSpPr/>
-        <p:nvPr/>
-      </p:nvGrpSpPr>
-      <p:grpSpPr>
-        <a:xfrm>
-          <a:off x="0" y="0"/>
-          <a:ext cx="0" cy="0"/>
-          <a:chOff x="0" y="0"/>
-          <a:chExt cx="0" cy="0"/>
-        </a:xfrm>
-      </p:grpSpPr>
-      <p:sp>
-        <p:nvSpPr>
-          <p:cNvPr id="4" name="CuadroTexto 3">
-            <a:extLst>
-              <a:ext uri="{FF2B5EF4-FFF2-40B4-BE49-F238E27FC236}">
                 <a16:creationId xmlns:a16="http://schemas.microsoft.com/office/drawing/2014/main" id="{DA5E94BC-16DA-4388-822F-85B652864F75}"/>
               </a:ext>
             </a:extLst>
@@ -44845,6 +40301,4550 @@
     <p:extLst>
       <p:ext uri="{BB962C8B-B14F-4D97-AF65-F5344CB8AC3E}">
         <p14:creationId xmlns:p14="http://schemas.microsoft.com/office/powerpoint/2010/main" val="3231590116"/>
+      </p:ext>
+    </p:extLst>
+  </p:cSld>
+  <p:clrMapOvr>
+    <a:masterClrMapping/>
+  </p:clrMapOvr>
+</p:sld>
+</file>
+
+<file path=ppt/slides/slide9.xml><?xml version="1.0" encoding="utf-8"?>
+<p:sld xmlns:a="http://schemas.openxmlformats.org/drawingml/2006/main" xmlns:r="http://schemas.openxmlformats.org/officeDocument/2006/relationships" xmlns:p="http://schemas.openxmlformats.org/presentationml/2006/main">
+  <p:cSld>
+    <p:bg>
+      <p:bgPr>
+        <a:solidFill>
+          <a:schemeClr val="bg2"/>
+        </a:solidFill>
+        <a:effectLst/>
+      </p:bgPr>
+    </p:bg>
+    <p:spTree>
+      <p:nvGrpSpPr>
+        <p:cNvPr id="1" name=""/>
+        <p:cNvGrpSpPr/>
+        <p:nvPr/>
+      </p:nvGrpSpPr>
+      <p:grpSpPr>
+        <a:xfrm>
+          <a:off x="0" y="0"/>
+          <a:ext cx="0" cy="0"/>
+          <a:chOff x="0" y="0"/>
+          <a:chExt cx="0" cy="0"/>
+        </a:xfrm>
+      </p:grpSpPr>
+      <p:sp>
+        <p:nvSpPr>
+          <p:cNvPr id="9" name="Freeform: Shape 8">
+            <a:extLst>
+              <a:ext uri="{FF2B5EF4-FFF2-40B4-BE49-F238E27FC236}">
+                <a16:creationId xmlns:a16="http://schemas.microsoft.com/office/drawing/2014/main" id="{435959F4-53DA-47FF-BC24-1E5B75C69876}"/>
+              </a:ext>
+              <a:ext uri="{C183D7F6-B498-43B3-948B-1728B52AA6E4}">
+                <adec:decorative xmlns:adec="http://schemas.microsoft.com/office/drawing/2017/decorative" val="1"/>
+              </a:ext>
+            </a:extLst>
+          </p:cNvPr>
+          <p:cNvSpPr>
+            <a:spLocks noGrp="1" noRot="1" noChangeAspect="1" noMove="1" noResize="1" noEditPoints="1" noAdjustHandles="1" noChangeArrowheads="1" noChangeShapeType="1" noTextEdit="1"/>
+          </p:cNvSpPr>
+          <p:nvPr>
+            <p:extLst>
+              <p:ext uri="{386F3935-93C4-4BCD-93E2-E3B085C9AB24}">
+                <p16:designElem xmlns:p16="http://schemas.microsoft.com/office/powerpoint/2015/main" val="1"/>
+              </p:ext>
+            </p:extLst>
+          </p:nvPr>
+        </p:nvSpPr>
+        <p:spPr>
+          <a:xfrm>
+            <a:off x="9753030" y="5516668"/>
+            <a:ext cx="2438970" cy="1341332"/>
+          </a:xfrm>
+          <a:custGeom>
+            <a:avLst/>
+            <a:gdLst>
+              <a:gd name="connsiteX0" fmla="*/ 2025355 w 2438970"/>
+              <a:gd name="connsiteY0" fmla="*/ 235 h 1341332"/>
+              <a:gd name="connsiteX1" fmla="*/ 2381960 w 2438970"/>
+              <a:gd name="connsiteY1" fmla="*/ 44517 h 1341332"/>
+              <a:gd name="connsiteX2" fmla="*/ 2438970 w 2438970"/>
+              <a:gd name="connsiteY2" fmla="*/ 58872 h 1341332"/>
+              <a:gd name="connsiteX3" fmla="*/ 2438970 w 2438970"/>
+              <a:gd name="connsiteY3" fmla="*/ 1341332 h 1341332"/>
+              <a:gd name="connsiteX4" fmla="*/ 0 w 2438970"/>
+              <a:gd name="connsiteY4" fmla="*/ 1341332 h 1341332"/>
+              <a:gd name="connsiteX5" fmla="*/ 13333 w 2438970"/>
+              <a:gd name="connsiteY5" fmla="*/ 1328018 h 1341332"/>
+              <a:gd name="connsiteX6" fmla="*/ 936262 w 2438970"/>
+              <a:gd name="connsiteY6" fmla="*/ 459947 h 1341332"/>
+              <a:gd name="connsiteX7" fmla="*/ 1554028 w 2438970"/>
+              <a:gd name="connsiteY7" fmla="*/ 71153 h 1341332"/>
+              <a:gd name="connsiteX8" fmla="*/ 2025355 w 2438970"/>
+              <a:gd name="connsiteY8" fmla="*/ 235 h 1341332"/>
+            </a:gdLst>
+            <a:ahLst/>
+            <a:cxnLst>
+              <a:cxn ang="0">
+                <a:pos x="connsiteX0" y="connsiteY0"/>
+              </a:cxn>
+              <a:cxn ang="0">
+                <a:pos x="connsiteX1" y="connsiteY1"/>
+              </a:cxn>
+              <a:cxn ang="0">
+                <a:pos x="connsiteX2" y="connsiteY2"/>
+              </a:cxn>
+              <a:cxn ang="0">
+                <a:pos x="connsiteX3" y="connsiteY3"/>
+              </a:cxn>
+              <a:cxn ang="0">
+                <a:pos x="connsiteX4" y="connsiteY4"/>
+              </a:cxn>
+              <a:cxn ang="0">
+                <a:pos x="connsiteX5" y="connsiteY5"/>
+              </a:cxn>
+              <a:cxn ang="0">
+                <a:pos x="connsiteX6" y="connsiteY6"/>
+              </a:cxn>
+              <a:cxn ang="0">
+                <a:pos x="connsiteX7" y="connsiteY7"/>
+              </a:cxn>
+              <a:cxn ang="0">
+                <a:pos x="connsiteX8" y="connsiteY8"/>
+              </a:cxn>
+            </a:cxnLst>
+            <a:rect l="l" t="t" r="r" b="b"/>
+            <a:pathLst>
+              <a:path w="2438970" h="1341332">
+                <a:moveTo>
+                  <a:pt x="2025355" y="235"/>
+                </a:moveTo>
+                <a:cubicBezTo>
+                  <a:pt x="2143847" y="2306"/>
+                  <a:pt x="2262766" y="17993"/>
+                  <a:pt x="2381960" y="44517"/>
+                </a:cubicBezTo>
+                <a:lnTo>
+                  <a:pt x="2438970" y="58872"/>
+                </a:lnTo>
+                <a:lnTo>
+                  <a:pt x="2438970" y="1341332"/>
+                </a:lnTo>
+                <a:lnTo>
+                  <a:pt x="0" y="1341332"/>
+                </a:lnTo>
+                <a:lnTo>
+                  <a:pt x="13333" y="1328018"/>
+                </a:lnTo>
+                <a:cubicBezTo>
+                  <a:pt x="324723" y="1028950"/>
+                  <a:pt x="645390" y="738459"/>
+                  <a:pt x="936262" y="459947"/>
+                </a:cubicBezTo>
+                <a:cubicBezTo>
+                  <a:pt x="1139660" y="265152"/>
+                  <a:pt x="1345794" y="140817"/>
+                  <a:pt x="1554028" y="71153"/>
+                </a:cubicBezTo>
+                <a:cubicBezTo>
+                  <a:pt x="1710136" y="18918"/>
+                  <a:pt x="1867365" y="-2526"/>
+                  <a:pt x="2025355" y="235"/>
+                </a:cubicBezTo>
+                <a:close/>
+              </a:path>
+            </a:pathLst>
+          </a:custGeom>
+          <a:solidFill>
+            <a:schemeClr val="accent2">
+              <a:lumMod val="60000"/>
+              <a:lumOff val="40000"/>
+              <a:alpha val="50000"/>
+            </a:schemeClr>
+          </a:solidFill>
+          <a:ln>
+            <a:noFill/>
+          </a:ln>
+        </p:spPr>
+        <p:style>
+          <a:lnRef idx="2">
+            <a:schemeClr val="accent1">
+              <a:shade val="50000"/>
+            </a:schemeClr>
+          </a:lnRef>
+          <a:fillRef idx="1">
+            <a:schemeClr val="accent1"/>
+          </a:fillRef>
+          <a:effectRef idx="0">
+            <a:schemeClr val="accent1"/>
+          </a:effectRef>
+          <a:fontRef idx="minor">
+            <a:schemeClr val="lt1"/>
+          </a:fontRef>
+        </p:style>
+        <p:txBody>
+          <a:bodyPr wrap="square" rtlCol="0" anchor="ctr">
+            <a:noAutofit/>
+          </a:bodyPr>
+          <a:lstStyle/>
+          <a:p>
+            <a:pPr algn="ctr"/>
+            <a:endParaRPr lang="en-US" dirty="0"/>
+          </a:p>
+        </p:txBody>
+      </p:sp>
+      <p:grpSp>
+        <p:nvGrpSpPr>
+          <p:cNvPr id="11" name="Group 10">
+            <a:extLst>
+              <a:ext uri="{FF2B5EF4-FFF2-40B4-BE49-F238E27FC236}">
+                <a16:creationId xmlns:a16="http://schemas.microsoft.com/office/drawing/2014/main" id="{A7CF83E8-F6F0-41E3-B580-7412A04DDFB5}"/>
+              </a:ext>
+              <a:ext uri="{C183D7F6-B498-43B3-948B-1728B52AA6E4}">
+                <adec:decorative xmlns:adec="http://schemas.microsoft.com/office/drawing/2017/decorative" val="1"/>
+              </a:ext>
+            </a:extLst>
+          </p:cNvPr>
+          <p:cNvGrpSpPr>
+            <a:grpSpLocks noGrp="1" noUngrp="1" noRot="1" noChangeAspect="1" noMove="1" noResize="1"/>
+          </p:cNvGrpSpPr>
+          <p:nvPr>
+            <p:extLst>
+              <p:ext uri="{386F3935-93C4-4BCD-93E2-E3B085C9AB24}">
+                <p16:designElem xmlns:p16="http://schemas.microsoft.com/office/powerpoint/2015/main" val="1"/>
+              </p:ext>
+            </p:extLst>
+          </p:nvPr>
+        </p:nvGrpSpPr>
+        <p:grpSpPr>
+          <a:xfrm>
+            <a:off x="10776050" y="5204025"/>
+            <a:ext cx="886141" cy="802496"/>
+            <a:chOff x="10948005" y="3272152"/>
+            <a:chExt cx="868640" cy="786648"/>
+          </a:xfrm>
+          <a:solidFill>
+            <a:schemeClr val="accent1"/>
+          </a:solidFill>
+        </p:grpSpPr>
+        <p:sp>
+          <p:nvSpPr>
+            <p:cNvPr id="12" name="Freeform: Shape 11">
+              <a:extLst>
+                <a:ext uri="{FF2B5EF4-FFF2-40B4-BE49-F238E27FC236}">
+                  <a16:creationId xmlns:a16="http://schemas.microsoft.com/office/drawing/2014/main" id="{1A0B6DBB-705D-48D0-842C-F9DFA7684D19}"/>
+                </a:ext>
+                <a:ext uri="{C183D7F6-B498-43B3-948B-1728B52AA6E4}">
+                  <adec:decorative xmlns:adec="http://schemas.microsoft.com/office/drawing/2017/decorative" val="1"/>
+                </a:ext>
+              </a:extLst>
+            </p:cNvPr>
+            <p:cNvSpPr/>
+            <p:nvPr>
+              <p:extLst>
+                <p:ext uri="{386F3935-93C4-4BCD-93E2-E3B085C9AB24}">
+                  <p16:designElem xmlns:p16="http://schemas.microsoft.com/office/powerpoint/2015/main" val="1"/>
+                </p:ext>
+              </p:extLst>
+            </p:nvPr>
+          </p:nvSpPr>
+          <p:spPr>
+            <a:xfrm>
+              <a:off x="11194317" y="3944888"/>
+              <a:ext cx="128449" cy="113912"/>
+            </a:xfrm>
+            <a:custGeom>
+              <a:avLst/>
+              <a:gdLst>
+                <a:gd name="connsiteX0" fmla="*/ 237621 w 453152"/>
+                <a:gd name="connsiteY0" fmla="*/ 965 h 401867"/>
+                <a:gd name="connsiteX1" fmla="*/ 370246 w 453152"/>
+                <a:gd name="connsiteY1" fmla="*/ 23666 h 401867"/>
+                <a:gd name="connsiteX2" fmla="*/ 437392 w 453152"/>
+                <a:gd name="connsiteY2" fmla="*/ 198545 h 401867"/>
+                <a:gd name="connsiteX3" fmla="*/ 67745 w 453152"/>
+                <a:gd name="connsiteY3" fmla="*/ 392003 h 401867"/>
+                <a:gd name="connsiteX4" fmla="*/ 911 w 453152"/>
+                <a:gd name="connsiteY4" fmla="*/ 254095 h 401867"/>
+                <a:gd name="connsiteX5" fmla="*/ 115564 w 453152"/>
+                <a:gd name="connsiteY5" fmla="*/ 51160 h 401867"/>
+                <a:gd name="connsiteX6" fmla="*/ 237621 w 453152"/>
+                <a:gd name="connsiteY6" fmla="*/ 965 h 401867"/>
+              </a:gdLst>
+              <a:ahLst/>
+              <a:cxnLst>
+                <a:cxn ang="0">
+                  <a:pos x="connsiteX0" y="connsiteY0"/>
+                </a:cxn>
+                <a:cxn ang="0">
+                  <a:pos x="connsiteX1" y="connsiteY1"/>
+                </a:cxn>
+                <a:cxn ang="0">
+                  <a:pos x="connsiteX2" y="connsiteY2"/>
+                </a:cxn>
+                <a:cxn ang="0">
+                  <a:pos x="connsiteX3" y="connsiteY3"/>
+                </a:cxn>
+                <a:cxn ang="0">
+                  <a:pos x="connsiteX4" y="connsiteY4"/>
+                </a:cxn>
+                <a:cxn ang="0">
+                  <a:pos x="connsiteX5" y="connsiteY5"/>
+                </a:cxn>
+                <a:cxn ang="0">
+                  <a:pos x="connsiteX6" y="connsiteY6"/>
+                </a:cxn>
+              </a:cxnLst>
+              <a:rect l="l" t="t" r="r" b="b"/>
+              <a:pathLst>
+                <a:path w="453152" h="401867">
+                  <a:moveTo>
+                    <a:pt x="237621" y="965"/>
+                  </a:moveTo>
+                  <a:cubicBezTo>
+                    <a:pt x="283632" y="-2971"/>
+                    <a:pt x="331405" y="5243"/>
+                    <a:pt x="370246" y="23666"/>
+                  </a:cubicBezTo>
+                  <a:cubicBezTo>
+                    <a:pt x="436830" y="55275"/>
+                    <a:pt x="477168" y="116810"/>
+                    <a:pt x="437392" y="198545"/>
+                  </a:cubicBezTo>
+                  <a:cubicBezTo>
+                    <a:pt x="391568" y="292624"/>
+                    <a:pt x="176850" y="441630"/>
+                    <a:pt x="67745" y="392003"/>
+                  </a:cubicBezTo>
+                  <a:cubicBezTo>
+                    <a:pt x="18056" y="369372"/>
+                    <a:pt x="-5012" y="308398"/>
+                    <a:pt x="911" y="254095"/>
+                  </a:cubicBezTo>
+                  <a:cubicBezTo>
+                    <a:pt x="9203" y="178033"/>
+                    <a:pt x="61012" y="103094"/>
+                    <a:pt x="115564" y="51160"/>
+                  </a:cubicBezTo>
+                  <a:cubicBezTo>
+                    <a:pt x="147361" y="20985"/>
+                    <a:pt x="191610" y="4900"/>
+                    <a:pt x="237621" y="965"/>
+                  </a:cubicBezTo>
+                  <a:close/>
+                </a:path>
+              </a:pathLst>
+            </a:custGeom>
+            <a:grpFill/>
+            <a:ln>
+              <a:noFill/>
+            </a:ln>
+          </p:spPr>
+          <p:style>
+            <a:lnRef idx="2">
+              <a:schemeClr val="accent1">
+                <a:shade val="50000"/>
+              </a:schemeClr>
+            </a:lnRef>
+            <a:fillRef idx="1">
+              <a:schemeClr val="accent1"/>
+            </a:fillRef>
+            <a:effectRef idx="0">
+              <a:schemeClr val="accent1"/>
+            </a:effectRef>
+            <a:fontRef idx="minor">
+              <a:schemeClr val="lt1"/>
+            </a:fontRef>
+          </p:style>
+          <p:txBody>
+            <a:bodyPr rtlCol="0" anchor="ctr"/>
+            <a:lstStyle/>
+            <a:p>
+              <a:pPr marL="0" marR="0" lvl="0" indent="0" algn="ctr" defTabSz="914400" rtl="0" eaLnBrk="1" fontAlgn="auto" latinLnBrk="0" hangingPunct="1">
+                <a:lnSpc>
+                  <a:spcPct val="100000"/>
+                </a:lnSpc>
+                <a:spcBef>
+                  <a:spcPts val="0"/>
+                </a:spcBef>
+                <a:spcAft>
+                  <a:spcPts val="0"/>
+                </a:spcAft>
+                <a:buClrTx/>
+                <a:buSzTx/>
+                <a:buFontTx/>
+                <a:buNone/>
+                <a:tabLst/>
+                <a:defRPr/>
+              </a:pPr>
+              <a:endParaRPr kumimoji="0" lang="en-US" sz="1800" b="0" i="0" u="none" strike="noStrike" kern="1200" cap="none" spc="0" normalizeH="0" baseline="0" noProof="0">
+                <a:ln>
+                  <a:noFill/>
+                </a:ln>
+                <a:solidFill>
+                  <a:prstClr val="white"/>
+                </a:solidFill>
+                <a:effectLst/>
+                <a:uLnTx/>
+                <a:uFillTx/>
+                <a:latin typeface="Avenir Next LT Pro Light"/>
+                <a:ea typeface="+mn-ea"/>
+                <a:cs typeface="+mn-cs"/>
+              </a:endParaRPr>
+            </a:p>
+          </p:txBody>
+        </p:sp>
+        <p:sp>
+          <p:nvSpPr>
+            <p:cNvPr id="13" name="Freeform: Shape 12">
+              <a:extLst>
+                <a:ext uri="{FF2B5EF4-FFF2-40B4-BE49-F238E27FC236}">
+                  <a16:creationId xmlns:a16="http://schemas.microsoft.com/office/drawing/2014/main" id="{C194A764-16E1-4D0D-9357-76F80E6086C0}"/>
+                </a:ext>
+                <a:ext uri="{C183D7F6-B498-43B3-948B-1728B52AA6E4}">
+                  <adec:decorative xmlns:adec="http://schemas.microsoft.com/office/drawing/2017/decorative" val="1"/>
+                </a:ext>
+              </a:extLst>
+            </p:cNvPr>
+            <p:cNvSpPr/>
+            <p:nvPr>
+              <p:extLst>
+                <p:ext uri="{386F3935-93C4-4BCD-93E2-E3B085C9AB24}">
+                  <p16:designElem xmlns:p16="http://schemas.microsoft.com/office/powerpoint/2015/main" val="1"/>
+                </p:ext>
+              </p:extLst>
+            </p:nvPr>
+          </p:nvSpPr>
+          <p:spPr>
+            <a:xfrm>
+              <a:off x="10953045" y="3808430"/>
+              <a:ext cx="144912" cy="193414"/>
+            </a:xfrm>
+            <a:custGeom>
+              <a:avLst/>
+              <a:gdLst>
+                <a:gd name="connsiteX0" fmla="*/ 390625 w 511232"/>
+                <a:gd name="connsiteY0" fmla="*/ 1621 h 682341"/>
+                <a:gd name="connsiteX1" fmla="*/ 508142 w 511232"/>
+                <a:gd name="connsiteY1" fmla="*/ 64038 h 682341"/>
+                <a:gd name="connsiteX2" fmla="*/ 508453 w 511232"/>
+                <a:gd name="connsiteY2" fmla="*/ 121832 h 682341"/>
+                <a:gd name="connsiteX3" fmla="*/ 316492 w 511232"/>
+                <a:gd name="connsiteY3" fmla="*/ 567602 h 682341"/>
+                <a:gd name="connsiteX4" fmla="*/ 80265 w 511232"/>
+                <a:gd name="connsiteY4" fmla="*/ 640359 h 682341"/>
+                <a:gd name="connsiteX5" fmla="*/ 13306 w 511232"/>
+                <a:gd name="connsiteY5" fmla="*/ 274828 h 682341"/>
+                <a:gd name="connsiteX6" fmla="*/ 140989 w 511232"/>
+                <a:gd name="connsiteY6" fmla="*/ 107181 h 682341"/>
+                <a:gd name="connsiteX7" fmla="*/ 390625 w 511232"/>
+                <a:gd name="connsiteY7" fmla="*/ 1621 h 682341"/>
+              </a:gdLst>
+              <a:ahLst/>
+              <a:cxnLst>
+                <a:cxn ang="0">
+                  <a:pos x="connsiteX0" y="connsiteY0"/>
+                </a:cxn>
+                <a:cxn ang="0">
+                  <a:pos x="connsiteX1" y="connsiteY1"/>
+                </a:cxn>
+                <a:cxn ang="0">
+                  <a:pos x="connsiteX2" y="connsiteY2"/>
+                </a:cxn>
+                <a:cxn ang="0">
+                  <a:pos x="connsiteX3" y="connsiteY3"/>
+                </a:cxn>
+                <a:cxn ang="0">
+                  <a:pos x="connsiteX4" y="connsiteY4"/>
+                </a:cxn>
+                <a:cxn ang="0">
+                  <a:pos x="connsiteX5" y="connsiteY5"/>
+                </a:cxn>
+                <a:cxn ang="0">
+                  <a:pos x="connsiteX6" y="connsiteY6"/>
+                </a:cxn>
+                <a:cxn ang="0">
+                  <a:pos x="connsiteX7" y="connsiteY7"/>
+                </a:cxn>
+              </a:cxnLst>
+              <a:rect l="l" t="t" r="r" b="b"/>
+              <a:pathLst>
+                <a:path w="511232" h="682341">
+                  <a:moveTo>
+                    <a:pt x="390625" y="1621"/>
+                  </a:moveTo>
+                  <a:cubicBezTo>
+                    <a:pt x="446543" y="-5212"/>
+                    <a:pt x="493343" y="8441"/>
+                    <a:pt x="508142" y="64038"/>
+                  </a:cubicBezTo>
+                  <a:cubicBezTo>
+                    <a:pt x="513192" y="82866"/>
+                    <a:pt x="511134" y="102754"/>
+                    <a:pt x="508453" y="121832"/>
+                  </a:cubicBezTo>
+                  <a:cubicBezTo>
+                    <a:pt x="485324" y="287796"/>
+                    <a:pt x="417242" y="443971"/>
+                    <a:pt x="316492" y="567602"/>
+                  </a:cubicBezTo>
+                  <a:cubicBezTo>
+                    <a:pt x="253024" y="645534"/>
+                    <a:pt x="165055" y="737743"/>
+                    <a:pt x="80265" y="640359"/>
+                  </a:cubicBezTo>
+                  <a:cubicBezTo>
+                    <a:pt x="5014" y="553948"/>
+                    <a:pt x="-17368" y="383621"/>
+                    <a:pt x="13306" y="274828"/>
+                  </a:cubicBezTo>
+                  <a:cubicBezTo>
+                    <a:pt x="33443" y="203318"/>
+                    <a:pt x="83382" y="146521"/>
+                    <a:pt x="140989" y="107181"/>
+                  </a:cubicBezTo>
+                  <a:cubicBezTo>
+                    <a:pt x="178904" y="81308"/>
+                    <a:pt x="297428" y="13010"/>
+                    <a:pt x="390625" y="1621"/>
+                  </a:cubicBezTo>
+                  <a:close/>
+                </a:path>
+              </a:pathLst>
+            </a:custGeom>
+            <a:grpFill/>
+            <a:ln>
+              <a:noFill/>
+            </a:ln>
+          </p:spPr>
+          <p:style>
+            <a:lnRef idx="2">
+              <a:schemeClr val="accent1">
+                <a:shade val="50000"/>
+              </a:schemeClr>
+            </a:lnRef>
+            <a:fillRef idx="1">
+              <a:schemeClr val="accent1"/>
+            </a:fillRef>
+            <a:effectRef idx="0">
+              <a:schemeClr val="accent1"/>
+            </a:effectRef>
+            <a:fontRef idx="minor">
+              <a:schemeClr val="lt1"/>
+            </a:fontRef>
+          </p:style>
+          <p:txBody>
+            <a:bodyPr rtlCol="0" anchor="ctr"/>
+            <a:lstStyle/>
+            <a:p>
+              <a:pPr marL="0" marR="0" lvl="0" indent="0" algn="ctr" defTabSz="914400" rtl="0" eaLnBrk="1" fontAlgn="auto" latinLnBrk="0" hangingPunct="1">
+                <a:lnSpc>
+                  <a:spcPct val="100000"/>
+                </a:lnSpc>
+                <a:spcBef>
+                  <a:spcPts val="0"/>
+                </a:spcBef>
+                <a:spcAft>
+                  <a:spcPts val="0"/>
+                </a:spcAft>
+                <a:buClrTx/>
+                <a:buSzTx/>
+                <a:buFontTx/>
+                <a:buNone/>
+                <a:tabLst/>
+                <a:defRPr/>
+              </a:pPr>
+              <a:endParaRPr kumimoji="0" lang="en-US" sz="1800" b="0" i="0" u="none" strike="noStrike" kern="1200" cap="none" spc="0" normalizeH="0" baseline="0" noProof="0">
+                <a:ln>
+                  <a:noFill/>
+                </a:ln>
+                <a:solidFill>
+                  <a:prstClr val="white"/>
+                </a:solidFill>
+                <a:effectLst/>
+                <a:uLnTx/>
+                <a:uFillTx/>
+                <a:latin typeface="Avenir Next LT Pro Light"/>
+                <a:ea typeface="+mn-ea"/>
+                <a:cs typeface="+mn-cs"/>
+              </a:endParaRPr>
+            </a:p>
+          </p:txBody>
+        </p:sp>
+        <p:sp>
+          <p:nvSpPr>
+            <p:cNvPr id="14" name="Freeform: Shape 13">
+              <a:extLst>
+                <a:ext uri="{FF2B5EF4-FFF2-40B4-BE49-F238E27FC236}">
+                  <a16:creationId xmlns:a16="http://schemas.microsoft.com/office/drawing/2014/main" id="{115B7F3F-A40D-4F24-8536-E2420B433211}"/>
+                </a:ext>
+                <a:ext uri="{C183D7F6-B498-43B3-948B-1728B52AA6E4}">
+                  <adec:decorative xmlns:adec="http://schemas.microsoft.com/office/drawing/2017/decorative" val="1"/>
+                </a:ext>
+              </a:extLst>
+            </p:cNvPr>
+            <p:cNvSpPr/>
+            <p:nvPr>
+              <p:extLst>
+                <p:ext uri="{386F3935-93C4-4BCD-93E2-E3B085C9AB24}">
+                  <p16:designElem xmlns:p16="http://schemas.microsoft.com/office/powerpoint/2015/main" val="1"/>
+                </p:ext>
+              </p:extLst>
+            </p:nvPr>
+          </p:nvSpPr>
+          <p:spPr>
+            <a:xfrm>
+              <a:off x="11684524" y="3907536"/>
+              <a:ext cx="132121" cy="93006"/>
+            </a:xfrm>
+            <a:custGeom>
+              <a:avLst/>
+              <a:gdLst>
+                <a:gd name="connsiteX0" fmla="*/ 252822 w 466107"/>
+                <a:gd name="connsiteY0" fmla="*/ 1539 h 328114"/>
+                <a:gd name="connsiteX1" fmla="*/ 451641 w 466107"/>
+                <a:gd name="connsiteY1" fmla="*/ 122177 h 328114"/>
+                <a:gd name="connsiteX2" fmla="*/ 391790 w 466107"/>
+                <a:gd name="connsiteY2" fmla="*/ 297430 h 328114"/>
+                <a:gd name="connsiteX3" fmla="*/ 8614 w 466107"/>
+                <a:gd name="connsiteY3" fmla="*/ 243252 h 328114"/>
+                <a:gd name="connsiteX4" fmla="*/ 45897 w 466107"/>
+                <a:gd name="connsiteY4" fmla="*/ 97302 h 328114"/>
+                <a:gd name="connsiteX5" fmla="*/ 252822 w 466107"/>
+                <a:gd name="connsiteY5" fmla="*/ 1539 h 328114"/>
+              </a:gdLst>
+              <a:ahLst/>
+              <a:cxnLst>
+                <a:cxn ang="0">
+                  <a:pos x="connsiteX0" y="connsiteY0"/>
+                </a:cxn>
+                <a:cxn ang="0">
+                  <a:pos x="connsiteX1" y="connsiteY1"/>
+                </a:cxn>
+                <a:cxn ang="0">
+                  <a:pos x="connsiteX2" y="connsiteY2"/>
+                </a:cxn>
+                <a:cxn ang="0">
+                  <a:pos x="connsiteX3" y="connsiteY3"/>
+                </a:cxn>
+                <a:cxn ang="0">
+                  <a:pos x="connsiteX4" y="connsiteY4"/>
+                </a:cxn>
+                <a:cxn ang="0">
+                  <a:pos x="connsiteX5" y="connsiteY5"/>
+                </a:cxn>
+              </a:cxnLst>
+              <a:rect l="l" t="t" r="r" b="b"/>
+              <a:pathLst>
+                <a:path w="466107" h="328114">
+                  <a:moveTo>
+                    <a:pt x="252822" y="1539"/>
+                  </a:moveTo>
+                  <a:cubicBezTo>
+                    <a:pt x="335429" y="-10494"/>
+                    <a:pt x="418848" y="49794"/>
+                    <a:pt x="451641" y="122177"/>
+                  </a:cubicBezTo>
+                  <a:cubicBezTo>
+                    <a:pt x="479697" y="184273"/>
+                    <a:pt x="470594" y="255285"/>
+                    <a:pt x="391790" y="297430"/>
+                  </a:cubicBezTo>
+                  <a:cubicBezTo>
+                    <a:pt x="301077" y="345935"/>
+                    <a:pt x="55935" y="343254"/>
+                    <a:pt x="8614" y="243252"/>
+                  </a:cubicBezTo>
+                  <a:cubicBezTo>
+                    <a:pt x="-12895" y="197678"/>
+                    <a:pt x="8240" y="136766"/>
+                    <a:pt x="45897" y="97302"/>
+                  </a:cubicBezTo>
+                  <a:cubicBezTo>
+                    <a:pt x="98704" y="42064"/>
+                    <a:pt x="181872" y="11950"/>
+                    <a:pt x="252822" y="1539"/>
+                  </a:cubicBezTo>
+                  <a:close/>
+                </a:path>
+              </a:pathLst>
+            </a:custGeom>
+            <a:grpFill/>
+            <a:ln>
+              <a:noFill/>
+            </a:ln>
+          </p:spPr>
+          <p:style>
+            <a:lnRef idx="2">
+              <a:schemeClr val="accent1">
+                <a:shade val="50000"/>
+              </a:schemeClr>
+            </a:lnRef>
+            <a:fillRef idx="1">
+              <a:schemeClr val="accent1"/>
+            </a:fillRef>
+            <a:effectRef idx="0">
+              <a:schemeClr val="accent1"/>
+            </a:effectRef>
+            <a:fontRef idx="minor">
+              <a:schemeClr val="lt1"/>
+            </a:fontRef>
+          </p:style>
+          <p:txBody>
+            <a:bodyPr rtlCol="0" anchor="ctr"/>
+            <a:lstStyle/>
+            <a:p>
+              <a:pPr marL="0" marR="0" lvl="0" indent="0" algn="ctr" defTabSz="914400" rtl="0" eaLnBrk="1" fontAlgn="auto" latinLnBrk="0" hangingPunct="1">
+                <a:lnSpc>
+                  <a:spcPct val="100000"/>
+                </a:lnSpc>
+                <a:spcBef>
+                  <a:spcPts val="0"/>
+                </a:spcBef>
+                <a:spcAft>
+                  <a:spcPts val="0"/>
+                </a:spcAft>
+                <a:buClrTx/>
+                <a:buSzTx/>
+                <a:buFontTx/>
+                <a:buNone/>
+                <a:tabLst/>
+                <a:defRPr/>
+              </a:pPr>
+              <a:endParaRPr kumimoji="0" lang="en-US" sz="1800" b="0" i="0" u="none" strike="noStrike" kern="1200" cap="none" spc="0" normalizeH="0" baseline="0" noProof="0">
+                <a:ln>
+                  <a:noFill/>
+                </a:ln>
+                <a:solidFill>
+                  <a:prstClr val="white"/>
+                </a:solidFill>
+                <a:effectLst/>
+                <a:uLnTx/>
+                <a:uFillTx/>
+                <a:latin typeface="Avenir Next LT Pro Light"/>
+                <a:ea typeface="+mn-ea"/>
+                <a:cs typeface="+mn-cs"/>
+              </a:endParaRPr>
+            </a:p>
+          </p:txBody>
+        </p:sp>
+        <p:sp>
+          <p:nvSpPr>
+            <p:cNvPr id="15" name="Graphic 12">
+              <a:extLst>
+                <a:ext uri="{FF2B5EF4-FFF2-40B4-BE49-F238E27FC236}">
+                  <a16:creationId xmlns:a16="http://schemas.microsoft.com/office/drawing/2014/main" id="{CEF42844-A829-4ED2-A360-63BB2A7C45EE}"/>
+                </a:ext>
+                <a:ext uri="{C183D7F6-B498-43B3-948B-1728B52AA6E4}">
+                  <adec:decorative xmlns:adec="http://schemas.microsoft.com/office/drawing/2017/decorative" val="1"/>
+                </a:ext>
+              </a:extLst>
+            </p:cNvPr>
+            <p:cNvSpPr/>
+            <p:nvPr>
+              <p:extLst>
+                <p:ext uri="{386F3935-93C4-4BCD-93E2-E3B085C9AB24}">
+                  <p16:designElem xmlns:p16="http://schemas.microsoft.com/office/powerpoint/2015/main" val="1"/>
+                </p:ext>
+              </p:extLst>
+            </p:nvPr>
+          </p:nvSpPr>
+          <p:spPr>
+            <a:xfrm>
+              <a:off x="11142141" y="3272152"/>
+              <a:ext cx="180625" cy="158824"/>
+            </a:xfrm>
+            <a:custGeom>
+              <a:avLst/>
+              <a:gdLst>
+                <a:gd name="connsiteX0" fmla="*/ 63289 w 3341477"/>
+                <a:gd name="connsiteY0" fmla="*/ 1933384 h 2938167"/>
+                <a:gd name="connsiteX1" fmla="*/ 263314 w 3341477"/>
+                <a:gd name="connsiteY1" fmla="*/ 514159 h 2938167"/>
+                <a:gd name="connsiteX2" fmla="*/ 1098276 w 3341477"/>
+                <a:gd name="connsiteY2" fmla="*/ 952 h 2938167"/>
+                <a:gd name="connsiteX3" fmla="*/ 2654089 w 3341477"/>
+                <a:gd name="connsiteY3" fmla="*/ 371284 h 2938167"/>
+                <a:gd name="connsiteX4" fmla="*/ 3219398 w 3341477"/>
+                <a:gd name="connsiteY4" fmla="*/ 2080926 h 2938167"/>
+                <a:gd name="connsiteX5" fmla="*/ 2044489 w 3341477"/>
+                <a:gd name="connsiteY5" fmla="*/ 2933509 h 2938167"/>
+                <a:gd name="connsiteX6" fmla="*/ 453814 w 3341477"/>
+                <a:gd name="connsiteY6" fmla="*/ 2495359 h 2938167"/>
+                <a:gd name="connsiteX7" fmla="*/ 63289 w 3341477"/>
+                <a:gd name="connsiteY7" fmla="*/ 1933384 h 2938167"/>
+              </a:gdLst>
+              <a:ahLst/>
+              <a:cxnLst>
+                <a:cxn ang="0">
+                  <a:pos x="connsiteX0" y="connsiteY0"/>
+                </a:cxn>
+                <a:cxn ang="0">
+                  <a:pos x="connsiteX1" y="connsiteY1"/>
+                </a:cxn>
+                <a:cxn ang="0">
+                  <a:pos x="connsiteX2" y="connsiteY2"/>
+                </a:cxn>
+                <a:cxn ang="0">
+                  <a:pos x="connsiteX3" y="connsiteY3"/>
+                </a:cxn>
+                <a:cxn ang="0">
+                  <a:pos x="connsiteX4" y="connsiteY4"/>
+                </a:cxn>
+                <a:cxn ang="0">
+                  <a:pos x="connsiteX5" y="connsiteY5"/>
+                </a:cxn>
+                <a:cxn ang="0">
+                  <a:pos x="connsiteX6" y="connsiteY6"/>
+                </a:cxn>
+                <a:cxn ang="0">
+                  <a:pos x="connsiteX7" y="connsiteY7"/>
+                </a:cxn>
+              </a:cxnLst>
+              <a:rect l="l" t="t" r="r" b="b"/>
+              <a:pathLst>
+                <a:path w="3341477" h="2938167">
+                  <a:moveTo>
+                    <a:pt x="63289" y="1933384"/>
+                  </a:moveTo>
+                  <a:cubicBezTo>
+                    <a:pt x="56717" y="1895856"/>
+                    <a:pt x="-165311" y="914209"/>
+                    <a:pt x="263314" y="514159"/>
+                  </a:cubicBezTo>
+                  <a:cubicBezTo>
+                    <a:pt x="691939" y="114109"/>
+                    <a:pt x="609262" y="11620"/>
+                    <a:pt x="1098276" y="952"/>
+                  </a:cubicBezTo>
+                  <a:cubicBezTo>
+                    <a:pt x="1587289" y="-9716"/>
+                    <a:pt x="2320714" y="66484"/>
+                    <a:pt x="2654089" y="371284"/>
+                  </a:cubicBezTo>
+                  <a:cubicBezTo>
+                    <a:pt x="2987464" y="676084"/>
+                    <a:pt x="3603732" y="1514094"/>
+                    <a:pt x="3219398" y="2080926"/>
+                  </a:cubicBezTo>
+                  <a:cubicBezTo>
+                    <a:pt x="2835064" y="2647759"/>
+                    <a:pt x="2558839" y="2895409"/>
+                    <a:pt x="2044489" y="2933509"/>
+                  </a:cubicBezTo>
+                  <a:cubicBezTo>
+                    <a:pt x="1530139" y="2971609"/>
+                    <a:pt x="701464" y="2771584"/>
+                    <a:pt x="453814" y="2495359"/>
+                  </a:cubicBezTo>
+                  <a:cubicBezTo>
+                    <a:pt x="206164" y="2219134"/>
+                    <a:pt x="101389" y="2152459"/>
+                    <a:pt x="63289" y="1933384"/>
+                  </a:cubicBezTo>
+                  <a:close/>
+                </a:path>
+              </a:pathLst>
+            </a:custGeom>
+            <a:grpFill/>
+            <a:ln w="9525" cap="flat">
+              <a:noFill/>
+              <a:prstDash val="solid"/>
+              <a:miter/>
+            </a:ln>
+          </p:spPr>
+          <p:txBody>
+            <a:bodyPr rtlCol="0" anchor="ctr"/>
+            <a:lstStyle/>
+            <a:p>
+              <a:endParaRPr lang="en-US"/>
+            </a:p>
+          </p:txBody>
+        </p:sp>
+        <p:sp>
+          <p:nvSpPr>
+            <p:cNvPr id="16" name="Graphic 15">
+              <a:extLst>
+                <a:ext uri="{FF2B5EF4-FFF2-40B4-BE49-F238E27FC236}">
+                  <a16:creationId xmlns:a16="http://schemas.microsoft.com/office/drawing/2014/main" id="{57B23B52-A1C3-44EF-BC11-9094A0DA11AB}"/>
+                </a:ext>
+                <a:ext uri="{C183D7F6-B498-43B3-948B-1728B52AA6E4}">
+                  <adec:decorative xmlns:adec="http://schemas.microsoft.com/office/drawing/2017/decorative" val="1"/>
+                </a:ext>
+              </a:extLst>
+            </p:cNvPr>
+            <p:cNvSpPr/>
+            <p:nvPr>
+              <p:extLst>
+                <p:ext uri="{386F3935-93C4-4BCD-93E2-E3B085C9AB24}">
+                  <p16:designElem xmlns:p16="http://schemas.microsoft.com/office/powerpoint/2015/main" val="1"/>
+                </p:ext>
+              </p:extLst>
+            </p:nvPr>
+          </p:nvSpPr>
+          <p:spPr>
+            <a:xfrm>
+              <a:off x="11602136" y="3379098"/>
+              <a:ext cx="82388" cy="75292"/>
+            </a:xfrm>
+            <a:custGeom>
+              <a:avLst/>
+              <a:gdLst>
+                <a:gd name="connsiteX0" fmla="*/ 17664 w 5240764"/>
+                <a:gd name="connsiteY0" fmla="*/ 2947947 h 4789394"/>
+                <a:gd name="connsiteX1" fmla="*/ 903489 w 5240764"/>
+                <a:gd name="connsiteY1" fmla="*/ 195222 h 4789394"/>
+                <a:gd name="connsiteX2" fmla="*/ 3560964 w 5240764"/>
+                <a:gd name="connsiteY2" fmla="*/ 357147 h 4789394"/>
+                <a:gd name="connsiteX3" fmla="*/ 5240602 w 5240764"/>
+                <a:gd name="connsiteY3" fmla="*/ 2076409 h 4789394"/>
+                <a:gd name="connsiteX4" fmla="*/ 4568328 w 5240764"/>
+                <a:gd name="connsiteY4" fmla="*/ 3879397 h 4789394"/>
+                <a:gd name="connsiteX5" fmla="*/ 3284739 w 5240764"/>
+                <a:gd name="connsiteY5" fmla="*/ 4605297 h 4789394"/>
+                <a:gd name="connsiteX6" fmla="*/ 1074939 w 5240764"/>
+                <a:gd name="connsiteY6" fmla="*/ 4357647 h 4789394"/>
+                <a:gd name="connsiteX7" fmla="*/ 15187 w 5240764"/>
+                <a:gd name="connsiteY7" fmla="*/ 2830313 h 4789394"/>
+              </a:gdLst>
+              <a:ahLst/>
+              <a:cxnLst>
+                <a:cxn ang="0">
+                  <a:pos x="connsiteX0" y="connsiteY0"/>
+                </a:cxn>
+                <a:cxn ang="0">
+                  <a:pos x="connsiteX1" y="connsiteY1"/>
+                </a:cxn>
+                <a:cxn ang="0">
+                  <a:pos x="connsiteX2" y="connsiteY2"/>
+                </a:cxn>
+                <a:cxn ang="0">
+                  <a:pos x="connsiteX3" y="connsiteY3"/>
+                </a:cxn>
+                <a:cxn ang="0">
+                  <a:pos x="connsiteX4" y="connsiteY4"/>
+                </a:cxn>
+                <a:cxn ang="0">
+                  <a:pos x="connsiteX5" y="connsiteY5"/>
+                </a:cxn>
+                <a:cxn ang="0">
+                  <a:pos x="connsiteX6" y="connsiteY6"/>
+                </a:cxn>
+                <a:cxn ang="0">
+                  <a:pos x="connsiteX7" y="connsiteY7"/>
+                </a:cxn>
+              </a:cxnLst>
+              <a:rect l="l" t="t" r="r" b="b"/>
+              <a:pathLst>
+                <a:path w="5240764" h="4789394">
+                  <a:moveTo>
+                    <a:pt x="17664" y="2947947"/>
+                  </a:moveTo>
+                  <a:cubicBezTo>
+                    <a:pt x="17664" y="2900322"/>
+                    <a:pt x="-201411" y="490497"/>
+                    <a:pt x="903489" y="195222"/>
+                  </a:cubicBezTo>
+                  <a:cubicBezTo>
+                    <a:pt x="2008389" y="-100053"/>
+                    <a:pt x="2598939" y="-71478"/>
+                    <a:pt x="3560964" y="357147"/>
+                  </a:cubicBezTo>
+                  <a:cubicBezTo>
+                    <a:pt x="4522989" y="785772"/>
+                    <a:pt x="5253271" y="1338222"/>
+                    <a:pt x="5240602" y="2076409"/>
+                  </a:cubicBezTo>
+                  <a:cubicBezTo>
+                    <a:pt x="5227934" y="2814597"/>
+                    <a:pt x="4842267" y="3677276"/>
+                    <a:pt x="4568328" y="3879397"/>
+                  </a:cubicBezTo>
+                  <a:cubicBezTo>
+                    <a:pt x="4294389" y="4081422"/>
+                    <a:pt x="4065789" y="4548147"/>
+                    <a:pt x="3284739" y="4605297"/>
+                  </a:cubicBezTo>
+                  <a:cubicBezTo>
+                    <a:pt x="2503689" y="4662447"/>
+                    <a:pt x="1579764" y="5110122"/>
+                    <a:pt x="1074939" y="4357647"/>
+                  </a:cubicBezTo>
+                  <a:cubicBezTo>
+                    <a:pt x="570114" y="3605172"/>
+                    <a:pt x="12615" y="3617554"/>
+                    <a:pt x="15187" y="2830313"/>
+                  </a:cubicBezTo>
+                </a:path>
+              </a:pathLst>
+            </a:custGeom>
+            <a:grpFill/>
+            <a:ln w="9525" cap="flat">
+              <a:noFill/>
+              <a:prstDash val="solid"/>
+              <a:miter/>
+            </a:ln>
+          </p:spPr>
+          <p:txBody>
+            <a:bodyPr rtlCol="0" anchor="ctr"/>
+            <a:lstStyle/>
+            <a:p>
+              <a:endParaRPr lang="en-US"/>
+            </a:p>
+          </p:txBody>
+        </p:sp>
+        <p:sp>
+          <p:nvSpPr>
+            <p:cNvPr id="17" name="Graphic 15">
+              <a:extLst>
+                <a:ext uri="{FF2B5EF4-FFF2-40B4-BE49-F238E27FC236}">
+                  <a16:creationId xmlns:a16="http://schemas.microsoft.com/office/drawing/2014/main" id="{064E08E5-DA92-4CF2-A0BF-E341800227B2}"/>
+                </a:ext>
+                <a:ext uri="{C183D7F6-B498-43B3-948B-1728B52AA6E4}">
+                  <adec:decorative xmlns:adec="http://schemas.microsoft.com/office/drawing/2017/decorative" val="1"/>
+                </a:ext>
+              </a:extLst>
+            </p:cNvPr>
+            <p:cNvSpPr/>
+            <p:nvPr>
+              <p:extLst>
+                <p:ext uri="{386F3935-93C4-4BCD-93E2-E3B085C9AB24}">
+                  <p16:designElem xmlns:p16="http://schemas.microsoft.com/office/powerpoint/2015/main" val="1"/>
+                </p:ext>
+              </p:extLst>
+            </p:nvPr>
+          </p:nvSpPr>
+          <p:spPr>
+            <a:xfrm>
+              <a:off x="10948005" y="3504095"/>
+              <a:ext cx="82388" cy="75292"/>
+            </a:xfrm>
+            <a:custGeom>
+              <a:avLst/>
+              <a:gdLst>
+                <a:gd name="connsiteX0" fmla="*/ 17664 w 5240764"/>
+                <a:gd name="connsiteY0" fmla="*/ 2947947 h 4789394"/>
+                <a:gd name="connsiteX1" fmla="*/ 903489 w 5240764"/>
+                <a:gd name="connsiteY1" fmla="*/ 195222 h 4789394"/>
+                <a:gd name="connsiteX2" fmla="*/ 3560964 w 5240764"/>
+                <a:gd name="connsiteY2" fmla="*/ 357147 h 4789394"/>
+                <a:gd name="connsiteX3" fmla="*/ 5240602 w 5240764"/>
+                <a:gd name="connsiteY3" fmla="*/ 2076409 h 4789394"/>
+                <a:gd name="connsiteX4" fmla="*/ 4568328 w 5240764"/>
+                <a:gd name="connsiteY4" fmla="*/ 3879397 h 4789394"/>
+                <a:gd name="connsiteX5" fmla="*/ 3284739 w 5240764"/>
+                <a:gd name="connsiteY5" fmla="*/ 4605297 h 4789394"/>
+                <a:gd name="connsiteX6" fmla="*/ 1074939 w 5240764"/>
+                <a:gd name="connsiteY6" fmla="*/ 4357647 h 4789394"/>
+                <a:gd name="connsiteX7" fmla="*/ 15187 w 5240764"/>
+                <a:gd name="connsiteY7" fmla="*/ 2830313 h 4789394"/>
+              </a:gdLst>
+              <a:ahLst/>
+              <a:cxnLst>
+                <a:cxn ang="0">
+                  <a:pos x="connsiteX0" y="connsiteY0"/>
+                </a:cxn>
+                <a:cxn ang="0">
+                  <a:pos x="connsiteX1" y="connsiteY1"/>
+                </a:cxn>
+                <a:cxn ang="0">
+                  <a:pos x="connsiteX2" y="connsiteY2"/>
+                </a:cxn>
+                <a:cxn ang="0">
+                  <a:pos x="connsiteX3" y="connsiteY3"/>
+                </a:cxn>
+                <a:cxn ang="0">
+                  <a:pos x="connsiteX4" y="connsiteY4"/>
+                </a:cxn>
+                <a:cxn ang="0">
+                  <a:pos x="connsiteX5" y="connsiteY5"/>
+                </a:cxn>
+                <a:cxn ang="0">
+                  <a:pos x="connsiteX6" y="connsiteY6"/>
+                </a:cxn>
+                <a:cxn ang="0">
+                  <a:pos x="connsiteX7" y="connsiteY7"/>
+                </a:cxn>
+              </a:cxnLst>
+              <a:rect l="l" t="t" r="r" b="b"/>
+              <a:pathLst>
+                <a:path w="5240764" h="4789394">
+                  <a:moveTo>
+                    <a:pt x="17664" y="2947947"/>
+                  </a:moveTo>
+                  <a:cubicBezTo>
+                    <a:pt x="17664" y="2900322"/>
+                    <a:pt x="-201411" y="490497"/>
+                    <a:pt x="903489" y="195222"/>
+                  </a:cubicBezTo>
+                  <a:cubicBezTo>
+                    <a:pt x="2008389" y="-100053"/>
+                    <a:pt x="2598939" y="-71478"/>
+                    <a:pt x="3560964" y="357147"/>
+                  </a:cubicBezTo>
+                  <a:cubicBezTo>
+                    <a:pt x="4522989" y="785772"/>
+                    <a:pt x="5253271" y="1338222"/>
+                    <a:pt x="5240602" y="2076409"/>
+                  </a:cubicBezTo>
+                  <a:cubicBezTo>
+                    <a:pt x="5227934" y="2814597"/>
+                    <a:pt x="4842267" y="3677276"/>
+                    <a:pt x="4568328" y="3879397"/>
+                  </a:cubicBezTo>
+                  <a:cubicBezTo>
+                    <a:pt x="4294389" y="4081422"/>
+                    <a:pt x="4065789" y="4548147"/>
+                    <a:pt x="3284739" y="4605297"/>
+                  </a:cubicBezTo>
+                  <a:cubicBezTo>
+                    <a:pt x="2503689" y="4662447"/>
+                    <a:pt x="1579764" y="5110122"/>
+                    <a:pt x="1074939" y="4357647"/>
+                  </a:cubicBezTo>
+                  <a:cubicBezTo>
+                    <a:pt x="570114" y="3605172"/>
+                    <a:pt x="12615" y="3617554"/>
+                    <a:pt x="15187" y="2830313"/>
+                  </a:cubicBezTo>
+                </a:path>
+              </a:pathLst>
+            </a:custGeom>
+            <a:grpFill/>
+            <a:ln w="9525" cap="flat">
+              <a:noFill/>
+              <a:prstDash val="solid"/>
+              <a:miter/>
+            </a:ln>
+          </p:spPr>
+          <p:txBody>
+            <a:bodyPr rtlCol="0" anchor="ctr"/>
+            <a:lstStyle/>
+            <a:p>
+              <a:endParaRPr lang="en-US"/>
+            </a:p>
+          </p:txBody>
+        </p:sp>
+        <p:sp>
+          <p:nvSpPr>
+            <p:cNvPr id="18" name="Freeform: Shape 17">
+              <a:extLst>
+                <a:ext uri="{FF2B5EF4-FFF2-40B4-BE49-F238E27FC236}">
+                  <a16:creationId xmlns:a16="http://schemas.microsoft.com/office/drawing/2014/main" id="{7A222560-E657-4CAE-B667-7BE9E224B244}"/>
+                </a:ext>
+                <a:ext uri="{C183D7F6-B498-43B3-948B-1728B52AA6E4}">
+                  <adec:decorative xmlns:adec="http://schemas.microsoft.com/office/drawing/2017/decorative" val="1"/>
+                </a:ext>
+              </a:extLst>
+            </p:cNvPr>
+            <p:cNvSpPr/>
+            <p:nvPr>
+              <p:extLst>
+                <p:ext uri="{386F3935-93C4-4BCD-93E2-E3B085C9AB24}">
+                  <p16:designElem xmlns:p16="http://schemas.microsoft.com/office/powerpoint/2015/main" val="1"/>
+                </p:ext>
+              </p:extLst>
+            </p:nvPr>
+          </p:nvSpPr>
+          <p:spPr>
+            <a:xfrm>
+              <a:off x="11343727" y="3666564"/>
+              <a:ext cx="173527" cy="138496"/>
+            </a:xfrm>
+            <a:custGeom>
+              <a:avLst/>
+              <a:gdLst>
+                <a:gd name="connsiteX0" fmla="*/ 237392 w 789043"/>
+                <a:gd name="connsiteY0" fmla="*/ 81 h 629754"/>
+                <a:gd name="connsiteX1" fmla="*/ 758692 w 789043"/>
+                <a:gd name="connsiteY1" fmla="*/ 233550 h 629754"/>
+                <a:gd name="connsiteX2" fmla="*/ 650647 w 789043"/>
+                <a:gd name="connsiteY2" fmla="*/ 335111 h 629754"/>
+                <a:gd name="connsiteX3" fmla="*/ 315041 w 789043"/>
+                <a:gd name="connsiteY3" fmla="*/ 584992 h 629754"/>
+                <a:gd name="connsiteX4" fmla="*/ 192159 w 789043"/>
+                <a:gd name="connsiteY4" fmla="*/ 625953 h 629754"/>
+                <a:gd name="connsiteX5" fmla="*/ 124264 w 789043"/>
+                <a:gd name="connsiteY5" fmla="*/ 552260 h 629754"/>
+                <a:gd name="connsiteX6" fmla="*/ 1631 w 789043"/>
+                <a:gd name="connsiteY6" fmla="*/ 133735 h 629754"/>
+                <a:gd name="connsiteX7" fmla="*/ 35422 w 789043"/>
+                <a:gd name="connsiteY7" fmla="*/ 14157 h 629754"/>
+                <a:gd name="connsiteX8" fmla="*/ 113728 w 789043"/>
+                <a:gd name="connsiteY8" fmla="*/ 378 h 629754"/>
+                <a:gd name="connsiteX9" fmla="*/ 237392 w 789043"/>
+                <a:gd name="connsiteY9" fmla="*/ 81 h 629754"/>
+              </a:gdLst>
+              <a:ahLst/>
+              <a:cxnLst>
+                <a:cxn ang="0">
+                  <a:pos x="connsiteX0" y="connsiteY0"/>
+                </a:cxn>
+                <a:cxn ang="0">
+                  <a:pos x="connsiteX1" y="connsiteY1"/>
+                </a:cxn>
+                <a:cxn ang="0">
+                  <a:pos x="connsiteX2" y="connsiteY2"/>
+                </a:cxn>
+                <a:cxn ang="0">
+                  <a:pos x="connsiteX3" y="connsiteY3"/>
+                </a:cxn>
+                <a:cxn ang="0">
+                  <a:pos x="connsiteX4" y="connsiteY4"/>
+                </a:cxn>
+                <a:cxn ang="0">
+                  <a:pos x="connsiteX5" y="connsiteY5"/>
+                </a:cxn>
+                <a:cxn ang="0">
+                  <a:pos x="connsiteX6" y="connsiteY6"/>
+                </a:cxn>
+                <a:cxn ang="0">
+                  <a:pos x="connsiteX7" y="connsiteY7"/>
+                </a:cxn>
+                <a:cxn ang="0">
+                  <a:pos x="connsiteX8" y="connsiteY8"/>
+                </a:cxn>
+                <a:cxn ang="0">
+                  <a:pos x="connsiteX9" y="connsiteY9"/>
+                </a:cxn>
+              </a:cxnLst>
+              <a:rect l="l" t="t" r="r" b="b"/>
+              <a:pathLst>
+                <a:path w="789043" h="629754">
+                  <a:moveTo>
+                    <a:pt x="237392" y="81"/>
+                  </a:moveTo>
+                  <a:cubicBezTo>
+                    <a:pt x="474795" y="-992"/>
+                    <a:pt x="907215" y="10463"/>
+                    <a:pt x="758692" y="233550"/>
+                  </a:cubicBezTo>
+                  <a:cubicBezTo>
+                    <a:pt x="731135" y="274948"/>
+                    <a:pt x="690486" y="305435"/>
+                    <a:pt x="650647" y="335111"/>
+                  </a:cubicBezTo>
+                  <a:cubicBezTo>
+                    <a:pt x="538737" y="418405"/>
+                    <a:pt x="426889" y="501698"/>
+                    <a:pt x="315041" y="584992"/>
+                  </a:cubicBezTo>
+                  <a:cubicBezTo>
+                    <a:pt x="278943" y="611863"/>
+                    <a:pt x="234865" y="640167"/>
+                    <a:pt x="192159" y="625953"/>
+                  </a:cubicBezTo>
+                  <a:cubicBezTo>
+                    <a:pt x="159614" y="615105"/>
+                    <a:pt x="139851" y="582810"/>
+                    <a:pt x="124264" y="552260"/>
+                  </a:cubicBezTo>
+                  <a:cubicBezTo>
+                    <a:pt x="57742" y="422021"/>
+                    <a:pt x="15908" y="279250"/>
+                    <a:pt x="1631" y="133735"/>
+                  </a:cubicBezTo>
+                  <a:cubicBezTo>
+                    <a:pt x="-2671" y="90343"/>
+                    <a:pt x="-676" y="38596"/>
+                    <a:pt x="35422" y="14157"/>
+                  </a:cubicBezTo>
+                  <a:cubicBezTo>
+                    <a:pt x="57804" y="-931"/>
+                    <a:pt x="86795" y="-557"/>
+                    <a:pt x="113728" y="378"/>
+                  </a:cubicBezTo>
+                  <a:cubicBezTo>
+                    <a:pt x="138207" y="1243"/>
+                    <a:pt x="182606" y="328"/>
+                    <a:pt x="237392" y="81"/>
+                  </a:cubicBezTo>
+                  <a:close/>
+                </a:path>
+              </a:pathLst>
+            </a:custGeom>
+            <a:grpFill/>
+            <a:ln>
+              <a:noFill/>
+            </a:ln>
+          </p:spPr>
+          <p:style>
+            <a:lnRef idx="2">
+              <a:schemeClr val="accent1">
+                <a:shade val="50000"/>
+              </a:schemeClr>
+            </a:lnRef>
+            <a:fillRef idx="1">
+              <a:schemeClr val="accent1"/>
+            </a:fillRef>
+            <a:effectRef idx="0">
+              <a:schemeClr val="accent1"/>
+            </a:effectRef>
+            <a:fontRef idx="minor">
+              <a:schemeClr val="lt1"/>
+            </a:fontRef>
+          </p:style>
+          <p:txBody>
+            <a:bodyPr rtlCol="0" anchor="ctr"/>
+            <a:lstStyle/>
+            <a:p>
+              <a:pPr algn="ctr"/>
+              <a:endParaRPr lang="en-US" dirty="0"/>
+            </a:p>
+          </p:txBody>
+        </p:sp>
+      </p:grpSp>
+      <p:sp>
+        <p:nvSpPr>
+          <p:cNvPr id="20" name="Freeform: Shape 19">
+            <a:extLst>
+              <a:ext uri="{FF2B5EF4-FFF2-40B4-BE49-F238E27FC236}">
+                <a16:creationId xmlns:a16="http://schemas.microsoft.com/office/drawing/2014/main" id="{59226104-0061-4319-8237-9C001BF85D49}"/>
+              </a:ext>
+              <a:ext uri="{C183D7F6-B498-43B3-948B-1728B52AA6E4}">
+                <adec:decorative xmlns:adec="http://schemas.microsoft.com/office/drawing/2017/decorative" val="1"/>
+              </a:ext>
+            </a:extLst>
+          </p:cNvPr>
+          <p:cNvSpPr>
+            <a:spLocks noGrp="1" noRot="1" noChangeAspect="1" noMove="1" noResize="1" noEditPoints="1" noAdjustHandles="1" noChangeArrowheads="1" noChangeShapeType="1" noTextEdit="1"/>
+          </p:cNvSpPr>
+          <p:nvPr>
+            <p:extLst>
+              <p:ext uri="{386F3935-93C4-4BCD-93E2-E3B085C9AB24}">
+                <p16:designElem xmlns:p16="http://schemas.microsoft.com/office/powerpoint/2015/main" val="1"/>
+              </p:ext>
+            </p:extLst>
+          </p:nvPr>
+        </p:nvSpPr>
+        <p:spPr>
+          <a:xfrm rot="5400000">
+            <a:off x="615181" y="-615181"/>
+            <a:ext cx="1085312" cy="2315675"/>
+          </a:xfrm>
+          <a:custGeom>
+            <a:avLst/>
+            <a:gdLst>
+              <a:gd name="connsiteX0" fmla="*/ 0 w 1085312"/>
+              <a:gd name="connsiteY0" fmla="*/ 2315675 h 2315675"/>
+              <a:gd name="connsiteX1" fmla="*/ 0 w 1085312"/>
+              <a:gd name="connsiteY1" fmla="*/ 0 h 2315675"/>
+              <a:gd name="connsiteX2" fmla="*/ 53089 w 1085312"/>
+              <a:gd name="connsiteY2" fmla="*/ 4542 h 2315675"/>
+              <a:gd name="connsiteX3" fmla="*/ 790077 w 1085312"/>
+              <a:gd name="connsiteY3" fmla="*/ 872756 h 2315675"/>
+              <a:gd name="connsiteX4" fmla="*/ 1085252 w 1085312"/>
+              <a:gd name="connsiteY4" fmla="*/ 1943649 h 2315675"/>
+              <a:gd name="connsiteX5" fmla="*/ 1064832 w 1085312"/>
+              <a:gd name="connsiteY5" fmla="*/ 2198094 h 2315675"/>
+              <a:gd name="connsiteX6" fmla="*/ 1043734 w 1085312"/>
+              <a:gd name="connsiteY6" fmla="*/ 2315675 h 2315675"/>
+              <a:gd name="connsiteX7" fmla="*/ 0 w 1085312"/>
+              <a:gd name="connsiteY7" fmla="*/ 2315675 h 2315675"/>
+            </a:gdLst>
+            <a:ahLst/>
+            <a:cxnLst>
+              <a:cxn ang="0">
+                <a:pos x="connsiteX0" y="connsiteY0"/>
+              </a:cxn>
+              <a:cxn ang="0">
+                <a:pos x="connsiteX1" y="connsiteY1"/>
+              </a:cxn>
+              <a:cxn ang="0">
+                <a:pos x="connsiteX2" y="connsiteY2"/>
+              </a:cxn>
+              <a:cxn ang="0">
+                <a:pos x="connsiteX3" y="connsiteY3"/>
+              </a:cxn>
+              <a:cxn ang="0">
+                <a:pos x="connsiteX4" y="connsiteY4"/>
+              </a:cxn>
+              <a:cxn ang="0">
+                <a:pos x="connsiteX5" y="connsiteY5"/>
+              </a:cxn>
+              <a:cxn ang="0">
+                <a:pos x="connsiteX6" y="connsiteY6"/>
+              </a:cxn>
+              <a:cxn ang="0">
+                <a:pos x="connsiteX7" y="connsiteY7"/>
+              </a:cxn>
+            </a:cxnLst>
+            <a:rect l="l" t="t" r="r" b="b"/>
+            <a:pathLst>
+              <a:path w="1085312" h="2315675">
+                <a:moveTo>
+                  <a:pt x="0" y="2315675"/>
+                </a:moveTo>
+                <a:lnTo>
+                  <a:pt x="0" y="0"/>
+                </a:lnTo>
+                <a:lnTo>
+                  <a:pt x="53089" y="4542"/>
+                </a:lnTo>
+                <a:cubicBezTo>
+                  <a:pt x="405263" y="73503"/>
+                  <a:pt x="612623" y="486635"/>
+                  <a:pt x="790077" y="872756"/>
+                </a:cubicBezTo>
+                <a:cubicBezTo>
+                  <a:pt x="937425" y="1193596"/>
+                  <a:pt x="1088787" y="1533232"/>
+                  <a:pt x="1085252" y="1943649"/>
+                </a:cubicBezTo>
+                <a:cubicBezTo>
+                  <a:pt x="1084528" y="2029058"/>
+                  <a:pt x="1077341" y="2113833"/>
+                  <a:pt x="1064832" y="2198094"/>
+                </a:cubicBezTo>
+                <a:lnTo>
+                  <a:pt x="1043734" y="2315675"/>
+                </a:lnTo>
+                <a:lnTo>
+                  <a:pt x="0" y="2315675"/>
+                </a:lnTo>
+                <a:close/>
+              </a:path>
+            </a:pathLst>
+          </a:custGeom>
+          <a:solidFill>
+            <a:schemeClr val="accent5">
+              <a:lumMod val="40000"/>
+              <a:lumOff val="60000"/>
+              <a:alpha val="50000"/>
+            </a:schemeClr>
+          </a:solidFill>
+          <a:ln>
+            <a:noFill/>
+          </a:ln>
+        </p:spPr>
+        <p:style>
+          <a:lnRef idx="2">
+            <a:schemeClr val="accent1">
+              <a:shade val="50000"/>
+            </a:schemeClr>
+          </a:lnRef>
+          <a:fillRef idx="1">
+            <a:schemeClr val="accent1"/>
+          </a:fillRef>
+          <a:effectRef idx="0">
+            <a:schemeClr val="accent1"/>
+          </a:effectRef>
+          <a:fontRef idx="minor">
+            <a:schemeClr val="lt1"/>
+          </a:fontRef>
+        </p:style>
+        <p:txBody>
+          <a:bodyPr wrap="square" rtlCol="0" anchor="ctr">
+            <a:noAutofit/>
+          </a:bodyPr>
+          <a:lstStyle/>
+          <a:p>
+            <a:pPr algn="ctr"/>
+            <a:endParaRPr lang="en-US"/>
+          </a:p>
+        </p:txBody>
+      </p:sp>
+      <p:grpSp>
+        <p:nvGrpSpPr>
+          <p:cNvPr id="22" name="Graphic 78">
+            <a:extLst>
+              <a:ext uri="{FF2B5EF4-FFF2-40B4-BE49-F238E27FC236}">
+                <a16:creationId xmlns:a16="http://schemas.microsoft.com/office/drawing/2014/main" id="{51B01909-73B8-4486-A749-C643B1D7E361}"/>
+              </a:ext>
+              <a:ext uri="{C183D7F6-B498-43B3-948B-1728B52AA6E4}">
+                <adec:decorative xmlns:adec="http://schemas.microsoft.com/office/drawing/2017/decorative" val="1"/>
+              </a:ext>
+            </a:extLst>
+          </p:cNvPr>
+          <p:cNvGrpSpPr>
+            <a:grpSpLocks noGrp="1" noUngrp="1" noRot="1" noChangeAspect="1" noMove="1" noResize="1"/>
+          </p:cNvGrpSpPr>
+          <p:nvPr>
+            <p:extLst>
+              <p:ext uri="{386F3935-93C4-4BCD-93E2-E3B085C9AB24}">
+                <p16:designElem xmlns:p16="http://schemas.microsoft.com/office/powerpoint/2015/main" val="1"/>
+              </p:ext>
+            </p:extLst>
+          </p:nvPr>
+        </p:nvGrpSpPr>
+        <p:grpSpPr>
+          <a:xfrm>
+            <a:off x="530225" y="3267662"/>
+            <a:ext cx="972241" cy="45718"/>
+            <a:chOff x="4886325" y="3371754"/>
+            <a:chExt cx="2418492" cy="113728"/>
+          </a:xfrm>
+          <a:solidFill>
+            <a:schemeClr val="accent1"/>
+          </a:solidFill>
+        </p:grpSpPr>
+        <p:sp>
+          <p:nvSpPr>
+            <p:cNvPr id="23" name="Graphic 78">
+              <a:extLst>
+                <a:ext uri="{FF2B5EF4-FFF2-40B4-BE49-F238E27FC236}">
+                  <a16:creationId xmlns:a16="http://schemas.microsoft.com/office/drawing/2014/main" id="{5E279D86-4533-45F1-B0AA-D237399A5ED5}"/>
+                </a:ext>
+                <a:ext uri="{C183D7F6-B498-43B3-948B-1728B52AA6E4}">
+                  <adec:decorative xmlns:adec="http://schemas.microsoft.com/office/drawing/2017/decorative" val="1"/>
+                </a:ext>
+              </a:extLst>
+            </p:cNvPr>
+            <p:cNvSpPr/>
+            <p:nvPr>
+              <p:extLst>
+                <p:ext uri="{386F3935-93C4-4BCD-93E2-E3B085C9AB24}">
+                  <p16:designElem xmlns:p16="http://schemas.microsoft.com/office/powerpoint/2015/main" val="1"/>
+                </p:ext>
+              </p:extLst>
+            </p:nvPr>
+          </p:nvSpPr>
+          <p:spPr>
+            <a:xfrm>
+              <a:off x="4886325" y="3428428"/>
+              <a:ext cx="2418302" cy="9525"/>
+            </a:xfrm>
+            <a:custGeom>
+              <a:avLst/>
+              <a:gdLst>
+                <a:gd name="connsiteX0" fmla="*/ 0 w 2418302"/>
+                <a:gd name="connsiteY0" fmla="*/ 0 h 9525"/>
+                <a:gd name="connsiteX1" fmla="*/ 2418302 w 2418302"/>
+                <a:gd name="connsiteY1" fmla="*/ 0 h 9525"/>
+              </a:gdLst>
+              <a:ahLst/>
+              <a:cxnLst>
+                <a:cxn ang="0">
+                  <a:pos x="connsiteX0" y="connsiteY0"/>
+                </a:cxn>
+                <a:cxn ang="0">
+                  <a:pos x="connsiteX1" y="connsiteY1"/>
+                </a:cxn>
+              </a:cxnLst>
+              <a:rect l="l" t="t" r="r" b="b"/>
+              <a:pathLst>
+                <a:path w="2418302" h="9525">
+                  <a:moveTo>
+                    <a:pt x="0" y="0"/>
+                  </a:moveTo>
+                  <a:lnTo>
+                    <a:pt x="2418302" y="0"/>
+                  </a:lnTo>
+                </a:path>
+              </a:pathLst>
+            </a:custGeom>
+            <a:grpFill/>
+            <a:ln w="9525" cap="flat">
+              <a:noFill/>
+              <a:prstDash val="solid"/>
+              <a:miter/>
+            </a:ln>
+          </p:spPr>
+          <p:txBody>
+            <a:bodyPr rtlCol="0" anchor="ctr"/>
+            <a:lstStyle/>
+            <a:p>
+              <a:pPr algn="ctr"/>
+              <a:endParaRPr lang="en-US"/>
+            </a:p>
+          </p:txBody>
+        </p:sp>
+        <p:grpSp>
+          <p:nvGrpSpPr>
+            <p:cNvPr id="24" name="Graphic 78">
+              <a:extLst>
+                <a:ext uri="{FF2B5EF4-FFF2-40B4-BE49-F238E27FC236}">
+                  <a16:creationId xmlns:a16="http://schemas.microsoft.com/office/drawing/2014/main" id="{764FD722-CB31-4326-ADD8-CBA52FD1FF59}"/>
+                </a:ext>
+                <a:ext uri="{C183D7F6-B498-43B3-948B-1728B52AA6E4}">
+                  <adec:decorative xmlns:adec="http://schemas.microsoft.com/office/drawing/2017/decorative" val="1"/>
+                </a:ext>
+              </a:extLst>
+            </p:cNvPr>
+            <p:cNvGrpSpPr/>
+            <p:nvPr>
+              <p:extLst>
+                <p:ext uri="{386F3935-93C4-4BCD-93E2-E3B085C9AB24}">
+                  <p16:designElem xmlns:p16="http://schemas.microsoft.com/office/powerpoint/2015/main" val="1"/>
+                </p:ext>
+              </p:extLst>
+            </p:nvPr>
+          </p:nvGrpSpPr>
+          <p:grpSpPr>
+            <a:xfrm>
+              <a:off x="4886709" y="3371754"/>
+              <a:ext cx="2418108" cy="113728"/>
+              <a:chOff x="4886709" y="3371754"/>
+              <a:chExt cx="2418108" cy="113728"/>
+            </a:xfrm>
+            <a:grpFill/>
+          </p:grpSpPr>
+          <p:sp>
+            <p:nvSpPr>
+              <p:cNvPr id="25" name="Graphic 78">
+                <a:extLst>
+                  <a:ext uri="{FF2B5EF4-FFF2-40B4-BE49-F238E27FC236}">
+                    <a16:creationId xmlns:a16="http://schemas.microsoft.com/office/drawing/2014/main" id="{24E4BCEC-8B0A-444E-8509-1B3BB0449E5B}"/>
+                  </a:ext>
+                  <a:ext uri="{C183D7F6-B498-43B3-948B-1728B52AA6E4}">
+                    <adec:decorative xmlns:adec="http://schemas.microsoft.com/office/drawing/2017/decorative" val="1"/>
+                  </a:ext>
+                </a:extLst>
+              </p:cNvPr>
+              <p:cNvSpPr/>
+              <p:nvPr>
+                <p:extLst>
+                  <p:ext uri="{386F3935-93C4-4BCD-93E2-E3B085C9AB24}">
+                    <p16:designElem xmlns:p16="http://schemas.microsoft.com/office/powerpoint/2015/main" val="1"/>
+                  </p:ext>
+                </p:extLst>
+              </p:nvPr>
+            </p:nvSpPr>
+            <p:spPr>
+              <a:xfrm>
+                <a:off x="4895088" y="3474384"/>
+                <a:ext cx="32575" cy="2906"/>
+              </a:xfrm>
+              <a:custGeom>
+                <a:avLst/>
+                <a:gdLst>
+                  <a:gd name="connsiteX0" fmla="*/ 0 w 32575"/>
+                  <a:gd name="connsiteY0" fmla="*/ 49 h 2906"/>
+                  <a:gd name="connsiteX1" fmla="*/ 32576 w 32575"/>
+                  <a:gd name="connsiteY1" fmla="*/ 2907 h 2906"/>
+                  <a:gd name="connsiteX2" fmla="*/ 0 w 32575"/>
+                  <a:gd name="connsiteY2" fmla="*/ 49 h 2906"/>
+                </a:gdLst>
+                <a:ahLst/>
+                <a:cxnLst>
+                  <a:cxn ang="0">
+                    <a:pos x="connsiteX0" y="connsiteY0"/>
+                  </a:cxn>
+                  <a:cxn ang="0">
+                    <a:pos x="connsiteX1" y="connsiteY1"/>
+                  </a:cxn>
+                  <a:cxn ang="0">
+                    <a:pos x="connsiteX2" y="connsiteY2"/>
+                  </a:cxn>
+                </a:cxnLst>
+                <a:rect l="l" t="t" r="r" b="b"/>
+                <a:pathLst>
+                  <a:path w="32575" h="2906">
+                    <a:moveTo>
+                      <a:pt x="0" y="49"/>
+                    </a:moveTo>
+                    <a:cubicBezTo>
+                      <a:pt x="7430" y="2335"/>
+                      <a:pt x="20384" y="2526"/>
+                      <a:pt x="32576" y="2907"/>
+                    </a:cubicBezTo>
+                    <a:cubicBezTo>
+                      <a:pt x="23146" y="716"/>
+                      <a:pt x="13240" y="-236"/>
+                      <a:pt x="0" y="49"/>
+                    </a:cubicBezTo>
+                    <a:close/>
+                  </a:path>
+                </a:pathLst>
+              </a:custGeom>
+              <a:grpFill/>
+              <a:ln w="9525" cap="flat">
+                <a:noFill/>
+                <a:prstDash val="solid"/>
+                <a:miter/>
+              </a:ln>
+            </p:spPr>
+            <p:txBody>
+              <a:bodyPr rtlCol="0" anchor="ctr"/>
+              <a:lstStyle/>
+              <a:p>
+                <a:pPr algn="ctr"/>
+                <a:endParaRPr lang="en-US"/>
+              </a:p>
+            </p:txBody>
+          </p:sp>
+          <p:sp>
+            <p:nvSpPr>
+              <p:cNvPr id="26" name="Graphic 78">
+                <a:extLst>
+                  <a:ext uri="{FF2B5EF4-FFF2-40B4-BE49-F238E27FC236}">
+                    <a16:creationId xmlns:a16="http://schemas.microsoft.com/office/drawing/2014/main" id="{9DB36622-1DC7-4B17-8984-588BA8999FF6}"/>
+                  </a:ext>
+                  <a:ext uri="{C183D7F6-B498-43B3-948B-1728B52AA6E4}">
+                    <adec:decorative xmlns:adec="http://schemas.microsoft.com/office/drawing/2017/decorative" val="1"/>
+                  </a:ext>
+                </a:extLst>
+              </p:cNvPr>
+              <p:cNvSpPr/>
+              <p:nvPr>
+                <p:extLst>
+                  <p:ext uri="{386F3935-93C4-4BCD-93E2-E3B085C9AB24}">
+                    <p16:designElem xmlns:p16="http://schemas.microsoft.com/office/powerpoint/2015/main" val="1"/>
+                  </p:ext>
+                </p:extLst>
+              </p:nvPr>
+            </p:nvSpPr>
+            <p:spPr>
+              <a:xfrm>
+                <a:off x="4927758" y="3477344"/>
+                <a:ext cx="380" cy="42"/>
+              </a:xfrm>
+              <a:custGeom>
+                <a:avLst/>
+                <a:gdLst>
+                  <a:gd name="connsiteX0" fmla="*/ 190 w 380"/>
+                  <a:gd name="connsiteY0" fmla="*/ 42 h 42"/>
+                  <a:gd name="connsiteX1" fmla="*/ 381 w 380"/>
+                  <a:gd name="connsiteY1" fmla="*/ 42 h 42"/>
+                  <a:gd name="connsiteX2" fmla="*/ 0 w 380"/>
+                  <a:gd name="connsiteY2" fmla="*/ 42 h 42"/>
+                  <a:gd name="connsiteX3" fmla="*/ 190 w 380"/>
+                  <a:gd name="connsiteY3" fmla="*/ 42 h 42"/>
+                </a:gdLst>
+                <a:ahLst/>
+                <a:cxnLst>
+                  <a:cxn ang="0">
+                    <a:pos x="connsiteX0" y="connsiteY0"/>
+                  </a:cxn>
+                  <a:cxn ang="0">
+                    <a:pos x="connsiteX1" y="connsiteY1"/>
+                  </a:cxn>
+                  <a:cxn ang="0">
+                    <a:pos x="connsiteX2" y="connsiteY2"/>
+                  </a:cxn>
+                  <a:cxn ang="0">
+                    <a:pos x="connsiteX3" y="connsiteY3"/>
+                  </a:cxn>
+                </a:cxnLst>
+                <a:rect l="l" t="t" r="r" b="b"/>
+                <a:pathLst>
+                  <a:path w="380" h="42">
+                    <a:moveTo>
+                      <a:pt x="190" y="42"/>
+                    </a:moveTo>
+                    <a:cubicBezTo>
+                      <a:pt x="190" y="42"/>
+                      <a:pt x="286" y="42"/>
+                      <a:pt x="381" y="42"/>
+                    </a:cubicBezTo>
+                    <a:cubicBezTo>
+                      <a:pt x="190" y="42"/>
+                      <a:pt x="95" y="42"/>
+                      <a:pt x="0" y="42"/>
+                    </a:cubicBezTo>
+                    <a:cubicBezTo>
+                      <a:pt x="0" y="-53"/>
+                      <a:pt x="95" y="42"/>
+                      <a:pt x="190" y="42"/>
+                    </a:cubicBezTo>
+                    <a:close/>
+                  </a:path>
+                </a:pathLst>
+              </a:custGeom>
+              <a:grpFill/>
+              <a:ln w="9525" cap="flat">
+                <a:noFill/>
+                <a:prstDash val="solid"/>
+                <a:miter/>
+              </a:ln>
+            </p:spPr>
+            <p:txBody>
+              <a:bodyPr rtlCol="0" anchor="ctr"/>
+              <a:lstStyle/>
+              <a:p>
+                <a:pPr algn="ctr"/>
+                <a:endParaRPr lang="en-US"/>
+              </a:p>
+            </p:txBody>
+          </p:sp>
+          <p:sp>
+            <p:nvSpPr>
+              <p:cNvPr id="27" name="Graphic 78">
+                <a:extLst>
+                  <a:ext uri="{FF2B5EF4-FFF2-40B4-BE49-F238E27FC236}">
+                    <a16:creationId xmlns:a16="http://schemas.microsoft.com/office/drawing/2014/main" id="{51B97AF0-1974-42B9-B5FC-A332C52E8272}"/>
+                  </a:ext>
+                  <a:ext uri="{C183D7F6-B498-43B3-948B-1728B52AA6E4}">
+                    <adec:decorative xmlns:adec="http://schemas.microsoft.com/office/drawing/2017/decorative" val="1"/>
+                  </a:ext>
+                </a:extLst>
+              </p:cNvPr>
+              <p:cNvSpPr/>
+              <p:nvPr>
+                <p:extLst>
+                  <p:ext uri="{386F3935-93C4-4BCD-93E2-E3B085C9AB24}">
+                    <p16:designElem xmlns:p16="http://schemas.microsoft.com/office/powerpoint/2015/main" val="1"/>
+                  </p:ext>
+                </p:extLst>
+              </p:nvPr>
+            </p:nvSpPr>
+            <p:spPr>
+              <a:xfrm>
+                <a:off x="7285577" y="3374517"/>
+                <a:ext cx="10001" cy="190"/>
+              </a:xfrm>
+              <a:custGeom>
+                <a:avLst/>
+                <a:gdLst>
+                  <a:gd name="connsiteX0" fmla="*/ 10001 w 10001"/>
+                  <a:gd name="connsiteY0" fmla="*/ 0 h 190"/>
+                  <a:gd name="connsiteX1" fmla="*/ 0 w 10001"/>
+                  <a:gd name="connsiteY1" fmla="*/ 191 h 190"/>
+                  <a:gd name="connsiteX2" fmla="*/ 10001 w 10001"/>
+                  <a:gd name="connsiteY2" fmla="*/ 0 h 190"/>
+                </a:gdLst>
+                <a:ahLst/>
+                <a:cxnLst>
+                  <a:cxn ang="0">
+                    <a:pos x="connsiteX0" y="connsiteY0"/>
+                  </a:cxn>
+                  <a:cxn ang="0">
+                    <a:pos x="connsiteX1" y="connsiteY1"/>
+                  </a:cxn>
+                  <a:cxn ang="0">
+                    <a:pos x="connsiteX2" y="connsiteY2"/>
+                  </a:cxn>
+                </a:cxnLst>
+                <a:rect l="l" t="t" r="r" b="b"/>
+                <a:pathLst>
+                  <a:path w="10001" h="190">
+                    <a:moveTo>
+                      <a:pt x="10001" y="0"/>
+                    </a:moveTo>
+                    <a:cubicBezTo>
+                      <a:pt x="6953" y="0"/>
+                      <a:pt x="3524" y="95"/>
+                      <a:pt x="0" y="191"/>
+                    </a:cubicBezTo>
+                    <a:cubicBezTo>
+                      <a:pt x="3334" y="191"/>
+                      <a:pt x="6763" y="191"/>
+                      <a:pt x="10001" y="0"/>
+                    </a:cubicBezTo>
+                    <a:close/>
+                  </a:path>
+                </a:pathLst>
+              </a:custGeom>
+              <a:grpFill/>
+              <a:ln w="9525" cap="flat">
+                <a:noFill/>
+                <a:prstDash val="solid"/>
+                <a:miter/>
+              </a:ln>
+            </p:spPr>
+            <p:txBody>
+              <a:bodyPr rtlCol="0" anchor="ctr"/>
+              <a:lstStyle/>
+              <a:p>
+                <a:pPr algn="ctr"/>
+                <a:endParaRPr lang="en-US"/>
+              </a:p>
+            </p:txBody>
+          </p:sp>
+          <p:sp>
+            <p:nvSpPr>
+              <p:cNvPr id="28" name="Graphic 78">
+                <a:extLst>
+                  <a:ext uri="{FF2B5EF4-FFF2-40B4-BE49-F238E27FC236}">
+                    <a16:creationId xmlns:a16="http://schemas.microsoft.com/office/drawing/2014/main" id="{95A298AD-BE5D-4BE1-8CDF-DBFB42D63FEB}"/>
+                  </a:ext>
+                  <a:ext uri="{C183D7F6-B498-43B3-948B-1728B52AA6E4}">
+                    <adec:decorative xmlns:adec="http://schemas.microsoft.com/office/drawing/2017/decorative" val="1"/>
+                  </a:ext>
+                </a:extLst>
+              </p:cNvPr>
+              <p:cNvSpPr/>
+              <p:nvPr>
+                <p:extLst>
+                  <p:ext uri="{386F3935-93C4-4BCD-93E2-E3B085C9AB24}">
+                    <p16:designElem xmlns:p16="http://schemas.microsoft.com/office/powerpoint/2015/main" val="1"/>
+                  </p:ext>
+                </p:extLst>
+              </p:nvPr>
+            </p:nvSpPr>
+            <p:spPr>
+              <a:xfrm>
+                <a:off x="4886709" y="3371754"/>
+                <a:ext cx="2418108" cy="113728"/>
+              </a:xfrm>
+              <a:custGeom>
+                <a:avLst/>
+                <a:gdLst>
+                  <a:gd name="connsiteX0" fmla="*/ 632266 w 2418108"/>
+                  <a:gd name="connsiteY0" fmla="*/ 112205 h 113728"/>
+                  <a:gd name="connsiteX1" fmla="*/ 723039 w 2418108"/>
+                  <a:gd name="connsiteY1" fmla="*/ 109538 h 113728"/>
+                  <a:gd name="connsiteX2" fmla="*/ 735136 w 2418108"/>
+                  <a:gd name="connsiteY2" fmla="*/ 111823 h 113728"/>
+                  <a:gd name="connsiteX3" fmla="*/ 752471 w 2418108"/>
+                  <a:gd name="connsiteY3" fmla="*/ 108680 h 113728"/>
+                  <a:gd name="connsiteX4" fmla="*/ 772569 w 2418108"/>
+                  <a:gd name="connsiteY4" fmla="*/ 110585 h 113728"/>
+                  <a:gd name="connsiteX5" fmla="*/ 1112993 w 2418108"/>
+                  <a:gd name="connsiteY5" fmla="*/ 112967 h 113728"/>
+                  <a:gd name="connsiteX6" fmla="*/ 1083465 w 2418108"/>
+                  <a:gd name="connsiteY6" fmla="*/ 108776 h 113728"/>
+                  <a:gd name="connsiteX7" fmla="*/ 1296825 w 2418108"/>
+                  <a:gd name="connsiteY7" fmla="*/ 108966 h 113728"/>
+                  <a:gd name="connsiteX8" fmla="*/ 1346736 w 2418108"/>
+                  <a:gd name="connsiteY8" fmla="*/ 103632 h 113728"/>
+                  <a:gd name="connsiteX9" fmla="*/ 1360643 w 2418108"/>
+                  <a:gd name="connsiteY9" fmla="*/ 107633 h 113728"/>
+                  <a:gd name="connsiteX10" fmla="*/ 1381788 w 2418108"/>
+                  <a:gd name="connsiteY10" fmla="*/ 107442 h 113728"/>
+                  <a:gd name="connsiteX11" fmla="*/ 1371692 w 2418108"/>
+                  <a:gd name="connsiteY11" fmla="*/ 106490 h 113728"/>
+                  <a:gd name="connsiteX12" fmla="*/ 1430080 w 2418108"/>
+                  <a:gd name="connsiteY12" fmla="*/ 105537 h 113728"/>
+                  <a:gd name="connsiteX13" fmla="*/ 1420269 w 2418108"/>
+                  <a:gd name="connsiteY13" fmla="*/ 104108 h 113728"/>
+                  <a:gd name="connsiteX14" fmla="*/ 1455702 w 2418108"/>
+                  <a:gd name="connsiteY14" fmla="*/ 107061 h 113728"/>
+                  <a:gd name="connsiteX15" fmla="*/ 1439414 w 2418108"/>
+                  <a:gd name="connsiteY15" fmla="*/ 108109 h 113728"/>
+                  <a:gd name="connsiteX16" fmla="*/ 1503613 w 2418108"/>
+                  <a:gd name="connsiteY16" fmla="*/ 105918 h 113728"/>
+                  <a:gd name="connsiteX17" fmla="*/ 1495802 w 2418108"/>
+                  <a:gd name="connsiteY17" fmla="*/ 105823 h 113728"/>
+                  <a:gd name="connsiteX18" fmla="*/ 1695923 w 2418108"/>
+                  <a:gd name="connsiteY18" fmla="*/ 95155 h 113728"/>
+                  <a:gd name="connsiteX19" fmla="*/ 1684016 w 2418108"/>
+                  <a:gd name="connsiteY19" fmla="*/ 92488 h 113728"/>
+                  <a:gd name="connsiteX20" fmla="*/ 1706210 w 2418108"/>
+                  <a:gd name="connsiteY20" fmla="*/ 90202 h 113728"/>
+                  <a:gd name="connsiteX21" fmla="*/ 1693351 w 2418108"/>
+                  <a:gd name="connsiteY21" fmla="*/ 98108 h 113728"/>
+                  <a:gd name="connsiteX22" fmla="*/ 2058539 w 2418108"/>
+                  <a:gd name="connsiteY22" fmla="*/ 102203 h 113728"/>
+                  <a:gd name="connsiteX23" fmla="*/ 2064540 w 2418108"/>
+                  <a:gd name="connsiteY23" fmla="*/ 95060 h 113728"/>
+                  <a:gd name="connsiteX24" fmla="*/ 2227132 w 2418108"/>
+                  <a:gd name="connsiteY24" fmla="*/ 96203 h 113728"/>
+                  <a:gd name="connsiteX25" fmla="*/ 2245229 w 2418108"/>
+                  <a:gd name="connsiteY25" fmla="*/ 96869 h 113728"/>
+                  <a:gd name="connsiteX26" fmla="*/ 2254278 w 2418108"/>
+                  <a:gd name="connsiteY26" fmla="*/ 94393 h 113728"/>
+                  <a:gd name="connsiteX27" fmla="*/ 2418108 w 2418108"/>
+                  <a:gd name="connsiteY27" fmla="*/ 5810 h 113728"/>
+                  <a:gd name="connsiteX28" fmla="*/ 2399058 w 2418108"/>
+                  <a:gd name="connsiteY28" fmla="*/ 2858 h 113728"/>
+                  <a:gd name="connsiteX29" fmla="*/ 2241039 w 2418108"/>
+                  <a:gd name="connsiteY29" fmla="*/ 1905 h 113728"/>
+                  <a:gd name="connsiteX30" fmla="*/ 2243991 w 2418108"/>
+                  <a:gd name="connsiteY30" fmla="*/ 1048 h 113728"/>
+                  <a:gd name="connsiteX31" fmla="*/ 2197128 w 2418108"/>
+                  <a:gd name="connsiteY31" fmla="*/ 0 h 113728"/>
+                  <a:gd name="connsiteX32" fmla="*/ 1710591 w 2418108"/>
+                  <a:gd name="connsiteY32" fmla="*/ 6287 h 113728"/>
+                  <a:gd name="connsiteX33" fmla="*/ 1713353 w 2418108"/>
+                  <a:gd name="connsiteY33" fmla="*/ 5906 h 113728"/>
+                  <a:gd name="connsiteX34" fmla="*/ 1210814 w 2418108"/>
+                  <a:gd name="connsiteY34" fmla="*/ 7715 h 113728"/>
+                  <a:gd name="connsiteX35" fmla="*/ 684463 w 2418108"/>
+                  <a:gd name="connsiteY35" fmla="*/ 13716 h 113728"/>
+                  <a:gd name="connsiteX36" fmla="*/ 687511 w 2418108"/>
+                  <a:gd name="connsiteY36" fmla="*/ 12859 h 113728"/>
+                  <a:gd name="connsiteX37" fmla="*/ 435670 w 2418108"/>
+                  <a:gd name="connsiteY37" fmla="*/ 12192 h 113728"/>
+                  <a:gd name="connsiteX38" fmla="*/ 440718 w 2418108"/>
+                  <a:gd name="connsiteY38" fmla="*/ 12668 h 113728"/>
+                  <a:gd name="connsiteX39" fmla="*/ 386807 w 2418108"/>
+                  <a:gd name="connsiteY39" fmla="*/ 9906 h 113728"/>
+                  <a:gd name="connsiteX40" fmla="*/ 16856 w 2418108"/>
+                  <a:gd name="connsiteY40" fmla="*/ 12192 h 113728"/>
+                  <a:gd name="connsiteX41" fmla="*/ 63528 w 2418108"/>
+                  <a:gd name="connsiteY41" fmla="*/ 102870 h 113728"/>
+                  <a:gd name="connsiteX42" fmla="*/ 42668 w 2418108"/>
+                  <a:gd name="connsiteY42" fmla="*/ 102584 h 113728"/>
+                  <a:gd name="connsiteX43" fmla="*/ 41430 w 2418108"/>
+                  <a:gd name="connsiteY43" fmla="*/ 105537 h 113728"/>
+                  <a:gd name="connsiteX44" fmla="*/ 54575 w 2418108"/>
+                  <a:gd name="connsiteY44" fmla="*/ 105347 h 113728"/>
+                  <a:gd name="connsiteX45" fmla="*/ 388140 w 2418108"/>
+                  <a:gd name="connsiteY45" fmla="*/ 112109 h 113728"/>
+                  <a:gd name="connsiteX46" fmla="*/ 482152 w 2418108"/>
+                  <a:gd name="connsiteY46" fmla="*/ 113729 h 113728"/>
+                  <a:gd name="connsiteX47" fmla="*/ 632266 w 2418108"/>
+                  <a:gd name="connsiteY47" fmla="*/ 112205 h 113728"/>
+                </a:gdLst>
+                <a:ahLst/>
+                <a:cxnLst>
+                  <a:cxn ang="0">
+                    <a:pos x="connsiteX0" y="connsiteY0"/>
+                  </a:cxn>
+                  <a:cxn ang="0">
+                    <a:pos x="connsiteX1" y="connsiteY1"/>
+                  </a:cxn>
+                  <a:cxn ang="0">
+                    <a:pos x="connsiteX2" y="connsiteY2"/>
+                  </a:cxn>
+                  <a:cxn ang="0">
+                    <a:pos x="connsiteX3" y="connsiteY3"/>
+                  </a:cxn>
+                  <a:cxn ang="0">
+                    <a:pos x="connsiteX4" y="connsiteY4"/>
+                  </a:cxn>
+                  <a:cxn ang="0">
+                    <a:pos x="connsiteX5" y="connsiteY5"/>
+                  </a:cxn>
+                  <a:cxn ang="0">
+                    <a:pos x="connsiteX6" y="connsiteY6"/>
+                  </a:cxn>
+                  <a:cxn ang="0">
+                    <a:pos x="connsiteX7" y="connsiteY7"/>
+                  </a:cxn>
+                  <a:cxn ang="0">
+                    <a:pos x="connsiteX8" y="connsiteY8"/>
+                  </a:cxn>
+                  <a:cxn ang="0">
+                    <a:pos x="connsiteX9" y="connsiteY9"/>
+                  </a:cxn>
+                  <a:cxn ang="0">
+                    <a:pos x="connsiteX10" y="connsiteY10"/>
+                  </a:cxn>
+                  <a:cxn ang="0">
+                    <a:pos x="connsiteX11" y="connsiteY11"/>
+                  </a:cxn>
+                  <a:cxn ang="0">
+                    <a:pos x="connsiteX12" y="connsiteY12"/>
+                  </a:cxn>
+                  <a:cxn ang="0">
+                    <a:pos x="connsiteX13" y="connsiteY13"/>
+                  </a:cxn>
+                  <a:cxn ang="0">
+                    <a:pos x="connsiteX14" y="connsiteY14"/>
+                  </a:cxn>
+                  <a:cxn ang="0">
+                    <a:pos x="connsiteX15" y="connsiteY15"/>
+                  </a:cxn>
+                  <a:cxn ang="0">
+                    <a:pos x="connsiteX16" y="connsiteY16"/>
+                  </a:cxn>
+                  <a:cxn ang="0">
+                    <a:pos x="connsiteX17" y="connsiteY17"/>
+                  </a:cxn>
+                  <a:cxn ang="0">
+                    <a:pos x="connsiteX18" y="connsiteY18"/>
+                  </a:cxn>
+                  <a:cxn ang="0">
+                    <a:pos x="connsiteX19" y="connsiteY19"/>
+                  </a:cxn>
+                  <a:cxn ang="0">
+                    <a:pos x="connsiteX20" y="connsiteY20"/>
+                  </a:cxn>
+                  <a:cxn ang="0">
+                    <a:pos x="connsiteX21" y="connsiteY21"/>
+                  </a:cxn>
+                  <a:cxn ang="0">
+                    <a:pos x="connsiteX22" y="connsiteY22"/>
+                  </a:cxn>
+                  <a:cxn ang="0">
+                    <a:pos x="connsiteX23" y="connsiteY23"/>
+                  </a:cxn>
+                  <a:cxn ang="0">
+                    <a:pos x="connsiteX24" y="connsiteY24"/>
+                  </a:cxn>
+                  <a:cxn ang="0">
+                    <a:pos x="connsiteX25" y="connsiteY25"/>
+                  </a:cxn>
+                  <a:cxn ang="0">
+                    <a:pos x="connsiteX26" y="connsiteY26"/>
+                  </a:cxn>
+                  <a:cxn ang="0">
+                    <a:pos x="connsiteX27" y="connsiteY27"/>
+                  </a:cxn>
+                  <a:cxn ang="0">
+                    <a:pos x="connsiteX28" y="connsiteY28"/>
+                  </a:cxn>
+                  <a:cxn ang="0">
+                    <a:pos x="connsiteX29" y="connsiteY29"/>
+                  </a:cxn>
+                  <a:cxn ang="0">
+                    <a:pos x="connsiteX30" y="connsiteY30"/>
+                  </a:cxn>
+                  <a:cxn ang="0">
+                    <a:pos x="connsiteX31" y="connsiteY31"/>
+                  </a:cxn>
+                  <a:cxn ang="0">
+                    <a:pos x="connsiteX32" y="connsiteY32"/>
+                  </a:cxn>
+                  <a:cxn ang="0">
+                    <a:pos x="connsiteX33" y="connsiteY33"/>
+                  </a:cxn>
+                  <a:cxn ang="0">
+                    <a:pos x="connsiteX34" y="connsiteY34"/>
+                  </a:cxn>
+                  <a:cxn ang="0">
+                    <a:pos x="connsiteX35" y="connsiteY35"/>
+                  </a:cxn>
+                  <a:cxn ang="0">
+                    <a:pos x="connsiteX36" y="connsiteY36"/>
+                  </a:cxn>
+                  <a:cxn ang="0">
+                    <a:pos x="connsiteX37" y="connsiteY37"/>
+                  </a:cxn>
+                  <a:cxn ang="0">
+                    <a:pos x="connsiteX38" y="connsiteY38"/>
+                  </a:cxn>
+                  <a:cxn ang="0">
+                    <a:pos x="connsiteX39" y="connsiteY39"/>
+                  </a:cxn>
+                  <a:cxn ang="0">
+                    <a:pos x="connsiteX40" y="connsiteY40"/>
+                  </a:cxn>
+                  <a:cxn ang="0">
+                    <a:pos x="connsiteX41" y="connsiteY41"/>
+                  </a:cxn>
+                  <a:cxn ang="0">
+                    <a:pos x="connsiteX42" y="connsiteY42"/>
+                  </a:cxn>
+                  <a:cxn ang="0">
+                    <a:pos x="connsiteX43" y="connsiteY43"/>
+                  </a:cxn>
+                  <a:cxn ang="0">
+                    <a:pos x="connsiteX44" y="connsiteY44"/>
+                  </a:cxn>
+                  <a:cxn ang="0">
+                    <a:pos x="connsiteX45" y="connsiteY45"/>
+                  </a:cxn>
+                  <a:cxn ang="0">
+                    <a:pos x="connsiteX46" y="connsiteY46"/>
+                  </a:cxn>
+                  <a:cxn ang="0">
+                    <a:pos x="connsiteX47" y="connsiteY47"/>
+                  </a:cxn>
+                </a:cxnLst>
+                <a:rect l="l" t="t" r="r" b="b"/>
+                <a:pathLst>
+                  <a:path w="2418108" h="113728">
+                    <a:moveTo>
+                      <a:pt x="632266" y="112205"/>
+                    </a:moveTo>
+                    <a:cubicBezTo>
+                      <a:pt x="656364" y="104680"/>
+                      <a:pt x="694940" y="114110"/>
+                      <a:pt x="723039" y="109538"/>
+                    </a:cubicBezTo>
+                    <a:cubicBezTo>
+                      <a:pt x="722849" y="109919"/>
+                      <a:pt x="735898" y="110109"/>
+                      <a:pt x="735136" y="111823"/>
+                    </a:cubicBezTo>
+                    <a:cubicBezTo>
+                      <a:pt x="735041" y="108776"/>
+                      <a:pt x="767616" y="112300"/>
+                      <a:pt x="752471" y="108680"/>
+                    </a:cubicBezTo>
+                    <a:cubicBezTo>
+                      <a:pt x="754757" y="107633"/>
+                      <a:pt x="790571" y="107633"/>
+                      <a:pt x="772569" y="110585"/>
+                    </a:cubicBezTo>
+                    <a:cubicBezTo>
+                      <a:pt x="822099" y="111633"/>
+                      <a:pt x="1059653" y="114395"/>
+                      <a:pt x="1112993" y="112967"/>
+                    </a:cubicBezTo>
+                    <a:cubicBezTo>
+                      <a:pt x="1106135" y="110776"/>
+                      <a:pt x="1089656" y="112205"/>
+                      <a:pt x="1083465" y="108776"/>
+                    </a:cubicBezTo>
+                    <a:cubicBezTo>
+                      <a:pt x="1153950" y="111728"/>
+                      <a:pt x="1230626" y="113157"/>
+                      <a:pt x="1296825" y="108966"/>
+                    </a:cubicBezTo>
+                    <a:cubicBezTo>
+                      <a:pt x="1277680" y="103251"/>
+                      <a:pt x="1356071" y="110966"/>
+                      <a:pt x="1346736" y="103632"/>
+                    </a:cubicBezTo>
+                    <a:cubicBezTo>
+                      <a:pt x="1351213" y="105347"/>
+                      <a:pt x="1374454" y="106109"/>
+                      <a:pt x="1360643" y="107633"/>
+                    </a:cubicBezTo>
+                    <a:cubicBezTo>
+                      <a:pt x="1368548" y="107728"/>
+                      <a:pt x="1376168" y="108299"/>
+                      <a:pt x="1381788" y="107442"/>
+                    </a:cubicBezTo>
+                    <a:lnTo>
+                      <a:pt x="1371692" y="106490"/>
+                    </a:lnTo>
+                    <a:cubicBezTo>
+                      <a:pt x="1398266" y="106013"/>
+                      <a:pt x="1412744" y="108680"/>
+                      <a:pt x="1430080" y="105537"/>
+                    </a:cubicBezTo>
+                    <a:lnTo>
+                      <a:pt x="1420269" y="104108"/>
+                    </a:lnTo>
+                    <a:cubicBezTo>
+                      <a:pt x="1436176" y="103918"/>
+                      <a:pt x="1449416" y="103632"/>
+                      <a:pt x="1455702" y="107061"/>
+                    </a:cubicBezTo>
+                    <a:lnTo>
+                      <a:pt x="1439414" y="108109"/>
+                    </a:lnTo>
+                    <a:cubicBezTo>
+                      <a:pt x="1465799" y="108014"/>
+                      <a:pt x="1481610" y="107823"/>
+                      <a:pt x="1503613" y="105918"/>
+                    </a:cubicBezTo>
+                    <a:lnTo>
+                      <a:pt x="1495802" y="105823"/>
+                    </a:lnTo>
+                    <a:cubicBezTo>
+                      <a:pt x="1523806" y="102394"/>
+                      <a:pt x="1670110" y="99441"/>
+                      <a:pt x="1695923" y="95155"/>
+                    </a:cubicBezTo>
+                    <a:lnTo>
+                      <a:pt x="1684016" y="92488"/>
+                    </a:lnTo>
+                    <a:lnTo>
+                      <a:pt x="1706210" y="90202"/>
+                    </a:lnTo>
+                    <a:cubicBezTo>
+                      <a:pt x="1703543" y="90202"/>
+                      <a:pt x="1695542" y="98965"/>
+                      <a:pt x="1693351" y="98108"/>
+                    </a:cubicBezTo>
+                    <a:cubicBezTo>
+                      <a:pt x="1757549" y="99441"/>
+                      <a:pt x="2045109" y="91345"/>
+                      <a:pt x="2058539" y="102203"/>
+                    </a:cubicBezTo>
+                    <a:cubicBezTo>
+                      <a:pt x="2079780" y="101917"/>
+                      <a:pt x="2071303" y="103918"/>
+                      <a:pt x="2064540" y="95060"/>
+                    </a:cubicBezTo>
+                    <a:cubicBezTo>
+                      <a:pt x="2086638" y="95441"/>
+                      <a:pt x="2259707" y="88773"/>
+                      <a:pt x="2227132" y="96203"/>
+                    </a:cubicBezTo>
+                    <a:cubicBezTo>
+                      <a:pt x="2232371" y="96298"/>
+                      <a:pt x="2240372" y="95917"/>
+                      <a:pt x="2245229" y="96869"/>
+                    </a:cubicBezTo>
+                    <a:cubicBezTo>
+                      <a:pt x="2235704" y="94583"/>
+                      <a:pt x="2261708" y="95345"/>
+                      <a:pt x="2254278" y="94393"/>
+                    </a:cubicBezTo>
+                    <a:cubicBezTo>
+                      <a:pt x="2395724" y="108776"/>
+                      <a:pt x="2341527" y="36576"/>
+                      <a:pt x="2418108" y="5810"/>
+                    </a:cubicBezTo>
+                    <a:cubicBezTo>
+                      <a:pt x="2398772" y="4763"/>
+                      <a:pt x="2335717" y="7239"/>
+                      <a:pt x="2399058" y="2858"/>
+                    </a:cubicBezTo>
+                    <a:cubicBezTo>
+                      <a:pt x="2343527" y="-572"/>
+                      <a:pt x="2296283" y="1238"/>
+                      <a:pt x="2241039" y="1905"/>
+                    </a:cubicBezTo>
+                    <a:lnTo>
+                      <a:pt x="2243991" y="1048"/>
+                    </a:lnTo>
+                    <a:cubicBezTo>
+                      <a:pt x="2234181" y="-381"/>
+                      <a:pt x="2214845" y="1524"/>
+                      <a:pt x="2197128" y="0"/>
+                    </a:cubicBezTo>
+                    <a:cubicBezTo>
+                      <a:pt x="2115880" y="6096"/>
+                      <a:pt x="1816128" y="3524"/>
+                      <a:pt x="1710591" y="6287"/>
+                    </a:cubicBezTo>
+                    <a:lnTo>
+                      <a:pt x="1713353" y="5906"/>
+                    </a:lnTo>
+                    <a:cubicBezTo>
+                      <a:pt x="1577146" y="5429"/>
+                      <a:pt x="1349308" y="11240"/>
+                      <a:pt x="1210814" y="7715"/>
+                    </a:cubicBezTo>
+                    <a:cubicBezTo>
+                      <a:pt x="1095848" y="23717"/>
+                      <a:pt x="819051" y="5429"/>
+                      <a:pt x="684463" y="13716"/>
+                    </a:cubicBezTo>
+                    <a:lnTo>
+                      <a:pt x="687511" y="12859"/>
+                    </a:lnTo>
+                    <a:cubicBezTo>
+                      <a:pt x="655316" y="14192"/>
+                      <a:pt x="473008" y="10954"/>
+                      <a:pt x="435670" y="12192"/>
+                    </a:cubicBezTo>
+                    <a:lnTo>
+                      <a:pt x="440718" y="12668"/>
+                    </a:lnTo>
+                    <a:cubicBezTo>
+                      <a:pt x="408047" y="14764"/>
+                      <a:pt x="412524" y="11049"/>
+                      <a:pt x="386807" y="9906"/>
+                    </a:cubicBezTo>
+                    <a:cubicBezTo>
+                      <a:pt x="275174" y="28004"/>
+                      <a:pt x="142395" y="18764"/>
+                      <a:pt x="16856" y="12192"/>
+                    </a:cubicBezTo>
+                    <a:cubicBezTo>
+                      <a:pt x="-6195" y="35528"/>
+                      <a:pt x="-17434" y="114395"/>
+                      <a:pt x="63528" y="102870"/>
+                    </a:cubicBezTo>
+                    <a:cubicBezTo>
+                      <a:pt x="63528" y="102870"/>
+                      <a:pt x="42668" y="102584"/>
+                      <a:pt x="42668" y="102584"/>
+                    </a:cubicBezTo>
+                    <a:cubicBezTo>
+                      <a:pt x="58004" y="103156"/>
+                      <a:pt x="47336" y="104299"/>
+                      <a:pt x="41430" y="105537"/>
+                    </a:cubicBezTo>
+                    <a:cubicBezTo>
+                      <a:pt x="46764" y="105537"/>
+                      <a:pt x="68386" y="107442"/>
+                      <a:pt x="54575" y="105347"/>
+                    </a:cubicBezTo>
+                    <a:cubicBezTo>
+                      <a:pt x="158588" y="108109"/>
+                      <a:pt x="297462" y="110109"/>
+                      <a:pt x="388140" y="112109"/>
+                    </a:cubicBezTo>
+                    <a:cubicBezTo>
+                      <a:pt x="420525" y="113348"/>
+                      <a:pt x="453577" y="106680"/>
+                      <a:pt x="482152" y="113729"/>
+                    </a:cubicBezTo>
+                    <a:cubicBezTo>
+                      <a:pt x="477580" y="111919"/>
+                      <a:pt x="629885" y="111728"/>
+                      <a:pt x="632266" y="112205"/>
+                    </a:cubicBezTo>
+                    <a:close/>
+                  </a:path>
+                </a:pathLst>
+              </a:custGeom>
+              <a:grpFill/>
+              <a:ln w="9525" cap="flat">
+                <a:noFill/>
+                <a:prstDash val="solid"/>
+                <a:miter/>
+              </a:ln>
+            </p:spPr>
+            <p:txBody>
+              <a:bodyPr rtlCol="0" anchor="ctr"/>
+              <a:lstStyle/>
+              <a:p>
+                <a:pPr algn="ctr"/>
+                <a:endParaRPr lang="en-US"/>
+              </a:p>
+            </p:txBody>
+          </p:sp>
+        </p:grpSp>
+      </p:grpSp>
+      <p:sp useBgFill="1">
+        <p:nvSpPr>
+          <p:cNvPr id="30" name="Rectangle 29">
+            <a:extLst>
+              <a:ext uri="{FF2B5EF4-FFF2-40B4-BE49-F238E27FC236}">
+                <a16:creationId xmlns:a16="http://schemas.microsoft.com/office/drawing/2014/main" id="{A5D0B0D3-D735-4619-AA45-B57B791E1744}"/>
+              </a:ext>
+              <a:ext uri="{C183D7F6-B498-43B3-948B-1728B52AA6E4}">
+                <adec:decorative xmlns:adec="http://schemas.microsoft.com/office/drawing/2017/decorative" val="1"/>
+              </a:ext>
+            </a:extLst>
+          </p:cNvPr>
+          <p:cNvSpPr>
+            <a:spLocks noGrp="1" noRot="1" noChangeAspect="1" noMove="1" noResize="1" noEditPoints="1" noAdjustHandles="1" noChangeArrowheads="1" noChangeShapeType="1" noTextEdit="1"/>
+          </p:cNvSpPr>
+          <p:nvPr>
+            <p:extLst>
+              <p:ext uri="{386F3935-93C4-4BCD-93E2-E3B085C9AB24}">
+                <p16:designElem xmlns:p16="http://schemas.microsoft.com/office/powerpoint/2015/main" val="1"/>
+              </p:ext>
+            </p:extLst>
+          </p:nvPr>
+        </p:nvSpPr>
+        <p:spPr>
+          <a:xfrm>
+            <a:off x="0" y="0"/>
+            <a:ext cx="12192000" cy="6858000"/>
+          </a:xfrm>
+          <a:prstGeom prst="rect">
+            <a:avLst/>
+          </a:prstGeom>
+          <a:ln w="12700" cap="flat" cmpd="sng" algn="ctr">
+            <a:noFill/>
+            <a:prstDash val="solid"/>
+            <a:miter lim="800000"/>
+          </a:ln>
+          <a:effectLst/>
+          <a:extLst>
+            <a:ext uri="{91240B29-F687-4F45-9708-019B960494DF}">
+              <a14:hiddenLine xmlns:a14="http://schemas.microsoft.com/office/drawing/2010/main" w="12700" cap="flat" cmpd="sng" algn="ctr">
+                <a:solidFill>
+                  <a:schemeClr val="accent1">
+                    <a:shade val="50000"/>
+                  </a:schemeClr>
+                </a:solidFill>
+                <a:prstDash val="solid"/>
+                <a:miter lim="800000"/>
+              </a14:hiddenLine>
+            </a:ext>
+          </a:extLst>
+        </p:spPr>
+        <p:style>
+          <a:lnRef idx="2">
+            <a:schemeClr val="accent1">
+              <a:shade val="50000"/>
+            </a:schemeClr>
+          </a:lnRef>
+          <a:fillRef idx="1">
+            <a:schemeClr val="accent1"/>
+          </a:fillRef>
+          <a:effectRef idx="0">
+            <a:schemeClr val="accent1"/>
+          </a:effectRef>
+          <a:fontRef idx="minor">
+            <a:schemeClr val="lt1"/>
+          </a:fontRef>
+        </p:style>
+        <p:txBody>
+          <a:bodyPr rtlCol="0" anchor="ctr"/>
+          <a:lstStyle/>
+          <a:p>
+            <a:endParaRPr lang="en-US" dirty="0"/>
+          </a:p>
+        </p:txBody>
+      </p:sp>
+      <p:grpSp>
+        <p:nvGrpSpPr>
+          <p:cNvPr id="32" name="Graphic 78">
+            <a:extLst>
+              <a:ext uri="{FF2B5EF4-FFF2-40B4-BE49-F238E27FC236}">
+                <a16:creationId xmlns:a16="http://schemas.microsoft.com/office/drawing/2014/main" id="{06B4C967-D337-479B-87CA-7587B7FCFF5E}"/>
+              </a:ext>
+              <a:ext uri="{C183D7F6-B498-43B3-948B-1728B52AA6E4}">
+                <adec:decorative xmlns:adec="http://schemas.microsoft.com/office/drawing/2017/decorative" val="1"/>
+              </a:ext>
+            </a:extLst>
+          </p:cNvPr>
+          <p:cNvGrpSpPr>
+            <a:grpSpLocks noGrp="1" noUngrp="1" noRot="1" noChangeAspect="1" noMove="1" noResize="1"/>
+          </p:cNvGrpSpPr>
+          <p:nvPr>
+            <p:extLst>
+              <p:ext uri="{386F3935-93C4-4BCD-93E2-E3B085C9AB24}">
+                <p16:designElem xmlns:p16="http://schemas.microsoft.com/office/powerpoint/2015/main" val="1"/>
+              </p:ext>
+            </p:extLst>
+          </p:nvPr>
+        </p:nvGrpSpPr>
+        <p:grpSpPr>
+          <a:xfrm>
+            <a:off x="530352" y="3267662"/>
+            <a:ext cx="972241" cy="45718"/>
+            <a:chOff x="4886325" y="3371754"/>
+            <a:chExt cx="2418492" cy="113728"/>
+          </a:xfrm>
+          <a:solidFill>
+            <a:schemeClr val="accent1"/>
+          </a:solidFill>
+        </p:grpSpPr>
+        <p:sp>
+          <p:nvSpPr>
+            <p:cNvPr id="33" name="Graphic 78">
+              <a:extLst>
+                <a:ext uri="{FF2B5EF4-FFF2-40B4-BE49-F238E27FC236}">
+                  <a16:creationId xmlns:a16="http://schemas.microsoft.com/office/drawing/2014/main" id="{6EF1A9DB-7052-4254-8534-9AAED6F6B652}"/>
+                </a:ext>
+                <a:ext uri="{C183D7F6-B498-43B3-948B-1728B52AA6E4}">
+                  <adec:decorative xmlns:adec="http://schemas.microsoft.com/office/drawing/2017/decorative" val="1"/>
+                </a:ext>
+              </a:extLst>
+            </p:cNvPr>
+            <p:cNvSpPr/>
+            <p:nvPr>
+              <p:extLst>
+                <p:ext uri="{386F3935-93C4-4BCD-93E2-E3B085C9AB24}">
+                  <p16:designElem xmlns:p16="http://schemas.microsoft.com/office/powerpoint/2015/main" val="1"/>
+                </p:ext>
+              </p:extLst>
+            </p:nvPr>
+          </p:nvSpPr>
+          <p:spPr>
+            <a:xfrm>
+              <a:off x="4886325" y="3428428"/>
+              <a:ext cx="2418302" cy="9525"/>
+            </a:xfrm>
+            <a:custGeom>
+              <a:avLst/>
+              <a:gdLst>
+                <a:gd name="connsiteX0" fmla="*/ 0 w 2418302"/>
+                <a:gd name="connsiteY0" fmla="*/ 0 h 9525"/>
+                <a:gd name="connsiteX1" fmla="*/ 2418302 w 2418302"/>
+                <a:gd name="connsiteY1" fmla="*/ 0 h 9525"/>
+              </a:gdLst>
+              <a:ahLst/>
+              <a:cxnLst>
+                <a:cxn ang="0">
+                  <a:pos x="connsiteX0" y="connsiteY0"/>
+                </a:cxn>
+                <a:cxn ang="0">
+                  <a:pos x="connsiteX1" y="connsiteY1"/>
+                </a:cxn>
+              </a:cxnLst>
+              <a:rect l="l" t="t" r="r" b="b"/>
+              <a:pathLst>
+                <a:path w="2418302" h="9525">
+                  <a:moveTo>
+                    <a:pt x="0" y="0"/>
+                  </a:moveTo>
+                  <a:lnTo>
+                    <a:pt x="2418302" y="0"/>
+                  </a:lnTo>
+                </a:path>
+              </a:pathLst>
+            </a:custGeom>
+            <a:grpFill/>
+            <a:ln w="9525" cap="flat">
+              <a:noFill/>
+              <a:prstDash val="solid"/>
+              <a:miter/>
+            </a:ln>
+          </p:spPr>
+          <p:txBody>
+            <a:bodyPr rtlCol="0" anchor="ctr"/>
+            <a:lstStyle/>
+            <a:p>
+              <a:pPr algn="ctr"/>
+              <a:endParaRPr lang="en-US"/>
+            </a:p>
+          </p:txBody>
+        </p:sp>
+        <p:grpSp>
+          <p:nvGrpSpPr>
+            <p:cNvPr id="34" name="Graphic 78">
+              <a:extLst>
+                <a:ext uri="{FF2B5EF4-FFF2-40B4-BE49-F238E27FC236}">
+                  <a16:creationId xmlns:a16="http://schemas.microsoft.com/office/drawing/2014/main" id="{55D44775-F9E3-4142-8CDB-277AEF2F3880}"/>
+                </a:ext>
+                <a:ext uri="{C183D7F6-B498-43B3-948B-1728B52AA6E4}">
+                  <adec:decorative xmlns:adec="http://schemas.microsoft.com/office/drawing/2017/decorative" val="1"/>
+                </a:ext>
+              </a:extLst>
+            </p:cNvPr>
+            <p:cNvGrpSpPr/>
+            <p:nvPr>
+              <p:extLst>
+                <p:ext uri="{386F3935-93C4-4BCD-93E2-E3B085C9AB24}">
+                  <p16:designElem xmlns:p16="http://schemas.microsoft.com/office/powerpoint/2015/main" val="1"/>
+                </p:ext>
+              </p:extLst>
+            </p:nvPr>
+          </p:nvGrpSpPr>
+          <p:grpSpPr>
+            <a:xfrm>
+              <a:off x="4886709" y="3371754"/>
+              <a:ext cx="2418108" cy="113728"/>
+              <a:chOff x="4886709" y="3371754"/>
+              <a:chExt cx="2418108" cy="113728"/>
+            </a:xfrm>
+            <a:grpFill/>
+          </p:grpSpPr>
+          <p:sp>
+            <p:nvSpPr>
+              <p:cNvPr id="35" name="Graphic 78">
+                <a:extLst>
+                  <a:ext uri="{FF2B5EF4-FFF2-40B4-BE49-F238E27FC236}">
+                    <a16:creationId xmlns:a16="http://schemas.microsoft.com/office/drawing/2014/main" id="{93BB9C83-6DC3-450C-BFAD-0CB5EAD294F1}"/>
+                  </a:ext>
+                  <a:ext uri="{C183D7F6-B498-43B3-948B-1728B52AA6E4}">
+                    <adec:decorative xmlns:adec="http://schemas.microsoft.com/office/drawing/2017/decorative" val="1"/>
+                  </a:ext>
+                </a:extLst>
+              </p:cNvPr>
+              <p:cNvSpPr/>
+              <p:nvPr>
+                <p:extLst>
+                  <p:ext uri="{386F3935-93C4-4BCD-93E2-E3B085C9AB24}">
+                    <p16:designElem xmlns:p16="http://schemas.microsoft.com/office/powerpoint/2015/main" val="1"/>
+                  </p:ext>
+                </p:extLst>
+              </p:nvPr>
+            </p:nvSpPr>
+            <p:spPr>
+              <a:xfrm>
+                <a:off x="4895088" y="3474384"/>
+                <a:ext cx="32575" cy="2906"/>
+              </a:xfrm>
+              <a:custGeom>
+                <a:avLst/>
+                <a:gdLst>
+                  <a:gd name="connsiteX0" fmla="*/ 0 w 32575"/>
+                  <a:gd name="connsiteY0" fmla="*/ 49 h 2906"/>
+                  <a:gd name="connsiteX1" fmla="*/ 32576 w 32575"/>
+                  <a:gd name="connsiteY1" fmla="*/ 2907 h 2906"/>
+                  <a:gd name="connsiteX2" fmla="*/ 0 w 32575"/>
+                  <a:gd name="connsiteY2" fmla="*/ 49 h 2906"/>
+                </a:gdLst>
+                <a:ahLst/>
+                <a:cxnLst>
+                  <a:cxn ang="0">
+                    <a:pos x="connsiteX0" y="connsiteY0"/>
+                  </a:cxn>
+                  <a:cxn ang="0">
+                    <a:pos x="connsiteX1" y="connsiteY1"/>
+                  </a:cxn>
+                  <a:cxn ang="0">
+                    <a:pos x="connsiteX2" y="connsiteY2"/>
+                  </a:cxn>
+                </a:cxnLst>
+                <a:rect l="l" t="t" r="r" b="b"/>
+                <a:pathLst>
+                  <a:path w="32575" h="2906">
+                    <a:moveTo>
+                      <a:pt x="0" y="49"/>
+                    </a:moveTo>
+                    <a:cubicBezTo>
+                      <a:pt x="7430" y="2335"/>
+                      <a:pt x="20384" y="2526"/>
+                      <a:pt x="32576" y="2907"/>
+                    </a:cubicBezTo>
+                    <a:cubicBezTo>
+                      <a:pt x="23146" y="716"/>
+                      <a:pt x="13240" y="-236"/>
+                      <a:pt x="0" y="49"/>
+                    </a:cubicBezTo>
+                    <a:close/>
+                  </a:path>
+                </a:pathLst>
+              </a:custGeom>
+              <a:grpFill/>
+              <a:ln w="9525" cap="flat">
+                <a:noFill/>
+                <a:prstDash val="solid"/>
+                <a:miter/>
+              </a:ln>
+            </p:spPr>
+            <p:txBody>
+              <a:bodyPr rtlCol="0" anchor="ctr"/>
+              <a:lstStyle/>
+              <a:p>
+                <a:pPr algn="ctr"/>
+                <a:endParaRPr lang="en-US"/>
+              </a:p>
+            </p:txBody>
+          </p:sp>
+          <p:sp>
+            <p:nvSpPr>
+              <p:cNvPr id="36" name="Graphic 78">
+                <a:extLst>
+                  <a:ext uri="{FF2B5EF4-FFF2-40B4-BE49-F238E27FC236}">
+                    <a16:creationId xmlns:a16="http://schemas.microsoft.com/office/drawing/2014/main" id="{4E01AF91-A65B-4AE1-96C9-4168BD8F900A}"/>
+                  </a:ext>
+                  <a:ext uri="{C183D7F6-B498-43B3-948B-1728B52AA6E4}">
+                    <adec:decorative xmlns:adec="http://schemas.microsoft.com/office/drawing/2017/decorative" val="1"/>
+                  </a:ext>
+                </a:extLst>
+              </p:cNvPr>
+              <p:cNvSpPr/>
+              <p:nvPr>
+                <p:extLst>
+                  <p:ext uri="{386F3935-93C4-4BCD-93E2-E3B085C9AB24}">
+                    <p16:designElem xmlns:p16="http://schemas.microsoft.com/office/powerpoint/2015/main" val="1"/>
+                  </p:ext>
+                </p:extLst>
+              </p:nvPr>
+            </p:nvSpPr>
+            <p:spPr>
+              <a:xfrm>
+                <a:off x="4927758" y="3477344"/>
+                <a:ext cx="380" cy="42"/>
+              </a:xfrm>
+              <a:custGeom>
+                <a:avLst/>
+                <a:gdLst>
+                  <a:gd name="connsiteX0" fmla="*/ 190 w 380"/>
+                  <a:gd name="connsiteY0" fmla="*/ 42 h 42"/>
+                  <a:gd name="connsiteX1" fmla="*/ 381 w 380"/>
+                  <a:gd name="connsiteY1" fmla="*/ 42 h 42"/>
+                  <a:gd name="connsiteX2" fmla="*/ 0 w 380"/>
+                  <a:gd name="connsiteY2" fmla="*/ 42 h 42"/>
+                  <a:gd name="connsiteX3" fmla="*/ 190 w 380"/>
+                  <a:gd name="connsiteY3" fmla="*/ 42 h 42"/>
+                </a:gdLst>
+                <a:ahLst/>
+                <a:cxnLst>
+                  <a:cxn ang="0">
+                    <a:pos x="connsiteX0" y="connsiteY0"/>
+                  </a:cxn>
+                  <a:cxn ang="0">
+                    <a:pos x="connsiteX1" y="connsiteY1"/>
+                  </a:cxn>
+                  <a:cxn ang="0">
+                    <a:pos x="connsiteX2" y="connsiteY2"/>
+                  </a:cxn>
+                  <a:cxn ang="0">
+                    <a:pos x="connsiteX3" y="connsiteY3"/>
+                  </a:cxn>
+                </a:cxnLst>
+                <a:rect l="l" t="t" r="r" b="b"/>
+                <a:pathLst>
+                  <a:path w="380" h="42">
+                    <a:moveTo>
+                      <a:pt x="190" y="42"/>
+                    </a:moveTo>
+                    <a:cubicBezTo>
+                      <a:pt x="190" y="42"/>
+                      <a:pt x="286" y="42"/>
+                      <a:pt x="381" y="42"/>
+                    </a:cubicBezTo>
+                    <a:cubicBezTo>
+                      <a:pt x="190" y="42"/>
+                      <a:pt x="95" y="42"/>
+                      <a:pt x="0" y="42"/>
+                    </a:cubicBezTo>
+                    <a:cubicBezTo>
+                      <a:pt x="0" y="-53"/>
+                      <a:pt x="95" y="42"/>
+                      <a:pt x="190" y="42"/>
+                    </a:cubicBezTo>
+                    <a:close/>
+                  </a:path>
+                </a:pathLst>
+              </a:custGeom>
+              <a:grpFill/>
+              <a:ln w="9525" cap="flat">
+                <a:noFill/>
+                <a:prstDash val="solid"/>
+                <a:miter/>
+              </a:ln>
+            </p:spPr>
+            <p:txBody>
+              <a:bodyPr rtlCol="0" anchor="ctr"/>
+              <a:lstStyle/>
+              <a:p>
+                <a:pPr algn="ctr"/>
+                <a:endParaRPr lang="en-US"/>
+              </a:p>
+            </p:txBody>
+          </p:sp>
+          <p:sp>
+            <p:nvSpPr>
+              <p:cNvPr id="37" name="Graphic 78">
+                <a:extLst>
+                  <a:ext uri="{FF2B5EF4-FFF2-40B4-BE49-F238E27FC236}">
+                    <a16:creationId xmlns:a16="http://schemas.microsoft.com/office/drawing/2014/main" id="{0AD45C08-DFB9-441F-A901-BCB9B03058D7}"/>
+                  </a:ext>
+                  <a:ext uri="{C183D7F6-B498-43B3-948B-1728B52AA6E4}">
+                    <adec:decorative xmlns:adec="http://schemas.microsoft.com/office/drawing/2017/decorative" val="1"/>
+                  </a:ext>
+                </a:extLst>
+              </p:cNvPr>
+              <p:cNvSpPr/>
+              <p:nvPr>
+                <p:extLst>
+                  <p:ext uri="{386F3935-93C4-4BCD-93E2-E3B085C9AB24}">
+                    <p16:designElem xmlns:p16="http://schemas.microsoft.com/office/powerpoint/2015/main" val="1"/>
+                  </p:ext>
+                </p:extLst>
+              </p:nvPr>
+            </p:nvSpPr>
+            <p:spPr>
+              <a:xfrm>
+                <a:off x="7285577" y="3374517"/>
+                <a:ext cx="10001" cy="190"/>
+              </a:xfrm>
+              <a:custGeom>
+                <a:avLst/>
+                <a:gdLst>
+                  <a:gd name="connsiteX0" fmla="*/ 10001 w 10001"/>
+                  <a:gd name="connsiteY0" fmla="*/ 0 h 190"/>
+                  <a:gd name="connsiteX1" fmla="*/ 0 w 10001"/>
+                  <a:gd name="connsiteY1" fmla="*/ 191 h 190"/>
+                  <a:gd name="connsiteX2" fmla="*/ 10001 w 10001"/>
+                  <a:gd name="connsiteY2" fmla="*/ 0 h 190"/>
+                </a:gdLst>
+                <a:ahLst/>
+                <a:cxnLst>
+                  <a:cxn ang="0">
+                    <a:pos x="connsiteX0" y="connsiteY0"/>
+                  </a:cxn>
+                  <a:cxn ang="0">
+                    <a:pos x="connsiteX1" y="connsiteY1"/>
+                  </a:cxn>
+                  <a:cxn ang="0">
+                    <a:pos x="connsiteX2" y="connsiteY2"/>
+                  </a:cxn>
+                </a:cxnLst>
+                <a:rect l="l" t="t" r="r" b="b"/>
+                <a:pathLst>
+                  <a:path w="10001" h="190">
+                    <a:moveTo>
+                      <a:pt x="10001" y="0"/>
+                    </a:moveTo>
+                    <a:cubicBezTo>
+                      <a:pt x="6953" y="0"/>
+                      <a:pt x="3524" y="95"/>
+                      <a:pt x="0" y="191"/>
+                    </a:cubicBezTo>
+                    <a:cubicBezTo>
+                      <a:pt x="3334" y="191"/>
+                      <a:pt x="6763" y="191"/>
+                      <a:pt x="10001" y="0"/>
+                    </a:cubicBezTo>
+                    <a:close/>
+                  </a:path>
+                </a:pathLst>
+              </a:custGeom>
+              <a:grpFill/>
+              <a:ln w="9525" cap="flat">
+                <a:noFill/>
+                <a:prstDash val="solid"/>
+                <a:miter/>
+              </a:ln>
+            </p:spPr>
+            <p:txBody>
+              <a:bodyPr rtlCol="0" anchor="ctr"/>
+              <a:lstStyle/>
+              <a:p>
+                <a:pPr algn="ctr"/>
+                <a:endParaRPr lang="en-US"/>
+              </a:p>
+            </p:txBody>
+          </p:sp>
+          <p:sp>
+            <p:nvSpPr>
+              <p:cNvPr id="38" name="Graphic 78">
+                <a:extLst>
+                  <a:ext uri="{FF2B5EF4-FFF2-40B4-BE49-F238E27FC236}">
+                    <a16:creationId xmlns:a16="http://schemas.microsoft.com/office/drawing/2014/main" id="{E05BEC0E-4EE4-42C4-BF0B-15F9AC518157}"/>
+                  </a:ext>
+                  <a:ext uri="{C183D7F6-B498-43B3-948B-1728B52AA6E4}">
+                    <adec:decorative xmlns:adec="http://schemas.microsoft.com/office/drawing/2017/decorative" val="1"/>
+                  </a:ext>
+                </a:extLst>
+              </p:cNvPr>
+              <p:cNvSpPr/>
+              <p:nvPr>
+                <p:extLst>
+                  <p:ext uri="{386F3935-93C4-4BCD-93E2-E3B085C9AB24}">
+                    <p16:designElem xmlns:p16="http://schemas.microsoft.com/office/powerpoint/2015/main" val="1"/>
+                  </p:ext>
+                </p:extLst>
+              </p:nvPr>
+            </p:nvSpPr>
+            <p:spPr>
+              <a:xfrm>
+                <a:off x="4886709" y="3371754"/>
+                <a:ext cx="2418108" cy="113728"/>
+              </a:xfrm>
+              <a:custGeom>
+                <a:avLst/>
+                <a:gdLst>
+                  <a:gd name="connsiteX0" fmla="*/ 632266 w 2418108"/>
+                  <a:gd name="connsiteY0" fmla="*/ 112205 h 113728"/>
+                  <a:gd name="connsiteX1" fmla="*/ 723039 w 2418108"/>
+                  <a:gd name="connsiteY1" fmla="*/ 109538 h 113728"/>
+                  <a:gd name="connsiteX2" fmla="*/ 735136 w 2418108"/>
+                  <a:gd name="connsiteY2" fmla="*/ 111823 h 113728"/>
+                  <a:gd name="connsiteX3" fmla="*/ 752471 w 2418108"/>
+                  <a:gd name="connsiteY3" fmla="*/ 108680 h 113728"/>
+                  <a:gd name="connsiteX4" fmla="*/ 772569 w 2418108"/>
+                  <a:gd name="connsiteY4" fmla="*/ 110585 h 113728"/>
+                  <a:gd name="connsiteX5" fmla="*/ 1112993 w 2418108"/>
+                  <a:gd name="connsiteY5" fmla="*/ 112967 h 113728"/>
+                  <a:gd name="connsiteX6" fmla="*/ 1083465 w 2418108"/>
+                  <a:gd name="connsiteY6" fmla="*/ 108776 h 113728"/>
+                  <a:gd name="connsiteX7" fmla="*/ 1296825 w 2418108"/>
+                  <a:gd name="connsiteY7" fmla="*/ 108966 h 113728"/>
+                  <a:gd name="connsiteX8" fmla="*/ 1346736 w 2418108"/>
+                  <a:gd name="connsiteY8" fmla="*/ 103632 h 113728"/>
+                  <a:gd name="connsiteX9" fmla="*/ 1360643 w 2418108"/>
+                  <a:gd name="connsiteY9" fmla="*/ 107633 h 113728"/>
+                  <a:gd name="connsiteX10" fmla="*/ 1381788 w 2418108"/>
+                  <a:gd name="connsiteY10" fmla="*/ 107442 h 113728"/>
+                  <a:gd name="connsiteX11" fmla="*/ 1371692 w 2418108"/>
+                  <a:gd name="connsiteY11" fmla="*/ 106490 h 113728"/>
+                  <a:gd name="connsiteX12" fmla="*/ 1430080 w 2418108"/>
+                  <a:gd name="connsiteY12" fmla="*/ 105537 h 113728"/>
+                  <a:gd name="connsiteX13" fmla="*/ 1420269 w 2418108"/>
+                  <a:gd name="connsiteY13" fmla="*/ 104108 h 113728"/>
+                  <a:gd name="connsiteX14" fmla="*/ 1455702 w 2418108"/>
+                  <a:gd name="connsiteY14" fmla="*/ 107061 h 113728"/>
+                  <a:gd name="connsiteX15" fmla="*/ 1439414 w 2418108"/>
+                  <a:gd name="connsiteY15" fmla="*/ 108109 h 113728"/>
+                  <a:gd name="connsiteX16" fmla="*/ 1503613 w 2418108"/>
+                  <a:gd name="connsiteY16" fmla="*/ 105918 h 113728"/>
+                  <a:gd name="connsiteX17" fmla="*/ 1495802 w 2418108"/>
+                  <a:gd name="connsiteY17" fmla="*/ 105823 h 113728"/>
+                  <a:gd name="connsiteX18" fmla="*/ 1695923 w 2418108"/>
+                  <a:gd name="connsiteY18" fmla="*/ 95155 h 113728"/>
+                  <a:gd name="connsiteX19" fmla="*/ 1684016 w 2418108"/>
+                  <a:gd name="connsiteY19" fmla="*/ 92488 h 113728"/>
+                  <a:gd name="connsiteX20" fmla="*/ 1706210 w 2418108"/>
+                  <a:gd name="connsiteY20" fmla="*/ 90202 h 113728"/>
+                  <a:gd name="connsiteX21" fmla="*/ 1693351 w 2418108"/>
+                  <a:gd name="connsiteY21" fmla="*/ 98108 h 113728"/>
+                  <a:gd name="connsiteX22" fmla="*/ 2058539 w 2418108"/>
+                  <a:gd name="connsiteY22" fmla="*/ 102203 h 113728"/>
+                  <a:gd name="connsiteX23" fmla="*/ 2064540 w 2418108"/>
+                  <a:gd name="connsiteY23" fmla="*/ 95060 h 113728"/>
+                  <a:gd name="connsiteX24" fmla="*/ 2227132 w 2418108"/>
+                  <a:gd name="connsiteY24" fmla="*/ 96203 h 113728"/>
+                  <a:gd name="connsiteX25" fmla="*/ 2245229 w 2418108"/>
+                  <a:gd name="connsiteY25" fmla="*/ 96869 h 113728"/>
+                  <a:gd name="connsiteX26" fmla="*/ 2254278 w 2418108"/>
+                  <a:gd name="connsiteY26" fmla="*/ 94393 h 113728"/>
+                  <a:gd name="connsiteX27" fmla="*/ 2418108 w 2418108"/>
+                  <a:gd name="connsiteY27" fmla="*/ 5810 h 113728"/>
+                  <a:gd name="connsiteX28" fmla="*/ 2399058 w 2418108"/>
+                  <a:gd name="connsiteY28" fmla="*/ 2858 h 113728"/>
+                  <a:gd name="connsiteX29" fmla="*/ 2241039 w 2418108"/>
+                  <a:gd name="connsiteY29" fmla="*/ 1905 h 113728"/>
+                  <a:gd name="connsiteX30" fmla="*/ 2243991 w 2418108"/>
+                  <a:gd name="connsiteY30" fmla="*/ 1048 h 113728"/>
+                  <a:gd name="connsiteX31" fmla="*/ 2197128 w 2418108"/>
+                  <a:gd name="connsiteY31" fmla="*/ 0 h 113728"/>
+                  <a:gd name="connsiteX32" fmla="*/ 1710591 w 2418108"/>
+                  <a:gd name="connsiteY32" fmla="*/ 6287 h 113728"/>
+                  <a:gd name="connsiteX33" fmla="*/ 1713353 w 2418108"/>
+                  <a:gd name="connsiteY33" fmla="*/ 5906 h 113728"/>
+                  <a:gd name="connsiteX34" fmla="*/ 1210814 w 2418108"/>
+                  <a:gd name="connsiteY34" fmla="*/ 7715 h 113728"/>
+                  <a:gd name="connsiteX35" fmla="*/ 684463 w 2418108"/>
+                  <a:gd name="connsiteY35" fmla="*/ 13716 h 113728"/>
+                  <a:gd name="connsiteX36" fmla="*/ 687511 w 2418108"/>
+                  <a:gd name="connsiteY36" fmla="*/ 12859 h 113728"/>
+                  <a:gd name="connsiteX37" fmla="*/ 435670 w 2418108"/>
+                  <a:gd name="connsiteY37" fmla="*/ 12192 h 113728"/>
+                  <a:gd name="connsiteX38" fmla="*/ 440718 w 2418108"/>
+                  <a:gd name="connsiteY38" fmla="*/ 12668 h 113728"/>
+                  <a:gd name="connsiteX39" fmla="*/ 386807 w 2418108"/>
+                  <a:gd name="connsiteY39" fmla="*/ 9906 h 113728"/>
+                  <a:gd name="connsiteX40" fmla="*/ 16856 w 2418108"/>
+                  <a:gd name="connsiteY40" fmla="*/ 12192 h 113728"/>
+                  <a:gd name="connsiteX41" fmla="*/ 63528 w 2418108"/>
+                  <a:gd name="connsiteY41" fmla="*/ 102870 h 113728"/>
+                  <a:gd name="connsiteX42" fmla="*/ 42668 w 2418108"/>
+                  <a:gd name="connsiteY42" fmla="*/ 102584 h 113728"/>
+                  <a:gd name="connsiteX43" fmla="*/ 41430 w 2418108"/>
+                  <a:gd name="connsiteY43" fmla="*/ 105537 h 113728"/>
+                  <a:gd name="connsiteX44" fmla="*/ 54575 w 2418108"/>
+                  <a:gd name="connsiteY44" fmla="*/ 105347 h 113728"/>
+                  <a:gd name="connsiteX45" fmla="*/ 388140 w 2418108"/>
+                  <a:gd name="connsiteY45" fmla="*/ 112109 h 113728"/>
+                  <a:gd name="connsiteX46" fmla="*/ 482152 w 2418108"/>
+                  <a:gd name="connsiteY46" fmla="*/ 113729 h 113728"/>
+                  <a:gd name="connsiteX47" fmla="*/ 632266 w 2418108"/>
+                  <a:gd name="connsiteY47" fmla="*/ 112205 h 113728"/>
+                </a:gdLst>
+                <a:ahLst/>
+                <a:cxnLst>
+                  <a:cxn ang="0">
+                    <a:pos x="connsiteX0" y="connsiteY0"/>
+                  </a:cxn>
+                  <a:cxn ang="0">
+                    <a:pos x="connsiteX1" y="connsiteY1"/>
+                  </a:cxn>
+                  <a:cxn ang="0">
+                    <a:pos x="connsiteX2" y="connsiteY2"/>
+                  </a:cxn>
+                  <a:cxn ang="0">
+                    <a:pos x="connsiteX3" y="connsiteY3"/>
+                  </a:cxn>
+                  <a:cxn ang="0">
+                    <a:pos x="connsiteX4" y="connsiteY4"/>
+                  </a:cxn>
+                  <a:cxn ang="0">
+                    <a:pos x="connsiteX5" y="connsiteY5"/>
+                  </a:cxn>
+                  <a:cxn ang="0">
+                    <a:pos x="connsiteX6" y="connsiteY6"/>
+                  </a:cxn>
+                  <a:cxn ang="0">
+                    <a:pos x="connsiteX7" y="connsiteY7"/>
+                  </a:cxn>
+                  <a:cxn ang="0">
+                    <a:pos x="connsiteX8" y="connsiteY8"/>
+                  </a:cxn>
+                  <a:cxn ang="0">
+                    <a:pos x="connsiteX9" y="connsiteY9"/>
+                  </a:cxn>
+                  <a:cxn ang="0">
+                    <a:pos x="connsiteX10" y="connsiteY10"/>
+                  </a:cxn>
+                  <a:cxn ang="0">
+                    <a:pos x="connsiteX11" y="connsiteY11"/>
+                  </a:cxn>
+                  <a:cxn ang="0">
+                    <a:pos x="connsiteX12" y="connsiteY12"/>
+                  </a:cxn>
+                  <a:cxn ang="0">
+                    <a:pos x="connsiteX13" y="connsiteY13"/>
+                  </a:cxn>
+                  <a:cxn ang="0">
+                    <a:pos x="connsiteX14" y="connsiteY14"/>
+                  </a:cxn>
+                  <a:cxn ang="0">
+                    <a:pos x="connsiteX15" y="connsiteY15"/>
+                  </a:cxn>
+                  <a:cxn ang="0">
+                    <a:pos x="connsiteX16" y="connsiteY16"/>
+                  </a:cxn>
+                  <a:cxn ang="0">
+                    <a:pos x="connsiteX17" y="connsiteY17"/>
+                  </a:cxn>
+                  <a:cxn ang="0">
+                    <a:pos x="connsiteX18" y="connsiteY18"/>
+                  </a:cxn>
+                  <a:cxn ang="0">
+                    <a:pos x="connsiteX19" y="connsiteY19"/>
+                  </a:cxn>
+                  <a:cxn ang="0">
+                    <a:pos x="connsiteX20" y="connsiteY20"/>
+                  </a:cxn>
+                  <a:cxn ang="0">
+                    <a:pos x="connsiteX21" y="connsiteY21"/>
+                  </a:cxn>
+                  <a:cxn ang="0">
+                    <a:pos x="connsiteX22" y="connsiteY22"/>
+                  </a:cxn>
+                  <a:cxn ang="0">
+                    <a:pos x="connsiteX23" y="connsiteY23"/>
+                  </a:cxn>
+                  <a:cxn ang="0">
+                    <a:pos x="connsiteX24" y="connsiteY24"/>
+                  </a:cxn>
+                  <a:cxn ang="0">
+                    <a:pos x="connsiteX25" y="connsiteY25"/>
+                  </a:cxn>
+                  <a:cxn ang="0">
+                    <a:pos x="connsiteX26" y="connsiteY26"/>
+                  </a:cxn>
+                  <a:cxn ang="0">
+                    <a:pos x="connsiteX27" y="connsiteY27"/>
+                  </a:cxn>
+                  <a:cxn ang="0">
+                    <a:pos x="connsiteX28" y="connsiteY28"/>
+                  </a:cxn>
+                  <a:cxn ang="0">
+                    <a:pos x="connsiteX29" y="connsiteY29"/>
+                  </a:cxn>
+                  <a:cxn ang="0">
+                    <a:pos x="connsiteX30" y="connsiteY30"/>
+                  </a:cxn>
+                  <a:cxn ang="0">
+                    <a:pos x="connsiteX31" y="connsiteY31"/>
+                  </a:cxn>
+                  <a:cxn ang="0">
+                    <a:pos x="connsiteX32" y="connsiteY32"/>
+                  </a:cxn>
+                  <a:cxn ang="0">
+                    <a:pos x="connsiteX33" y="connsiteY33"/>
+                  </a:cxn>
+                  <a:cxn ang="0">
+                    <a:pos x="connsiteX34" y="connsiteY34"/>
+                  </a:cxn>
+                  <a:cxn ang="0">
+                    <a:pos x="connsiteX35" y="connsiteY35"/>
+                  </a:cxn>
+                  <a:cxn ang="0">
+                    <a:pos x="connsiteX36" y="connsiteY36"/>
+                  </a:cxn>
+                  <a:cxn ang="0">
+                    <a:pos x="connsiteX37" y="connsiteY37"/>
+                  </a:cxn>
+                  <a:cxn ang="0">
+                    <a:pos x="connsiteX38" y="connsiteY38"/>
+                  </a:cxn>
+                  <a:cxn ang="0">
+                    <a:pos x="connsiteX39" y="connsiteY39"/>
+                  </a:cxn>
+                  <a:cxn ang="0">
+                    <a:pos x="connsiteX40" y="connsiteY40"/>
+                  </a:cxn>
+                  <a:cxn ang="0">
+                    <a:pos x="connsiteX41" y="connsiteY41"/>
+                  </a:cxn>
+                  <a:cxn ang="0">
+                    <a:pos x="connsiteX42" y="connsiteY42"/>
+                  </a:cxn>
+                  <a:cxn ang="0">
+                    <a:pos x="connsiteX43" y="connsiteY43"/>
+                  </a:cxn>
+                  <a:cxn ang="0">
+                    <a:pos x="connsiteX44" y="connsiteY44"/>
+                  </a:cxn>
+                  <a:cxn ang="0">
+                    <a:pos x="connsiteX45" y="connsiteY45"/>
+                  </a:cxn>
+                  <a:cxn ang="0">
+                    <a:pos x="connsiteX46" y="connsiteY46"/>
+                  </a:cxn>
+                  <a:cxn ang="0">
+                    <a:pos x="connsiteX47" y="connsiteY47"/>
+                  </a:cxn>
+                </a:cxnLst>
+                <a:rect l="l" t="t" r="r" b="b"/>
+                <a:pathLst>
+                  <a:path w="2418108" h="113728">
+                    <a:moveTo>
+                      <a:pt x="632266" y="112205"/>
+                    </a:moveTo>
+                    <a:cubicBezTo>
+                      <a:pt x="656364" y="104680"/>
+                      <a:pt x="694940" y="114110"/>
+                      <a:pt x="723039" y="109538"/>
+                    </a:cubicBezTo>
+                    <a:cubicBezTo>
+                      <a:pt x="722849" y="109919"/>
+                      <a:pt x="735898" y="110109"/>
+                      <a:pt x="735136" y="111823"/>
+                    </a:cubicBezTo>
+                    <a:cubicBezTo>
+                      <a:pt x="735041" y="108776"/>
+                      <a:pt x="767616" y="112300"/>
+                      <a:pt x="752471" y="108680"/>
+                    </a:cubicBezTo>
+                    <a:cubicBezTo>
+                      <a:pt x="754757" y="107633"/>
+                      <a:pt x="790571" y="107633"/>
+                      <a:pt x="772569" y="110585"/>
+                    </a:cubicBezTo>
+                    <a:cubicBezTo>
+                      <a:pt x="822099" y="111633"/>
+                      <a:pt x="1059653" y="114395"/>
+                      <a:pt x="1112993" y="112967"/>
+                    </a:cubicBezTo>
+                    <a:cubicBezTo>
+                      <a:pt x="1106135" y="110776"/>
+                      <a:pt x="1089656" y="112205"/>
+                      <a:pt x="1083465" y="108776"/>
+                    </a:cubicBezTo>
+                    <a:cubicBezTo>
+                      <a:pt x="1153950" y="111728"/>
+                      <a:pt x="1230626" y="113157"/>
+                      <a:pt x="1296825" y="108966"/>
+                    </a:cubicBezTo>
+                    <a:cubicBezTo>
+                      <a:pt x="1277680" y="103251"/>
+                      <a:pt x="1356071" y="110966"/>
+                      <a:pt x="1346736" y="103632"/>
+                    </a:cubicBezTo>
+                    <a:cubicBezTo>
+                      <a:pt x="1351213" y="105347"/>
+                      <a:pt x="1374454" y="106109"/>
+                      <a:pt x="1360643" y="107633"/>
+                    </a:cubicBezTo>
+                    <a:cubicBezTo>
+                      <a:pt x="1368548" y="107728"/>
+                      <a:pt x="1376168" y="108299"/>
+                      <a:pt x="1381788" y="107442"/>
+                    </a:cubicBezTo>
+                    <a:lnTo>
+                      <a:pt x="1371692" y="106490"/>
+                    </a:lnTo>
+                    <a:cubicBezTo>
+                      <a:pt x="1398266" y="106013"/>
+                      <a:pt x="1412744" y="108680"/>
+                      <a:pt x="1430080" y="105537"/>
+                    </a:cubicBezTo>
+                    <a:lnTo>
+                      <a:pt x="1420269" y="104108"/>
+                    </a:lnTo>
+                    <a:cubicBezTo>
+                      <a:pt x="1436176" y="103918"/>
+                      <a:pt x="1449416" y="103632"/>
+                      <a:pt x="1455702" y="107061"/>
+                    </a:cubicBezTo>
+                    <a:lnTo>
+                      <a:pt x="1439414" y="108109"/>
+                    </a:lnTo>
+                    <a:cubicBezTo>
+                      <a:pt x="1465799" y="108014"/>
+                      <a:pt x="1481610" y="107823"/>
+                      <a:pt x="1503613" y="105918"/>
+                    </a:cubicBezTo>
+                    <a:lnTo>
+                      <a:pt x="1495802" y="105823"/>
+                    </a:lnTo>
+                    <a:cubicBezTo>
+                      <a:pt x="1523806" y="102394"/>
+                      <a:pt x="1670110" y="99441"/>
+                      <a:pt x="1695923" y="95155"/>
+                    </a:cubicBezTo>
+                    <a:lnTo>
+                      <a:pt x="1684016" y="92488"/>
+                    </a:lnTo>
+                    <a:lnTo>
+                      <a:pt x="1706210" y="90202"/>
+                    </a:lnTo>
+                    <a:cubicBezTo>
+                      <a:pt x="1703543" y="90202"/>
+                      <a:pt x="1695542" y="98965"/>
+                      <a:pt x="1693351" y="98108"/>
+                    </a:cubicBezTo>
+                    <a:cubicBezTo>
+                      <a:pt x="1757549" y="99441"/>
+                      <a:pt x="2045109" y="91345"/>
+                      <a:pt x="2058539" y="102203"/>
+                    </a:cubicBezTo>
+                    <a:cubicBezTo>
+                      <a:pt x="2079780" y="101917"/>
+                      <a:pt x="2071303" y="103918"/>
+                      <a:pt x="2064540" y="95060"/>
+                    </a:cubicBezTo>
+                    <a:cubicBezTo>
+                      <a:pt x="2086638" y="95441"/>
+                      <a:pt x="2259707" y="88773"/>
+                      <a:pt x="2227132" y="96203"/>
+                    </a:cubicBezTo>
+                    <a:cubicBezTo>
+                      <a:pt x="2232371" y="96298"/>
+                      <a:pt x="2240372" y="95917"/>
+                      <a:pt x="2245229" y="96869"/>
+                    </a:cubicBezTo>
+                    <a:cubicBezTo>
+                      <a:pt x="2235704" y="94583"/>
+                      <a:pt x="2261708" y="95345"/>
+                      <a:pt x="2254278" y="94393"/>
+                    </a:cubicBezTo>
+                    <a:cubicBezTo>
+                      <a:pt x="2395724" y="108776"/>
+                      <a:pt x="2341527" y="36576"/>
+                      <a:pt x="2418108" y="5810"/>
+                    </a:cubicBezTo>
+                    <a:cubicBezTo>
+                      <a:pt x="2398772" y="4763"/>
+                      <a:pt x="2335717" y="7239"/>
+                      <a:pt x="2399058" y="2858"/>
+                    </a:cubicBezTo>
+                    <a:cubicBezTo>
+                      <a:pt x="2343527" y="-572"/>
+                      <a:pt x="2296283" y="1238"/>
+                      <a:pt x="2241039" y="1905"/>
+                    </a:cubicBezTo>
+                    <a:lnTo>
+                      <a:pt x="2243991" y="1048"/>
+                    </a:lnTo>
+                    <a:cubicBezTo>
+                      <a:pt x="2234181" y="-381"/>
+                      <a:pt x="2214845" y="1524"/>
+                      <a:pt x="2197128" y="0"/>
+                    </a:cubicBezTo>
+                    <a:cubicBezTo>
+                      <a:pt x="2115880" y="6096"/>
+                      <a:pt x="1816128" y="3524"/>
+                      <a:pt x="1710591" y="6287"/>
+                    </a:cubicBezTo>
+                    <a:lnTo>
+                      <a:pt x="1713353" y="5906"/>
+                    </a:lnTo>
+                    <a:cubicBezTo>
+                      <a:pt x="1577146" y="5429"/>
+                      <a:pt x="1349308" y="11240"/>
+                      <a:pt x="1210814" y="7715"/>
+                    </a:cubicBezTo>
+                    <a:cubicBezTo>
+                      <a:pt x="1095848" y="23717"/>
+                      <a:pt x="819051" y="5429"/>
+                      <a:pt x="684463" y="13716"/>
+                    </a:cubicBezTo>
+                    <a:lnTo>
+                      <a:pt x="687511" y="12859"/>
+                    </a:lnTo>
+                    <a:cubicBezTo>
+                      <a:pt x="655316" y="14192"/>
+                      <a:pt x="473008" y="10954"/>
+                      <a:pt x="435670" y="12192"/>
+                    </a:cubicBezTo>
+                    <a:lnTo>
+                      <a:pt x="440718" y="12668"/>
+                    </a:lnTo>
+                    <a:cubicBezTo>
+                      <a:pt x="408047" y="14764"/>
+                      <a:pt x="412524" y="11049"/>
+                      <a:pt x="386807" y="9906"/>
+                    </a:cubicBezTo>
+                    <a:cubicBezTo>
+                      <a:pt x="275174" y="28004"/>
+                      <a:pt x="142395" y="18764"/>
+                      <a:pt x="16856" y="12192"/>
+                    </a:cubicBezTo>
+                    <a:cubicBezTo>
+                      <a:pt x="-6195" y="35528"/>
+                      <a:pt x="-17434" y="114395"/>
+                      <a:pt x="63528" y="102870"/>
+                    </a:cubicBezTo>
+                    <a:cubicBezTo>
+                      <a:pt x="63528" y="102870"/>
+                      <a:pt x="42668" y="102584"/>
+                      <a:pt x="42668" y="102584"/>
+                    </a:cubicBezTo>
+                    <a:cubicBezTo>
+                      <a:pt x="58004" y="103156"/>
+                      <a:pt x="47336" y="104299"/>
+                      <a:pt x="41430" y="105537"/>
+                    </a:cubicBezTo>
+                    <a:cubicBezTo>
+                      <a:pt x="46764" y="105537"/>
+                      <a:pt x="68386" y="107442"/>
+                      <a:pt x="54575" y="105347"/>
+                    </a:cubicBezTo>
+                    <a:cubicBezTo>
+                      <a:pt x="158588" y="108109"/>
+                      <a:pt x="297462" y="110109"/>
+                      <a:pt x="388140" y="112109"/>
+                    </a:cubicBezTo>
+                    <a:cubicBezTo>
+                      <a:pt x="420525" y="113348"/>
+                      <a:pt x="453577" y="106680"/>
+                      <a:pt x="482152" y="113729"/>
+                    </a:cubicBezTo>
+                    <a:cubicBezTo>
+                      <a:pt x="477580" y="111919"/>
+                      <a:pt x="629885" y="111728"/>
+                      <a:pt x="632266" y="112205"/>
+                    </a:cubicBezTo>
+                    <a:close/>
+                  </a:path>
+                </a:pathLst>
+              </a:custGeom>
+              <a:grpFill/>
+              <a:ln w="9525" cap="flat">
+                <a:noFill/>
+                <a:prstDash val="solid"/>
+                <a:miter/>
+              </a:ln>
+            </p:spPr>
+            <p:txBody>
+              <a:bodyPr rtlCol="0" anchor="ctr"/>
+              <a:lstStyle/>
+              <a:p>
+                <a:pPr algn="ctr"/>
+                <a:endParaRPr lang="en-US"/>
+              </a:p>
+            </p:txBody>
+          </p:sp>
+        </p:grpSp>
+      </p:grpSp>
+      <p:sp>
+        <p:nvSpPr>
+          <p:cNvPr id="40" name="Freeform: Shape 39">
+            <a:extLst>
+              <a:ext uri="{FF2B5EF4-FFF2-40B4-BE49-F238E27FC236}">
+                <a16:creationId xmlns:a16="http://schemas.microsoft.com/office/drawing/2014/main" id="{752C2BA4-3BBE-4D22-A0D9-8D2A7B8F1C71}"/>
+              </a:ext>
+              <a:ext uri="{C183D7F6-B498-43B3-948B-1728B52AA6E4}">
+                <adec:decorative xmlns:adec="http://schemas.microsoft.com/office/drawing/2017/decorative" val="1"/>
+              </a:ext>
+            </a:extLst>
+          </p:cNvPr>
+          <p:cNvSpPr>
+            <a:spLocks noGrp="1" noRot="1" noChangeAspect="1" noMove="1" noResize="1" noEditPoints="1" noAdjustHandles="1" noChangeArrowheads="1" noChangeShapeType="1" noTextEdit="1"/>
+          </p:cNvSpPr>
+          <p:nvPr>
+            <p:extLst>
+              <p:ext uri="{386F3935-93C4-4BCD-93E2-E3B085C9AB24}">
+                <p16:designElem xmlns:p16="http://schemas.microsoft.com/office/powerpoint/2015/main" val="1"/>
+              </p:ext>
+            </p:extLst>
+          </p:nvPr>
+        </p:nvSpPr>
+        <p:spPr>
+          <a:xfrm flipH="1">
+            <a:off x="-2" y="5918708"/>
+            <a:ext cx="4187283" cy="939292"/>
+          </a:xfrm>
+          <a:custGeom>
+            <a:avLst/>
+            <a:gdLst>
+              <a:gd name="connsiteX0" fmla="*/ 2025355 w 2438970"/>
+              <a:gd name="connsiteY0" fmla="*/ 235 h 1341332"/>
+              <a:gd name="connsiteX1" fmla="*/ 2381960 w 2438970"/>
+              <a:gd name="connsiteY1" fmla="*/ 44517 h 1341332"/>
+              <a:gd name="connsiteX2" fmla="*/ 2438970 w 2438970"/>
+              <a:gd name="connsiteY2" fmla="*/ 58872 h 1341332"/>
+              <a:gd name="connsiteX3" fmla="*/ 2438970 w 2438970"/>
+              <a:gd name="connsiteY3" fmla="*/ 1341332 h 1341332"/>
+              <a:gd name="connsiteX4" fmla="*/ 0 w 2438970"/>
+              <a:gd name="connsiteY4" fmla="*/ 1341332 h 1341332"/>
+              <a:gd name="connsiteX5" fmla="*/ 13333 w 2438970"/>
+              <a:gd name="connsiteY5" fmla="*/ 1328018 h 1341332"/>
+              <a:gd name="connsiteX6" fmla="*/ 936262 w 2438970"/>
+              <a:gd name="connsiteY6" fmla="*/ 459947 h 1341332"/>
+              <a:gd name="connsiteX7" fmla="*/ 1554028 w 2438970"/>
+              <a:gd name="connsiteY7" fmla="*/ 71153 h 1341332"/>
+              <a:gd name="connsiteX8" fmla="*/ 2025355 w 2438970"/>
+              <a:gd name="connsiteY8" fmla="*/ 235 h 1341332"/>
+            </a:gdLst>
+            <a:ahLst/>
+            <a:cxnLst>
+              <a:cxn ang="0">
+                <a:pos x="connsiteX0" y="connsiteY0"/>
+              </a:cxn>
+              <a:cxn ang="0">
+                <a:pos x="connsiteX1" y="connsiteY1"/>
+              </a:cxn>
+              <a:cxn ang="0">
+                <a:pos x="connsiteX2" y="connsiteY2"/>
+              </a:cxn>
+              <a:cxn ang="0">
+                <a:pos x="connsiteX3" y="connsiteY3"/>
+              </a:cxn>
+              <a:cxn ang="0">
+                <a:pos x="connsiteX4" y="connsiteY4"/>
+              </a:cxn>
+              <a:cxn ang="0">
+                <a:pos x="connsiteX5" y="connsiteY5"/>
+              </a:cxn>
+              <a:cxn ang="0">
+                <a:pos x="connsiteX6" y="connsiteY6"/>
+              </a:cxn>
+              <a:cxn ang="0">
+                <a:pos x="connsiteX7" y="connsiteY7"/>
+              </a:cxn>
+              <a:cxn ang="0">
+                <a:pos x="connsiteX8" y="connsiteY8"/>
+              </a:cxn>
+            </a:cxnLst>
+            <a:rect l="l" t="t" r="r" b="b"/>
+            <a:pathLst>
+              <a:path w="2438970" h="1341332">
+                <a:moveTo>
+                  <a:pt x="2025355" y="235"/>
+                </a:moveTo>
+                <a:cubicBezTo>
+                  <a:pt x="2143847" y="2306"/>
+                  <a:pt x="2262766" y="17993"/>
+                  <a:pt x="2381960" y="44517"/>
+                </a:cubicBezTo>
+                <a:lnTo>
+                  <a:pt x="2438970" y="58872"/>
+                </a:lnTo>
+                <a:lnTo>
+                  <a:pt x="2438970" y="1341332"/>
+                </a:lnTo>
+                <a:lnTo>
+                  <a:pt x="0" y="1341332"/>
+                </a:lnTo>
+                <a:lnTo>
+                  <a:pt x="13333" y="1328018"/>
+                </a:lnTo>
+                <a:cubicBezTo>
+                  <a:pt x="324723" y="1028950"/>
+                  <a:pt x="645390" y="738459"/>
+                  <a:pt x="936262" y="459947"/>
+                </a:cubicBezTo>
+                <a:cubicBezTo>
+                  <a:pt x="1139660" y="265152"/>
+                  <a:pt x="1345794" y="140817"/>
+                  <a:pt x="1554028" y="71153"/>
+                </a:cubicBezTo>
+                <a:cubicBezTo>
+                  <a:pt x="1710136" y="18918"/>
+                  <a:pt x="1867365" y="-2526"/>
+                  <a:pt x="2025355" y="235"/>
+                </a:cubicBezTo>
+                <a:close/>
+              </a:path>
+            </a:pathLst>
+          </a:custGeom>
+          <a:solidFill>
+            <a:schemeClr val="accent2">
+              <a:lumMod val="60000"/>
+              <a:lumOff val="40000"/>
+              <a:alpha val="50000"/>
+            </a:schemeClr>
+          </a:solidFill>
+          <a:ln>
+            <a:noFill/>
+          </a:ln>
+        </p:spPr>
+        <p:style>
+          <a:lnRef idx="2">
+            <a:schemeClr val="accent1">
+              <a:shade val="50000"/>
+            </a:schemeClr>
+          </a:lnRef>
+          <a:fillRef idx="1">
+            <a:schemeClr val="accent1"/>
+          </a:fillRef>
+          <a:effectRef idx="0">
+            <a:schemeClr val="accent1"/>
+          </a:effectRef>
+          <a:fontRef idx="minor">
+            <a:schemeClr val="lt1"/>
+          </a:fontRef>
+        </p:style>
+        <p:txBody>
+          <a:bodyPr wrap="square" rtlCol="0" anchor="ctr">
+            <a:noAutofit/>
+          </a:bodyPr>
+          <a:lstStyle/>
+          <a:p>
+            <a:pPr algn="ctr"/>
+            <a:endParaRPr lang="en-US" dirty="0"/>
+          </a:p>
+        </p:txBody>
+      </p:sp>
+      <p:sp>
+        <p:nvSpPr>
+          <p:cNvPr id="42" name="Freeform: Shape 41">
+            <a:extLst>
+              <a:ext uri="{FF2B5EF4-FFF2-40B4-BE49-F238E27FC236}">
+                <a16:creationId xmlns:a16="http://schemas.microsoft.com/office/drawing/2014/main" id="{82AA7049-B18D-49D6-AD7D-DBB9E19FBB78}"/>
+              </a:ext>
+              <a:ext uri="{C183D7F6-B498-43B3-948B-1728B52AA6E4}">
+                <adec:decorative xmlns:adec="http://schemas.microsoft.com/office/drawing/2017/decorative" val="1"/>
+              </a:ext>
+            </a:extLst>
+          </p:cNvPr>
+          <p:cNvSpPr>
+            <a:spLocks noGrp="1" noRot="1" noChangeAspect="1" noMove="1" noResize="1" noEditPoints="1" noAdjustHandles="1" noChangeArrowheads="1" noChangeShapeType="1" noTextEdit="1"/>
+          </p:cNvSpPr>
+          <p:nvPr>
+            <p:extLst>
+              <p:ext uri="{386F3935-93C4-4BCD-93E2-E3B085C9AB24}">
+                <p16:designElem xmlns:p16="http://schemas.microsoft.com/office/powerpoint/2015/main" val="1"/>
+              </p:ext>
+            </p:extLst>
+          </p:nvPr>
+        </p:nvSpPr>
+        <p:spPr>
+          <a:xfrm rot="16200000" flipH="1">
+            <a:off x="10713190" y="-534982"/>
+            <a:ext cx="943826" cy="2013794"/>
+          </a:xfrm>
+          <a:custGeom>
+            <a:avLst/>
+            <a:gdLst>
+              <a:gd name="connsiteX0" fmla="*/ 0 w 1085312"/>
+              <a:gd name="connsiteY0" fmla="*/ 2315675 h 2315675"/>
+              <a:gd name="connsiteX1" fmla="*/ 0 w 1085312"/>
+              <a:gd name="connsiteY1" fmla="*/ 0 h 2315675"/>
+              <a:gd name="connsiteX2" fmla="*/ 53089 w 1085312"/>
+              <a:gd name="connsiteY2" fmla="*/ 4542 h 2315675"/>
+              <a:gd name="connsiteX3" fmla="*/ 790077 w 1085312"/>
+              <a:gd name="connsiteY3" fmla="*/ 872756 h 2315675"/>
+              <a:gd name="connsiteX4" fmla="*/ 1085252 w 1085312"/>
+              <a:gd name="connsiteY4" fmla="*/ 1943649 h 2315675"/>
+              <a:gd name="connsiteX5" fmla="*/ 1064832 w 1085312"/>
+              <a:gd name="connsiteY5" fmla="*/ 2198094 h 2315675"/>
+              <a:gd name="connsiteX6" fmla="*/ 1043734 w 1085312"/>
+              <a:gd name="connsiteY6" fmla="*/ 2315675 h 2315675"/>
+              <a:gd name="connsiteX7" fmla="*/ 0 w 1085312"/>
+              <a:gd name="connsiteY7" fmla="*/ 2315675 h 2315675"/>
+            </a:gdLst>
+            <a:ahLst/>
+            <a:cxnLst>
+              <a:cxn ang="0">
+                <a:pos x="connsiteX0" y="connsiteY0"/>
+              </a:cxn>
+              <a:cxn ang="0">
+                <a:pos x="connsiteX1" y="connsiteY1"/>
+              </a:cxn>
+              <a:cxn ang="0">
+                <a:pos x="connsiteX2" y="connsiteY2"/>
+              </a:cxn>
+              <a:cxn ang="0">
+                <a:pos x="connsiteX3" y="connsiteY3"/>
+              </a:cxn>
+              <a:cxn ang="0">
+                <a:pos x="connsiteX4" y="connsiteY4"/>
+              </a:cxn>
+              <a:cxn ang="0">
+                <a:pos x="connsiteX5" y="connsiteY5"/>
+              </a:cxn>
+              <a:cxn ang="0">
+                <a:pos x="connsiteX6" y="connsiteY6"/>
+              </a:cxn>
+              <a:cxn ang="0">
+                <a:pos x="connsiteX7" y="connsiteY7"/>
+              </a:cxn>
+            </a:cxnLst>
+            <a:rect l="l" t="t" r="r" b="b"/>
+            <a:pathLst>
+              <a:path w="1085312" h="2315675">
+                <a:moveTo>
+                  <a:pt x="0" y="2315675"/>
+                </a:moveTo>
+                <a:lnTo>
+                  <a:pt x="0" y="0"/>
+                </a:lnTo>
+                <a:lnTo>
+                  <a:pt x="53089" y="4542"/>
+                </a:lnTo>
+                <a:cubicBezTo>
+                  <a:pt x="405263" y="73503"/>
+                  <a:pt x="612623" y="486635"/>
+                  <a:pt x="790077" y="872756"/>
+                </a:cubicBezTo>
+                <a:cubicBezTo>
+                  <a:pt x="937425" y="1193596"/>
+                  <a:pt x="1088787" y="1533232"/>
+                  <a:pt x="1085252" y="1943649"/>
+                </a:cubicBezTo>
+                <a:cubicBezTo>
+                  <a:pt x="1084528" y="2029058"/>
+                  <a:pt x="1077341" y="2113833"/>
+                  <a:pt x="1064832" y="2198094"/>
+                </a:cubicBezTo>
+                <a:lnTo>
+                  <a:pt x="1043734" y="2315675"/>
+                </a:lnTo>
+                <a:lnTo>
+                  <a:pt x="0" y="2315675"/>
+                </a:lnTo>
+                <a:close/>
+              </a:path>
+            </a:pathLst>
+          </a:custGeom>
+          <a:solidFill>
+            <a:schemeClr val="accent6">
+              <a:lumMod val="20000"/>
+              <a:lumOff val="80000"/>
+            </a:schemeClr>
+          </a:solidFill>
+          <a:ln>
+            <a:noFill/>
+          </a:ln>
+        </p:spPr>
+        <p:style>
+          <a:lnRef idx="2">
+            <a:schemeClr val="accent1">
+              <a:shade val="50000"/>
+            </a:schemeClr>
+          </a:lnRef>
+          <a:fillRef idx="1">
+            <a:schemeClr val="accent1"/>
+          </a:fillRef>
+          <a:effectRef idx="0">
+            <a:schemeClr val="accent1"/>
+          </a:effectRef>
+          <a:fontRef idx="minor">
+            <a:schemeClr val="lt1"/>
+          </a:fontRef>
+        </p:style>
+        <p:txBody>
+          <a:bodyPr wrap="square" rtlCol="0" anchor="ctr">
+            <a:noAutofit/>
+          </a:bodyPr>
+          <a:lstStyle/>
+          <a:p>
+            <a:pPr algn="ctr"/>
+            <a:endParaRPr lang="en-US"/>
+          </a:p>
+        </p:txBody>
+      </p:sp>
+      <p:grpSp>
+        <p:nvGrpSpPr>
+          <p:cNvPr id="44" name="Group 43">
+            <a:extLst>
+              <a:ext uri="{FF2B5EF4-FFF2-40B4-BE49-F238E27FC236}">
+                <a16:creationId xmlns:a16="http://schemas.microsoft.com/office/drawing/2014/main" id="{3850DB66-16D1-4953-A6E3-FCA3DC5F276F}"/>
+              </a:ext>
+              <a:ext uri="{C183D7F6-B498-43B3-948B-1728B52AA6E4}">
+                <adec:decorative xmlns:adec="http://schemas.microsoft.com/office/drawing/2017/decorative" val="1"/>
+              </a:ext>
+            </a:extLst>
+          </p:cNvPr>
+          <p:cNvGrpSpPr>
+            <a:grpSpLocks noGrp="1" noUngrp="1" noRot="1" noChangeAspect="1" noMove="1" noResize="1"/>
+          </p:cNvGrpSpPr>
+          <p:nvPr>
+            <p:extLst>
+              <p:ext uri="{386F3935-93C4-4BCD-93E2-E3B085C9AB24}">
+                <p16:designElem xmlns:p16="http://schemas.microsoft.com/office/powerpoint/2015/main" val="1"/>
+              </p:ext>
+            </p:extLst>
+          </p:nvPr>
+        </p:nvGrpSpPr>
+        <p:grpSpPr>
+          <a:xfrm>
+            <a:off x="10635690" y="349252"/>
+            <a:ext cx="886142" cy="693398"/>
+            <a:chOff x="10948005" y="3379098"/>
+            <a:chExt cx="868640" cy="679702"/>
+          </a:xfrm>
+          <a:solidFill>
+            <a:schemeClr val="accent6"/>
+          </a:solidFill>
+        </p:grpSpPr>
+        <p:sp>
+          <p:nvSpPr>
+            <p:cNvPr id="45" name="Freeform: Shape 44">
+              <a:extLst>
+                <a:ext uri="{FF2B5EF4-FFF2-40B4-BE49-F238E27FC236}">
+                  <a16:creationId xmlns:a16="http://schemas.microsoft.com/office/drawing/2014/main" id="{D698AB2F-1D17-4249-81CB-9A41D46B8E38}"/>
+                </a:ext>
+                <a:ext uri="{C183D7F6-B498-43B3-948B-1728B52AA6E4}">
+                  <adec:decorative xmlns:adec="http://schemas.microsoft.com/office/drawing/2017/decorative" val="1"/>
+                </a:ext>
+              </a:extLst>
+            </p:cNvPr>
+            <p:cNvSpPr/>
+            <p:nvPr>
+              <p:extLst>
+                <p:ext uri="{386F3935-93C4-4BCD-93E2-E3B085C9AB24}">
+                  <p16:designElem xmlns:p16="http://schemas.microsoft.com/office/powerpoint/2015/main" val="1"/>
+                </p:ext>
+              </p:extLst>
+            </p:nvPr>
+          </p:nvSpPr>
+          <p:spPr>
+            <a:xfrm>
+              <a:off x="11194317" y="3944888"/>
+              <a:ext cx="128449" cy="113912"/>
+            </a:xfrm>
+            <a:custGeom>
+              <a:avLst/>
+              <a:gdLst>
+                <a:gd name="connsiteX0" fmla="*/ 237621 w 453152"/>
+                <a:gd name="connsiteY0" fmla="*/ 965 h 401867"/>
+                <a:gd name="connsiteX1" fmla="*/ 370246 w 453152"/>
+                <a:gd name="connsiteY1" fmla="*/ 23666 h 401867"/>
+                <a:gd name="connsiteX2" fmla="*/ 437392 w 453152"/>
+                <a:gd name="connsiteY2" fmla="*/ 198545 h 401867"/>
+                <a:gd name="connsiteX3" fmla="*/ 67745 w 453152"/>
+                <a:gd name="connsiteY3" fmla="*/ 392003 h 401867"/>
+                <a:gd name="connsiteX4" fmla="*/ 911 w 453152"/>
+                <a:gd name="connsiteY4" fmla="*/ 254095 h 401867"/>
+                <a:gd name="connsiteX5" fmla="*/ 115564 w 453152"/>
+                <a:gd name="connsiteY5" fmla="*/ 51160 h 401867"/>
+                <a:gd name="connsiteX6" fmla="*/ 237621 w 453152"/>
+                <a:gd name="connsiteY6" fmla="*/ 965 h 401867"/>
+              </a:gdLst>
+              <a:ahLst/>
+              <a:cxnLst>
+                <a:cxn ang="0">
+                  <a:pos x="connsiteX0" y="connsiteY0"/>
+                </a:cxn>
+                <a:cxn ang="0">
+                  <a:pos x="connsiteX1" y="connsiteY1"/>
+                </a:cxn>
+                <a:cxn ang="0">
+                  <a:pos x="connsiteX2" y="connsiteY2"/>
+                </a:cxn>
+                <a:cxn ang="0">
+                  <a:pos x="connsiteX3" y="connsiteY3"/>
+                </a:cxn>
+                <a:cxn ang="0">
+                  <a:pos x="connsiteX4" y="connsiteY4"/>
+                </a:cxn>
+                <a:cxn ang="0">
+                  <a:pos x="connsiteX5" y="connsiteY5"/>
+                </a:cxn>
+                <a:cxn ang="0">
+                  <a:pos x="connsiteX6" y="connsiteY6"/>
+                </a:cxn>
+              </a:cxnLst>
+              <a:rect l="l" t="t" r="r" b="b"/>
+              <a:pathLst>
+                <a:path w="453152" h="401867">
+                  <a:moveTo>
+                    <a:pt x="237621" y="965"/>
+                  </a:moveTo>
+                  <a:cubicBezTo>
+                    <a:pt x="283632" y="-2971"/>
+                    <a:pt x="331405" y="5243"/>
+                    <a:pt x="370246" y="23666"/>
+                  </a:cubicBezTo>
+                  <a:cubicBezTo>
+                    <a:pt x="436830" y="55275"/>
+                    <a:pt x="477168" y="116810"/>
+                    <a:pt x="437392" y="198545"/>
+                  </a:cubicBezTo>
+                  <a:cubicBezTo>
+                    <a:pt x="391568" y="292624"/>
+                    <a:pt x="176850" y="441630"/>
+                    <a:pt x="67745" y="392003"/>
+                  </a:cubicBezTo>
+                  <a:cubicBezTo>
+                    <a:pt x="18056" y="369372"/>
+                    <a:pt x="-5012" y="308398"/>
+                    <a:pt x="911" y="254095"/>
+                  </a:cubicBezTo>
+                  <a:cubicBezTo>
+                    <a:pt x="9203" y="178033"/>
+                    <a:pt x="61012" y="103094"/>
+                    <a:pt x="115564" y="51160"/>
+                  </a:cubicBezTo>
+                  <a:cubicBezTo>
+                    <a:pt x="147361" y="20985"/>
+                    <a:pt x="191610" y="4900"/>
+                    <a:pt x="237621" y="965"/>
+                  </a:cubicBezTo>
+                  <a:close/>
+                </a:path>
+              </a:pathLst>
+            </a:custGeom>
+            <a:grpFill/>
+            <a:ln>
+              <a:noFill/>
+            </a:ln>
+          </p:spPr>
+          <p:style>
+            <a:lnRef idx="2">
+              <a:schemeClr val="accent1">
+                <a:shade val="50000"/>
+              </a:schemeClr>
+            </a:lnRef>
+            <a:fillRef idx="1">
+              <a:schemeClr val="accent1"/>
+            </a:fillRef>
+            <a:effectRef idx="0">
+              <a:schemeClr val="accent1"/>
+            </a:effectRef>
+            <a:fontRef idx="minor">
+              <a:schemeClr val="lt1"/>
+            </a:fontRef>
+          </p:style>
+          <p:txBody>
+            <a:bodyPr rtlCol="0" anchor="ctr"/>
+            <a:lstStyle/>
+            <a:p>
+              <a:pPr marL="0" marR="0" lvl="0" indent="0" algn="ctr" defTabSz="914400" rtl="0" eaLnBrk="1" fontAlgn="auto" latinLnBrk="0" hangingPunct="1">
+                <a:lnSpc>
+                  <a:spcPct val="100000"/>
+                </a:lnSpc>
+                <a:spcBef>
+                  <a:spcPts val="0"/>
+                </a:spcBef>
+                <a:spcAft>
+                  <a:spcPts val="0"/>
+                </a:spcAft>
+                <a:buClrTx/>
+                <a:buSzTx/>
+                <a:buFontTx/>
+                <a:buNone/>
+                <a:tabLst/>
+                <a:defRPr/>
+              </a:pPr>
+              <a:endParaRPr kumimoji="0" lang="en-US" sz="1800" b="0" i="0" u="none" strike="noStrike" kern="1200" cap="none" spc="0" normalizeH="0" baseline="0" noProof="0">
+                <a:ln>
+                  <a:noFill/>
+                </a:ln>
+                <a:solidFill>
+                  <a:prstClr val="white"/>
+                </a:solidFill>
+                <a:effectLst/>
+                <a:uLnTx/>
+                <a:uFillTx/>
+                <a:latin typeface="Avenir Next LT Pro Light"/>
+                <a:ea typeface="+mn-ea"/>
+                <a:cs typeface="+mn-cs"/>
+              </a:endParaRPr>
+            </a:p>
+          </p:txBody>
+        </p:sp>
+        <p:sp>
+          <p:nvSpPr>
+            <p:cNvPr id="46" name="Freeform: Shape 45">
+              <a:extLst>
+                <a:ext uri="{FF2B5EF4-FFF2-40B4-BE49-F238E27FC236}">
+                  <a16:creationId xmlns:a16="http://schemas.microsoft.com/office/drawing/2014/main" id="{F5301961-8687-4ADB-8043-4065F4707647}"/>
+                </a:ext>
+                <a:ext uri="{C183D7F6-B498-43B3-948B-1728B52AA6E4}">
+                  <adec:decorative xmlns:adec="http://schemas.microsoft.com/office/drawing/2017/decorative" val="1"/>
+                </a:ext>
+              </a:extLst>
+            </p:cNvPr>
+            <p:cNvSpPr/>
+            <p:nvPr>
+              <p:extLst>
+                <p:ext uri="{386F3935-93C4-4BCD-93E2-E3B085C9AB24}">
+                  <p16:designElem xmlns:p16="http://schemas.microsoft.com/office/powerpoint/2015/main" val="1"/>
+                </p:ext>
+              </p:extLst>
+            </p:nvPr>
+          </p:nvSpPr>
+          <p:spPr>
+            <a:xfrm>
+              <a:off x="11684524" y="3907536"/>
+              <a:ext cx="132121" cy="93006"/>
+            </a:xfrm>
+            <a:custGeom>
+              <a:avLst/>
+              <a:gdLst>
+                <a:gd name="connsiteX0" fmla="*/ 252822 w 466107"/>
+                <a:gd name="connsiteY0" fmla="*/ 1539 h 328114"/>
+                <a:gd name="connsiteX1" fmla="*/ 451641 w 466107"/>
+                <a:gd name="connsiteY1" fmla="*/ 122177 h 328114"/>
+                <a:gd name="connsiteX2" fmla="*/ 391790 w 466107"/>
+                <a:gd name="connsiteY2" fmla="*/ 297430 h 328114"/>
+                <a:gd name="connsiteX3" fmla="*/ 8614 w 466107"/>
+                <a:gd name="connsiteY3" fmla="*/ 243252 h 328114"/>
+                <a:gd name="connsiteX4" fmla="*/ 45897 w 466107"/>
+                <a:gd name="connsiteY4" fmla="*/ 97302 h 328114"/>
+                <a:gd name="connsiteX5" fmla="*/ 252822 w 466107"/>
+                <a:gd name="connsiteY5" fmla="*/ 1539 h 328114"/>
+              </a:gdLst>
+              <a:ahLst/>
+              <a:cxnLst>
+                <a:cxn ang="0">
+                  <a:pos x="connsiteX0" y="connsiteY0"/>
+                </a:cxn>
+                <a:cxn ang="0">
+                  <a:pos x="connsiteX1" y="connsiteY1"/>
+                </a:cxn>
+                <a:cxn ang="0">
+                  <a:pos x="connsiteX2" y="connsiteY2"/>
+                </a:cxn>
+                <a:cxn ang="0">
+                  <a:pos x="connsiteX3" y="connsiteY3"/>
+                </a:cxn>
+                <a:cxn ang="0">
+                  <a:pos x="connsiteX4" y="connsiteY4"/>
+                </a:cxn>
+                <a:cxn ang="0">
+                  <a:pos x="connsiteX5" y="connsiteY5"/>
+                </a:cxn>
+              </a:cxnLst>
+              <a:rect l="l" t="t" r="r" b="b"/>
+              <a:pathLst>
+                <a:path w="466107" h="328114">
+                  <a:moveTo>
+                    <a:pt x="252822" y="1539"/>
+                  </a:moveTo>
+                  <a:cubicBezTo>
+                    <a:pt x="335429" y="-10494"/>
+                    <a:pt x="418848" y="49794"/>
+                    <a:pt x="451641" y="122177"/>
+                  </a:cubicBezTo>
+                  <a:cubicBezTo>
+                    <a:pt x="479697" y="184273"/>
+                    <a:pt x="470594" y="255285"/>
+                    <a:pt x="391790" y="297430"/>
+                  </a:cubicBezTo>
+                  <a:cubicBezTo>
+                    <a:pt x="301077" y="345935"/>
+                    <a:pt x="55935" y="343254"/>
+                    <a:pt x="8614" y="243252"/>
+                  </a:cubicBezTo>
+                  <a:cubicBezTo>
+                    <a:pt x="-12895" y="197678"/>
+                    <a:pt x="8240" y="136766"/>
+                    <a:pt x="45897" y="97302"/>
+                  </a:cubicBezTo>
+                  <a:cubicBezTo>
+                    <a:pt x="98704" y="42064"/>
+                    <a:pt x="181872" y="11950"/>
+                    <a:pt x="252822" y="1539"/>
+                  </a:cubicBezTo>
+                  <a:close/>
+                </a:path>
+              </a:pathLst>
+            </a:custGeom>
+            <a:grpFill/>
+            <a:ln>
+              <a:noFill/>
+            </a:ln>
+          </p:spPr>
+          <p:style>
+            <a:lnRef idx="2">
+              <a:schemeClr val="accent1">
+                <a:shade val="50000"/>
+              </a:schemeClr>
+            </a:lnRef>
+            <a:fillRef idx="1">
+              <a:schemeClr val="accent1"/>
+            </a:fillRef>
+            <a:effectRef idx="0">
+              <a:schemeClr val="accent1"/>
+            </a:effectRef>
+            <a:fontRef idx="minor">
+              <a:schemeClr val="lt1"/>
+            </a:fontRef>
+          </p:style>
+          <p:txBody>
+            <a:bodyPr rtlCol="0" anchor="ctr"/>
+            <a:lstStyle/>
+            <a:p>
+              <a:pPr marL="0" marR="0" lvl="0" indent="0" algn="ctr" defTabSz="914400" rtl="0" eaLnBrk="1" fontAlgn="auto" latinLnBrk="0" hangingPunct="1">
+                <a:lnSpc>
+                  <a:spcPct val="100000"/>
+                </a:lnSpc>
+                <a:spcBef>
+                  <a:spcPts val="0"/>
+                </a:spcBef>
+                <a:spcAft>
+                  <a:spcPts val="0"/>
+                </a:spcAft>
+                <a:buClrTx/>
+                <a:buSzTx/>
+                <a:buFontTx/>
+                <a:buNone/>
+                <a:tabLst/>
+                <a:defRPr/>
+              </a:pPr>
+              <a:endParaRPr kumimoji="0" lang="en-US" sz="1800" b="0" i="0" u="none" strike="noStrike" kern="1200" cap="none" spc="0" normalizeH="0" baseline="0" noProof="0">
+                <a:ln>
+                  <a:noFill/>
+                </a:ln>
+                <a:solidFill>
+                  <a:prstClr val="white"/>
+                </a:solidFill>
+                <a:effectLst/>
+                <a:uLnTx/>
+                <a:uFillTx/>
+                <a:latin typeface="Avenir Next LT Pro Light"/>
+                <a:ea typeface="+mn-ea"/>
+                <a:cs typeface="+mn-cs"/>
+              </a:endParaRPr>
+            </a:p>
+          </p:txBody>
+        </p:sp>
+        <p:sp>
+          <p:nvSpPr>
+            <p:cNvPr id="47" name="Graphic 15">
+              <a:extLst>
+                <a:ext uri="{FF2B5EF4-FFF2-40B4-BE49-F238E27FC236}">
+                  <a16:creationId xmlns:a16="http://schemas.microsoft.com/office/drawing/2014/main" id="{9DC20816-893A-4201-AA91-22F71E46F941}"/>
+                </a:ext>
+                <a:ext uri="{C183D7F6-B498-43B3-948B-1728B52AA6E4}">
+                  <adec:decorative xmlns:adec="http://schemas.microsoft.com/office/drawing/2017/decorative" val="1"/>
+                </a:ext>
+              </a:extLst>
+            </p:cNvPr>
+            <p:cNvSpPr/>
+            <p:nvPr>
+              <p:extLst>
+                <p:ext uri="{386F3935-93C4-4BCD-93E2-E3B085C9AB24}">
+                  <p16:designElem xmlns:p16="http://schemas.microsoft.com/office/powerpoint/2015/main" val="1"/>
+                </p:ext>
+              </p:extLst>
+            </p:nvPr>
+          </p:nvSpPr>
+          <p:spPr>
+            <a:xfrm>
+              <a:off x="11602136" y="3379098"/>
+              <a:ext cx="82388" cy="75292"/>
+            </a:xfrm>
+            <a:custGeom>
+              <a:avLst/>
+              <a:gdLst>
+                <a:gd name="connsiteX0" fmla="*/ 17664 w 5240764"/>
+                <a:gd name="connsiteY0" fmla="*/ 2947947 h 4789394"/>
+                <a:gd name="connsiteX1" fmla="*/ 903489 w 5240764"/>
+                <a:gd name="connsiteY1" fmla="*/ 195222 h 4789394"/>
+                <a:gd name="connsiteX2" fmla="*/ 3560964 w 5240764"/>
+                <a:gd name="connsiteY2" fmla="*/ 357147 h 4789394"/>
+                <a:gd name="connsiteX3" fmla="*/ 5240602 w 5240764"/>
+                <a:gd name="connsiteY3" fmla="*/ 2076409 h 4789394"/>
+                <a:gd name="connsiteX4" fmla="*/ 4568328 w 5240764"/>
+                <a:gd name="connsiteY4" fmla="*/ 3879397 h 4789394"/>
+                <a:gd name="connsiteX5" fmla="*/ 3284739 w 5240764"/>
+                <a:gd name="connsiteY5" fmla="*/ 4605297 h 4789394"/>
+                <a:gd name="connsiteX6" fmla="*/ 1074939 w 5240764"/>
+                <a:gd name="connsiteY6" fmla="*/ 4357647 h 4789394"/>
+                <a:gd name="connsiteX7" fmla="*/ 15187 w 5240764"/>
+                <a:gd name="connsiteY7" fmla="*/ 2830313 h 4789394"/>
+              </a:gdLst>
+              <a:ahLst/>
+              <a:cxnLst>
+                <a:cxn ang="0">
+                  <a:pos x="connsiteX0" y="connsiteY0"/>
+                </a:cxn>
+                <a:cxn ang="0">
+                  <a:pos x="connsiteX1" y="connsiteY1"/>
+                </a:cxn>
+                <a:cxn ang="0">
+                  <a:pos x="connsiteX2" y="connsiteY2"/>
+                </a:cxn>
+                <a:cxn ang="0">
+                  <a:pos x="connsiteX3" y="connsiteY3"/>
+                </a:cxn>
+                <a:cxn ang="0">
+                  <a:pos x="connsiteX4" y="connsiteY4"/>
+                </a:cxn>
+                <a:cxn ang="0">
+                  <a:pos x="connsiteX5" y="connsiteY5"/>
+                </a:cxn>
+                <a:cxn ang="0">
+                  <a:pos x="connsiteX6" y="connsiteY6"/>
+                </a:cxn>
+                <a:cxn ang="0">
+                  <a:pos x="connsiteX7" y="connsiteY7"/>
+                </a:cxn>
+              </a:cxnLst>
+              <a:rect l="l" t="t" r="r" b="b"/>
+              <a:pathLst>
+                <a:path w="5240764" h="4789394">
+                  <a:moveTo>
+                    <a:pt x="17664" y="2947947"/>
+                  </a:moveTo>
+                  <a:cubicBezTo>
+                    <a:pt x="17664" y="2900322"/>
+                    <a:pt x="-201411" y="490497"/>
+                    <a:pt x="903489" y="195222"/>
+                  </a:cubicBezTo>
+                  <a:cubicBezTo>
+                    <a:pt x="2008389" y="-100053"/>
+                    <a:pt x="2598939" y="-71478"/>
+                    <a:pt x="3560964" y="357147"/>
+                  </a:cubicBezTo>
+                  <a:cubicBezTo>
+                    <a:pt x="4522989" y="785772"/>
+                    <a:pt x="5253271" y="1338222"/>
+                    <a:pt x="5240602" y="2076409"/>
+                  </a:cubicBezTo>
+                  <a:cubicBezTo>
+                    <a:pt x="5227934" y="2814597"/>
+                    <a:pt x="4842267" y="3677276"/>
+                    <a:pt x="4568328" y="3879397"/>
+                  </a:cubicBezTo>
+                  <a:cubicBezTo>
+                    <a:pt x="4294389" y="4081422"/>
+                    <a:pt x="4065789" y="4548147"/>
+                    <a:pt x="3284739" y="4605297"/>
+                  </a:cubicBezTo>
+                  <a:cubicBezTo>
+                    <a:pt x="2503689" y="4662447"/>
+                    <a:pt x="1579764" y="5110122"/>
+                    <a:pt x="1074939" y="4357647"/>
+                  </a:cubicBezTo>
+                  <a:cubicBezTo>
+                    <a:pt x="570114" y="3605172"/>
+                    <a:pt x="12615" y="3617554"/>
+                    <a:pt x="15187" y="2830313"/>
+                  </a:cubicBezTo>
+                </a:path>
+              </a:pathLst>
+            </a:custGeom>
+            <a:grpFill/>
+            <a:ln w="9525" cap="flat">
+              <a:noFill/>
+              <a:prstDash val="solid"/>
+              <a:miter/>
+            </a:ln>
+          </p:spPr>
+          <p:txBody>
+            <a:bodyPr rtlCol="0" anchor="ctr"/>
+            <a:lstStyle/>
+            <a:p>
+              <a:endParaRPr lang="en-US"/>
+            </a:p>
+          </p:txBody>
+        </p:sp>
+        <p:sp>
+          <p:nvSpPr>
+            <p:cNvPr id="48" name="Graphic 15">
+              <a:extLst>
+                <a:ext uri="{FF2B5EF4-FFF2-40B4-BE49-F238E27FC236}">
+                  <a16:creationId xmlns:a16="http://schemas.microsoft.com/office/drawing/2014/main" id="{866D1F4E-BA21-44F3-A97A-E979C5FE781A}"/>
+                </a:ext>
+                <a:ext uri="{C183D7F6-B498-43B3-948B-1728B52AA6E4}">
+                  <adec:decorative xmlns:adec="http://schemas.microsoft.com/office/drawing/2017/decorative" val="1"/>
+                </a:ext>
+              </a:extLst>
+            </p:cNvPr>
+            <p:cNvSpPr/>
+            <p:nvPr>
+              <p:extLst>
+                <p:ext uri="{386F3935-93C4-4BCD-93E2-E3B085C9AB24}">
+                  <p16:designElem xmlns:p16="http://schemas.microsoft.com/office/powerpoint/2015/main" val="1"/>
+                </p:ext>
+              </p:extLst>
+            </p:nvPr>
+          </p:nvSpPr>
+          <p:spPr>
+            <a:xfrm>
+              <a:off x="10948005" y="3504095"/>
+              <a:ext cx="82388" cy="75292"/>
+            </a:xfrm>
+            <a:custGeom>
+              <a:avLst/>
+              <a:gdLst>
+                <a:gd name="connsiteX0" fmla="*/ 17664 w 5240764"/>
+                <a:gd name="connsiteY0" fmla="*/ 2947947 h 4789394"/>
+                <a:gd name="connsiteX1" fmla="*/ 903489 w 5240764"/>
+                <a:gd name="connsiteY1" fmla="*/ 195222 h 4789394"/>
+                <a:gd name="connsiteX2" fmla="*/ 3560964 w 5240764"/>
+                <a:gd name="connsiteY2" fmla="*/ 357147 h 4789394"/>
+                <a:gd name="connsiteX3" fmla="*/ 5240602 w 5240764"/>
+                <a:gd name="connsiteY3" fmla="*/ 2076409 h 4789394"/>
+                <a:gd name="connsiteX4" fmla="*/ 4568328 w 5240764"/>
+                <a:gd name="connsiteY4" fmla="*/ 3879397 h 4789394"/>
+                <a:gd name="connsiteX5" fmla="*/ 3284739 w 5240764"/>
+                <a:gd name="connsiteY5" fmla="*/ 4605297 h 4789394"/>
+                <a:gd name="connsiteX6" fmla="*/ 1074939 w 5240764"/>
+                <a:gd name="connsiteY6" fmla="*/ 4357647 h 4789394"/>
+                <a:gd name="connsiteX7" fmla="*/ 15187 w 5240764"/>
+                <a:gd name="connsiteY7" fmla="*/ 2830313 h 4789394"/>
+              </a:gdLst>
+              <a:ahLst/>
+              <a:cxnLst>
+                <a:cxn ang="0">
+                  <a:pos x="connsiteX0" y="connsiteY0"/>
+                </a:cxn>
+                <a:cxn ang="0">
+                  <a:pos x="connsiteX1" y="connsiteY1"/>
+                </a:cxn>
+                <a:cxn ang="0">
+                  <a:pos x="connsiteX2" y="connsiteY2"/>
+                </a:cxn>
+                <a:cxn ang="0">
+                  <a:pos x="connsiteX3" y="connsiteY3"/>
+                </a:cxn>
+                <a:cxn ang="0">
+                  <a:pos x="connsiteX4" y="connsiteY4"/>
+                </a:cxn>
+                <a:cxn ang="0">
+                  <a:pos x="connsiteX5" y="connsiteY5"/>
+                </a:cxn>
+                <a:cxn ang="0">
+                  <a:pos x="connsiteX6" y="connsiteY6"/>
+                </a:cxn>
+                <a:cxn ang="0">
+                  <a:pos x="connsiteX7" y="connsiteY7"/>
+                </a:cxn>
+              </a:cxnLst>
+              <a:rect l="l" t="t" r="r" b="b"/>
+              <a:pathLst>
+                <a:path w="5240764" h="4789394">
+                  <a:moveTo>
+                    <a:pt x="17664" y="2947947"/>
+                  </a:moveTo>
+                  <a:cubicBezTo>
+                    <a:pt x="17664" y="2900322"/>
+                    <a:pt x="-201411" y="490497"/>
+                    <a:pt x="903489" y="195222"/>
+                  </a:cubicBezTo>
+                  <a:cubicBezTo>
+                    <a:pt x="2008389" y="-100053"/>
+                    <a:pt x="2598939" y="-71478"/>
+                    <a:pt x="3560964" y="357147"/>
+                  </a:cubicBezTo>
+                  <a:cubicBezTo>
+                    <a:pt x="4522989" y="785772"/>
+                    <a:pt x="5253271" y="1338222"/>
+                    <a:pt x="5240602" y="2076409"/>
+                  </a:cubicBezTo>
+                  <a:cubicBezTo>
+                    <a:pt x="5227934" y="2814597"/>
+                    <a:pt x="4842267" y="3677276"/>
+                    <a:pt x="4568328" y="3879397"/>
+                  </a:cubicBezTo>
+                  <a:cubicBezTo>
+                    <a:pt x="4294389" y="4081422"/>
+                    <a:pt x="4065789" y="4548147"/>
+                    <a:pt x="3284739" y="4605297"/>
+                  </a:cubicBezTo>
+                  <a:cubicBezTo>
+                    <a:pt x="2503689" y="4662447"/>
+                    <a:pt x="1579764" y="5110122"/>
+                    <a:pt x="1074939" y="4357647"/>
+                  </a:cubicBezTo>
+                  <a:cubicBezTo>
+                    <a:pt x="570114" y="3605172"/>
+                    <a:pt x="12615" y="3617554"/>
+                    <a:pt x="15187" y="2830313"/>
+                  </a:cubicBezTo>
+                </a:path>
+              </a:pathLst>
+            </a:custGeom>
+            <a:grpFill/>
+            <a:ln w="9525" cap="flat">
+              <a:noFill/>
+              <a:prstDash val="solid"/>
+              <a:miter/>
+            </a:ln>
+          </p:spPr>
+          <p:txBody>
+            <a:bodyPr rtlCol="0" anchor="ctr"/>
+            <a:lstStyle/>
+            <a:p>
+              <a:endParaRPr lang="en-US"/>
+            </a:p>
+          </p:txBody>
+        </p:sp>
+        <p:sp>
+          <p:nvSpPr>
+            <p:cNvPr id="49" name="Freeform: Shape 48">
+              <a:extLst>
+                <a:ext uri="{FF2B5EF4-FFF2-40B4-BE49-F238E27FC236}">
+                  <a16:creationId xmlns:a16="http://schemas.microsoft.com/office/drawing/2014/main" id="{B35EADCB-1DB5-4B69-892B-14567F5280EF}"/>
+                </a:ext>
+                <a:ext uri="{C183D7F6-B498-43B3-948B-1728B52AA6E4}">
+                  <adec:decorative xmlns:adec="http://schemas.microsoft.com/office/drawing/2017/decorative" val="1"/>
+                </a:ext>
+              </a:extLst>
+            </p:cNvPr>
+            <p:cNvSpPr/>
+            <p:nvPr>
+              <p:extLst>
+                <p:ext uri="{386F3935-93C4-4BCD-93E2-E3B085C9AB24}">
+                  <p16:designElem xmlns:p16="http://schemas.microsoft.com/office/powerpoint/2015/main" val="1"/>
+                </p:ext>
+              </p:extLst>
+            </p:nvPr>
+          </p:nvSpPr>
+          <p:spPr>
+            <a:xfrm>
+              <a:off x="11343727" y="3666564"/>
+              <a:ext cx="173527" cy="138496"/>
+            </a:xfrm>
+            <a:custGeom>
+              <a:avLst/>
+              <a:gdLst>
+                <a:gd name="connsiteX0" fmla="*/ 237392 w 789043"/>
+                <a:gd name="connsiteY0" fmla="*/ 81 h 629754"/>
+                <a:gd name="connsiteX1" fmla="*/ 758692 w 789043"/>
+                <a:gd name="connsiteY1" fmla="*/ 233550 h 629754"/>
+                <a:gd name="connsiteX2" fmla="*/ 650647 w 789043"/>
+                <a:gd name="connsiteY2" fmla="*/ 335111 h 629754"/>
+                <a:gd name="connsiteX3" fmla="*/ 315041 w 789043"/>
+                <a:gd name="connsiteY3" fmla="*/ 584992 h 629754"/>
+                <a:gd name="connsiteX4" fmla="*/ 192159 w 789043"/>
+                <a:gd name="connsiteY4" fmla="*/ 625953 h 629754"/>
+                <a:gd name="connsiteX5" fmla="*/ 124264 w 789043"/>
+                <a:gd name="connsiteY5" fmla="*/ 552260 h 629754"/>
+                <a:gd name="connsiteX6" fmla="*/ 1631 w 789043"/>
+                <a:gd name="connsiteY6" fmla="*/ 133735 h 629754"/>
+                <a:gd name="connsiteX7" fmla="*/ 35422 w 789043"/>
+                <a:gd name="connsiteY7" fmla="*/ 14157 h 629754"/>
+                <a:gd name="connsiteX8" fmla="*/ 113728 w 789043"/>
+                <a:gd name="connsiteY8" fmla="*/ 378 h 629754"/>
+                <a:gd name="connsiteX9" fmla="*/ 237392 w 789043"/>
+                <a:gd name="connsiteY9" fmla="*/ 81 h 629754"/>
+              </a:gdLst>
+              <a:ahLst/>
+              <a:cxnLst>
+                <a:cxn ang="0">
+                  <a:pos x="connsiteX0" y="connsiteY0"/>
+                </a:cxn>
+                <a:cxn ang="0">
+                  <a:pos x="connsiteX1" y="connsiteY1"/>
+                </a:cxn>
+                <a:cxn ang="0">
+                  <a:pos x="connsiteX2" y="connsiteY2"/>
+                </a:cxn>
+                <a:cxn ang="0">
+                  <a:pos x="connsiteX3" y="connsiteY3"/>
+                </a:cxn>
+                <a:cxn ang="0">
+                  <a:pos x="connsiteX4" y="connsiteY4"/>
+                </a:cxn>
+                <a:cxn ang="0">
+                  <a:pos x="connsiteX5" y="connsiteY5"/>
+                </a:cxn>
+                <a:cxn ang="0">
+                  <a:pos x="connsiteX6" y="connsiteY6"/>
+                </a:cxn>
+                <a:cxn ang="0">
+                  <a:pos x="connsiteX7" y="connsiteY7"/>
+                </a:cxn>
+                <a:cxn ang="0">
+                  <a:pos x="connsiteX8" y="connsiteY8"/>
+                </a:cxn>
+                <a:cxn ang="0">
+                  <a:pos x="connsiteX9" y="connsiteY9"/>
+                </a:cxn>
+              </a:cxnLst>
+              <a:rect l="l" t="t" r="r" b="b"/>
+              <a:pathLst>
+                <a:path w="789043" h="629754">
+                  <a:moveTo>
+                    <a:pt x="237392" y="81"/>
+                  </a:moveTo>
+                  <a:cubicBezTo>
+                    <a:pt x="474795" y="-992"/>
+                    <a:pt x="907215" y="10463"/>
+                    <a:pt x="758692" y="233550"/>
+                  </a:cubicBezTo>
+                  <a:cubicBezTo>
+                    <a:pt x="731135" y="274948"/>
+                    <a:pt x="690486" y="305435"/>
+                    <a:pt x="650647" y="335111"/>
+                  </a:cubicBezTo>
+                  <a:cubicBezTo>
+                    <a:pt x="538737" y="418405"/>
+                    <a:pt x="426889" y="501698"/>
+                    <a:pt x="315041" y="584992"/>
+                  </a:cubicBezTo>
+                  <a:cubicBezTo>
+                    <a:pt x="278943" y="611863"/>
+                    <a:pt x="234865" y="640167"/>
+                    <a:pt x="192159" y="625953"/>
+                  </a:cubicBezTo>
+                  <a:cubicBezTo>
+                    <a:pt x="159614" y="615105"/>
+                    <a:pt x="139851" y="582810"/>
+                    <a:pt x="124264" y="552260"/>
+                  </a:cubicBezTo>
+                  <a:cubicBezTo>
+                    <a:pt x="57742" y="422021"/>
+                    <a:pt x="15908" y="279250"/>
+                    <a:pt x="1631" y="133735"/>
+                  </a:cubicBezTo>
+                  <a:cubicBezTo>
+                    <a:pt x="-2671" y="90343"/>
+                    <a:pt x="-676" y="38596"/>
+                    <a:pt x="35422" y="14157"/>
+                  </a:cubicBezTo>
+                  <a:cubicBezTo>
+                    <a:pt x="57804" y="-931"/>
+                    <a:pt x="86795" y="-557"/>
+                    <a:pt x="113728" y="378"/>
+                  </a:cubicBezTo>
+                  <a:cubicBezTo>
+                    <a:pt x="138207" y="1243"/>
+                    <a:pt x="182606" y="328"/>
+                    <a:pt x="237392" y="81"/>
+                  </a:cubicBezTo>
+                  <a:close/>
+                </a:path>
+              </a:pathLst>
+            </a:custGeom>
+            <a:grpFill/>
+            <a:ln>
+              <a:noFill/>
+            </a:ln>
+          </p:spPr>
+          <p:style>
+            <a:lnRef idx="2">
+              <a:schemeClr val="accent1">
+                <a:shade val="50000"/>
+              </a:schemeClr>
+            </a:lnRef>
+            <a:fillRef idx="1">
+              <a:schemeClr val="accent1"/>
+            </a:fillRef>
+            <a:effectRef idx="0">
+              <a:schemeClr val="accent1"/>
+            </a:effectRef>
+            <a:fontRef idx="minor">
+              <a:schemeClr val="lt1"/>
+            </a:fontRef>
+          </p:style>
+          <p:txBody>
+            <a:bodyPr rtlCol="0" anchor="ctr"/>
+            <a:lstStyle/>
+            <a:p>
+              <a:pPr algn="ctr"/>
+              <a:endParaRPr lang="en-US" dirty="0"/>
+            </a:p>
+          </p:txBody>
+        </p:sp>
+      </p:grpSp>
+      <p:pic>
+        <p:nvPicPr>
+          <p:cNvPr id="1028" name="Picture 4">
+            <a:extLst>
+              <a:ext uri="{FF2B5EF4-FFF2-40B4-BE49-F238E27FC236}">
+                <a16:creationId xmlns:a16="http://schemas.microsoft.com/office/drawing/2014/main" id="{5AA68EBD-14F5-4B84-B51B-B7F90691F4B0}"/>
+              </a:ext>
+            </a:extLst>
+          </p:cNvPr>
+          <p:cNvPicPr>
+            <a:picLocks noChangeAspect="1" noChangeArrowheads="1"/>
+          </p:cNvPicPr>
+          <p:nvPr/>
+        </p:nvPicPr>
+        <p:blipFill rotWithShape="1">
+          <a:blip r:embed="rId2">
+            <a:clrChange>
+              <a:clrFrom>
+                <a:srgbClr val="FFFFFF"/>
+              </a:clrFrom>
+              <a:clrTo>
+                <a:srgbClr val="FFFFFF">
+                  <a:alpha val="0"/>
+                </a:srgbClr>
+              </a:clrTo>
+            </a:clrChange>
+            <a:extLst>
+              <a:ext uri="{28A0092B-C50C-407E-A947-70E740481C1C}">
+                <a14:useLocalDpi xmlns:a14="http://schemas.microsoft.com/office/drawing/2010/main" val="0"/>
+              </a:ext>
+            </a:extLst>
+          </a:blip>
+          <a:srcRect b="18253"/>
+          <a:stretch/>
+        </p:blipFill>
+        <p:spPr bwMode="auto">
+          <a:xfrm>
+            <a:off x="529809" y="1271963"/>
+            <a:ext cx="11365002" cy="4926418"/>
+          </a:xfrm>
+          <a:prstGeom prst="rect">
+            <a:avLst/>
+          </a:prstGeom>
+          <a:noFill/>
+          <a:extLst>
+            <a:ext uri="{909E8E84-426E-40DD-AFC4-6F175D3DCCD1}">
+              <a14:hiddenFill xmlns:a14="http://schemas.microsoft.com/office/drawing/2010/main">
+                <a:solidFill>
+                  <a:srgbClr val="FFFFFF"/>
+                </a:solidFill>
+              </a14:hiddenFill>
+            </a:ext>
+          </a:extLst>
+        </p:spPr>
+      </p:pic>
+      <p:sp>
+        <p:nvSpPr>
+          <p:cNvPr id="39" name="CuadroTexto 38">
+            <a:extLst>
+              <a:ext uri="{FF2B5EF4-FFF2-40B4-BE49-F238E27FC236}">
+                <a16:creationId xmlns:a16="http://schemas.microsoft.com/office/drawing/2014/main" id="{DF46FD23-0D72-4B7D-AE5F-E663BB23169B}"/>
+              </a:ext>
+            </a:extLst>
+          </p:cNvPr>
+          <p:cNvSpPr txBox="1"/>
+          <p:nvPr/>
+        </p:nvSpPr>
+        <p:spPr>
+          <a:xfrm>
+            <a:off x="2338919" y="603574"/>
+            <a:ext cx="7514161" cy="707886"/>
+          </a:xfrm>
+          <a:prstGeom prst="rect">
+            <a:avLst/>
+          </a:prstGeom>
+          <a:noFill/>
+        </p:spPr>
+        <p:txBody>
+          <a:bodyPr wrap="square" rtlCol="0">
+            <a:spAutoFit/>
+          </a:bodyPr>
+          <a:lstStyle/>
+          <a:p>
+            <a:pPr algn="ctr"/>
+            <a:r>
+              <a:rPr lang="es-ES" sz="4000" i="1" dirty="0">
+                <a:latin typeface="Modern Love Caps" panose="04070805081001020A01" pitchFamily="82" charset="0"/>
+              </a:rPr>
+              <a:t>PROCESO DE VENTAS </a:t>
+            </a:r>
+            <a:endParaRPr lang="es-CO" sz="4000" i="1" dirty="0"/>
+          </a:p>
+        </p:txBody>
+      </p:sp>
+    </p:spTree>
+    <p:extLst>
+      <p:ext uri="{BB962C8B-B14F-4D97-AF65-F5344CB8AC3E}">
+        <p14:creationId xmlns:p14="http://schemas.microsoft.com/office/powerpoint/2010/main" val="2560347935"/>
       </p:ext>
     </p:extLst>
   </p:cSld>
